--- a/efop/03/Programozók világa.pptx
+++ b/efop/03/Programozók világa.pptx
@@ -112,6 +112,11 @@
       </a:defRPr>
     </a:lvl9pPr>
   </p:defaultTextStyle>
+  <p:extLst>
+    <p:ext uri="{EFAFB233-063F-42B5-8137-9DF3F51BA10A}">
+      <p15:sldGuideLst xmlns:p15="http://schemas.microsoft.com/office/powerpoint/2012/main"/>
+    </p:ext>
+  </p:extLst>
 </p:presentation>
 </file>
 
@@ -157,7 +162,7 @@
           </a:lstStyle>
           <a:p>
             <a:r>
-              <a:rPr lang="en-US" smtClean="0"/>
+              <a:rPr lang="en-US"/>
               <a:t>Click to edit Master title style</a:t>
             </a:r>
             <a:endParaRPr lang="hu-HU"/>
@@ -222,7 +227,7 @@
           </a:lstStyle>
           <a:p>
             <a:r>
-              <a:rPr lang="en-US" smtClean="0"/>
+              <a:rPr lang="en-US"/>
               <a:t>Click to edit Master subtitle style</a:t>
             </a:r>
             <a:endParaRPr lang="hu-HU"/>
@@ -246,7 +251,7 @@
           <a:p>
             <a:fld id="{20357631-FF36-4D82-B011-A26686633743}" type="datetimeFigureOut">
               <a:rPr lang="hu-HU" smtClean="0"/>
-              <a:t>2018.09.28.</a:t>
+              <a:t>2018. 09. 30.</a:t>
             </a:fld>
             <a:endParaRPr lang="hu-HU"/>
           </a:p>
@@ -340,7 +345,7 @@
           <a:lstStyle/>
           <a:p>
             <a:r>
-              <a:rPr lang="en-US" smtClean="0"/>
+              <a:rPr lang="en-US"/>
               <a:t>Click to edit Master title style</a:t>
             </a:r>
             <a:endParaRPr lang="hu-HU"/>
@@ -364,35 +369,35 @@
           <a:p>
             <a:pPr lvl="0"/>
             <a:r>
-              <a:rPr lang="en-US" smtClean="0"/>
+              <a:rPr lang="en-US"/>
               <a:t>Edit Master text styles</a:t>
             </a:r>
           </a:p>
           <a:p>
             <a:pPr lvl="1"/>
             <a:r>
-              <a:rPr lang="en-US" smtClean="0"/>
+              <a:rPr lang="en-US"/>
               <a:t>Second level</a:t>
             </a:r>
           </a:p>
           <a:p>
             <a:pPr lvl="2"/>
             <a:r>
-              <a:rPr lang="en-US" smtClean="0"/>
+              <a:rPr lang="en-US"/>
               <a:t>Third level</a:t>
             </a:r>
           </a:p>
           <a:p>
             <a:pPr lvl="3"/>
             <a:r>
-              <a:rPr lang="en-US" smtClean="0"/>
+              <a:rPr lang="en-US"/>
               <a:t>Fourth level</a:t>
             </a:r>
           </a:p>
           <a:p>
             <a:pPr lvl="4"/>
             <a:r>
-              <a:rPr lang="en-US" smtClean="0"/>
+              <a:rPr lang="en-US"/>
               <a:t>Fifth level</a:t>
             </a:r>
             <a:endParaRPr lang="hu-HU"/>
@@ -416,7 +421,7 @@
           <a:p>
             <a:fld id="{20357631-FF36-4D82-B011-A26686633743}" type="datetimeFigureOut">
               <a:rPr lang="hu-HU" smtClean="0"/>
-              <a:t>2018.09.28.</a:t>
+              <a:t>2018. 09. 30.</a:t>
             </a:fld>
             <a:endParaRPr lang="hu-HU"/>
           </a:p>
@@ -515,7 +520,7 @@
           <a:lstStyle/>
           <a:p>
             <a:r>
-              <a:rPr lang="en-US" smtClean="0"/>
+              <a:rPr lang="en-US"/>
               <a:t>Click to edit Master title style</a:t>
             </a:r>
             <a:endParaRPr lang="hu-HU"/>
@@ -544,35 +549,35 @@
           <a:p>
             <a:pPr lvl="0"/>
             <a:r>
-              <a:rPr lang="en-US" smtClean="0"/>
+              <a:rPr lang="en-US"/>
               <a:t>Edit Master text styles</a:t>
             </a:r>
           </a:p>
           <a:p>
             <a:pPr lvl="1"/>
             <a:r>
-              <a:rPr lang="en-US" smtClean="0"/>
+              <a:rPr lang="en-US"/>
               <a:t>Second level</a:t>
             </a:r>
           </a:p>
           <a:p>
             <a:pPr lvl="2"/>
             <a:r>
-              <a:rPr lang="en-US" smtClean="0"/>
+              <a:rPr lang="en-US"/>
               <a:t>Third level</a:t>
             </a:r>
           </a:p>
           <a:p>
             <a:pPr lvl="3"/>
             <a:r>
-              <a:rPr lang="en-US" smtClean="0"/>
+              <a:rPr lang="en-US"/>
               <a:t>Fourth level</a:t>
             </a:r>
           </a:p>
           <a:p>
             <a:pPr lvl="4"/>
             <a:r>
-              <a:rPr lang="en-US" smtClean="0"/>
+              <a:rPr lang="en-US"/>
               <a:t>Fifth level</a:t>
             </a:r>
             <a:endParaRPr lang="hu-HU"/>
@@ -596,7 +601,7 @@
           <a:p>
             <a:fld id="{20357631-FF36-4D82-B011-A26686633743}" type="datetimeFigureOut">
               <a:rPr lang="hu-HU" smtClean="0"/>
-              <a:t>2018.09.28.</a:t>
+              <a:t>2018. 09. 30.</a:t>
             </a:fld>
             <a:endParaRPr lang="hu-HU"/>
           </a:p>
@@ -690,7 +695,7 @@
           <a:lstStyle/>
           <a:p>
             <a:r>
-              <a:rPr lang="en-US" smtClean="0"/>
+              <a:rPr lang="en-US"/>
               <a:t>Click to edit Master title style</a:t>
             </a:r>
             <a:endParaRPr lang="hu-HU"/>
@@ -714,35 +719,35 @@
           <a:p>
             <a:pPr lvl="0"/>
             <a:r>
-              <a:rPr lang="en-US" smtClean="0"/>
+              <a:rPr lang="en-US"/>
               <a:t>Edit Master text styles</a:t>
             </a:r>
           </a:p>
           <a:p>
             <a:pPr lvl="1"/>
             <a:r>
-              <a:rPr lang="en-US" smtClean="0"/>
+              <a:rPr lang="en-US"/>
               <a:t>Second level</a:t>
             </a:r>
           </a:p>
           <a:p>
             <a:pPr lvl="2"/>
             <a:r>
-              <a:rPr lang="en-US" smtClean="0"/>
+              <a:rPr lang="en-US"/>
               <a:t>Third level</a:t>
             </a:r>
           </a:p>
           <a:p>
             <a:pPr lvl="3"/>
             <a:r>
-              <a:rPr lang="en-US" smtClean="0"/>
+              <a:rPr lang="en-US"/>
               <a:t>Fourth level</a:t>
             </a:r>
           </a:p>
           <a:p>
             <a:pPr lvl="4"/>
             <a:r>
-              <a:rPr lang="en-US" smtClean="0"/>
+              <a:rPr lang="en-US"/>
               <a:t>Fifth level</a:t>
             </a:r>
             <a:endParaRPr lang="hu-HU"/>
@@ -766,7 +771,7 @@
           <a:p>
             <a:fld id="{20357631-FF36-4D82-B011-A26686633743}" type="datetimeFigureOut">
               <a:rPr lang="hu-HU" smtClean="0"/>
-              <a:t>2018.09.28.</a:t>
+              <a:t>2018. 09. 30.</a:t>
             </a:fld>
             <a:endParaRPr lang="hu-HU"/>
           </a:p>
@@ -869,7 +874,7 @@
           </a:lstStyle>
           <a:p>
             <a:r>
-              <a:rPr lang="en-US" smtClean="0"/>
+              <a:rPr lang="en-US"/>
               <a:t>Click to edit Master title style</a:t>
             </a:r>
             <a:endParaRPr lang="hu-HU"/>
@@ -989,7 +994,7 @@
           <a:p>
             <a:pPr lvl="0"/>
             <a:r>
-              <a:rPr lang="en-US" smtClean="0"/>
+              <a:rPr lang="en-US"/>
               <a:t>Edit Master text styles</a:t>
             </a:r>
           </a:p>
@@ -1012,7 +1017,7 @@
           <a:p>
             <a:fld id="{20357631-FF36-4D82-B011-A26686633743}" type="datetimeFigureOut">
               <a:rPr lang="hu-HU" smtClean="0"/>
-              <a:t>2018.09.28.</a:t>
+              <a:t>2018. 09. 30.</a:t>
             </a:fld>
             <a:endParaRPr lang="hu-HU"/>
           </a:p>
@@ -1106,7 +1111,7 @@
           <a:lstStyle/>
           <a:p>
             <a:r>
-              <a:rPr lang="en-US" smtClean="0"/>
+              <a:rPr lang="en-US"/>
               <a:t>Click to edit Master title style</a:t>
             </a:r>
             <a:endParaRPr lang="hu-HU"/>
@@ -1135,35 +1140,35 @@
           <a:p>
             <a:pPr lvl="0"/>
             <a:r>
-              <a:rPr lang="en-US" smtClean="0"/>
+              <a:rPr lang="en-US"/>
               <a:t>Edit Master text styles</a:t>
             </a:r>
           </a:p>
           <a:p>
             <a:pPr lvl="1"/>
             <a:r>
-              <a:rPr lang="en-US" smtClean="0"/>
+              <a:rPr lang="en-US"/>
               <a:t>Second level</a:t>
             </a:r>
           </a:p>
           <a:p>
             <a:pPr lvl="2"/>
             <a:r>
-              <a:rPr lang="en-US" smtClean="0"/>
+              <a:rPr lang="en-US"/>
               <a:t>Third level</a:t>
             </a:r>
           </a:p>
           <a:p>
             <a:pPr lvl="3"/>
             <a:r>
-              <a:rPr lang="en-US" smtClean="0"/>
+              <a:rPr lang="en-US"/>
               <a:t>Fourth level</a:t>
             </a:r>
           </a:p>
           <a:p>
             <a:pPr lvl="4"/>
             <a:r>
-              <a:rPr lang="en-US" smtClean="0"/>
+              <a:rPr lang="en-US"/>
               <a:t>Fifth level</a:t>
             </a:r>
             <a:endParaRPr lang="hu-HU"/>
@@ -1192,35 +1197,35 @@
           <a:p>
             <a:pPr lvl="0"/>
             <a:r>
-              <a:rPr lang="en-US" smtClean="0"/>
+              <a:rPr lang="en-US"/>
               <a:t>Edit Master text styles</a:t>
             </a:r>
           </a:p>
           <a:p>
             <a:pPr lvl="1"/>
             <a:r>
-              <a:rPr lang="en-US" smtClean="0"/>
+              <a:rPr lang="en-US"/>
               <a:t>Second level</a:t>
             </a:r>
           </a:p>
           <a:p>
             <a:pPr lvl="2"/>
             <a:r>
-              <a:rPr lang="en-US" smtClean="0"/>
+              <a:rPr lang="en-US"/>
               <a:t>Third level</a:t>
             </a:r>
           </a:p>
           <a:p>
             <a:pPr lvl="3"/>
             <a:r>
-              <a:rPr lang="en-US" smtClean="0"/>
+              <a:rPr lang="en-US"/>
               <a:t>Fourth level</a:t>
             </a:r>
           </a:p>
           <a:p>
             <a:pPr lvl="4"/>
             <a:r>
-              <a:rPr lang="en-US" smtClean="0"/>
+              <a:rPr lang="en-US"/>
               <a:t>Fifth level</a:t>
             </a:r>
             <a:endParaRPr lang="hu-HU"/>
@@ -1244,7 +1249,7 @@
           <a:p>
             <a:fld id="{20357631-FF36-4D82-B011-A26686633743}" type="datetimeFigureOut">
               <a:rPr lang="hu-HU" smtClean="0"/>
-              <a:t>2018.09.28.</a:t>
+              <a:t>2018. 09. 30.</a:t>
             </a:fld>
             <a:endParaRPr lang="hu-HU"/>
           </a:p>
@@ -1343,7 +1348,7 @@
           <a:lstStyle/>
           <a:p>
             <a:r>
-              <a:rPr lang="en-US" smtClean="0"/>
+              <a:rPr lang="en-US"/>
               <a:t>Click to edit Master title style</a:t>
             </a:r>
             <a:endParaRPr lang="hu-HU"/>
@@ -1409,7 +1414,7 @@
           <a:p>
             <a:pPr lvl="0"/>
             <a:r>
-              <a:rPr lang="en-US" smtClean="0"/>
+              <a:rPr lang="en-US"/>
               <a:t>Edit Master text styles</a:t>
             </a:r>
           </a:p>
@@ -1437,35 +1442,35 @@
           <a:p>
             <a:pPr lvl="0"/>
             <a:r>
-              <a:rPr lang="en-US" smtClean="0"/>
+              <a:rPr lang="en-US"/>
               <a:t>Edit Master text styles</a:t>
             </a:r>
           </a:p>
           <a:p>
             <a:pPr lvl="1"/>
             <a:r>
-              <a:rPr lang="en-US" smtClean="0"/>
+              <a:rPr lang="en-US"/>
               <a:t>Second level</a:t>
             </a:r>
           </a:p>
           <a:p>
             <a:pPr lvl="2"/>
             <a:r>
-              <a:rPr lang="en-US" smtClean="0"/>
+              <a:rPr lang="en-US"/>
               <a:t>Third level</a:t>
             </a:r>
           </a:p>
           <a:p>
             <a:pPr lvl="3"/>
             <a:r>
-              <a:rPr lang="en-US" smtClean="0"/>
+              <a:rPr lang="en-US"/>
               <a:t>Fourth level</a:t>
             </a:r>
           </a:p>
           <a:p>
             <a:pPr lvl="4"/>
             <a:r>
-              <a:rPr lang="en-US" smtClean="0"/>
+              <a:rPr lang="en-US"/>
               <a:t>Fifth level</a:t>
             </a:r>
             <a:endParaRPr lang="hu-HU"/>
@@ -1531,7 +1536,7 @@
           <a:p>
             <a:pPr lvl="0"/>
             <a:r>
-              <a:rPr lang="en-US" smtClean="0"/>
+              <a:rPr lang="en-US"/>
               <a:t>Edit Master text styles</a:t>
             </a:r>
           </a:p>
@@ -1559,35 +1564,35 @@
           <a:p>
             <a:pPr lvl="0"/>
             <a:r>
-              <a:rPr lang="en-US" smtClean="0"/>
+              <a:rPr lang="en-US"/>
               <a:t>Edit Master text styles</a:t>
             </a:r>
           </a:p>
           <a:p>
             <a:pPr lvl="1"/>
             <a:r>
-              <a:rPr lang="en-US" smtClean="0"/>
+              <a:rPr lang="en-US"/>
               <a:t>Second level</a:t>
             </a:r>
           </a:p>
           <a:p>
             <a:pPr lvl="2"/>
             <a:r>
-              <a:rPr lang="en-US" smtClean="0"/>
+              <a:rPr lang="en-US"/>
               <a:t>Third level</a:t>
             </a:r>
           </a:p>
           <a:p>
             <a:pPr lvl="3"/>
             <a:r>
-              <a:rPr lang="en-US" smtClean="0"/>
+              <a:rPr lang="en-US"/>
               <a:t>Fourth level</a:t>
             </a:r>
           </a:p>
           <a:p>
             <a:pPr lvl="4"/>
             <a:r>
-              <a:rPr lang="en-US" smtClean="0"/>
+              <a:rPr lang="en-US"/>
               <a:t>Fifth level</a:t>
             </a:r>
             <a:endParaRPr lang="hu-HU"/>
@@ -1611,7 +1616,7 @@
           <a:p>
             <a:fld id="{20357631-FF36-4D82-B011-A26686633743}" type="datetimeFigureOut">
               <a:rPr lang="hu-HU" smtClean="0"/>
-              <a:t>2018.09.28.</a:t>
+              <a:t>2018. 09. 30.</a:t>
             </a:fld>
             <a:endParaRPr lang="hu-HU"/>
           </a:p>
@@ -1705,7 +1710,7 @@
           <a:lstStyle/>
           <a:p>
             <a:r>
-              <a:rPr lang="en-US" smtClean="0"/>
+              <a:rPr lang="en-US"/>
               <a:t>Click to edit Master title style</a:t>
             </a:r>
             <a:endParaRPr lang="hu-HU"/>
@@ -1729,7 +1734,7 @@
           <a:p>
             <a:fld id="{20357631-FF36-4D82-B011-A26686633743}" type="datetimeFigureOut">
               <a:rPr lang="hu-HU" smtClean="0"/>
-              <a:t>2018.09.28.</a:t>
+              <a:t>2018. 09. 30.</a:t>
             </a:fld>
             <a:endParaRPr lang="hu-HU"/>
           </a:p>
@@ -1824,7 +1829,7 @@
           <a:p>
             <a:fld id="{20357631-FF36-4D82-B011-A26686633743}" type="datetimeFigureOut">
               <a:rPr lang="hu-HU" smtClean="0"/>
-              <a:t>2018.09.28.</a:t>
+              <a:t>2018. 09. 30.</a:t>
             </a:fld>
             <a:endParaRPr lang="hu-HU"/>
           </a:p>
@@ -1927,7 +1932,7 @@
           </a:lstStyle>
           <a:p>
             <a:r>
-              <a:rPr lang="en-US" smtClean="0"/>
+              <a:rPr lang="en-US"/>
               <a:t>Click to edit Master title style</a:t>
             </a:r>
             <a:endParaRPr lang="hu-HU"/>
@@ -1984,35 +1989,35 @@
           <a:p>
             <a:pPr lvl="0"/>
             <a:r>
-              <a:rPr lang="en-US" smtClean="0"/>
+              <a:rPr lang="en-US"/>
               <a:t>Edit Master text styles</a:t>
             </a:r>
           </a:p>
           <a:p>
             <a:pPr lvl="1"/>
             <a:r>
-              <a:rPr lang="en-US" smtClean="0"/>
+              <a:rPr lang="en-US"/>
               <a:t>Second level</a:t>
             </a:r>
           </a:p>
           <a:p>
             <a:pPr lvl="2"/>
             <a:r>
-              <a:rPr lang="en-US" smtClean="0"/>
+              <a:rPr lang="en-US"/>
               <a:t>Third level</a:t>
             </a:r>
           </a:p>
           <a:p>
             <a:pPr lvl="3"/>
             <a:r>
-              <a:rPr lang="en-US" smtClean="0"/>
+              <a:rPr lang="en-US"/>
               <a:t>Fourth level</a:t>
             </a:r>
           </a:p>
           <a:p>
             <a:pPr lvl="4"/>
             <a:r>
-              <a:rPr lang="en-US" smtClean="0"/>
+              <a:rPr lang="en-US"/>
               <a:t>Fifth level</a:t>
             </a:r>
             <a:endParaRPr lang="hu-HU"/>
@@ -2078,7 +2083,7 @@
           <a:p>
             <a:pPr lvl="0"/>
             <a:r>
-              <a:rPr lang="en-US" smtClean="0"/>
+              <a:rPr lang="en-US"/>
               <a:t>Edit Master text styles</a:t>
             </a:r>
           </a:p>
@@ -2101,7 +2106,7 @@
           <a:p>
             <a:fld id="{20357631-FF36-4D82-B011-A26686633743}" type="datetimeFigureOut">
               <a:rPr lang="hu-HU" smtClean="0"/>
-              <a:t>2018.09.28.</a:t>
+              <a:t>2018. 09. 30.</a:t>
             </a:fld>
             <a:endParaRPr lang="hu-HU"/>
           </a:p>
@@ -2204,7 +2209,7 @@
           </a:lstStyle>
           <a:p>
             <a:r>
-              <a:rPr lang="en-US" smtClean="0"/>
+              <a:rPr lang="en-US"/>
               <a:t>Click to edit Master title style</a:t>
             </a:r>
             <a:endParaRPr lang="hu-HU"/>
@@ -2331,7 +2336,7 @@
           <a:p>
             <a:pPr lvl="0"/>
             <a:r>
-              <a:rPr lang="en-US" smtClean="0"/>
+              <a:rPr lang="en-US"/>
               <a:t>Edit Master text styles</a:t>
             </a:r>
           </a:p>
@@ -2354,7 +2359,7 @@
           <a:p>
             <a:fld id="{20357631-FF36-4D82-B011-A26686633743}" type="datetimeFigureOut">
               <a:rPr lang="hu-HU" smtClean="0"/>
-              <a:t>2018.09.28.</a:t>
+              <a:t>2018. 09. 30.</a:t>
             </a:fld>
             <a:endParaRPr lang="hu-HU"/>
           </a:p>
@@ -2463,7 +2468,7 @@
           <a:lstStyle/>
           <a:p>
             <a:r>
-              <a:rPr lang="en-US" smtClean="0"/>
+              <a:rPr lang="en-US"/>
               <a:t>Click to edit Master title style</a:t>
             </a:r>
             <a:endParaRPr lang="hu-HU"/>
@@ -2497,35 +2502,35 @@
           <a:p>
             <a:pPr lvl="0"/>
             <a:r>
-              <a:rPr lang="en-US" smtClean="0"/>
+              <a:rPr lang="en-US"/>
               <a:t>Edit Master text styles</a:t>
             </a:r>
           </a:p>
           <a:p>
             <a:pPr lvl="1"/>
             <a:r>
-              <a:rPr lang="en-US" smtClean="0"/>
+              <a:rPr lang="en-US"/>
               <a:t>Second level</a:t>
             </a:r>
           </a:p>
           <a:p>
             <a:pPr lvl="2"/>
             <a:r>
-              <a:rPr lang="en-US" smtClean="0"/>
+              <a:rPr lang="en-US"/>
               <a:t>Third level</a:t>
             </a:r>
           </a:p>
           <a:p>
             <a:pPr lvl="3"/>
             <a:r>
-              <a:rPr lang="en-US" smtClean="0"/>
+              <a:rPr lang="en-US"/>
               <a:t>Fourth level</a:t>
             </a:r>
           </a:p>
           <a:p>
             <a:pPr lvl="4"/>
             <a:r>
-              <a:rPr lang="en-US" smtClean="0"/>
+              <a:rPr lang="en-US"/>
               <a:t>Fifth level</a:t>
             </a:r>
             <a:endParaRPr lang="hu-HU"/>
@@ -2567,7 +2572,7 @@
           <a:p>
             <a:fld id="{20357631-FF36-4D82-B011-A26686633743}" type="datetimeFigureOut">
               <a:rPr lang="hu-HU" smtClean="0"/>
-              <a:t>2018.09.28.</a:t>
+              <a:t>2018. 09. 30.</a:t>
             </a:fld>
             <a:endParaRPr lang="hu-HU"/>
           </a:p>
@@ -2993,10 +2998,9 @@
           <a:lstStyle/>
           <a:p>
             <a:r>
-              <a:rPr lang="hu-HU" dirty="0" smtClean="0"/>
+              <a:rPr lang="hu-HU" dirty="0"/>
               <a:t>Programozók világa</a:t>
             </a:r>
-            <a:endParaRPr lang="hu-HU" dirty="0"/>
           </a:p>
         </p:txBody>
       </p:sp>
@@ -3027,7 +3031,7 @@
               <a:buChar char="•"/>
             </a:pPr>
             <a:r>
-              <a:rPr lang="hu-HU" dirty="0" smtClean="0"/>
+              <a:rPr lang="hu-HU" dirty="0"/>
               <a:t>Érdemes-e a programozói pályát választani?</a:t>
             </a:r>
           </a:p>
@@ -3037,7 +3041,7 @@
               <a:buChar char="•"/>
             </a:pPr>
             <a:r>
-              <a:rPr lang="hu-HU" dirty="0" smtClean="0"/>
+              <a:rPr lang="hu-HU" dirty="0"/>
               <a:t>Érdemes-e egyetemre járni a szakma megtanulásához?</a:t>
             </a:r>
           </a:p>
@@ -3047,7 +3051,7 @@
               <a:buChar char="•"/>
             </a:pPr>
             <a:r>
-              <a:rPr lang="hu-HU" dirty="0" smtClean="0"/>
+              <a:rPr lang="hu-HU" dirty="0"/>
               <a:t>Milyen lehetőségekkel, döntésekkel szembesültem az egyetem alatt?</a:t>
             </a:r>
           </a:p>
@@ -3057,7 +3061,7 @@
               <a:buChar char="•"/>
             </a:pPr>
             <a:r>
-              <a:rPr lang="hu-HU" dirty="0" smtClean="0"/>
+              <a:rPr lang="hu-HU" dirty="0"/>
               <a:t>Milyen az ipari, milyen az akadémiai élet?</a:t>
             </a:r>
           </a:p>
@@ -3110,10 +3114,9 @@
           <a:p>
             <a:pPr algn="ctr"/>
             <a:r>
-              <a:rPr lang="hu-HU" dirty="0" smtClean="0"/>
+              <a:rPr lang="hu-HU" dirty="0"/>
               <a:t>Magamról</a:t>
             </a:r>
-            <a:endParaRPr lang="hu-HU" dirty="0"/>
           </a:p>
         </p:txBody>
       </p:sp>
@@ -3138,59 +3141,69 @@
           <a:lstStyle/>
           <a:p>
             <a:r>
-              <a:rPr lang="hu-HU" sz="3200" dirty="0" smtClean="0"/>
+              <a:rPr lang="hu-HU" sz="3200" dirty="0"/>
               <a:t>Hol tartok jelenleg?</a:t>
             </a:r>
           </a:p>
           <a:p>
             <a:pPr lvl="1"/>
             <a:r>
-              <a:rPr lang="hu-HU" sz="2800" dirty="0" smtClean="0"/>
+              <a:rPr lang="hu-HU" sz="2800" dirty="0"/>
               <a:t>ELTE IK – MSc utolsó félév (diplamunka, záróvizsga)</a:t>
             </a:r>
           </a:p>
           <a:p>
             <a:pPr lvl="1"/>
             <a:r>
-              <a:rPr lang="hu-HU" sz="2800" dirty="0" smtClean="0"/>
+              <a:rPr lang="hu-HU" sz="2800" dirty="0"/>
               <a:t>Projektmunka az egyetemen (akadémiai tapasztalatok)</a:t>
             </a:r>
           </a:p>
           <a:p>
             <a:pPr lvl="1"/>
             <a:r>
-              <a:rPr lang="hu-HU" sz="2800" dirty="0" smtClean="0"/>
+              <a:rPr lang="hu-HU" sz="2800" dirty="0"/>
               <a:t>Gyakorlatok vezetése az egyetemen (oktatói tapasztalatok)</a:t>
             </a:r>
-            <a:endParaRPr lang="hu-HU" sz="2800" dirty="0" smtClean="0"/>
           </a:p>
           <a:p>
             <a:pPr lvl="1"/>
             <a:r>
-              <a:rPr lang="hu-HU" sz="2800" dirty="0" smtClean="0"/>
+              <a:rPr lang="hu-HU" sz="2800" dirty="0"/>
               <a:t>Graphisoft gyakornoka (ipari tapasztaltok)</a:t>
             </a:r>
           </a:p>
           <a:p>
             <a:r>
-              <a:rPr lang="hu-HU" sz="3200" dirty="0" smtClean="0"/>
+              <a:rPr lang="hu-HU" sz="3200" dirty="0"/>
               <a:t>Honnan indultam?</a:t>
             </a:r>
           </a:p>
           <a:p>
             <a:pPr lvl="1"/>
             <a:r>
-              <a:rPr lang="hu-HU" sz="2800" dirty="0" smtClean="0"/>
+              <a:rPr lang="hu-HU" sz="2800" dirty="0"/>
               <a:t>Gimnázium, humán (magyar-töri) tagozat..</a:t>
             </a:r>
           </a:p>
           <a:p>
             <a:pPr lvl="1"/>
             <a:r>
-              <a:rPr lang="hu-HU" sz="2800" dirty="0" smtClean="0"/>
+              <a:rPr lang="hu-HU" sz="2800" dirty="0"/>
               <a:t>Fél év alatt felkészülés az emelt infóra.. (Lehetséges!)</a:t>
             </a:r>
-            <a:endParaRPr lang="hu-HU" sz="3200" dirty="0" smtClean="0"/>
+          </a:p>
+          <a:p>
+            <a:pPr lvl="1"/>
+            <a:r>
+              <a:rPr lang="hu-HU" sz="2800" dirty="0"/>
+              <a:t>(Magántanárral a legkönnyebb, én is </a:t>
+            </a:r>
+            <a:r>
+              <a:rPr lang="hu-HU" sz="2800"/>
+              <a:t>vállalok diákokat..)</a:t>
+            </a:r>
+            <a:endParaRPr lang="hu-HU" sz="3200" dirty="0"/>
           </a:p>
           <a:p>
             <a:endParaRPr lang="hu-HU" dirty="0"/>
@@ -3242,11 +3255,11 @@
           <a:bodyPr/>
           <a:lstStyle/>
           <a:p>
-            <a:r>
-              <a:rPr lang="hu-HU" dirty="0" smtClean="0"/>
+            <a:pPr algn="ctr"/>
+            <a:r>
+              <a:rPr lang="hu-HU" dirty="0"/>
               <a:t>Miért választottam a programozói pályát?</a:t>
             </a:r>
-            <a:endParaRPr lang="hu-HU" dirty="0"/>
           </a:p>
         </p:txBody>
       </p:sp>
@@ -3271,26 +3284,25 @@
           <a:lstStyle/>
           <a:p>
             <a:r>
-              <a:rPr lang="hu-HU" dirty="0" smtClean="0"/>
+              <a:rPr lang="hu-HU" dirty="0"/>
               <a:t>Megszerettem a matekot</a:t>
             </a:r>
           </a:p>
           <a:p>
             <a:r>
-              <a:rPr lang="hu-HU" dirty="0" smtClean="0"/>
+              <a:rPr lang="hu-HU" dirty="0"/>
               <a:t>Mérnöki pályát szerettem volna</a:t>
             </a:r>
-            <a:endParaRPr lang="hu-HU" dirty="0" smtClean="0"/>
-          </a:p>
-          <a:p>
-            <a:r>
-              <a:rPr lang="hu-HU" dirty="0" smtClean="0"/>
+          </a:p>
+          <a:p>
+            <a:r>
+              <a:rPr lang="hu-HU" dirty="0"/>
               <a:t>Érdekelt a programozás, és láttam magamban kompetenciát rá</a:t>
             </a:r>
           </a:p>
           <a:p>
             <a:r>
-              <a:rPr lang="hu-HU" dirty="0" smtClean="0"/>
+              <a:rPr lang="hu-HU" dirty="0"/>
               <a:t>A pénz csak az utolsó szempont volt..</a:t>
             </a:r>
           </a:p>
@@ -3343,10 +3355,9 @@
           <a:p>
             <a:pPr algn="ctr"/>
             <a:r>
-              <a:rPr lang="hu-HU" dirty="0" smtClean="0"/>
+              <a:rPr lang="hu-HU" dirty="0"/>
               <a:t>Menjünk-e egyetemre?</a:t>
             </a:r>
-            <a:endParaRPr lang="hu-HU" dirty="0"/>
           </a:p>
         </p:txBody>
       </p:sp>
@@ -3360,95 +3371,98 @@
             <p:ph idx="1"/>
           </p:nvPr>
         </p:nvSpPr>
-        <p:spPr/>
+        <p:spPr>
+          <a:xfrm>
+            <a:off x="838200" y="1825625"/>
+            <a:ext cx="10515600" cy="4667250"/>
+          </a:xfrm>
+        </p:spPr>
         <p:txBody>
           <a:bodyPr>
-            <a:normAutofit fontScale="92500" lnSpcReduction="20000"/>
+            <a:normAutofit fontScale="92500" lnSpcReduction="10000"/>
           </a:bodyPr>
           <a:lstStyle/>
           <a:p>
             <a:r>
-              <a:rPr lang="hu-HU" dirty="0" smtClean="0"/>
+              <a:rPr lang="hu-HU" dirty="0"/>
               <a:t>Pro</a:t>
             </a:r>
           </a:p>
           <a:p>
             <a:pPr lvl="1"/>
             <a:r>
-              <a:rPr lang="hu-HU" dirty="0" smtClean="0"/>
+              <a:rPr lang="hu-HU" dirty="0"/>
               <a:t>A szakmán kívűl általános ismerteket is ad (jog, közgazdaság)</a:t>
             </a:r>
           </a:p>
           <a:p>
             <a:pPr lvl="1"/>
             <a:r>
-              <a:rPr lang="hu-HU" dirty="0" smtClean="0"/>
+              <a:rPr lang="hu-HU" dirty="0"/>
               <a:t>Kialakul egy erős matemtikai szemlélet</a:t>
             </a:r>
           </a:p>
           <a:p>
             <a:pPr lvl="1"/>
             <a:r>
-              <a:rPr lang="hu-HU" dirty="0" smtClean="0"/>
+              <a:rPr lang="hu-HU" dirty="0"/>
               <a:t>Lehetőség a kutatómunkára, oktatásra</a:t>
             </a:r>
           </a:p>
           <a:p>
             <a:pPr lvl="1"/>
             <a:r>
-              <a:rPr lang="hu-HU" dirty="0" smtClean="0"/>
+              <a:rPr lang="hu-HU" dirty="0"/>
               <a:t>Egy mérnöki/természettudományos diplmát értékelnek a cégek (nem csak a programozócégek)</a:t>
             </a:r>
           </a:p>
           <a:p>
             <a:pPr lvl="1"/>
             <a:r>
-              <a:rPr lang="hu-HU" dirty="0" smtClean="0"/>
+              <a:rPr lang="hu-HU" dirty="0"/>
               <a:t>Kilépés a komfortzónából</a:t>
             </a:r>
-            <a:endParaRPr lang="hu-HU" dirty="0" smtClean="0"/>
           </a:p>
           <a:p>
             <a:pPr lvl="1"/>
             <a:r>
-              <a:rPr lang="hu-HU" dirty="0" smtClean="0"/>
+              <a:rPr lang="hu-HU" dirty="0"/>
               <a:t>Nincs haszontalan tudás: Van miről elmélkedni kocsmázás közben</a:t>
             </a:r>
           </a:p>
           <a:p>
             <a:r>
-              <a:rPr lang="hu-HU" dirty="0" smtClean="0"/>
+              <a:rPr lang="hu-HU" dirty="0"/>
               <a:t>Kontra</a:t>
             </a:r>
           </a:p>
           <a:p>
             <a:pPr lvl="1"/>
             <a:r>
-              <a:rPr lang="hu-HU" dirty="0" smtClean="0"/>
+              <a:rPr lang="hu-HU" dirty="0"/>
               <a:t>A matekos rész helyeként sok, túl elméleti</a:t>
             </a:r>
           </a:p>
           <a:p>
             <a:pPr lvl="1"/>
             <a:r>
-              <a:rPr lang="hu-HU" dirty="0" smtClean="0"/>
+              <a:rPr lang="hu-HU" dirty="0"/>
               <a:t>Eleve sokan kibuknak a matekon, mert másra számítanak</a:t>
             </a:r>
           </a:p>
           <a:p>
             <a:pPr lvl="1"/>
             <a:r>
-              <a:rPr lang="hu-HU" dirty="0" smtClean="0"/>
+              <a:rPr lang="hu-HU" dirty="0"/>
               <a:t>Sok önálló munkát igényel a szakma elsajátítása (ami részben jó is)</a:t>
             </a:r>
           </a:p>
           <a:p>
             <a:pPr lvl="1"/>
             <a:r>
-              <a:rPr lang="hu-HU" dirty="0" smtClean="0"/>
+              <a:rPr lang="hu-HU" dirty="0"/>
               <a:t>Néha a kreativitás rovására erőltetnek egy szemléletet</a:t>
             </a:r>
-            <a:endParaRPr lang="hu-HU" dirty="0"/>
           </a:p>
         </p:txBody>
       </p:sp>
@@ -3499,10 +3513,9 @@
           <a:p>
             <a:pPr algn="ctr"/>
             <a:r>
-              <a:rPr lang="hu-HU" dirty="0" smtClean="0"/>
+              <a:rPr lang="hu-HU" dirty="0"/>
               <a:t>Milyen lehetőségek vannak még a programozó egyeten kívűl?</a:t>
             </a:r>
-            <a:endParaRPr lang="hu-HU" dirty="0"/>
           </a:p>
         </p:txBody>
       </p:sp>
@@ -3524,40 +3537,39 @@
           <a:lstStyle/>
           <a:p>
             <a:r>
-              <a:rPr lang="hu-HU" dirty="0" smtClean="0"/>
+              <a:rPr lang="hu-HU" dirty="0"/>
               <a:t>OKJ (nem javaslom, annak sem, aki nem akar matekot)</a:t>
             </a:r>
           </a:p>
           <a:p>
             <a:r>
-              <a:rPr lang="hu-HU" dirty="0" smtClean="0"/>
+              <a:rPr lang="hu-HU" dirty="0"/>
               <a:t>Felősoktatási szakképzés (BGE-n van pl)</a:t>
             </a:r>
           </a:p>
           <a:p>
             <a:r>
-              <a:rPr lang="hu-HU" dirty="0" smtClean="0"/>
+              <a:rPr lang="hu-HU" dirty="0"/>
               <a:t>Cégek által hírdetett képzések, magániskolák.. (nincs releváns tapasztaltom)</a:t>
             </a:r>
           </a:p>
           <a:p>
             <a:r>
-              <a:rPr lang="hu-HU" dirty="0" smtClean="0"/>
-              <a:t>Igazából bármilyen természettudományos vagy mérnöki végzettség megteszi.. (pl. gépészmérnök, fizikus, matematikus, matektanár, vegyész, stb..)</a:t>
-            </a:r>
-          </a:p>
-          <a:p>
-            <a:r>
-              <a:rPr lang="hu-HU" dirty="0" smtClean="0"/>
+              <a:rPr lang="hu-HU" dirty="0"/>
+              <a:t>Igazából bármilyen természettudományos vagy mérnöki végzettség megteszi.. (pl. villamosmérnök, gépészmérnök, fizikus, matematikus, matektanár, vegyész, stb..)</a:t>
+            </a:r>
+          </a:p>
+          <a:p>
+            <a:r>
+              <a:rPr lang="hu-HU" dirty="0"/>
               <a:t>Fontos, hogy ne erőltessük se a szakmát se az egyetemet, ha nem érezzük az affinitást magunkban.. (személyes tapasztalatok..)</a:t>
             </a:r>
           </a:p>
           <a:p>
             <a:r>
-              <a:rPr lang="hu-HU" dirty="0" smtClean="0"/>
+              <a:rPr lang="hu-HU" dirty="0"/>
               <a:t>Fél évig lehet meggondolni magad</a:t>
             </a:r>
-            <a:endParaRPr lang="hu-HU" dirty="0"/>
           </a:p>
         </p:txBody>
       </p:sp>
@@ -3608,10 +3620,9 @@
           <a:p>
             <a:pPr algn="ctr"/>
             <a:r>
-              <a:rPr lang="hu-HU" dirty="0" smtClean="0"/>
+              <a:rPr lang="hu-HU" dirty="0"/>
               <a:t>Tantervi refom az ELTE-n</a:t>
             </a:r>
-            <a:endParaRPr lang="hu-HU" dirty="0"/>
           </a:p>
         </p:txBody>
       </p:sp>
@@ -3636,44 +3647,43 @@
           <a:lstStyle/>
           <a:p>
             <a:r>
-              <a:rPr lang="hu-HU" dirty="0" smtClean="0"/>
+              <a:rPr lang="hu-HU" dirty="0"/>
               <a:t>Régi tanrendeben tanultam, de része voltam az egyik programozó tárgy tannyagfejlesztésének és oktatásának</a:t>
             </a:r>
           </a:p>
           <a:p>
             <a:r>
-              <a:rPr lang="hu-HU" dirty="0" smtClean="0"/>
+              <a:rPr lang="hu-HU" dirty="0"/>
               <a:t>Fontosabb változások:</a:t>
             </a:r>
           </a:p>
           <a:p>
             <a:pPr lvl="1"/>
             <a:r>
-              <a:rPr lang="hu-HU" dirty="0" smtClean="0"/>
-              <a:t>Jobban elkülönül a három szakirány</a:t>
+              <a:rPr lang="hu-HU" dirty="0"/>
+              <a:t>Jobban elkülönül a három szakirány (szoftverfejlesztői, alkalmazói, modellezői)</a:t>
             </a:r>
           </a:p>
           <a:p>
             <a:pPr lvl="1"/>
             <a:r>
-              <a:rPr lang="hu-HU" dirty="0" smtClean="0"/>
+              <a:rPr lang="hu-HU" dirty="0"/>
               <a:t>Kevesebb matek a nem-matekos szakirányokon (kevesebb elméleti analízis)</a:t>
             </a:r>
           </a:p>
           <a:p>
             <a:pPr lvl="1"/>
             <a:r>
-              <a:rPr lang="hu-HU" dirty="0" smtClean="0"/>
+              <a:rPr lang="hu-HU" dirty="0"/>
               <a:t>Első félévben inkább szakmai tárgyak vannak (sok nyelv: C, Phyton, funkcionális nyelv, script nyelvek), kevés matek</a:t>
             </a:r>
           </a:p>
           <a:p>
             <a:pPr lvl="1"/>
             <a:r>
-              <a:rPr lang="hu-HU" dirty="0" smtClean="0"/>
+              <a:rPr lang="hu-HU" dirty="0"/>
               <a:t>Egy fokkal gyakorlatiasabb képzés felé mozdult el az egyetem</a:t>
             </a:r>
-            <a:endParaRPr lang="hu-HU" dirty="0"/>
           </a:p>
         </p:txBody>
       </p:sp>
@@ -3723,10 +3733,9 @@
           <a:lstStyle/>
           <a:p>
             <a:r>
-              <a:rPr lang="hu-HU" dirty="0" smtClean="0"/>
+              <a:rPr lang="hu-HU" dirty="0"/>
               <a:t>Milyen lehetőségeid vannak az egyetemen?</a:t>
             </a:r>
-            <a:endParaRPr lang="hu-HU" dirty="0"/>
           </a:p>
         </p:txBody>
       </p:sp>
@@ -3753,55 +3762,54 @@
           <a:lstStyle/>
           <a:p>
             <a:r>
-              <a:rPr lang="hu-HU" dirty="0" smtClean="0"/>
+              <a:rPr lang="hu-HU" dirty="0"/>
               <a:t>Alapkzés eleje: Minél többet megpróbálasz fejlődni szakmailag a tárgyakon, valamint otthon</a:t>
             </a:r>
           </a:p>
           <a:p>
             <a:r>
-              <a:rPr lang="hu-HU" dirty="0" smtClean="0"/>
+              <a:rPr lang="hu-HU" dirty="0"/>
               <a:t>Alapkézés vége: Több lehetőség</a:t>
             </a:r>
           </a:p>
           <a:p>
             <a:pPr lvl="1"/>
             <a:r>
-              <a:rPr lang="hu-HU" dirty="0" smtClean="0"/>
+              <a:rPr lang="hu-HU" dirty="0"/>
               <a:t>Bekerülhetsz projektmunkákba, akár pénzt is kaphatsz érte, a szakdogozatodat és a szakmai gyakorlatod is letduhatod ennek keretében</a:t>
             </a:r>
           </a:p>
           <a:p>
             <a:pPr lvl="1"/>
             <a:r>
-              <a:rPr lang="hu-HU" dirty="0" smtClean="0"/>
-              <a:t>Elmozdulsz az ipar felé, szakmai gyakorlat révén, ilyenkor a szakdolgozatod valószínűleg függettlen lesz a munkádtól</a:t>
-            </a:r>
-            <a:endParaRPr lang="hu-HU" dirty="0"/>
-          </a:p>
-          <a:p>
-            <a:r>
-              <a:rPr lang="hu-HU" dirty="0" smtClean="0"/>
+              <a:rPr lang="hu-HU" dirty="0"/>
+              <a:t>Elmozdulsz az ipar felé, szakmai gyakorlat révén, ilyenkor a szakdolgozatod valószínűleg függettlen lesz a munkádtól (cégfüggő..)</a:t>
+            </a:r>
+          </a:p>
+          <a:p>
+            <a:r>
+              <a:rPr lang="hu-HU" dirty="0"/>
               <a:t>Mesterképzés eleje:</a:t>
             </a:r>
           </a:p>
           <a:p>
             <a:pPr lvl="1"/>
             <a:r>
-              <a:rPr lang="hu-HU" dirty="0" smtClean="0"/>
+              <a:rPr lang="hu-HU" dirty="0"/>
               <a:t>El sem kezded, elmész dolgozni, alapkézéssel már megfelelő szakismerted lesz valószínűleg hozzá</a:t>
             </a:r>
           </a:p>
           <a:p>
             <a:pPr lvl="1"/>
             <a:r>
-              <a:rPr lang="hu-HU" dirty="0" smtClean="0"/>
+              <a:rPr lang="hu-HU" dirty="0"/>
               <a:t>Elkezded, és mellette diákmunkásként dolgozol (én ezt csináltam..)</a:t>
             </a:r>
           </a:p>
           <a:p>
             <a:pPr lvl="1"/>
             <a:r>
-              <a:rPr lang="hu-HU" dirty="0" smtClean="0"/>
+              <a:rPr lang="hu-HU" dirty="0"/>
               <a:t>Továbbá a projektmunkát is folytathatod, valamint gyakorlatvezetéseket is vállalhatsz</a:t>
             </a:r>
           </a:p>
@@ -3859,10 +3867,9 @@
           <a:p>
             <a:pPr algn="ctr"/>
             <a:r>
-              <a:rPr lang="hu-HU" dirty="0" smtClean="0"/>
+              <a:rPr lang="hu-HU" dirty="0"/>
               <a:t>Egyetemi karrier hosszabb távon</a:t>
             </a:r>
-            <a:endParaRPr lang="hu-HU" dirty="0"/>
           </a:p>
         </p:txBody>
       </p:sp>
@@ -3889,72 +3896,63 @@
           <a:lstStyle/>
           <a:p>
             <a:r>
-              <a:rPr lang="hu-HU" dirty="0" smtClean="0"/>
+              <a:rPr lang="hu-HU" dirty="0"/>
               <a:t>Ha elég elkötelezett vagy..</a:t>
             </a:r>
           </a:p>
           <a:p>
             <a:r>
-              <a:rPr lang="hu-HU" dirty="0" smtClean="0"/>
+              <a:rPr lang="hu-HU" dirty="0"/>
               <a:t>Dönthetsz úgy, hogy az ipar helyett az egyetemen folytatod a munkád</a:t>
             </a:r>
           </a:p>
           <a:p>
             <a:r>
-              <a:rPr lang="hu-HU" dirty="0" smtClean="0"/>
+              <a:rPr lang="hu-HU" dirty="0"/>
               <a:t>Doktori öszöndíj, pályázatok, órák tartása – elfogadható jövedelem</a:t>
             </a:r>
           </a:p>
           <a:p>
             <a:r>
-              <a:rPr lang="hu-HU" dirty="0" smtClean="0"/>
-              <a:t>Publikációk írása, doktori munka megírása, megvédése</a:t>
-            </a:r>
-          </a:p>
-          <a:p>
-            <a:r>
-              <a:rPr lang="hu-HU" dirty="0" smtClean="0"/>
+              <a:rPr lang="hu-HU" dirty="0"/>
+              <a:t>Publikációk írása, doktori munka megírása, megvédése, tárgyak is vannak..</a:t>
+            </a:r>
+          </a:p>
+          <a:p>
+            <a:r>
+              <a:rPr lang="hu-HU" dirty="0"/>
               <a:t>Rugalmas időbeosztás (annyit dolgozol, amit vállalsz)</a:t>
             </a:r>
           </a:p>
           <a:p>
             <a:r>
-              <a:rPr lang="hu-HU" dirty="0" smtClean="0"/>
+              <a:rPr lang="hu-HU" dirty="0"/>
               <a:t>Bizonytalanabb jövedelemforrás, sok felé szakadsz, könnyen túlvállalod magad</a:t>
             </a:r>
           </a:p>
           <a:p>
             <a:r>
-              <a:rPr lang="hu-HU" dirty="0" smtClean="0"/>
-              <a:t>Egyénibb munka, kissebb csataokban dolgozol csak</a:t>
-            </a:r>
-          </a:p>
-          <a:p>
-            <a:r>
-              <a:rPr lang="hu-HU" dirty="0" smtClean="0"/>
-              <a:t>A szakmát fejeszted, nem egy konkrét alklmazást (pl. </a:t>
-            </a:r>
-            <a:r>
-              <a:rPr lang="hu-HU" dirty="0"/>
-              <a:t>e</a:t>
-            </a:r>
-            <a:r>
-              <a:rPr lang="hu-HU" dirty="0" smtClean="0"/>
-              <a:t>gy programozási nyelvet..)</a:t>
-            </a:r>
-          </a:p>
-          <a:p>
-            <a:r>
-              <a:rPr lang="hu-HU" dirty="0" smtClean="0"/>
+              <a:rPr lang="hu-HU" dirty="0"/>
+              <a:t>Egyénibb munka, kisebb csapatokban dolgozol csak</a:t>
+            </a:r>
+          </a:p>
+          <a:p>
+            <a:r>
+              <a:rPr lang="hu-HU" dirty="0"/>
+              <a:t>A szakmát fejeszted, nem egy konkrét alklmazást (pl. egy programozási nyelvet..)</a:t>
+            </a:r>
+          </a:p>
+          <a:p>
+            <a:r>
+              <a:rPr lang="hu-HU" dirty="0"/>
               <a:t>Az ötleteidet valósíthatod meg, és általában nem egy ügyfél kivánságát</a:t>
             </a:r>
           </a:p>
           <a:p>
             <a:r>
-              <a:rPr lang="hu-HU" dirty="0" smtClean="0"/>
+              <a:rPr lang="hu-HU" dirty="0"/>
               <a:t>Innovatívabb</a:t>
             </a:r>
-            <a:endParaRPr lang="hu-HU" dirty="0"/>
           </a:p>
         </p:txBody>
       </p:sp>
@@ -4012,10 +4010,9 @@
           <a:p>
             <a:pPr algn="ctr"/>
             <a:r>
-              <a:rPr lang="hu-HU" dirty="0" smtClean="0"/>
+              <a:rPr lang="hu-HU" dirty="0"/>
               <a:t>Ipari munka</a:t>
             </a:r>
-            <a:endParaRPr lang="hu-HU" dirty="0"/>
           </a:p>
         </p:txBody>
       </p:sp>
@@ -4042,76 +4039,75 @@
           <a:lstStyle/>
           <a:p>
             <a:r>
-              <a:rPr lang="hu-HU" dirty="0" smtClean="0"/>
+              <a:rPr lang="hu-HU" dirty="0"/>
               <a:t>Magas alapjövedelem</a:t>
             </a:r>
           </a:p>
           <a:p>
             <a:r>
-              <a:rPr lang="hu-HU" dirty="0" smtClean="0"/>
-              <a:t>8 óra munka, 8 óra pihenés..</a:t>
-            </a:r>
-          </a:p>
-          <a:p>
-            <a:r>
-              <a:rPr lang="hu-HU" dirty="0" smtClean="0"/>
+              <a:rPr lang="hu-HU" dirty="0"/>
+              <a:t>8 óra munka, 8 óra pihenés.. (de ez is cégfüggő)</a:t>
+            </a:r>
+          </a:p>
+          <a:p>
+            <a:r>
+              <a:rPr lang="hu-HU" dirty="0"/>
               <a:t>Kódok írása</a:t>
             </a:r>
           </a:p>
           <a:p>
             <a:r>
-              <a:rPr lang="hu-HU" dirty="0" smtClean="0"/>
-              <a:t>Hatalmas kódbázisok értelmezése, felfogratása</a:t>
-            </a:r>
-          </a:p>
-          <a:p>
-            <a:r>
-              <a:rPr lang="hu-HU" dirty="0" smtClean="0"/>
+              <a:rPr lang="hu-HU" dirty="0"/>
+              <a:t>Hatalmas kódbázisok értelmezése, felforgatása</a:t>
+            </a:r>
+          </a:p>
+          <a:p>
+            <a:r>
+              <a:rPr lang="hu-HU" dirty="0"/>
               <a:t>Csapatmunka, feladatok szétválasztása, meetingek..</a:t>
             </a:r>
           </a:p>
           <a:p>
             <a:r>
-              <a:rPr lang="hu-HU" dirty="0" smtClean="0"/>
+              <a:rPr lang="hu-HU" dirty="0"/>
               <a:t>Szorosabb határidők</a:t>
             </a:r>
           </a:p>
           <a:p>
             <a:r>
-              <a:rPr lang="hu-HU" dirty="0" smtClean="0"/>
-              <a:t>Figyelni a kód tisztasága (jól érthetőségére)</a:t>
-            </a:r>
-          </a:p>
-          <a:p>
-            <a:r>
-              <a:rPr lang="hu-HU" dirty="0" smtClean="0"/>
+              <a:rPr lang="hu-HU" dirty="0"/>
+              <a:t>Figyelni a kód tisztaságára (jól érthetőségére)</a:t>
+            </a:r>
+          </a:p>
+          <a:p>
+            <a:r>
+              <a:rPr lang="hu-HU" dirty="0"/>
               <a:t>Prcezínek kell lenni, hogy minél kevesebbet hibázzunk</a:t>
             </a:r>
           </a:p>
           <a:p>
             <a:r>
-              <a:rPr lang="hu-HU" dirty="0" smtClean="0"/>
+              <a:rPr lang="hu-HU" dirty="0"/>
               <a:t>Úgyis hibázunk, tesztelni kell folyamatosan régi fejlesztéseket is..</a:t>
             </a:r>
           </a:p>
           <a:p>
             <a:r>
-              <a:rPr lang="hu-HU" dirty="0" smtClean="0"/>
+              <a:rPr lang="hu-HU" dirty="0"/>
               <a:t>Az akadémia jobban az új dolgok létrehozásáról szól, az iparban nagy hangsúlyt kap a meglévő fejlesztések karbantartása..</a:t>
             </a:r>
           </a:p>
           <a:p>
             <a:r>
-              <a:rPr lang="hu-HU" dirty="0" smtClean="0"/>
+              <a:rPr lang="hu-HU" dirty="0"/>
               <a:t>Csapatok vezetése, ügyfelekkel való értetlenkedés..</a:t>
             </a:r>
           </a:p>
           <a:p>
             <a:r>
-              <a:rPr lang="hu-HU" dirty="0" smtClean="0"/>
-              <a:t>Kevésbé innovatív, bár nagyobb foglalkoznak kutatás/fejlesztéssel (Ericcson, Google, Microsoft, stb)</a:t>
-            </a:r>
-            <a:endParaRPr lang="hu-HU" dirty="0"/>
+              <a:rPr lang="hu-HU" dirty="0"/>
+              <a:t>Kevésbé innovatív, bár nagyobb cégek foglalkoznak kutatás/fejlesztéssel (Ericcson, Google, Microsoft, stb)</a:t>
+            </a:r>
           </a:p>
         </p:txBody>
       </p:sp>

--- a/efop/03/Programozók világa.pptx
+++ b/efop/03/Programozók világa.pptx
@@ -13,7 +13,8 @@
     <p:sldId id="261" r:id="rId7"/>
     <p:sldId id="262" r:id="rId8"/>
     <p:sldId id="263" r:id="rId9"/>
-    <p:sldId id="264" r:id="rId10"/>
+    <p:sldId id="265" r:id="rId10"/>
+    <p:sldId id="264" r:id="rId11"/>
   </p:sldIdLst>
   <p:sldSz cx="12192000" cy="6858000"/>
   <p:notesSz cx="6858000" cy="9144000"/>
@@ -251,7 +252,7 @@
           <a:p>
             <a:fld id="{20357631-FF36-4D82-B011-A26686633743}" type="datetimeFigureOut">
               <a:rPr lang="hu-HU" smtClean="0"/>
-              <a:t>2018. 09. 30.</a:t>
+              <a:t>2018.10.01.</a:t>
             </a:fld>
             <a:endParaRPr lang="hu-HU"/>
           </a:p>
@@ -421,7 +422,7 @@
           <a:p>
             <a:fld id="{20357631-FF36-4D82-B011-A26686633743}" type="datetimeFigureOut">
               <a:rPr lang="hu-HU" smtClean="0"/>
-              <a:t>2018. 09. 30.</a:t>
+              <a:t>2018.10.01.</a:t>
             </a:fld>
             <a:endParaRPr lang="hu-HU"/>
           </a:p>
@@ -601,7 +602,7 @@
           <a:p>
             <a:fld id="{20357631-FF36-4D82-B011-A26686633743}" type="datetimeFigureOut">
               <a:rPr lang="hu-HU" smtClean="0"/>
-              <a:t>2018. 09. 30.</a:t>
+              <a:t>2018.10.01.</a:t>
             </a:fld>
             <a:endParaRPr lang="hu-HU"/>
           </a:p>
@@ -771,7 +772,7 @@
           <a:p>
             <a:fld id="{20357631-FF36-4D82-B011-A26686633743}" type="datetimeFigureOut">
               <a:rPr lang="hu-HU" smtClean="0"/>
-              <a:t>2018. 09. 30.</a:t>
+              <a:t>2018.10.01.</a:t>
             </a:fld>
             <a:endParaRPr lang="hu-HU"/>
           </a:p>
@@ -1017,7 +1018,7 @@
           <a:p>
             <a:fld id="{20357631-FF36-4D82-B011-A26686633743}" type="datetimeFigureOut">
               <a:rPr lang="hu-HU" smtClean="0"/>
-              <a:t>2018. 09. 30.</a:t>
+              <a:t>2018.10.01.</a:t>
             </a:fld>
             <a:endParaRPr lang="hu-HU"/>
           </a:p>
@@ -1249,7 +1250,7 @@
           <a:p>
             <a:fld id="{20357631-FF36-4D82-B011-A26686633743}" type="datetimeFigureOut">
               <a:rPr lang="hu-HU" smtClean="0"/>
-              <a:t>2018. 09. 30.</a:t>
+              <a:t>2018.10.01.</a:t>
             </a:fld>
             <a:endParaRPr lang="hu-HU"/>
           </a:p>
@@ -1616,7 +1617,7 @@
           <a:p>
             <a:fld id="{20357631-FF36-4D82-B011-A26686633743}" type="datetimeFigureOut">
               <a:rPr lang="hu-HU" smtClean="0"/>
-              <a:t>2018. 09. 30.</a:t>
+              <a:t>2018.10.01.</a:t>
             </a:fld>
             <a:endParaRPr lang="hu-HU"/>
           </a:p>
@@ -1734,7 +1735,7 @@
           <a:p>
             <a:fld id="{20357631-FF36-4D82-B011-A26686633743}" type="datetimeFigureOut">
               <a:rPr lang="hu-HU" smtClean="0"/>
-              <a:t>2018. 09. 30.</a:t>
+              <a:t>2018.10.01.</a:t>
             </a:fld>
             <a:endParaRPr lang="hu-HU"/>
           </a:p>
@@ -1829,7 +1830,7 @@
           <a:p>
             <a:fld id="{20357631-FF36-4D82-B011-A26686633743}" type="datetimeFigureOut">
               <a:rPr lang="hu-HU" smtClean="0"/>
-              <a:t>2018. 09. 30.</a:t>
+              <a:t>2018.10.01.</a:t>
             </a:fld>
             <a:endParaRPr lang="hu-HU"/>
           </a:p>
@@ -2106,7 +2107,7 @@
           <a:p>
             <a:fld id="{20357631-FF36-4D82-B011-A26686633743}" type="datetimeFigureOut">
               <a:rPr lang="hu-HU" smtClean="0"/>
-              <a:t>2018. 09. 30.</a:t>
+              <a:t>2018.10.01.</a:t>
             </a:fld>
             <a:endParaRPr lang="hu-HU"/>
           </a:p>
@@ -2359,7 +2360,7 @@
           <a:p>
             <a:fld id="{20357631-FF36-4D82-B011-A26686633743}" type="datetimeFigureOut">
               <a:rPr lang="hu-HU" smtClean="0"/>
-              <a:t>2018. 09. 30.</a:t>
+              <a:t>2018.10.01.</a:t>
             </a:fld>
             <a:endParaRPr lang="hu-HU"/>
           </a:p>
@@ -2424,9 +2425,14 @@
 <p:sldMaster xmlns:a="http://schemas.openxmlformats.org/drawingml/2006/main" xmlns:r="http://schemas.openxmlformats.org/officeDocument/2006/relationships" xmlns:p="http://schemas.openxmlformats.org/presentationml/2006/main">
   <p:cSld>
     <p:bg>
-      <p:bgRef idx="1001">
-        <a:schemeClr val="bg1"/>
-      </p:bgRef>
+      <p:bgPr>
+        <a:solidFill>
+          <a:schemeClr val="bg2">
+            <a:alpha val="50000"/>
+          </a:schemeClr>
+        </a:solidFill>
+        <a:effectLst/>
+      </p:bgPr>
     </p:bg>
     <p:spTree>
       <p:nvGrpSpPr>
@@ -2572,7 +2578,7 @@
           <a:p>
             <a:fld id="{20357631-FF36-4D82-B011-A26686633743}" type="datetimeFigureOut">
               <a:rPr lang="hu-HU" smtClean="0"/>
-              <a:t>2018. 09. 30.</a:t>
+              <a:t>2018.10.01.</a:t>
             </a:fld>
             <a:endParaRPr lang="hu-HU"/>
           </a:p>
@@ -3022,7 +3028,7 @@
         </p:spPr>
         <p:txBody>
           <a:bodyPr>
-            <a:normAutofit lnSpcReduction="10000"/>
+            <a:noAutofit/>
           </a:bodyPr>
           <a:lstStyle/>
           <a:p>
@@ -3031,7 +3037,7 @@
               <a:buChar char="•"/>
             </a:pPr>
             <a:r>
-              <a:rPr lang="hu-HU" dirty="0"/>
+              <a:rPr lang="hu-HU" sz="3200" dirty="0" smtClean="0"/>
               <a:t>Érdemes-e a programozói pályát választani?</a:t>
             </a:r>
           </a:p>
@@ -3041,7 +3047,7 @@
               <a:buChar char="•"/>
             </a:pPr>
             <a:r>
-              <a:rPr lang="hu-HU" dirty="0"/>
+              <a:rPr lang="hu-HU" sz="3200" dirty="0" smtClean="0"/>
               <a:t>Érdemes-e egyetemre járni a szakma megtanulásához?</a:t>
             </a:r>
           </a:p>
@@ -3051,7 +3057,7 @@
               <a:buChar char="•"/>
             </a:pPr>
             <a:r>
-              <a:rPr lang="hu-HU" dirty="0"/>
+              <a:rPr lang="hu-HU" sz="3200" dirty="0" smtClean="0"/>
               <a:t>Milyen lehetőségekkel, döntésekkel szembesültem az egyetem alatt?</a:t>
             </a:r>
           </a:p>
@@ -3061,9 +3067,10 @@
               <a:buChar char="•"/>
             </a:pPr>
             <a:r>
-              <a:rPr lang="hu-HU" dirty="0"/>
+              <a:rPr lang="hu-HU" sz="3200" dirty="0" smtClean="0"/>
               <a:t>Milyen az ipari, milyen az akadémiai élet?</a:t>
             </a:r>
+            <a:endParaRPr lang="hu-HU" sz="3200" dirty="0"/>
           </a:p>
         </p:txBody>
       </p:sp>
@@ -3071,6 +3078,168 @@
     <p:extLst>
       <p:ext uri="{BB962C8B-B14F-4D97-AF65-F5344CB8AC3E}">
         <p14:creationId xmlns:p14="http://schemas.microsoft.com/office/powerpoint/2010/main" val="1005734595"/>
+      </p:ext>
+    </p:extLst>
+  </p:cSld>
+  <p:clrMapOvr>
+    <a:masterClrMapping/>
+  </p:clrMapOvr>
+  <p:timing>
+    <p:tnLst>
+      <p:par>
+        <p:cTn id="1" dur="indefinite" restart="never" nodeType="tmRoot"/>
+      </p:par>
+    </p:tnLst>
+  </p:timing>
+</p:sld>
+</file>
+
+<file path=ppt/slides/slide10.xml><?xml version="1.0" encoding="utf-8"?>
+<p:sld xmlns:a="http://schemas.openxmlformats.org/drawingml/2006/main" xmlns:r="http://schemas.openxmlformats.org/officeDocument/2006/relationships" xmlns:p="http://schemas.openxmlformats.org/presentationml/2006/main">
+  <p:cSld>
+    <p:spTree>
+      <p:nvGrpSpPr>
+        <p:cNvPr id="1" name=""/>
+        <p:cNvGrpSpPr/>
+        <p:nvPr/>
+      </p:nvGrpSpPr>
+      <p:grpSpPr>
+        <a:xfrm>
+          <a:off x="0" y="0"/>
+          <a:ext cx="0" cy="0"/>
+          <a:chOff x="0" y="0"/>
+          <a:chExt cx="0" cy="0"/>
+        </a:xfrm>
+      </p:grpSpPr>
+      <p:sp>
+        <p:nvSpPr>
+          <p:cNvPr id="2" name="Title 1"/>
+          <p:cNvSpPr>
+            <a:spLocks noGrp="1"/>
+          </p:cNvSpPr>
+          <p:nvPr>
+            <p:ph type="title"/>
+          </p:nvPr>
+        </p:nvSpPr>
+        <p:spPr>
+          <a:xfrm>
+            <a:off x="838200" y="365125"/>
+            <a:ext cx="10515600" cy="793974"/>
+          </a:xfrm>
+        </p:spPr>
+        <p:txBody>
+          <a:bodyPr>
+            <a:normAutofit/>
+          </a:bodyPr>
+          <a:lstStyle/>
+          <a:p>
+            <a:pPr algn="ctr"/>
+            <a:r>
+              <a:rPr lang="hu-HU" dirty="0"/>
+              <a:t>Ipari munka</a:t>
+            </a:r>
+          </a:p>
+        </p:txBody>
+      </p:sp>
+      <p:sp>
+        <p:nvSpPr>
+          <p:cNvPr id="3" name="Content Placeholder 2"/>
+          <p:cNvSpPr>
+            <a:spLocks noGrp="1"/>
+          </p:cNvSpPr>
+          <p:nvPr>
+            <p:ph idx="1"/>
+          </p:nvPr>
+        </p:nvSpPr>
+        <p:spPr>
+          <a:xfrm>
+            <a:off x="270456" y="1262130"/>
+            <a:ext cx="11797048" cy="5409126"/>
+          </a:xfrm>
+        </p:spPr>
+        <p:txBody>
+          <a:bodyPr>
+            <a:normAutofit fontScale="85000" lnSpcReduction="20000"/>
+          </a:bodyPr>
+          <a:lstStyle/>
+          <a:p>
+            <a:r>
+              <a:rPr lang="hu-HU" dirty="0"/>
+              <a:t>Magas alapjövedelem</a:t>
+            </a:r>
+          </a:p>
+          <a:p>
+            <a:r>
+              <a:rPr lang="hu-HU" dirty="0"/>
+              <a:t>8 óra munka, 8 óra pihenés.. (de ez is cégfüggő)</a:t>
+            </a:r>
+          </a:p>
+          <a:p>
+            <a:r>
+              <a:rPr lang="hu-HU" dirty="0"/>
+              <a:t>Kódok írása</a:t>
+            </a:r>
+          </a:p>
+          <a:p>
+            <a:r>
+              <a:rPr lang="hu-HU" dirty="0"/>
+              <a:t>Hatalmas kódbázisok értelmezése, felforgatása</a:t>
+            </a:r>
+          </a:p>
+          <a:p>
+            <a:r>
+              <a:rPr lang="hu-HU" dirty="0"/>
+              <a:t>Csapatmunka, feladatok szétválasztása, meetingek..</a:t>
+            </a:r>
+          </a:p>
+          <a:p>
+            <a:r>
+              <a:rPr lang="hu-HU" dirty="0"/>
+              <a:t>Szorosabb határidők</a:t>
+            </a:r>
+          </a:p>
+          <a:p>
+            <a:r>
+              <a:rPr lang="hu-HU" dirty="0"/>
+              <a:t>Figyelni a kód tisztaságára (jól érthetőségére)</a:t>
+            </a:r>
+          </a:p>
+          <a:p>
+            <a:r>
+              <a:rPr lang="hu-HU" dirty="0"/>
+              <a:t>Prcezínek kell lenni, hogy minél kevesebbet hibázzunk</a:t>
+            </a:r>
+          </a:p>
+          <a:p>
+            <a:r>
+              <a:rPr lang="hu-HU" dirty="0"/>
+              <a:t>Úgyis hibázunk, tesztelni kell folyamatosan régi fejlesztéseket is..</a:t>
+            </a:r>
+          </a:p>
+          <a:p>
+            <a:r>
+              <a:rPr lang="hu-HU" dirty="0"/>
+              <a:t>Az akadémia jobban az új dolgok létrehozásáról szól, az iparban nagy hangsúlyt kap a meglévő fejlesztések karbantartása..</a:t>
+            </a:r>
+          </a:p>
+          <a:p>
+            <a:r>
+              <a:rPr lang="hu-HU" dirty="0"/>
+              <a:t>Csapatok vezetése, ügyfelekkel való értetlenkedés..</a:t>
+            </a:r>
+          </a:p>
+          <a:p>
+            <a:r>
+              <a:rPr lang="hu-HU" dirty="0"/>
+              <a:t>Kevésbé innovatív, bár nagyobb cégek foglalkoznak kutatás/fejlesztéssel (Ericcson, Google, Microsoft, stb)</a:t>
+            </a:r>
+          </a:p>
+        </p:txBody>
+      </p:sp>
+    </p:spTree>
+    <p:extLst>
+      <p:ext uri="{BB962C8B-B14F-4D97-AF65-F5344CB8AC3E}">
+        <p14:creationId xmlns:p14="http://schemas.microsoft.com/office/powerpoint/2010/main" val="69987778"/>
       </p:ext>
     </p:extLst>
   </p:cSld>
@@ -3196,12 +3365,8 @@
           <a:p>
             <a:pPr lvl="1"/>
             <a:r>
-              <a:rPr lang="hu-HU" sz="2800" dirty="0"/>
-              <a:t>(Magántanárral a legkönnyebb, én is </a:t>
-            </a:r>
-            <a:r>
-              <a:rPr lang="hu-HU" sz="2800"/>
-              <a:t>vállalok diákokat..)</a:t>
+              <a:rPr lang="hu-HU" sz="2800" dirty="0" smtClean="0"/>
+              <a:t>(Magántanárral a legkönnyebb, én is vállalok diákokat..)</a:t>
             </a:r>
             <a:endParaRPr lang="hu-HU" sz="3200" dirty="0"/>
           </a:p>
@@ -3220,6 +3385,13 @@
   <p:clrMapOvr>
     <a:masterClrMapping/>
   </p:clrMapOvr>
+  <p:timing>
+    <p:tnLst>
+      <p:par>
+        <p:cTn id="1" dur="indefinite" restart="never" nodeType="tmRoot"/>
+      </p:par>
+    </p:tnLst>
+  </p:timing>
 </p:sld>
 </file>
 
@@ -3280,29 +3452,31 @@
           </a:xfrm>
         </p:spPr>
         <p:txBody>
-          <a:bodyPr/>
-          <a:lstStyle/>
-          <a:p>
-            <a:r>
-              <a:rPr lang="hu-HU" dirty="0"/>
+          <a:bodyPr>
+            <a:noAutofit/>
+          </a:bodyPr>
+          <a:lstStyle/>
+          <a:p>
+            <a:r>
+              <a:rPr lang="hu-HU" sz="3600" dirty="0"/>
               <a:t>Megszerettem a matekot</a:t>
             </a:r>
           </a:p>
           <a:p>
             <a:r>
-              <a:rPr lang="hu-HU" dirty="0"/>
+              <a:rPr lang="hu-HU" sz="3600" dirty="0"/>
               <a:t>Mérnöki pályát szerettem volna</a:t>
             </a:r>
           </a:p>
           <a:p>
             <a:r>
-              <a:rPr lang="hu-HU" dirty="0"/>
+              <a:rPr lang="hu-HU" sz="3600" dirty="0"/>
               <a:t>Érdekelt a programozás, és láttam magamban kompetenciát rá</a:t>
             </a:r>
           </a:p>
           <a:p>
             <a:r>
-              <a:rPr lang="hu-HU" dirty="0"/>
+              <a:rPr lang="hu-HU" sz="3600" dirty="0"/>
               <a:t>A pénz csak az utolsó szempont volt..</a:t>
             </a:r>
           </a:p>
@@ -3318,6 +3492,13 @@
   <p:clrMapOvr>
     <a:masterClrMapping/>
   </p:clrMapOvr>
+  <p:timing>
+    <p:tnLst>
+      <p:par>
+        <p:cTn id="1" dur="indefinite" restart="never" nodeType="tmRoot"/>
+      </p:par>
+    </p:tnLst>
+  </p:timing>
 </p:sld>
 </file>
 
@@ -3348,38 +3529,43 @@
             <p:ph type="title"/>
           </p:nvPr>
         </p:nvSpPr>
-        <p:spPr/>
-        <p:txBody>
-          <a:bodyPr/>
-          <a:lstStyle/>
-          <a:p>
-            <a:pPr algn="ctr"/>
-            <a:r>
-              <a:rPr lang="hu-HU" dirty="0"/>
-              <a:t>Menjünk-e egyetemre?</a:t>
-            </a:r>
-          </a:p>
-        </p:txBody>
-      </p:sp>
-      <p:sp>
-        <p:nvSpPr>
-          <p:cNvPr id="3" name="Content Placeholder 2"/>
-          <p:cNvSpPr>
-            <a:spLocks noGrp="1"/>
-          </p:cNvSpPr>
-          <p:nvPr>
-            <p:ph idx="1"/>
-          </p:nvPr>
-        </p:nvSpPr>
         <p:spPr>
           <a:xfrm>
-            <a:off x="838200" y="1825625"/>
+            <a:off x="838200" y="-274955"/>
+            <a:ext cx="10515600" cy="1325563"/>
+          </a:xfrm>
+        </p:spPr>
+        <p:txBody>
+          <a:bodyPr/>
+          <a:lstStyle/>
+          <a:p>
+            <a:pPr algn="ctr"/>
+            <a:r>
+              <a:rPr lang="hu-HU" dirty="0"/>
+              <a:t>Menjünk-e egyetemre?</a:t>
+            </a:r>
+          </a:p>
+        </p:txBody>
+      </p:sp>
+      <p:sp>
+        <p:nvSpPr>
+          <p:cNvPr id="3" name="Content Placeholder 2"/>
+          <p:cNvSpPr>
+            <a:spLocks noGrp="1"/>
+          </p:cNvSpPr>
+          <p:nvPr>
+            <p:ph idx="1"/>
+          </p:nvPr>
+        </p:nvSpPr>
+        <p:spPr>
+          <a:xfrm>
+            <a:off x="838200" y="850265"/>
             <a:ext cx="10515600" cy="4667250"/>
           </a:xfrm>
         </p:spPr>
         <p:txBody>
           <a:bodyPr>
-            <a:normAutofit fontScale="92500" lnSpcReduction="10000"/>
+            <a:noAutofit/>
           </a:bodyPr>
           <a:lstStyle/>
           <a:p>
@@ -3391,42 +3577,42 @@
           <a:p>
             <a:pPr lvl="1"/>
             <a:r>
-              <a:rPr lang="hu-HU" dirty="0"/>
+              <a:rPr lang="hu-HU" sz="2800" dirty="0"/>
               <a:t>A szakmán kívűl általános ismerteket is ad (jog, közgazdaság)</a:t>
             </a:r>
           </a:p>
           <a:p>
             <a:pPr lvl="1"/>
             <a:r>
-              <a:rPr lang="hu-HU" dirty="0"/>
+              <a:rPr lang="hu-HU" sz="2800" dirty="0"/>
               <a:t>Kialakul egy erős matemtikai szemlélet</a:t>
             </a:r>
           </a:p>
           <a:p>
             <a:pPr lvl="1"/>
             <a:r>
-              <a:rPr lang="hu-HU" dirty="0"/>
+              <a:rPr lang="hu-HU" sz="2800" dirty="0"/>
               <a:t>Lehetőség a kutatómunkára, oktatásra</a:t>
             </a:r>
           </a:p>
           <a:p>
             <a:pPr lvl="1"/>
             <a:r>
-              <a:rPr lang="hu-HU" dirty="0"/>
+              <a:rPr lang="hu-HU" sz="2800" dirty="0"/>
               <a:t>Egy mérnöki/természettudományos diplmát értékelnek a cégek (nem csak a programozócégek)</a:t>
             </a:r>
           </a:p>
           <a:p>
             <a:pPr lvl="1"/>
             <a:r>
-              <a:rPr lang="hu-HU" dirty="0"/>
+              <a:rPr lang="hu-HU" sz="2800" dirty="0"/>
               <a:t>Kilépés a komfortzónából</a:t>
             </a:r>
           </a:p>
           <a:p>
             <a:pPr lvl="1"/>
             <a:r>
-              <a:rPr lang="hu-HU" dirty="0"/>
+              <a:rPr lang="hu-HU" sz="2800" dirty="0"/>
               <a:t>Nincs haszontalan tudás: Van miről elmélkedni kocsmázás közben</a:t>
             </a:r>
           </a:p>
@@ -3439,28 +3625,33 @@
           <a:p>
             <a:pPr lvl="1"/>
             <a:r>
-              <a:rPr lang="hu-HU" dirty="0"/>
-              <a:t>A matekos rész helyeként sok, túl elméleti</a:t>
-            </a:r>
+              <a:rPr lang="hu-HU" sz="2800" dirty="0"/>
+              <a:t>A matekos rész helyeként sok, túl </a:t>
+            </a:r>
+            <a:r>
+              <a:rPr lang="hu-HU" sz="2800" dirty="0" smtClean="0"/>
+              <a:t>elméleti (de jól meg van alapozva..)</a:t>
+            </a:r>
+            <a:endParaRPr lang="hu-HU" sz="2800" dirty="0"/>
           </a:p>
           <a:p>
             <a:pPr lvl="1"/>
             <a:r>
-              <a:rPr lang="hu-HU" dirty="0"/>
+              <a:rPr lang="hu-HU" sz="2800" dirty="0"/>
               <a:t>Eleve sokan kibuknak a matekon, mert másra számítanak</a:t>
             </a:r>
           </a:p>
           <a:p>
             <a:pPr lvl="1"/>
             <a:r>
-              <a:rPr lang="hu-HU" dirty="0"/>
+              <a:rPr lang="hu-HU" sz="2800" dirty="0"/>
               <a:t>Sok önálló munkát igényel a szakma elsajátítása (ami részben jó is)</a:t>
             </a:r>
           </a:p>
           <a:p>
             <a:pPr lvl="1"/>
             <a:r>
-              <a:rPr lang="hu-HU" dirty="0"/>
+              <a:rPr lang="hu-HU" sz="2800" dirty="0"/>
               <a:t>Néha a kreativitás rovására erőltetnek egy szemléletet</a:t>
             </a:r>
           </a:p>
@@ -3996,125 +4187,143 @@
             <p:ph type="title"/>
           </p:nvPr>
         </p:nvSpPr>
+        <p:spPr/>
+        <p:txBody>
+          <a:bodyPr/>
+          <a:lstStyle/>
+          <a:p>
+            <a:pPr algn="ctr"/>
+            <a:r>
+              <a:rPr lang="hu-HU" dirty="0" smtClean="0"/>
+              <a:t>Programozói munka</a:t>
+            </a:r>
+            <a:endParaRPr lang="hu-HU" dirty="0"/>
+          </a:p>
+        </p:txBody>
+      </p:sp>
+      <p:pic>
+        <p:nvPicPr>
+          <p:cNvPr id="6" name="Content Placeholder 5"/>
+          <p:cNvPicPr>
+            <a:picLocks noGrp="1" noChangeAspect="1"/>
+          </p:cNvPicPr>
+          <p:nvPr>
+            <p:ph idx="1"/>
+          </p:nvPr>
+        </p:nvPicPr>
+        <p:blipFill>
+          <a:blip r:embed="rId2" cstate="print">
+            <a:extLst>
+              <a:ext uri="{28A0092B-C50C-407E-A947-70E740481C1C}">
+                <a14:useLocalDpi xmlns:a14="http://schemas.microsoft.com/office/drawing/2010/main" val="0"/>
+              </a:ext>
+            </a:extLst>
+          </a:blip>
+          <a:stretch>
+            <a:fillRect/>
+          </a:stretch>
+        </p:blipFill>
         <p:spPr>
           <a:xfrm>
-            <a:off x="838200" y="365125"/>
-            <a:ext cx="10515600" cy="793974"/>
+            <a:off x="423285" y="1800381"/>
+            <a:ext cx="5376501" cy="3066597"/>
           </a:xfrm>
         </p:spPr>
-        <p:txBody>
-          <a:bodyPr>
-            <a:normAutofit/>
-          </a:bodyPr>
-          <a:lstStyle/>
-          <a:p>
-            <a:pPr algn="ctr"/>
-            <a:r>
-              <a:rPr lang="hu-HU" dirty="0"/>
-              <a:t>Ipari munka</a:t>
-            </a:r>
-          </a:p>
-        </p:txBody>
-      </p:sp>
-      <p:sp>
-        <p:nvSpPr>
-          <p:cNvPr id="3" name="Content Placeholder 2"/>
-          <p:cNvSpPr>
-            <a:spLocks noGrp="1"/>
-          </p:cNvSpPr>
-          <p:nvPr>
-            <p:ph idx="1"/>
-          </p:nvPr>
-        </p:nvSpPr>
+      </p:pic>
+      <p:pic>
+        <p:nvPicPr>
+          <p:cNvPr id="7" name="Picture 6"/>
+          <p:cNvPicPr>
+            <a:picLocks noChangeAspect="1"/>
+          </p:cNvPicPr>
+          <p:nvPr/>
+        </p:nvPicPr>
+        <p:blipFill>
+          <a:blip r:embed="rId3" cstate="print">
+            <a:extLst>
+              <a:ext uri="{28A0092B-C50C-407E-A947-70E740481C1C}">
+                <a14:useLocalDpi xmlns:a14="http://schemas.microsoft.com/office/drawing/2010/main" val="0"/>
+              </a:ext>
+            </a:extLst>
+          </a:blip>
+          <a:stretch>
+            <a:fillRect/>
+          </a:stretch>
+        </p:blipFill>
         <p:spPr>
           <a:xfrm>
-            <a:off x="270456" y="1262130"/>
-            <a:ext cx="11797048" cy="5409126"/>
+            <a:off x="6385125" y="3101859"/>
+            <a:ext cx="5806875" cy="3269997"/>
           </a:xfrm>
+          <a:prstGeom prst="rect">
+            <a:avLst/>
+          </a:prstGeom>
         </p:spPr>
-        <p:txBody>
-          <a:bodyPr>
-            <a:normAutofit fontScale="85000" lnSpcReduction="20000"/>
+      </p:pic>
+      <p:sp>
+        <p:nvSpPr>
+          <p:cNvPr id="8" name="TextBox 7"/>
+          <p:cNvSpPr txBox="1"/>
+          <p:nvPr/>
+        </p:nvSpPr>
+        <p:spPr>
+          <a:xfrm>
+            <a:off x="423285" y="1229023"/>
+            <a:ext cx="2139611" cy="461665"/>
+          </a:xfrm>
+          <a:prstGeom prst="rect">
+            <a:avLst/>
+          </a:prstGeom>
+          <a:noFill/>
+        </p:spPr>
+        <p:txBody>
+          <a:bodyPr wrap="square" rtlCol="0">
+            <a:spAutoFit/>
           </a:bodyPr>
           <a:lstStyle/>
           <a:p>
             <a:r>
-              <a:rPr lang="hu-HU" dirty="0"/>
-              <a:t>Magas alapjövedelem</a:t>
-            </a:r>
-          </a:p>
-          <a:p>
-            <a:r>
-              <a:rPr lang="hu-HU" dirty="0"/>
-              <a:t>8 óra munka, 8 óra pihenés.. (de ez is cégfüggő)</a:t>
-            </a:r>
-          </a:p>
-          <a:p>
-            <a:r>
-              <a:rPr lang="hu-HU" dirty="0"/>
-              <a:t>Kódok írása</a:t>
-            </a:r>
-          </a:p>
-          <a:p>
-            <a:r>
-              <a:rPr lang="hu-HU" dirty="0"/>
-              <a:t>Hatalmas kódbázisok értelmezése, felforgatása</a:t>
-            </a:r>
-          </a:p>
-          <a:p>
-            <a:r>
-              <a:rPr lang="hu-HU" dirty="0"/>
-              <a:t>Csapatmunka, feladatok szétválasztása, meetingek..</a:t>
-            </a:r>
-          </a:p>
-          <a:p>
-            <a:r>
-              <a:rPr lang="hu-HU" dirty="0"/>
-              <a:t>Szorosabb határidők</a:t>
-            </a:r>
-          </a:p>
-          <a:p>
-            <a:r>
-              <a:rPr lang="hu-HU" dirty="0"/>
-              <a:t>Figyelni a kód tisztaságára (jól érthetőségére)</a:t>
-            </a:r>
-          </a:p>
-          <a:p>
-            <a:r>
-              <a:rPr lang="hu-HU" dirty="0"/>
-              <a:t>Prcezínek kell lenni, hogy minél kevesebbet hibázzunk</a:t>
-            </a:r>
-          </a:p>
-          <a:p>
-            <a:r>
-              <a:rPr lang="hu-HU" dirty="0"/>
-              <a:t>Úgyis hibázunk, tesztelni kell folyamatosan régi fejlesztéseket is..</a:t>
-            </a:r>
-          </a:p>
-          <a:p>
-            <a:r>
-              <a:rPr lang="hu-HU" dirty="0"/>
-              <a:t>Az akadémia jobban az új dolgok létrehozásáról szól, az iparban nagy hangsúlyt kap a meglévő fejlesztések karbantartása..</a:t>
-            </a:r>
-          </a:p>
-          <a:p>
-            <a:r>
-              <a:rPr lang="hu-HU" dirty="0"/>
-              <a:t>Csapatok vezetése, ügyfelekkel való értetlenkedés..</a:t>
-            </a:r>
-          </a:p>
-          <a:p>
-            <a:r>
-              <a:rPr lang="hu-HU" dirty="0"/>
-              <a:t>Kevésbé innovatív, bár nagyobb cégek foglalkoznak kutatás/fejlesztéssel (Ericcson, Google, Microsoft, stb)</a:t>
-            </a:r>
+              <a:rPr lang="hu-HU" sz="2400" dirty="0" smtClean="0"/>
+              <a:t>Elképzelés:</a:t>
+            </a:r>
+            <a:endParaRPr lang="hu-HU" sz="2400" dirty="0"/>
+          </a:p>
+        </p:txBody>
+      </p:sp>
+      <p:sp>
+        <p:nvSpPr>
+          <p:cNvPr id="9" name="TextBox 8"/>
+          <p:cNvSpPr txBox="1"/>
+          <p:nvPr/>
+        </p:nvSpPr>
+        <p:spPr>
+          <a:xfrm>
+            <a:off x="6385125" y="2465430"/>
+            <a:ext cx="2139611" cy="461665"/>
+          </a:xfrm>
+          <a:prstGeom prst="rect">
+            <a:avLst/>
+          </a:prstGeom>
+          <a:noFill/>
+        </p:spPr>
+        <p:txBody>
+          <a:bodyPr wrap="square" rtlCol="0">
+            <a:spAutoFit/>
+          </a:bodyPr>
+          <a:lstStyle/>
+          <a:p>
+            <a:r>
+              <a:rPr lang="hu-HU" sz="2400" dirty="0" smtClean="0"/>
+              <a:t>Valóság:</a:t>
+            </a:r>
+            <a:endParaRPr lang="hu-HU" sz="2400" dirty="0"/>
           </a:p>
         </p:txBody>
       </p:sp>
     </p:spTree>
     <p:extLst>
       <p:ext uri="{BB962C8B-B14F-4D97-AF65-F5344CB8AC3E}">
-        <p14:creationId xmlns:p14="http://schemas.microsoft.com/office/powerpoint/2010/main" val="69987778"/>
+        <p14:creationId xmlns:p14="http://schemas.microsoft.com/office/powerpoint/2010/main" val="850174985"/>
       </p:ext>
     </p:extLst>
   </p:cSld>

--- a/efop/03/Programozók világa.pptx
+++ b/efop/03/Programozók világa.pptx
@@ -15,6 +15,7 @@
     <p:sldId id="263" r:id="rId9"/>
     <p:sldId id="265" r:id="rId10"/>
     <p:sldId id="264" r:id="rId11"/>
+    <p:sldId id="266" r:id="rId12"/>
   </p:sldIdLst>
   <p:sldSz cx="12192000" cy="6858000"/>
   <p:notesSz cx="6858000" cy="9144000"/>
@@ -252,7 +253,7 @@
           <a:p>
             <a:fld id="{20357631-FF36-4D82-B011-A26686633743}" type="datetimeFigureOut">
               <a:rPr lang="hu-HU" smtClean="0"/>
-              <a:t>2018.10.01.</a:t>
+              <a:t>2018.10.02.</a:t>
             </a:fld>
             <a:endParaRPr lang="hu-HU"/>
           </a:p>
@@ -422,7 +423,7 @@
           <a:p>
             <a:fld id="{20357631-FF36-4D82-B011-A26686633743}" type="datetimeFigureOut">
               <a:rPr lang="hu-HU" smtClean="0"/>
-              <a:t>2018.10.01.</a:t>
+              <a:t>2018.10.02.</a:t>
             </a:fld>
             <a:endParaRPr lang="hu-HU"/>
           </a:p>
@@ -602,7 +603,7 @@
           <a:p>
             <a:fld id="{20357631-FF36-4D82-B011-A26686633743}" type="datetimeFigureOut">
               <a:rPr lang="hu-HU" smtClean="0"/>
-              <a:t>2018.10.01.</a:t>
+              <a:t>2018.10.02.</a:t>
             </a:fld>
             <a:endParaRPr lang="hu-HU"/>
           </a:p>
@@ -772,7 +773,7 @@
           <a:p>
             <a:fld id="{20357631-FF36-4D82-B011-A26686633743}" type="datetimeFigureOut">
               <a:rPr lang="hu-HU" smtClean="0"/>
-              <a:t>2018.10.01.</a:t>
+              <a:t>2018.10.02.</a:t>
             </a:fld>
             <a:endParaRPr lang="hu-HU"/>
           </a:p>
@@ -1018,7 +1019,7 @@
           <a:p>
             <a:fld id="{20357631-FF36-4D82-B011-A26686633743}" type="datetimeFigureOut">
               <a:rPr lang="hu-HU" smtClean="0"/>
-              <a:t>2018.10.01.</a:t>
+              <a:t>2018.10.02.</a:t>
             </a:fld>
             <a:endParaRPr lang="hu-HU"/>
           </a:p>
@@ -1250,7 +1251,7 @@
           <a:p>
             <a:fld id="{20357631-FF36-4D82-B011-A26686633743}" type="datetimeFigureOut">
               <a:rPr lang="hu-HU" smtClean="0"/>
-              <a:t>2018.10.01.</a:t>
+              <a:t>2018.10.02.</a:t>
             </a:fld>
             <a:endParaRPr lang="hu-HU"/>
           </a:p>
@@ -1617,7 +1618,7 @@
           <a:p>
             <a:fld id="{20357631-FF36-4D82-B011-A26686633743}" type="datetimeFigureOut">
               <a:rPr lang="hu-HU" smtClean="0"/>
-              <a:t>2018.10.01.</a:t>
+              <a:t>2018.10.02.</a:t>
             </a:fld>
             <a:endParaRPr lang="hu-HU"/>
           </a:p>
@@ -1735,7 +1736,7 @@
           <a:p>
             <a:fld id="{20357631-FF36-4D82-B011-A26686633743}" type="datetimeFigureOut">
               <a:rPr lang="hu-HU" smtClean="0"/>
-              <a:t>2018.10.01.</a:t>
+              <a:t>2018.10.02.</a:t>
             </a:fld>
             <a:endParaRPr lang="hu-HU"/>
           </a:p>
@@ -1830,7 +1831,7 @@
           <a:p>
             <a:fld id="{20357631-FF36-4D82-B011-A26686633743}" type="datetimeFigureOut">
               <a:rPr lang="hu-HU" smtClean="0"/>
-              <a:t>2018.10.01.</a:t>
+              <a:t>2018.10.02.</a:t>
             </a:fld>
             <a:endParaRPr lang="hu-HU"/>
           </a:p>
@@ -2107,7 +2108,7 @@
           <a:p>
             <a:fld id="{20357631-FF36-4D82-B011-A26686633743}" type="datetimeFigureOut">
               <a:rPr lang="hu-HU" smtClean="0"/>
-              <a:t>2018.10.01.</a:t>
+              <a:t>2018.10.02.</a:t>
             </a:fld>
             <a:endParaRPr lang="hu-HU"/>
           </a:p>
@@ -2360,7 +2361,7 @@
           <a:p>
             <a:fld id="{20357631-FF36-4D82-B011-A26686633743}" type="datetimeFigureOut">
               <a:rPr lang="hu-HU" smtClean="0"/>
-              <a:t>2018.10.01.</a:t>
+              <a:t>2018.10.02.</a:t>
             </a:fld>
             <a:endParaRPr lang="hu-HU"/>
           </a:p>
@@ -2578,7 +2579,7 @@
           <a:p>
             <a:fld id="{20357631-FF36-4D82-B011-A26686633743}" type="datetimeFigureOut">
               <a:rPr lang="hu-HU" smtClean="0"/>
-              <a:t>2018.10.01.</a:t>
+              <a:t>2018.10.02.</a:t>
             </a:fld>
             <a:endParaRPr lang="hu-HU"/>
           </a:p>
@@ -3074,6 +3075,36 @@
           </a:p>
         </p:txBody>
       </p:sp>
+      <p:sp>
+        <p:nvSpPr>
+          <p:cNvPr id="4" name="TextBox 3"/>
+          <p:cNvSpPr txBox="1"/>
+          <p:nvPr/>
+        </p:nvSpPr>
+        <p:spPr>
+          <a:xfrm>
+            <a:off x="9620519" y="6375043"/>
+            <a:ext cx="2421228" cy="369332"/>
+          </a:xfrm>
+          <a:prstGeom prst="rect">
+            <a:avLst/>
+          </a:prstGeom>
+          <a:noFill/>
+        </p:spPr>
+        <p:txBody>
+          <a:bodyPr wrap="square" rtlCol="0">
+            <a:spAutoFit/>
+          </a:bodyPr>
+          <a:lstStyle/>
+          <a:p>
+            <a:r>
+              <a:rPr lang="hu-HU" dirty="0" smtClean="0"/>
+              <a:t>Készítette: Nagy András</a:t>
+            </a:r>
+            <a:endParaRPr lang="hu-HU" dirty="0"/>
+          </a:p>
+        </p:txBody>
+      </p:sp>
     </p:spTree>
     <p:extLst>
       <p:ext uri="{BB962C8B-B14F-4D97-AF65-F5344CB8AC3E}">
@@ -3171,8 +3202,13 @@
           <a:p>
             <a:r>
               <a:rPr lang="hu-HU" dirty="0"/>
-              <a:t>8 óra munka, 8 óra pihenés.. (de ez is cégfüggő)</a:t>
-            </a:r>
+              <a:t>8 óra munka, 8 óra pihenés.. (de ez is </a:t>
+            </a:r>
+            <a:r>
+              <a:rPr lang="hu-HU" dirty="0" smtClean="0"/>
+              <a:t>cégfüggő, lehet rugalmasabb)</a:t>
+            </a:r>
+            <a:endParaRPr lang="hu-HU" dirty="0"/>
           </a:p>
           <a:p>
             <a:r>
@@ -3188,14 +3224,12 @@
           </a:p>
           <a:p>
             <a:r>
-              <a:rPr lang="hu-HU" dirty="0"/>
-              <a:t>Csapatmunka, feladatok szétválasztása, meetingek..</a:t>
-            </a:r>
-          </a:p>
-          <a:p>
-            <a:r>
-              <a:rPr lang="hu-HU" dirty="0"/>
-              <a:t>Szorosabb határidők</a:t>
+              <a:rPr lang="hu-HU" dirty="0" smtClean="0"/>
+              <a:t>Szorosabb </a:t>
+            </a:r>
+            <a:r>
+              <a:rPr lang="hu-HU" dirty="0"/>
+              <a:t>határidők</a:t>
             </a:r>
           </a:p>
           <a:p>
@@ -3219,8 +3253,23 @@
           <a:p>
             <a:r>
               <a:rPr lang="hu-HU" dirty="0"/>
-              <a:t>Az akadémia jobban az új dolgok létrehozásáról szól, az iparban nagy hangsúlyt kap a meglévő fejlesztések karbantartása..</a:t>
-            </a:r>
+              <a:t>Az akadémia jobban az új dolgok létrehozásáról szól, az iparban nagy hangsúlyt kap a meglévő fejlesztések karbantartása</a:t>
+            </a:r>
+            <a:r>
+              <a:rPr lang="hu-HU" dirty="0" smtClean="0"/>
+              <a:t>..</a:t>
+            </a:r>
+          </a:p>
+          <a:p>
+            <a:r>
+              <a:rPr lang="hu-HU" dirty="0"/>
+              <a:t>Csapatmunka, feladatok szétválasztása, meetingek</a:t>
+            </a:r>
+            <a:r>
+              <a:rPr lang="hu-HU" dirty="0" smtClean="0"/>
+              <a:t>..</a:t>
+            </a:r>
+            <a:endParaRPr lang="hu-HU" dirty="0"/>
           </a:p>
           <a:p>
             <a:r>
@@ -3240,6 +3289,222 @@
     <p:extLst>
       <p:ext uri="{BB962C8B-B14F-4D97-AF65-F5344CB8AC3E}">
         <p14:creationId xmlns:p14="http://schemas.microsoft.com/office/powerpoint/2010/main" val="69987778"/>
+      </p:ext>
+    </p:extLst>
+  </p:cSld>
+  <p:clrMapOvr>
+    <a:masterClrMapping/>
+  </p:clrMapOvr>
+</p:sld>
+</file>
+
+<file path=ppt/slides/slide11.xml><?xml version="1.0" encoding="utf-8"?>
+<p:sld xmlns:a="http://schemas.openxmlformats.org/drawingml/2006/main" xmlns:r="http://schemas.openxmlformats.org/officeDocument/2006/relationships" xmlns:p="http://schemas.openxmlformats.org/presentationml/2006/main">
+  <p:cSld>
+    <p:spTree>
+      <p:nvGrpSpPr>
+        <p:cNvPr id="1" name=""/>
+        <p:cNvGrpSpPr/>
+        <p:nvPr/>
+      </p:nvGrpSpPr>
+      <p:grpSpPr>
+        <a:xfrm>
+          <a:off x="0" y="0"/>
+          <a:ext cx="0" cy="0"/>
+          <a:chOff x="0" y="0"/>
+          <a:chExt cx="0" cy="0"/>
+        </a:xfrm>
+      </p:grpSpPr>
+      <p:sp>
+        <p:nvSpPr>
+          <p:cNvPr id="2" name="Title 1"/>
+          <p:cNvSpPr>
+            <a:spLocks noGrp="1"/>
+          </p:cNvSpPr>
+          <p:nvPr>
+            <p:ph type="title"/>
+          </p:nvPr>
+        </p:nvSpPr>
+        <p:spPr>
+          <a:xfrm>
+            <a:off x="838200" y="885387"/>
+            <a:ext cx="10515600" cy="1325563"/>
+          </a:xfrm>
+        </p:spPr>
+        <p:txBody>
+          <a:bodyPr>
+            <a:normAutofit/>
+          </a:bodyPr>
+          <a:lstStyle/>
+          <a:p>
+            <a:pPr algn="ctr"/>
+            <a:r>
+              <a:rPr lang="hu-HU" sz="6600" dirty="0" smtClean="0"/>
+              <a:t>Köszönöm a figyelmet!</a:t>
+            </a:r>
+            <a:endParaRPr lang="hu-HU" sz="6600" dirty="0"/>
+          </a:p>
+        </p:txBody>
+      </p:sp>
+      <p:sp>
+        <p:nvSpPr>
+          <p:cNvPr id="3" name="Content Placeholder 2"/>
+          <p:cNvSpPr>
+            <a:spLocks noGrp="1"/>
+          </p:cNvSpPr>
+          <p:nvPr>
+            <p:ph idx="1"/>
+          </p:nvPr>
+        </p:nvSpPr>
+        <p:spPr>
+          <a:xfrm>
+            <a:off x="838200" y="2393184"/>
+            <a:ext cx="10515600" cy="665326"/>
+          </a:xfrm>
+        </p:spPr>
+        <p:txBody>
+          <a:bodyPr>
+            <a:normAutofit/>
+          </a:bodyPr>
+          <a:lstStyle/>
+          <a:p>
+            <a:pPr marL="0" indent="0" algn="ctr">
+              <a:buNone/>
+            </a:pPr>
+            <a:r>
+              <a:rPr lang="hu-HU" sz="4000" dirty="0" smtClean="0"/>
+              <a:t>Kérdések..</a:t>
+            </a:r>
+          </a:p>
+        </p:txBody>
+      </p:sp>
+      <p:sp>
+        <p:nvSpPr>
+          <p:cNvPr id="4" name="TextBox 3"/>
+          <p:cNvSpPr txBox="1"/>
+          <p:nvPr/>
+        </p:nvSpPr>
+        <p:spPr>
+          <a:xfrm>
+            <a:off x="173420" y="5470635"/>
+            <a:ext cx="4351284" cy="1138773"/>
+          </a:xfrm>
+          <a:prstGeom prst="rect">
+            <a:avLst/>
+          </a:prstGeom>
+          <a:noFill/>
+        </p:spPr>
+        <p:txBody>
+          <a:bodyPr wrap="square" rtlCol="0">
+            <a:spAutoFit/>
+          </a:bodyPr>
+          <a:lstStyle/>
+          <a:p>
+            <a:r>
+              <a:rPr lang="hu-HU" sz="2800" dirty="0" smtClean="0"/>
+              <a:t>Elérhetőség: </a:t>
+            </a:r>
+          </a:p>
+          <a:p>
+            <a:r>
+              <a:rPr lang="hu-HU" sz="2000" dirty="0" smtClean="0"/>
+              <a:t>email: </a:t>
+            </a:r>
+            <a:r>
+              <a:rPr lang="hu-HU" sz="2000" i="1" dirty="0" smtClean="0">
+                <a:hlinkClick r:id="rId2"/>
+              </a:rPr>
+              <a:t>nagy.andras95@gmail.com</a:t>
+            </a:r>
+            <a:endParaRPr lang="hu-HU" sz="2000" i="1" dirty="0" smtClean="0"/>
+          </a:p>
+          <a:p>
+            <a:r>
+              <a:rPr lang="hu-HU" sz="2000" dirty="0" smtClean="0"/>
+              <a:t>Finna Imola tanárnőn keresztül..</a:t>
+            </a:r>
+            <a:endParaRPr lang="hu-HU" sz="2000" dirty="0"/>
+          </a:p>
+        </p:txBody>
+      </p:sp>
+      <p:sp>
+        <p:nvSpPr>
+          <p:cNvPr id="5" name="TextBox 4"/>
+          <p:cNvSpPr txBox="1"/>
+          <p:nvPr/>
+        </p:nvSpPr>
+        <p:spPr>
+          <a:xfrm>
+            <a:off x="173420" y="3631408"/>
+            <a:ext cx="4417453" cy="1231106"/>
+          </a:xfrm>
+          <a:prstGeom prst="rect">
+            <a:avLst/>
+          </a:prstGeom>
+          <a:noFill/>
+        </p:spPr>
+        <p:txBody>
+          <a:bodyPr wrap="square" rtlCol="0">
+            <a:spAutoFit/>
+          </a:bodyPr>
+          <a:lstStyle/>
+          <a:p>
+            <a:r>
+              <a:rPr lang="hu-HU" sz="2000" dirty="0" smtClean="0"/>
+              <a:t>Részletes információk:</a:t>
+            </a:r>
+          </a:p>
+          <a:p>
+            <a:r>
+              <a:rPr lang="hu-HU" dirty="0" smtClean="0"/>
+              <a:t>Felvi - </a:t>
+            </a:r>
+            <a:r>
+              <a:rPr lang="hu-HU" dirty="0" smtClean="0">
+                <a:hlinkClick r:id="rId3"/>
+              </a:rPr>
+              <a:t>https</a:t>
+            </a:r>
+            <a:r>
+              <a:rPr lang="hu-HU" dirty="0">
+                <a:hlinkClick r:id="rId3"/>
+              </a:rPr>
+              <a:t>://www.felvi.hu</a:t>
+            </a:r>
+            <a:r>
+              <a:rPr lang="hu-HU" dirty="0" smtClean="0">
+                <a:hlinkClick r:id="rId3"/>
+              </a:rPr>
+              <a:t>/</a:t>
+            </a:r>
+            <a:endParaRPr lang="hu-HU" dirty="0" smtClean="0"/>
+          </a:p>
+          <a:p>
+            <a:r>
+              <a:rPr lang="hu-HU" dirty="0"/>
+              <a:t>ELTE IK Tanrendek </a:t>
+            </a:r>
+            <a:r>
+              <a:rPr lang="hu-HU" dirty="0" smtClean="0"/>
+              <a:t>– </a:t>
+            </a:r>
+          </a:p>
+          <a:p>
+            <a:r>
+              <a:rPr lang="hu-HU" dirty="0" smtClean="0"/>
+              <a:t>https: //</a:t>
+            </a:r>
+            <a:r>
+              <a:rPr lang="hu-HU" dirty="0"/>
+              <a:t>www.inf.elte.hu/tantervihalok</a:t>
+            </a:r>
+          </a:p>
+        </p:txBody>
+      </p:sp>
+    </p:spTree>
+    <p:extLst>
+      <p:ext uri="{BB962C8B-B14F-4D97-AF65-F5344CB8AC3E}">
+        <p14:creationId xmlns:p14="http://schemas.microsoft.com/office/powerpoint/2010/main" val="4212423175"/>
       </p:ext>
     </p:extLst>
   </p:cSld>
@@ -3735,14 +4000,24 @@
           <a:p>
             <a:r>
               <a:rPr lang="hu-HU" dirty="0"/>
-              <a:t>Felősoktatási szakképzés (BGE-n van pl)</a:t>
-            </a:r>
-          </a:p>
-          <a:p>
-            <a:r>
-              <a:rPr lang="hu-HU" dirty="0"/>
-              <a:t>Cégek által hírdetett képzések, magániskolák.. (nincs releváns tapasztaltom)</a:t>
-            </a:r>
+              <a:t>Felősoktatási szakképzés (BGE-n van </a:t>
+            </a:r>
+            <a:r>
+              <a:rPr lang="hu-HU" dirty="0" smtClean="0"/>
+              <a:t>pl.)</a:t>
+            </a:r>
+            <a:endParaRPr lang="hu-HU" dirty="0"/>
+          </a:p>
+          <a:p>
+            <a:r>
+              <a:rPr lang="hu-HU" dirty="0"/>
+              <a:t>Cégek által hírdetett képzések, magániskolák.. (nincs releváns </a:t>
+            </a:r>
+            <a:r>
+              <a:rPr lang="hu-HU" dirty="0" smtClean="0"/>
+              <a:t>tapasztaltom, csak amit olvasok, néha hallok)</a:t>
+            </a:r>
+            <a:endParaRPr lang="hu-HU" dirty="0"/>
           </a:p>
           <a:p>
             <a:r>
@@ -3753,14 +4028,24 @@
           <a:p>
             <a:r>
               <a:rPr lang="hu-HU" dirty="0"/>
-              <a:t>Fontos, hogy ne erőltessük se a szakmát se az egyetemet, ha nem érezzük az affinitást magunkban.. (személyes tapasztalatok..)</a:t>
-            </a:r>
-          </a:p>
-          <a:p>
-            <a:r>
-              <a:rPr lang="hu-HU" dirty="0"/>
-              <a:t>Fél évig lehet meggondolni magad</a:t>
-            </a:r>
+              <a:t>Fontos, hogy ne erőltessük se a szakmát se az egyetemet, ha nem érezzük az affinitást magunkban.. </a:t>
+            </a:r>
+            <a:r>
+              <a:rPr lang="hu-HU" dirty="0" smtClean="0"/>
+              <a:t>(vannak tapasztalataim, miért ne)</a:t>
+            </a:r>
+            <a:endParaRPr lang="hu-HU" dirty="0"/>
+          </a:p>
+          <a:p>
+            <a:r>
+              <a:rPr lang="hu-HU" dirty="0"/>
+              <a:t>Fél évig lehet meggondolni </a:t>
+            </a:r>
+            <a:r>
+              <a:rPr lang="hu-HU" dirty="0" smtClean="0"/>
+              <a:t>magad állami képzésen</a:t>
+            </a:r>
+            <a:endParaRPr lang="hu-HU" dirty="0"/>
           </a:p>
         </p:txBody>
       </p:sp>
@@ -3804,39 +4089,46 @@
             <p:ph type="title"/>
           </p:nvPr>
         </p:nvSpPr>
-        <p:spPr/>
-        <p:txBody>
-          <a:bodyPr/>
-          <a:lstStyle/>
-          <a:p>
-            <a:pPr algn="ctr"/>
-            <a:r>
-              <a:rPr lang="hu-HU" dirty="0"/>
-              <a:t>Tantervi refom az ELTE-n</a:t>
-            </a:r>
-          </a:p>
-        </p:txBody>
-      </p:sp>
-      <p:sp>
-        <p:nvSpPr>
-          <p:cNvPr id="3" name="Content Placeholder 2"/>
-          <p:cNvSpPr>
-            <a:spLocks noGrp="1"/>
-          </p:cNvSpPr>
-          <p:nvPr>
-            <p:ph idx="1"/>
-          </p:nvPr>
-        </p:nvSpPr>
         <p:spPr>
           <a:xfrm>
-            <a:off x="838200" y="1825624"/>
-            <a:ext cx="10515600" cy="4691085"/>
+            <a:off x="838200" y="49300"/>
+            <a:ext cx="10515600" cy="1325563"/>
           </a:xfrm>
         </p:spPr>
         <p:txBody>
           <a:bodyPr/>
           <a:lstStyle/>
           <a:p>
+            <a:pPr algn="ctr"/>
+            <a:r>
+              <a:rPr lang="hu-HU" dirty="0"/>
+              <a:t>Tantervi refom az ELTE-n</a:t>
+            </a:r>
+          </a:p>
+        </p:txBody>
+      </p:sp>
+      <p:sp>
+        <p:nvSpPr>
+          <p:cNvPr id="3" name="Content Placeholder 2"/>
+          <p:cNvSpPr>
+            <a:spLocks noGrp="1"/>
+          </p:cNvSpPr>
+          <p:nvPr>
+            <p:ph idx="1"/>
+          </p:nvPr>
+        </p:nvSpPr>
+        <p:spPr>
+          <a:xfrm>
+            <a:off x="838200" y="1374863"/>
+            <a:ext cx="10515600" cy="4922906"/>
+          </a:xfrm>
+        </p:spPr>
+        <p:txBody>
+          <a:bodyPr>
+            <a:normAutofit fontScale="92500" lnSpcReduction="20000"/>
+          </a:bodyPr>
+          <a:lstStyle/>
+          <a:p>
             <a:r>
               <a:rPr lang="hu-HU" dirty="0"/>
               <a:t>Régi tanrendeben tanultam, de része voltam az egyik programozó tárgy tannyagfejlesztésének és oktatásának</a:t>
@@ -3873,8 +4165,69 @@
             <a:pPr lvl="1"/>
             <a:r>
               <a:rPr lang="hu-HU" dirty="0"/>
-              <a:t>Egy fokkal gyakorlatiasabb képzés felé mozdult el az egyetem</a:t>
-            </a:r>
+              <a:t>Egy fokkal gyakorlatiasabb képzés felé mozdult el az </a:t>
+            </a:r>
+            <a:r>
+              <a:rPr lang="hu-HU" dirty="0" smtClean="0"/>
+              <a:t>egyetem</a:t>
+            </a:r>
+            <a:endParaRPr lang="hu-HU" dirty="0"/>
+          </a:p>
+          <a:p>
+            <a:r>
+              <a:rPr lang="hu-HU" dirty="0" smtClean="0"/>
+              <a:t>Mesterképzések:</a:t>
+            </a:r>
+          </a:p>
+          <a:p>
+            <a:pPr lvl="1"/>
+            <a:r>
+              <a:rPr lang="hu-HU" dirty="0" smtClean="0"/>
+              <a:t>Megszűnt a modulrendszer, kb azt tanulsz, amit szeretnél</a:t>
+            </a:r>
+          </a:p>
+          <a:p>
+            <a:pPr lvl="1"/>
+            <a:r>
+              <a:rPr lang="hu-HU" dirty="0" smtClean="0"/>
+              <a:t>Tárgyak csoportjai</a:t>
+            </a:r>
+          </a:p>
+          <a:p>
+            <a:pPr lvl="2"/>
+            <a:r>
+              <a:rPr lang="hu-HU" dirty="0" smtClean="0"/>
+              <a:t>Matmatikai modellezős</a:t>
+            </a:r>
+          </a:p>
+          <a:p>
+            <a:pPr lvl="2"/>
+            <a:r>
+              <a:rPr lang="hu-HU" dirty="0" smtClean="0"/>
+              <a:t>Módszertanok, menedzseri ismertek</a:t>
+            </a:r>
+          </a:p>
+          <a:p>
+            <a:pPr lvl="2"/>
+            <a:r>
+              <a:rPr lang="hu-HU" dirty="0" smtClean="0"/>
+              <a:t>Új techonológiákat felvonultatók</a:t>
+            </a:r>
+          </a:p>
+          <a:p>
+            <a:pPr lvl="2"/>
+            <a:r>
+              <a:rPr lang="hu-HU" dirty="0" smtClean="0"/>
+              <a:t>Egyéb.. (kevésbé hasznosak..)</a:t>
+            </a:r>
+          </a:p>
+          <a:p>
+            <a:pPr lvl="2"/>
+            <a:endParaRPr lang="hu-HU" dirty="0" smtClean="0"/>
+          </a:p>
+          <a:p>
+            <a:pPr lvl="2"/>
+            <a:endParaRPr lang="hu-HU" dirty="0" smtClean="0"/>
           </a:p>
         </p:txBody>
       </p:sp>
@@ -3954,8 +4307,21 @@
           <a:p>
             <a:r>
               <a:rPr lang="hu-HU" dirty="0"/>
-              <a:t>Alapkzés eleje: Minél többet megpróbálasz fejlődni szakmailag a tárgyakon, valamint otthon</a:t>
-            </a:r>
+              <a:t>Alapkzés eleje: Minél többet megpróbálasz fejlődni szakmailag a </a:t>
+            </a:r>
+            <a:r>
+              <a:rPr lang="hu-HU" dirty="0" smtClean="0"/>
+              <a:t>tárgyaidon, </a:t>
+            </a:r>
+            <a:r>
+              <a:rPr lang="hu-HU" dirty="0"/>
+              <a:t>valamint </a:t>
+            </a:r>
+            <a:r>
+              <a:rPr lang="hu-HU" dirty="0" smtClean="0"/>
+              <a:t>önállóan (sok tárgyból beadandót is kell csinálni)</a:t>
+            </a:r>
+            <a:endParaRPr lang="hu-HU" dirty="0"/>
           </a:p>
           <a:p>
             <a:r>
@@ -3967,7 +4333,15 @@
             <a:pPr lvl="1"/>
             <a:r>
               <a:rPr lang="hu-HU" dirty="0"/>
-              <a:t>Bekerülhetsz projektmunkákba, akár pénzt is kaphatsz érte, a szakdogozatodat és a szakmai gyakorlatod is letduhatod ennek keretében</a:t>
+              <a:t>Bekerülhetsz projektmunkákba, akár pénzt is kaphatsz érte, a szakdogozatodat és a szakmai gyakorlatod is </a:t>
+            </a:r>
+            <a:r>
+              <a:rPr lang="hu-HU" dirty="0" smtClean="0"/>
+              <a:t>letudhatod </a:t>
+            </a:r>
+            <a:r>
+              <a:rPr lang="hu-HU" dirty="0"/>
+              <a:t>ennek keretében</a:t>
             </a:r>
           </a:p>
           <a:p>
@@ -4001,7 +4375,15 @@
             <a:pPr lvl="1"/>
             <a:r>
               <a:rPr lang="hu-HU" dirty="0"/>
-              <a:t>Továbbá a projektmunkát is folytathatod, valamint gyakorlatvezetéseket is vállalhatsz</a:t>
+              <a:t>Továbbá a projektmunkát is </a:t>
+            </a:r>
+            <a:r>
+              <a:rPr lang="hu-HU" dirty="0" smtClean="0"/>
+              <a:t>folytathatod vagy vállalsz, </a:t>
+            </a:r>
+            <a:r>
+              <a:rPr lang="hu-HU" dirty="0"/>
+              <a:t>valamint gyakorlatvezetéseket is vállalhatsz</a:t>
             </a:r>
           </a:p>
         </p:txBody>
@@ -4082,7 +4464,7 @@
         </p:spPr>
         <p:txBody>
           <a:bodyPr>
-            <a:normAutofit fontScale="92500" lnSpcReduction="10000"/>
+            <a:normAutofit fontScale="92500" lnSpcReduction="20000"/>
           </a:bodyPr>
           <a:lstStyle/>
           <a:p>
@@ -4136,8 +4518,13 @@
           <a:p>
             <a:r>
               <a:rPr lang="hu-HU" dirty="0"/>
-              <a:t>Az ötleteidet valósíthatod meg, és általában nem egy ügyfél kivánságát</a:t>
-            </a:r>
+              <a:t>Az ötleteidet valósíthatod meg, és általában nem egy ügyfél </a:t>
+            </a:r>
+            <a:r>
+              <a:rPr lang="hu-HU" dirty="0" smtClean="0"/>
+              <a:t>kivánságát (emiatt ritkán vanak jól definiált feladatok)</a:t>
+            </a:r>
+            <a:endParaRPr lang="hu-HU" dirty="0"/>
           </a:p>
           <a:p>
             <a:r>

--- a/efop/03/Programozók világa.pptx
+++ b/efop/03/Programozók világa.pptx
@@ -253,7 +253,7 @@
           <a:p>
             <a:fld id="{20357631-FF36-4D82-B011-A26686633743}" type="datetimeFigureOut">
               <a:rPr lang="hu-HU" smtClean="0"/>
-              <a:t>2018.10.02.</a:t>
+              <a:t>2018. 10. 05.</a:t>
             </a:fld>
             <a:endParaRPr lang="hu-HU"/>
           </a:p>
@@ -423,7 +423,7 @@
           <a:p>
             <a:fld id="{20357631-FF36-4D82-B011-A26686633743}" type="datetimeFigureOut">
               <a:rPr lang="hu-HU" smtClean="0"/>
-              <a:t>2018.10.02.</a:t>
+              <a:t>2018. 10. 05.</a:t>
             </a:fld>
             <a:endParaRPr lang="hu-HU"/>
           </a:p>
@@ -603,7 +603,7 @@
           <a:p>
             <a:fld id="{20357631-FF36-4D82-B011-A26686633743}" type="datetimeFigureOut">
               <a:rPr lang="hu-HU" smtClean="0"/>
-              <a:t>2018.10.02.</a:t>
+              <a:t>2018. 10. 05.</a:t>
             </a:fld>
             <a:endParaRPr lang="hu-HU"/>
           </a:p>
@@ -773,7 +773,7 @@
           <a:p>
             <a:fld id="{20357631-FF36-4D82-B011-A26686633743}" type="datetimeFigureOut">
               <a:rPr lang="hu-HU" smtClean="0"/>
-              <a:t>2018.10.02.</a:t>
+              <a:t>2018. 10. 05.</a:t>
             </a:fld>
             <a:endParaRPr lang="hu-HU"/>
           </a:p>
@@ -1019,7 +1019,7 @@
           <a:p>
             <a:fld id="{20357631-FF36-4D82-B011-A26686633743}" type="datetimeFigureOut">
               <a:rPr lang="hu-HU" smtClean="0"/>
-              <a:t>2018.10.02.</a:t>
+              <a:t>2018. 10. 05.</a:t>
             </a:fld>
             <a:endParaRPr lang="hu-HU"/>
           </a:p>
@@ -1251,7 +1251,7 @@
           <a:p>
             <a:fld id="{20357631-FF36-4D82-B011-A26686633743}" type="datetimeFigureOut">
               <a:rPr lang="hu-HU" smtClean="0"/>
-              <a:t>2018.10.02.</a:t>
+              <a:t>2018. 10. 05.</a:t>
             </a:fld>
             <a:endParaRPr lang="hu-HU"/>
           </a:p>
@@ -1618,7 +1618,7 @@
           <a:p>
             <a:fld id="{20357631-FF36-4D82-B011-A26686633743}" type="datetimeFigureOut">
               <a:rPr lang="hu-HU" smtClean="0"/>
-              <a:t>2018.10.02.</a:t>
+              <a:t>2018. 10. 05.</a:t>
             </a:fld>
             <a:endParaRPr lang="hu-HU"/>
           </a:p>
@@ -1736,7 +1736,7 @@
           <a:p>
             <a:fld id="{20357631-FF36-4D82-B011-A26686633743}" type="datetimeFigureOut">
               <a:rPr lang="hu-HU" smtClean="0"/>
-              <a:t>2018.10.02.</a:t>
+              <a:t>2018. 10. 05.</a:t>
             </a:fld>
             <a:endParaRPr lang="hu-HU"/>
           </a:p>
@@ -1831,7 +1831,7 @@
           <a:p>
             <a:fld id="{20357631-FF36-4D82-B011-A26686633743}" type="datetimeFigureOut">
               <a:rPr lang="hu-HU" smtClean="0"/>
-              <a:t>2018.10.02.</a:t>
+              <a:t>2018. 10. 05.</a:t>
             </a:fld>
             <a:endParaRPr lang="hu-HU"/>
           </a:p>
@@ -2108,7 +2108,7 @@
           <a:p>
             <a:fld id="{20357631-FF36-4D82-B011-A26686633743}" type="datetimeFigureOut">
               <a:rPr lang="hu-HU" smtClean="0"/>
-              <a:t>2018.10.02.</a:t>
+              <a:t>2018. 10. 05.</a:t>
             </a:fld>
             <a:endParaRPr lang="hu-HU"/>
           </a:p>
@@ -2361,7 +2361,7 @@
           <a:p>
             <a:fld id="{20357631-FF36-4D82-B011-A26686633743}" type="datetimeFigureOut">
               <a:rPr lang="hu-HU" smtClean="0"/>
-              <a:t>2018.10.02.</a:t>
+              <a:t>2018. 10. 05.</a:t>
             </a:fld>
             <a:endParaRPr lang="hu-HU"/>
           </a:p>
@@ -2579,7 +2579,7 @@
           <a:p>
             <a:fld id="{20357631-FF36-4D82-B011-A26686633743}" type="datetimeFigureOut">
               <a:rPr lang="hu-HU" smtClean="0"/>
-              <a:t>2018.10.02.</a:t>
+              <a:t>2018. 10. 05.</a:t>
             </a:fld>
             <a:endParaRPr lang="hu-HU"/>
           </a:p>
@@ -3038,7 +3038,7 @@
               <a:buChar char="•"/>
             </a:pPr>
             <a:r>
-              <a:rPr lang="hu-HU" sz="3200" dirty="0" smtClean="0"/>
+              <a:rPr lang="hu-HU" sz="3200" dirty="0"/>
               <a:t>Érdemes-e a programozói pályát választani?</a:t>
             </a:r>
           </a:p>
@@ -3048,7 +3048,7 @@
               <a:buChar char="•"/>
             </a:pPr>
             <a:r>
-              <a:rPr lang="hu-HU" sz="3200" dirty="0" smtClean="0"/>
+              <a:rPr lang="hu-HU" sz="3200" dirty="0"/>
               <a:t>Érdemes-e egyetemre járni a szakma megtanulásához?</a:t>
             </a:r>
           </a:p>
@@ -3058,7 +3058,7 @@
               <a:buChar char="•"/>
             </a:pPr>
             <a:r>
-              <a:rPr lang="hu-HU" sz="3200" dirty="0" smtClean="0"/>
+              <a:rPr lang="hu-HU" sz="3200" dirty="0"/>
               <a:t>Milyen lehetőségekkel, döntésekkel szembesültem az egyetem alatt?</a:t>
             </a:r>
           </a:p>
@@ -3068,10 +3068,9 @@
               <a:buChar char="•"/>
             </a:pPr>
             <a:r>
-              <a:rPr lang="hu-HU" sz="3200" dirty="0" smtClean="0"/>
+              <a:rPr lang="hu-HU" sz="3200" dirty="0"/>
               <a:t>Milyen az ipari, milyen az akadémiai élet?</a:t>
             </a:r>
-            <a:endParaRPr lang="hu-HU" sz="3200" dirty="0"/>
           </a:p>
         </p:txBody>
       </p:sp>
@@ -3098,10 +3097,9 @@
           <a:lstStyle/>
           <a:p>
             <a:r>
-              <a:rPr lang="hu-HU" dirty="0" smtClean="0"/>
+              <a:rPr lang="hu-HU" dirty="0"/>
               <a:t>Készítette: Nagy András</a:t>
             </a:r>
-            <a:endParaRPr lang="hu-HU" dirty="0"/>
           </a:p>
         </p:txBody>
       </p:sp>
@@ -3115,13 +3113,6 @@
   <p:clrMapOvr>
     <a:masterClrMapping/>
   </p:clrMapOvr>
-  <p:timing>
-    <p:tnLst>
-      <p:par>
-        <p:cTn id="1" dur="indefinite" restart="never" nodeType="tmRoot"/>
-      </p:par>
-    </p:tnLst>
-  </p:timing>
 </p:sld>
 </file>
 
@@ -3202,13 +3193,8 @@
           <a:p>
             <a:r>
               <a:rPr lang="hu-HU" dirty="0"/>
-              <a:t>8 óra munka, 8 óra pihenés.. (de ez is </a:t>
-            </a:r>
-            <a:r>
-              <a:rPr lang="hu-HU" dirty="0" smtClean="0"/>
-              <a:t>cégfüggő, lehet rugalmasabb)</a:t>
-            </a:r>
-            <a:endParaRPr lang="hu-HU" dirty="0"/>
+              <a:t>8 óra munka, 8 óra pihenés.. (de ez is cégfüggő, lehet rugalmasabb)</a:t>
+            </a:r>
           </a:p>
           <a:p>
             <a:r>
@@ -3224,12 +3210,8 @@
           </a:p>
           <a:p>
             <a:r>
-              <a:rPr lang="hu-HU" dirty="0" smtClean="0"/>
-              <a:t>Szorosabb </a:t>
-            </a:r>
-            <a:r>
-              <a:rPr lang="hu-HU" dirty="0"/>
-              <a:t>határidők</a:t>
+              <a:rPr lang="hu-HU" dirty="0"/>
+              <a:t>Szorosabb határidők</a:t>
             </a:r>
           </a:p>
           <a:p>
@@ -3253,23 +3235,14 @@
           <a:p>
             <a:r>
               <a:rPr lang="hu-HU" dirty="0"/>
-              <a:t>Az akadémia jobban az új dolgok létrehozásáról szól, az iparban nagy hangsúlyt kap a meglévő fejlesztések karbantartása</a:t>
-            </a:r>
-            <a:r>
-              <a:rPr lang="hu-HU" dirty="0" smtClean="0"/>
-              <a:t>..</a:t>
-            </a:r>
-          </a:p>
-          <a:p>
-            <a:r>
-              <a:rPr lang="hu-HU" dirty="0"/>
-              <a:t>Csapatmunka, feladatok szétválasztása, meetingek</a:t>
-            </a:r>
-            <a:r>
-              <a:rPr lang="hu-HU" dirty="0" smtClean="0"/>
-              <a:t>..</a:t>
-            </a:r>
-            <a:endParaRPr lang="hu-HU" dirty="0"/>
+              <a:t>Az akadémia jobban az új dolgok létrehozásáról szól, az iparban nagy hangsúlyt kap a meglévő fejlesztések karbantartása..</a:t>
+            </a:r>
+          </a:p>
+          <a:p>
+            <a:r>
+              <a:rPr lang="hu-HU" dirty="0"/>
+              <a:t>Csapatmunka, feladatok szétválasztása, meetingek..</a:t>
+            </a:r>
           </a:p>
           <a:p>
             <a:r>
@@ -3339,10 +3312,9 @@
           <a:p>
             <a:pPr algn="ctr"/>
             <a:r>
-              <a:rPr lang="hu-HU" sz="6600" dirty="0" smtClean="0"/>
+              <a:rPr lang="hu-HU" sz="6600" dirty="0"/>
               <a:t>Köszönöm a figyelmet!</a:t>
             </a:r>
-            <a:endParaRPr lang="hu-HU" sz="6600" dirty="0"/>
           </a:p>
         </p:txBody>
       </p:sp>
@@ -3372,7 +3344,7 @@
               <a:buNone/>
             </a:pPr>
             <a:r>
-              <a:rPr lang="hu-HU" sz="4000" dirty="0" smtClean="0"/>
+              <a:rPr lang="hu-HU" sz="4000" dirty="0"/>
               <a:t>Kérdések..</a:t>
             </a:r>
           </a:p>
@@ -3401,29 +3373,28 @@
           <a:lstStyle/>
           <a:p>
             <a:r>
-              <a:rPr lang="hu-HU" sz="2800" dirty="0" smtClean="0"/>
+              <a:rPr lang="hu-HU" sz="2800" dirty="0"/>
               <a:t>Elérhetőség: </a:t>
             </a:r>
           </a:p>
           <a:p>
             <a:r>
-              <a:rPr lang="hu-HU" sz="2000" dirty="0" smtClean="0"/>
+              <a:rPr lang="hu-HU" sz="2000" dirty="0"/>
               <a:t>email: </a:t>
             </a:r>
             <a:r>
-              <a:rPr lang="hu-HU" sz="2000" i="1" dirty="0" smtClean="0">
+              <a:rPr lang="hu-HU" sz="2000" i="1" dirty="0">
                 <a:hlinkClick r:id="rId2"/>
               </a:rPr>
               <a:t>nagy.andras95@gmail.com</a:t>
             </a:r>
-            <a:endParaRPr lang="hu-HU" sz="2000" i="1" dirty="0" smtClean="0"/>
-          </a:p>
-          <a:p>
-            <a:r>
-              <a:rPr lang="hu-HU" sz="2000" dirty="0" smtClean="0"/>
+            <a:endParaRPr lang="hu-HU" sz="2000" i="1" dirty="0"/>
+          </a:p>
+          <a:p>
+            <a:r>
+              <a:rPr lang="hu-HU" sz="2000" dirty="0"/>
               <a:t>Finna Imola tanárnőn keresztül..</a:t>
             </a:r>
-            <a:endParaRPr lang="hu-HU" sz="2000" dirty="0"/>
           </a:p>
         </p:txBody>
       </p:sp>
@@ -3450,53 +3421,33 @@
           <a:lstStyle/>
           <a:p>
             <a:r>
-              <a:rPr lang="hu-HU" sz="2000" dirty="0" smtClean="0"/>
+              <a:rPr lang="hu-HU" sz="2000" dirty="0"/>
               <a:t>Részletes információk:</a:t>
             </a:r>
           </a:p>
           <a:p>
             <a:r>
-              <a:rPr lang="hu-HU" dirty="0" smtClean="0"/>
+              <a:rPr lang="hu-HU" dirty="0"/>
               <a:t>Felvi - </a:t>
-            </a:r>
-            <a:r>
-              <a:rPr lang="hu-HU" dirty="0" smtClean="0">
-                <a:hlinkClick r:id="rId3"/>
-              </a:rPr>
-              <a:t>https</a:t>
             </a:r>
             <a:r>
               <a:rPr lang="hu-HU" dirty="0">
                 <a:hlinkClick r:id="rId3"/>
               </a:rPr>
-              <a:t>://www.felvi.hu</a:t>
-            </a:r>
-            <a:r>
-              <a:rPr lang="hu-HU" dirty="0" smtClean="0">
-                <a:hlinkClick r:id="rId3"/>
-              </a:rPr>
-              <a:t>/</a:t>
-            </a:r>
-            <a:endParaRPr lang="hu-HU" dirty="0" smtClean="0"/>
-          </a:p>
-          <a:p>
-            <a:r>
-              <a:rPr lang="hu-HU" dirty="0"/>
-              <a:t>ELTE IK Tanrendek </a:t>
-            </a:r>
-            <a:r>
-              <a:rPr lang="hu-HU" dirty="0" smtClean="0"/>
-              <a:t>– </a:t>
-            </a:r>
-          </a:p>
-          <a:p>
-            <a:r>
-              <a:rPr lang="hu-HU" dirty="0" smtClean="0"/>
-              <a:t>https: //</a:t>
-            </a:r>
-            <a:r>
-              <a:rPr lang="hu-HU" dirty="0"/>
-              <a:t>www.inf.elte.hu/tantervihalok</a:t>
+              <a:t>https://www.felvi.hu/</a:t>
+            </a:r>
+            <a:endParaRPr lang="hu-HU" dirty="0"/>
+          </a:p>
+          <a:p>
+            <a:r>
+              <a:rPr lang="hu-HU" dirty="0"/>
+              <a:t>ELTE IK Tanrendek – </a:t>
+            </a:r>
+          </a:p>
+          <a:p>
+            <a:r>
+              <a:rPr lang="hu-HU" dirty="0"/>
+              <a:t>https: //www.inf.elte.hu/tantervihalok</a:t>
             </a:r>
           </a:p>
         </p:txBody>
@@ -3630,7 +3581,7 @@
           <a:p>
             <a:pPr lvl="1"/>
             <a:r>
-              <a:rPr lang="hu-HU" sz="2800" dirty="0" smtClean="0"/>
+              <a:rPr lang="hu-HU" sz="2800" dirty="0"/>
               <a:t>(Magántanárral a legkönnyebb, én is vállalok diákokat..)</a:t>
             </a:r>
             <a:endParaRPr lang="hu-HU" sz="3200" dirty="0"/>
@@ -3650,13 +3601,6 @@
   <p:clrMapOvr>
     <a:masterClrMapping/>
   </p:clrMapOvr>
-  <p:timing>
-    <p:tnLst>
-      <p:par>
-        <p:cTn id="1" dur="indefinite" restart="never" nodeType="tmRoot"/>
-      </p:par>
-    </p:tnLst>
-  </p:timing>
 </p:sld>
 </file>
 
@@ -3757,13 +3701,6 @@
   <p:clrMapOvr>
     <a:masterClrMapping/>
   </p:clrMapOvr>
-  <p:timing>
-    <p:tnLst>
-      <p:par>
-        <p:cTn id="1" dur="indefinite" restart="never" nodeType="tmRoot"/>
-      </p:par>
-    </p:tnLst>
-  </p:timing>
 </p:sld>
 </file>
 
@@ -3891,13 +3828,8 @@
             <a:pPr lvl="1"/>
             <a:r>
               <a:rPr lang="hu-HU" sz="2800" dirty="0"/>
-              <a:t>A matekos rész helyeként sok, túl </a:t>
-            </a:r>
-            <a:r>
-              <a:rPr lang="hu-HU" sz="2800" dirty="0" smtClean="0"/>
-              <a:t>elméleti (de jól meg van alapozva..)</a:t>
-            </a:r>
-            <a:endParaRPr lang="hu-HU" sz="2800" dirty="0"/>
+              <a:t>A matekos rész helyeként sok, túl elméleti (de jól meg van alapozva..)</a:t>
+            </a:r>
           </a:p>
           <a:p>
             <a:pPr lvl="1"/>
@@ -4000,24 +3932,14 @@
           <a:p>
             <a:r>
               <a:rPr lang="hu-HU" dirty="0"/>
-              <a:t>Felősoktatási szakképzés (BGE-n van </a:t>
-            </a:r>
-            <a:r>
-              <a:rPr lang="hu-HU" dirty="0" smtClean="0"/>
-              <a:t>pl.)</a:t>
-            </a:r>
-            <a:endParaRPr lang="hu-HU" dirty="0"/>
-          </a:p>
-          <a:p>
-            <a:r>
-              <a:rPr lang="hu-HU" dirty="0"/>
-              <a:t>Cégek által hírdetett képzések, magániskolák.. (nincs releváns </a:t>
-            </a:r>
-            <a:r>
-              <a:rPr lang="hu-HU" dirty="0" smtClean="0"/>
-              <a:t>tapasztaltom, csak amit olvasok, néha hallok)</a:t>
-            </a:r>
-            <a:endParaRPr lang="hu-HU" dirty="0"/>
+              <a:t>Felősoktatási szakképzés (BGE-n van pl.)</a:t>
+            </a:r>
+          </a:p>
+          <a:p>
+            <a:r>
+              <a:rPr lang="hu-HU" dirty="0"/>
+              <a:t>Cégek által hírdetett képzések, magániskolák.. (nincs releváns tapasztaltom, csak amit olvasok, néha hallok)</a:t>
+            </a:r>
           </a:p>
           <a:p>
             <a:r>
@@ -4028,24 +3950,14 @@
           <a:p>
             <a:r>
               <a:rPr lang="hu-HU" dirty="0"/>
-              <a:t>Fontos, hogy ne erőltessük se a szakmát se az egyetemet, ha nem érezzük az affinitást magunkban.. </a:t>
-            </a:r>
-            <a:r>
-              <a:rPr lang="hu-HU" dirty="0" smtClean="0"/>
-              <a:t>(vannak tapasztalataim, miért ne)</a:t>
-            </a:r>
-            <a:endParaRPr lang="hu-HU" dirty="0"/>
-          </a:p>
-          <a:p>
-            <a:r>
-              <a:rPr lang="hu-HU" dirty="0"/>
-              <a:t>Fél évig lehet meggondolni </a:t>
-            </a:r>
-            <a:r>
-              <a:rPr lang="hu-HU" dirty="0" smtClean="0"/>
-              <a:t>magad állami képzésen</a:t>
-            </a:r>
-            <a:endParaRPr lang="hu-HU" dirty="0"/>
+              <a:t>Fontos, hogy ne erőltessük se a szakmát se az egyetemet, ha nem érezzük az affinitást magunkban.. (vannak tapasztalataim, miért ne)</a:t>
+            </a:r>
+          </a:p>
+          <a:p>
+            <a:r>
+              <a:rPr lang="hu-HU" dirty="0"/>
+              <a:t>Fél évig lehet meggondolni magad állami képzésen</a:t>
+            </a:r>
           </a:p>
         </p:txBody>
       </p:sp>
@@ -4158,76 +4070,71 @@
             <a:pPr lvl="1"/>
             <a:r>
               <a:rPr lang="hu-HU" dirty="0"/>
-              <a:t>Első félévben inkább szakmai tárgyak vannak (sok nyelv: C, Phyton, funkcionális nyelv, script nyelvek), kevés matek</a:t>
+              <a:t>Első félévben inkább szakmai tárgyak vannak (sok nyelv: C, Phyton, funkcionális nyelv, script nyelvek), kevesebb matek</a:t>
             </a:r>
           </a:p>
           <a:p>
             <a:pPr lvl="1"/>
             <a:r>
               <a:rPr lang="hu-HU" dirty="0"/>
-              <a:t>Egy fokkal gyakorlatiasabb képzés felé mozdult el az </a:t>
-            </a:r>
-            <a:r>
-              <a:rPr lang="hu-HU" dirty="0" smtClean="0"/>
-              <a:t>egyetem</a:t>
-            </a:r>
+              <a:t>Egy fokkal gyakorlatiasabb képzés felé mozdult el az egyetem</a:t>
+            </a:r>
+          </a:p>
+          <a:p>
+            <a:r>
+              <a:rPr lang="hu-HU" dirty="0"/>
+              <a:t>Mesterképzések:</a:t>
+            </a:r>
+          </a:p>
+          <a:p>
+            <a:pPr lvl="1"/>
+            <a:r>
+              <a:rPr lang="hu-HU" dirty="0"/>
+              <a:t>Megszűnt a modulrendszer, azt tanulsz, amit szeretnél, elég szabad, nincs kötött tanrend</a:t>
+            </a:r>
+          </a:p>
+          <a:p>
+            <a:pPr lvl="1"/>
+            <a:r>
+              <a:rPr lang="hu-HU" dirty="0"/>
+              <a:t>Tárgyak csoportjai</a:t>
+            </a:r>
+          </a:p>
+          <a:p>
+            <a:pPr lvl="2"/>
+            <a:r>
+              <a:rPr lang="hu-HU" dirty="0"/>
+              <a:t>Matmatikai modellezős</a:t>
+            </a:r>
+          </a:p>
+          <a:p>
+            <a:pPr lvl="2"/>
+            <a:r>
+              <a:rPr lang="hu-HU" dirty="0"/>
+              <a:t>Módszertanok, menedzseri ismertek</a:t>
+            </a:r>
+          </a:p>
+          <a:p>
+            <a:pPr lvl="2"/>
+            <a:r>
+              <a:rPr lang="hu-HU" dirty="0"/>
+              <a:t>Új techonológiákat felvonultatók</a:t>
+            </a:r>
+          </a:p>
+          <a:p>
+            <a:pPr lvl="2"/>
+            <a:r>
+              <a:rPr lang="hu-HU" dirty="0"/>
+              <a:t>Egyéb.. (kevésbé hasznosak..)</a:t>
+            </a:r>
+          </a:p>
+          <a:p>
+            <a:pPr lvl="2"/>
             <a:endParaRPr lang="hu-HU" dirty="0"/>
           </a:p>
           <a:p>
-            <a:r>
-              <a:rPr lang="hu-HU" dirty="0" smtClean="0"/>
-              <a:t>Mesterképzések:</a:t>
-            </a:r>
-          </a:p>
-          <a:p>
-            <a:pPr lvl="1"/>
-            <a:r>
-              <a:rPr lang="hu-HU" dirty="0" smtClean="0"/>
-              <a:t>Megszűnt a modulrendszer, kb azt tanulsz, amit szeretnél</a:t>
-            </a:r>
-          </a:p>
-          <a:p>
-            <a:pPr lvl="1"/>
-            <a:r>
-              <a:rPr lang="hu-HU" dirty="0" smtClean="0"/>
-              <a:t>Tárgyak csoportjai</a:t>
-            </a:r>
-          </a:p>
-          <a:p>
             <a:pPr lvl="2"/>
-            <a:r>
-              <a:rPr lang="hu-HU" dirty="0" smtClean="0"/>
-              <a:t>Matmatikai modellezős</a:t>
-            </a:r>
-          </a:p>
-          <a:p>
-            <a:pPr lvl="2"/>
-            <a:r>
-              <a:rPr lang="hu-HU" dirty="0" smtClean="0"/>
-              <a:t>Módszertanok, menedzseri ismertek</a:t>
-            </a:r>
-          </a:p>
-          <a:p>
-            <a:pPr lvl="2"/>
-            <a:r>
-              <a:rPr lang="hu-HU" dirty="0" smtClean="0"/>
-              <a:t>Új techonológiákat felvonultatók</a:t>
-            </a:r>
-          </a:p>
-          <a:p>
-            <a:pPr lvl="2"/>
-            <a:r>
-              <a:rPr lang="hu-HU" dirty="0" smtClean="0"/>
-              <a:t>Egyéb.. (kevésbé hasznosak..)</a:t>
-            </a:r>
-          </a:p>
-          <a:p>
-            <a:pPr lvl="2"/>
-            <a:endParaRPr lang="hu-HU" dirty="0" smtClean="0"/>
-          </a:p>
-          <a:p>
-            <a:pPr lvl="2"/>
-            <a:endParaRPr lang="hu-HU" dirty="0" smtClean="0"/>
+            <a:endParaRPr lang="hu-HU" dirty="0"/>
           </a:p>
         </p:txBody>
       </p:sp>
@@ -4307,21 +4214,8 @@
           <a:p>
             <a:r>
               <a:rPr lang="hu-HU" dirty="0"/>
-              <a:t>Alapkzés eleje: Minél többet megpróbálasz fejlődni szakmailag a </a:t>
-            </a:r>
-            <a:r>
-              <a:rPr lang="hu-HU" dirty="0" smtClean="0"/>
-              <a:t>tárgyaidon, </a:t>
-            </a:r>
-            <a:r>
-              <a:rPr lang="hu-HU" dirty="0"/>
-              <a:t>valamint </a:t>
-            </a:r>
-            <a:r>
-              <a:rPr lang="hu-HU" dirty="0" smtClean="0"/>
-              <a:t>önállóan (sok tárgyból beadandót is kell csinálni)</a:t>
-            </a:r>
-            <a:endParaRPr lang="hu-HU" dirty="0"/>
+              <a:t>Alapkzés eleje: Minél többet megpróbálasz fejlődni szakmailag a tárgyaidon, valamint önállóan (sok tárgyból beadandót is kell csinálni)</a:t>
+            </a:r>
           </a:p>
           <a:p>
             <a:r>
@@ -4333,15 +4227,7 @@
             <a:pPr lvl="1"/>
             <a:r>
               <a:rPr lang="hu-HU" dirty="0"/>
-              <a:t>Bekerülhetsz projektmunkákba, akár pénzt is kaphatsz érte, a szakdogozatodat és a szakmai gyakorlatod is </a:t>
-            </a:r>
-            <a:r>
-              <a:rPr lang="hu-HU" dirty="0" smtClean="0"/>
-              <a:t>letudhatod </a:t>
-            </a:r>
-            <a:r>
-              <a:rPr lang="hu-HU" dirty="0"/>
-              <a:t>ennek keretében</a:t>
+              <a:t>Bekerülhetsz projektmunkákba, akár pénzt is kaphatsz érte, a szakdogozatodat és a szakmai gyakorlatod is letudhatod ennek keretében</a:t>
             </a:r>
           </a:p>
           <a:p>
@@ -4375,15 +4261,7 @@
             <a:pPr lvl="1"/>
             <a:r>
               <a:rPr lang="hu-HU" dirty="0"/>
-              <a:t>Továbbá a projektmunkát is </a:t>
-            </a:r>
-            <a:r>
-              <a:rPr lang="hu-HU" dirty="0" smtClean="0"/>
-              <a:t>folytathatod vagy vállalsz, </a:t>
-            </a:r>
-            <a:r>
-              <a:rPr lang="hu-HU" dirty="0"/>
-              <a:t>valamint gyakorlatvezetéseket is vállalhatsz</a:t>
+              <a:t>Továbbá a projektmunkát is folytathatod vagy vállalsz, valamint gyakorlatvezetéseket is vállalhatsz</a:t>
             </a:r>
           </a:p>
         </p:txBody>
@@ -4518,13 +4396,8 @@
           <a:p>
             <a:r>
               <a:rPr lang="hu-HU" dirty="0"/>
-              <a:t>Az ötleteidet valósíthatod meg, és általában nem egy ügyfél </a:t>
-            </a:r>
-            <a:r>
-              <a:rPr lang="hu-HU" dirty="0" smtClean="0"/>
-              <a:t>kivánságát (emiatt ritkán vanak jól definiált feladatok)</a:t>
-            </a:r>
-            <a:endParaRPr lang="hu-HU" dirty="0"/>
+              <a:t>Az ötleteidet valósíthatod meg, és általában nem egy ügyfél kivánságát (emiatt ritkán vanak jól definiált feladatok)</a:t>
+            </a:r>
           </a:p>
           <a:p>
             <a:r>
@@ -4581,10 +4454,9 @@
           <a:p>
             <a:pPr algn="ctr"/>
             <a:r>
-              <a:rPr lang="hu-HU" dirty="0" smtClean="0"/>
+              <a:rPr lang="hu-HU" dirty="0"/>
               <a:t>Programozói munka</a:t>
             </a:r>
-            <a:endParaRPr lang="hu-HU" dirty="0"/>
           </a:p>
         </p:txBody>
       </p:sp>
@@ -4670,10 +4542,9 @@
           <a:lstStyle/>
           <a:p>
             <a:r>
-              <a:rPr lang="hu-HU" sz="2400" dirty="0" smtClean="0"/>
+              <a:rPr lang="hu-HU" sz="2400" dirty="0"/>
               <a:t>Elképzelés:</a:t>
             </a:r>
-            <a:endParaRPr lang="hu-HU" sz="2400" dirty="0"/>
           </a:p>
         </p:txBody>
       </p:sp>
@@ -4700,10 +4571,9 @@
           <a:lstStyle/>
           <a:p>
             <a:r>
-              <a:rPr lang="hu-HU" sz="2400" dirty="0" smtClean="0"/>
+              <a:rPr lang="hu-HU" sz="2400" dirty="0"/>
               <a:t>Valóság:</a:t>
             </a:r>
-            <a:endParaRPr lang="hu-HU" sz="2400" dirty="0"/>
           </a:p>
         </p:txBody>
       </p:sp>

--- a/efop/03/Programozók világa.pptx
+++ b/efop/03/Programozók világa.pptx
@@ -9,13 +9,14 @@
     <p:sldId id="257" r:id="rId3"/>
     <p:sldId id="258" r:id="rId4"/>
     <p:sldId id="259" r:id="rId5"/>
-    <p:sldId id="260" r:id="rId6"/>
-    <p:sldId id="261" r:id="rId7"/>
-    <p:sldId id="262" r:id="rId8"/>
-    <p:sldId id="263" r:id="rId9"/>
-    <p:sldId id="265" r:id="rId10"/>
-    <p:sldId id="264" r:id="rId11"/>
-    <p:sldId id="266" r:id="rId12"/>
+    <p:sldId id="267" r:id="rId6"/>
+    <p:sldId id="260" r:id="rId7"/>
+    <p:sldId id="261" r:id="rId8"/>
+    <p:sldId id="262" r:id="rId9"/>
+    <p:sldId id="263" r:id="rId10"/>
+    <p:sldId id="265" r:id="rId11"/>
+    <p:sldId id="264" r:id="rId12"/>
+    <p:sldId id="266" r:id="rId13"/>
   </p:sldIdLst>
   <p:sldSz cx="12192000" cy="6858000"/>
   <p:notesSz cx="6858000" cy="9144000"/>
@@ -253,7 +254,7 @@
           <a:p>
             <a:fld id="{20357631-FF36-4D82-B011-A26686633743}" type="datetimeFigureOut">
               <a:rPr lang="hu-HU" smtClean="0"/>
-              <a:t>2018. 10. 05.</a:t>
+              <a:t>2018.10.09.</a:t>
             </a:fld>
             <a:endParaRPr lang="hu-HU"/>
           </a:p>
@@ -423,7 +424,7 @@
           <a:p>
             <a:fld id="{20357631-FF36-4D82-B011-A26686633743}" type="datetimeFigureOut">
               <a:rPr lang="hu-HU" smtClean="0"/>
-              <a:t>2018. 10. 05.</a:t>
+              <a:t>2018.10.09.</a:t>
             </a:fld>
             <a:endParaRPr lang="hu-HU"/>
           </a:p>
@@ -603,7 +604,7 @@
           <a:p>
             <a:fld id="{20357631-FF36-4D82-B011-A26686633743}" type="datetimeFigureOut">
               <a:rPr lang="hu-HU" smtClean="0"/>
-              <a:t>2018. 10. 05.</a:t>
+              <a:t>2018.10.09.</a:t>
             </a:fld>
             <a:endParaRPr lang="hu-HU"/>
           </a:p>
@@ -773,7 +774,7 @@
           <a:p>
             <a:fld id="{20357631-FF36-4D82-B011-A26686633743}" type="datetimeFigureOut">
               <a:rPr lang="hu-HU" smtClean="0"/>
-              <a:t>2018. 10. 05.</a:t>
+              <a:t>2018.10.09.</a:t>
             </a:fld>
             <a:endParaRPr lang="hu-HU"/>
           </a:p>
@@ -1019,7 +1020,7 @@
           <a:p>
             <a:fld id="{20357631-FF36-4D82-B011-A26686633743}" type="datetimeFigureOut">
               <a:rPr lang="hu-HU" smtClean="0"/>
-              <a:t>2018. 10. 05.</a:t>
+              <a:t>2018.10.09.</a:t>
             </a:fld>
             <a:endParaRPr lang="hu-HU"/>
           </a:p>
@@ -1251,7 +1252,7 @@
           <a:p>
             <a:fld id="{20357631-FF36-4D82-B011-A26686633743}" type="datetimeFigureOut">
               <a:rPr lang="hu-HU" smtClean="0"/>
-              <a:t>2018. 10. 05.</a:t>
+              <a:t>2018.10.09.</a:t>
             </a:fld>
             <a:endParaRPr lang="hu-HU"/>
           </a:p>
@@ -1618,7 +1619,7 @@
           <a:p>
             <a:fld id="{20357631-FF36-4D82-B011-A26686633743}" type="datetimeFigureOut">
               <a:rPr lang="hu-HU" smtClean="0"/>
-              <a:t>2018. 10. 05.</a:t>
+              <a:t>2018.10.09.</a:t>
             </a:fld>
             <a:endParaRPr lang="hu-HU"/>
           </a:p>
@@ -1736,7 +1737,7 @@
           <a:p>
             <a:fld id="{20357631-FF36-4D82-B011-A26686633743}" type="datetimeFigureOut">
               <a:rPr lang="hu-HU" smtClean="0"/>
-              <a:t>2018. 10. 05.</a:t>
+              <a:t>2018.10.09.</a:t>
             </a:fld>
             <a:endParaRPr lang="hu-HU"/>
           </a:p>
@@ -1831,7 +1832,7 @@
           <a:p>
             <a:fld id="{20357631-FF36-4D82-B011-A26686633743}" type="datetimeFigureOut">
               <a:rPr lang="hu-HU" smtClean="0"/>
-              <a:t>2018. 10. 05.</a:t>
+              <a:t>2018.10.09.</a:t>
             </a:fld>
             <a:endParaRPr lang="hu-HU"/>
           </a:p>
@@ -2108,7 +2109,7 @@
           <a:p>
             <a:fld id="{20357631-FF36-4D82-B011-A26686633743}" type="datetimeFigureOut">
               <a:rPr lang="hu-HU" smtClean="0"/>
-              <a:t>2018. 10. 05.</a:t>
+              <a:t>2018.10.09.</a:t>
             </a:fld>
             <a:endParaRPr lang="hu-HU"/>
           </a:p>
@@ -2361,7 +2362,7 @@
           <a:p>
             <a:fld id="{20357631-FF36-4D82-B011-A26686633743}" type="datetimeFigureOut">
               <a:rPr lang="hu-HU" smtClean="0"/>
-              <a:t>2018. 10. 05.</a:t>
+              <a:t>2018.10.09.</a:t>
             </a:fld>
             <a:endParaRPr lang="hu-HU"/>
           </a:p>
@@ -2579,7 +2580,7 @@
           <a:p>
             <a:fld id="{20357631-FF36-4D82-B011-A26686633743}" type="datetimeFigureOut">
               <a:rPr lang="hu-HU" smtClean="0"/>
-              <a:t>2018. 10. 05.</a:t>
+              <a:t>2018.10.09.</a:t>
             </a:fld>
             <a:endParaRPr lang="hu-HU"/>
           </a:p>
@@ -3038,7 +3039,7 @@
               <a:buChar char="•"/>
             </a:pPr>
             <a:r>
-              <a:rPr lang="hu-HU" sz="3200" dirty="0"/>
+              <a:rPr lang="hu-HU" sz="3200" dirty="0" smtClean="0"/>
               <a:t>Érdemes-e a programozói pályát választani?</a:t>
             </a:r>
           </a:p>
@@ -3048,7 +3049,7 @@
               <a:buChar char="•"/>
             </a:pPr>
             <a:r>
-              <a:rPr lang="hu-HU" sz="3200" dirty="0"/>
+              <a:rPr lang="hu-HU" sz="3200" dirty="0" smtClean="0"/>
               <a:t>Érdemes-e egyetemre járni a szakma megtanulásához?</a:t>
             </a:r>
           </a:p>
@@ -3058,7 +3059,7 @@
               <a:buChar char="•"/>
             </a:pPr>
             <a:r>
-              <a:rPr lang="hu-HU" sz="3200" dirty="0"/>
+              <a:rPr lang="hu-HU" sz="3200" dirty="0" smtClean="0"/>
               <a:t>Milyen lehetőségekkel, döntésekkel szembesültem az egyetem alatt?</a:t>
             </a:r>
           </a:p>
@@ -3068,9 +3069,10 @@
               <a:buChar char="•"/>
             </a:pPr>
             <a:r>
-              <a:rPr lang="hu-HU" sz="3200" dirty="0"/>
+              <a:rPr lang="hu-HU" sz="3200" dirty="0" smtClean="0"/>
               <a:t>Milyen az ipari, milyen az akadémiai élet?</a:t>
             </a:r>
+            <a:endParaRPr lang="hu-HU" sz="3200" dirty="0"/>
           </a:p>
         </p:txBody>
       </p:sp>
@@ -3097,9 +3099,10 @@
           <a:lstStyle/>
           <a:p>
             <a:r>
-              <a:rPr lang="hu-HU" dirty="0"/>
+              <a:rPr lang="hu-HU" dirty="0" smtClean="0"/>
               <a:t>Készítette: Nagy András</a:t>
             </a:r>
+            <a:endParaRPr lang="hu-HU" dirty="0"/>
           </a:p>
         </p:txBody>
       </p:sp>
@@ -3113,6 +3116,13 @@
   <p:clrMapOvr>
     <a:masterClrMapping/>
   </p:clrMapOvr>
+  <p:timing>
+    <p:tnLst>
+      <p:par>
+        <p:cTn id="1" dur="indefinite" restart="never" nodeType="tmRoot"/>
+      </p:par>
+    </p:tnLst>
+  </p:timing>
 </p:sld>
 </file>
 
@@ -3143,355 +3153,6 @@
             <p:ph type="title"/>
           </p:nvPr>
         </p:nvSpPr>
-        <p:spPr>
-          <a:xfrm>
-            <a:off x="838200" y="365125"/>
-            <a:ext cx="10515600" cy="793974"/>
-          </a:xfrm>
-        </p:spPr>
-        <p:txBody>
-          <a:bodyPr>
-            <a:normAutofit/>
-          </a:bodyPr>
-          <a:lstStyle/>
-          <a:p>
-            <a:pPr algn="ctr"/>
-            <a:r>
-              <a:rPr lang="hu-HU" dirty="0"/>
-              <a:t>Ipari munka</a:t>
-            </a:r>
-          </a:p>
-        </p:txBody>
-      </p:sp>
-      <p:sp>
-        <p:nvSpPr>
-          <p:cNvPr id="3" name="Content Placeholder 2"/>
-          <p:cNvSpPr>
-            <a:spLocks noGrp="1"/>
-          </p:cNvSpPr>
-          <p:nvPr>
-            <p:ph idx="1"/>
-          </p:nvPr>
-        </p:nvSpPr>
-        <p:spPr>
-          <a:xfrm>
-            <a:off x="270456" y="1262130"/>
-            <a:ext cx="11797048" cy="5409126"/>
-          </a:xfrm>
-        </p:spPr>
-        <p:txBody>
-          <a:bodyPr>
-            <a:normAutofit fontScale="85000" lnSpcReduction="20000"/>
-          </a:bodyPr>
-          <a:lstStyle/>
-          <a:p>
-            <a:r>
-              <a:rPr lang="hu-HU" dirty="0"/>
-              <a:t>Magas alapjövedelem</a:t>
-            </a:r>
-          </a:p>
-          <a:p>
-            <a:r>
-              <a:rPr lang="hu-HU" dirty="0"/>
-              <a:t>8 óra munka, 8 óra pihenés.. (de ez is cégfüggő, lehet rugalmasabb)</a:t>
-            </a:r>
-          </a:p>
-          <a:p>
-            <a:r>
-              <a:rPr lang="hu-HU" dirty="0"/>
-              <a:t>Kódok írása</a:t>
-            </a:r>
-          </a:p>
-          <a:p>
-            <a:r>
-              <a:rPr lang="hu-HU" dirty="0"/>
-              <a:t>Hatalmas kódbázisok értelmezése, felforgatása</a:t>
-            </a:r>
-          </a:p>
-          <a:p>
-            <a:r>
-              <a:rPr lang="hu-HU" dirty="0"/>
-              <a:t>Szorosabb határidők</a:t>
-            </a:r>
-          </a:p>
-          <a:p>
-            <a:r>
-              <a:rPr lang="hu-HU" dirty="0"/>
-              <a:t>Figyelni a kód tisztaságára (jól érthetőségére)</a:t>
-            </a:r>
-          </a:p>
-          <a:p>
-            <a:r>
-              <a:rPr lang="hu-HU" dirty="0"/>
-              <a:t>Prcezínek kell lenni, hogy minél kevesebbet hibázzunk</a:t>
-            </a:r>
-          </a:p>
-          <a:p>
-            <a:r>
-              <a:rPr lang="hu-HU" dirty="0"/>
-              <a:t>Úgyis hibázunk, tesztelni kell folyamatosan régi fejlesztéseket is..</a:t>
-            </a:r>
-          </a:p>
-          <a:p>
-            <a:r>
-              <a:rPr lang="hu-HU" dirty="0"/>
-              <a:t>Az akadémia jobban az új dolgok létrehozásáról szól, az iparban nagy hangsúlyt kap a meglévő fejlesztések karbantartása..</a:t>
-            </a:r>
-          </a:p>
-          <a:p>
-            <a:r>
-              <a:rPr lang="hu-HU" dirty="0"/>
-              <a:t>Csapatmunka, feladatok szétválasztása, meetingek..</a:t>
-            </a:r>
-          </a:p>
-          <a:p>
-            <a:r>
-              <a:rPr lang="hu-HU" dirty="0"/>
-              <a:t>Csapatok vezetése, ügyfelekkel való értetlenkedés..</a:t>
-            </a:r>
-          </a:p>
-          <a:p>
-            <a:r>
-              <a:rPr lang="hu-HU" dirty="0"/>
-              <a:t>Kevésbé innovatív, bár nagyobb cégek foglalkoznak kutatás/fejlesztéssel (Ericcson, Google, Microsoft, stb)</a:t>
-            </a:r>
-          </a:p>
-        </p:txBody>
-      </p:sp>
-    </p:spTree>
-    <p:extLst>
-      <p:ext uri="{BB962C8B-B14F-4D97-AF65-F5344CB8AC3E}">
-        <p14:creationId xmlns:p14="http://schemas.microsoft.com/office/powerpoint/2010/main" val="69987778"/>
-      </p:ext>
-    </p:extLst>
-  </p:cSld>
-  <p:clrMapOvr>
-    <a:masterClrMapping/>
-  </p:clrMapOvr>
-</p:sld>
-</file>
-
-<file path=ppt/slides/slide11.xml><?xml version="1.0" encoding="utf-8"?>
-<p:sld xmlns:a="http://schemas.openxmlformats.org/drawingml/2006/main" xmlns:r="http://schemas.openxmlformats.org/officeDocument/2006/relationships" xmlns:p="http://schemas.openxmlformats.org/presentationml/2006/main">
-  <p:cSld>
-    <p:spTree>
-      <p:nvGrpSpPr>
-        <p:cNvPr id="1" name=""/>
-        <p:cNvGrpSpPr/>
-        <p:nvPr/>
-      </p:nvGrpSpPr>
-      <p:grpSpPr>
-        <a:xfrm>
-          <a:off x="0" y="0"/>
-          <a:ext cx="0" cy="0"/>
-          <a:chOff x="0" y="0"/>
-          <a:chExt cx="0" cy="0"/>
-        </a:xfrm>
-      </p:grpSpPr>
-      <p:sp>
-        <p:nvSpPr>
-          <p:cNvPr id="2" name="Title 1"/>
-          <p:cNvSpPr>
-            <a:spLocks noGrp="1"/>
-          </p:cNvSpPr>
-          <p:nvPr>
-            <p:ph type="title"/>
-          </p:nvPr>
-        </p:nvSpPr>
-        <p:spPr>
-          <a:xfrm>
-            <a:off x="838200" y="885387"/>
-            <a:ext cx="10515600" cy="1325563"/>
-          </a:xfrm>
-        </p:spPr>
-        <p:txBody>
-          <a:bodyPr>
-            <a:normAutofit/>
-          </a:bodyPr>
-          <a:lstStyle/>
-          <a:p>
-            <a:pPr algn="ctr"/>
-            <a:r>
-              <a:rPr lang="hu-HU" sz="6600" dirty="0"/>
-              <a:t>Köszönöm a figyelmet!</a:t>
-            </a:r>
-          </a:p>
-        </p:txBody>
-      </p:sp>
-      <p:sp>
-        <p:nvSpPr>
-          <p:cNvPr id="3" name="Content Placeholder 2"/>
-          <p:cNvSpPr>
-            <a:spLocks noGrp="1"/>
-          </p:cNvSpPr>
-          <p:nvPr>
-            <p:ph idx="1"/>
-          </p:nvPr>
-        </p:nvSpPr>
-        <p:spPr>
-          <a:xfrm>
-            <a:off x="838200" y="2393184"/>
-            <a:ext cx="10515600" cy="665326"/>
-          </a:xfrm>
-        </p:spPr>
-        <p:txBody>
-          <a:bodyPr>
-            <a:normAutofit/>
-          </a:bodyPr>
-          <a:lstStyle/>
-          <a:p>
-            <a:pPr marL="0" indent="0" algn="ctr">
-              <a:buNone/>
-            </a:pPr>
-            <a:r>
-              <a:rPr lang="hu-HU" sz="4000" dirty="0"/>
-              <a:t>Kérdések..</a:t>
-            </a:r>
-          </a:p>
-        </p:txBody>
-      </p:sp>
-      <p:sp>
-        <p:nvSpPr>
-          <p:cNvPr id="4" name="TextBox 3"/>
-          <p:cNvSpPr txBox="1"/>
-          <p:nvPr/>
-        </p:nvSpPr>
-        <p:spPr>
-          <a:xfrm>
-            <a:off x="173420" y="5470635"/>
-            <a:ext cx="4351284" cy="1138773"/>
-          </a:xfrm>
-          <a:prstGeom prst="rect">
-            <a:avLst/>
-          </a:prstGeom>
-          <a:noFill/>
-        </p:spPr>
-        <p:txBody>
-          <a:bodyPr wrap="square" rtlCol="0">
-            <a:spAutoFit/>
-          </a:bodyPr>
-          <a:lstStyle/>
-          <a:p>
-            <a:r>
-              <a:rPr lang="hu-HU" sz="2800" dirty="0"/>
-              <a:t>Elérhetőség: </a:t>
-            </a:r>
-          </a:p>
-          <a:p>
-            <a:r>
-              <a:rPr lang="hu-HU" sz="2000" dirty="0"/>
-              <a:t>email: </a:t>
-            </a:r>
-            <a:r>
-              <a:rPr lang="hu-HU" sz="2000" i="1" dirty="0">
-                <a:hlinkClick r:id="rId2"/>
-              </a:rPr>
-              <a:t>nagy.andras95@gmail.com</a:t>
-            </a:r>
-            <a:endParaRPr lang="hu-HU" sz="2000" i="1" dirty="0"/>
-          </a:p>
-          <a:p>
-            <a:r>
-              <a:rPr lang="hu-HU" sz="2000" dirty="0"/>
-              <a:t>Finna Imola tanárnőn keresztül..</a:t>
-            </a:r>
-          </a:p>
-        </p:txBody>
-      </p:sp>
-      <p:sp>
-        <p:nvSpPr>
-          <p:cNvPr id="5" name="TextBox 4"/>
-          <p:cNvSpPr txBox="1"/>
-          <p:nvPr/>
-        </p:nvSpPr>
-        <p:spPr>
-          <a:xfrm>
-            <a:off x="173420" y="3631408"/>
-            <a:ext cx="4417453" cy="1231106"/>
-          </a:xfrm>
-          <a:prstGeom prst="rect">
-            <a:avLst/>
-          </a:prstGeom>
-          <a:noFill/>
-        </p:spPr>
-        <p:txBody>
-          <a:bodyPr wrap="square" rtlCol="0">
-            <a:spAutoFit/>
-          </a:bodyPr>
-          <a:lstStyle/>
-          <a:p>
-            <a:r>
-              <a:rPr lang="hu-HU" sz="2000" dirty="0"/>
-              <a:t>Részletes információk:</a:t>
-            </a:r>
-          </a:p>
-          <a:p>
-            <a:r>
-              <a:rPr lang="hu-HU" dirty="0"/>
-              <a:t>Felvi - </a:t>
-            </a:r>
-            <a:r>
-              <a:rPr lang="hu-HU" dirty="0">
-                <a:hlinkClick r:id="rId3"/>
-              </a:rPr>
-              <a:t>https://www.felvi.hu/</a:t>
-            </a:r>
-            <a:endParaRPr lang="hu-HU" dirty="0"/>
-          </a:p>
-          <a:p>
-            <a:r>
-              <a:rPr lang="hu-HU" dirty="0"/>
-              <a:t>ELTE IK Tanrendek – </a:t>
-            </a:r>
-          </a:p>
-          <a:p>
-            <a:r>
-              <a:rPr lang="hu-HU" dirty="0"/>
-              <a:t>https: //www.inf.elte.hu/tantervihalok</a:t>
-            </a:r>
-          </a:p>
-        </p:txBody>
-      </p:sp>
-    </p:spTree>
-    <p:extLst>
-      <p:ext uri="{BB962C8B-B14F-4D97-AF65-F5344CB8AC3E}">
-        <p14:creationId xmlns:p14="http://schemas.microsoft.com/office/powerpoint/2010/main" val="4212423175"/>
-      </p:ext>
-    </p:extLst>
-  </p:cSld>
-  <p:clrMapOvr>
-    <a:masterClrMapping/>
-  </p:clrMapOvr>
-</p:sld>
-</file>
-
-<file path=ppt/slides/slide2.xml><?xml version="1.0" encoding="utf-8"?>
-<p:sld xmlns:a="http://schemas.openxmlformats.org/drawingml/2006/main" xmlns:r="http://schemas.openxmlformats.org/officeDocument/2006/relationships" xmlns:p="http://schemas.openxmlformats.org/presentationml/2006/main">
-  <p:cSld>
-    <p:spTree>
-      <p:nvGrpSpPr>
-        <p:cNvPr id="1" name=""/>
-        <p:cNvGrpSpPr/>
-        <p:nvPr/>
-      </p:nvGrpSpPr>
-      <p:grpSpPr>
-        <a:xfrm>
-          <a:off x="0" y="0"/>
-          <a:ext cx="0" cy="0"/>
-          <a:chOff x="0" y="0"/>
-          <a:chExt cx="0" cy="0"/>
-        </a:xfrm>
-      </p:grpSpPr>
-      <p:sp>
-        <p:nvSpPr>
-          <p:cNvPr id="2" name="Title 1"/>
-          <p:cNvSpPr>
-            <a:spLocks noGrp="1"/>
-          </p:cNvSpPr>
-          <p:nvPr>
-            <p:ph type="title"/>
-          </p:nvPr>
-        </p:nvSpPr>
         <p:spPr/>
         <p:txBody>
           <a:bodyPr/>
@@ -3499,964 +3160,10 @@
           <a:p>
             <a:pPr algn="ctr"/>
             <a:r>
-              <a:rPr lang="hu-HU" dirty="0"/>
-              <a:t>Magamról</a:t>
-            </a:r>
-          </a:p>
-        </p:txBody>
-      </p:sp>
-      <p:sp>
-        <p:nvSpPr>
-          <p:cNvPr id="3" name="Content Placeholder 2"/>
-          <p:cNvSpPr>
-            <a:spLocks noGrp="1"/>
-          </p:cNvSpPr>
-          <p:nvPr>
-            <p:ph idx="1"/>
-          </p:nvPr>
-        </p:nvSpPr>
-        <p:spPr>
-          <a:xfrm>
-            <a:off x="838200" y="1825624"/>
-            <a:ext cx="10515600" cy="4781237"/>
-          </a:xfrm>
-        </p:spPr>
-        <p:txBody>
-          <a:bodyPr/>
-          <a:lstStyle/>
-          <a:p>
-            <a:r>
-              <a:rPr lang="hu-HU" sz="3200" dirty="0"/>
-              <a:t>Hol tartok jelenleg?</a:t>
-            </a:r>
-          </a:p>
-          <a:p>
-            <a:pPr lvl="1"/>
-            <a:r>
-              <a:rPr lang="hu-HU" sz="2800" dirty="0"/>
-              <a:t>ELTE IK – MSc utolsó félév (diplamunka, záróvizsga)</a:t>
-            </a:r>
-          </a:p>
-          <a:p>
-            <a:pPr lvl="1"/>
-            <a:r>
-              <a:rPr lang="hu-HU" sz="2800" dirty="0"/>
-              <a:t>Projektmunka az egyetemen (akadémiai tapasztalatok)</a:t>
-            </a:r>
-          </a:p>
-          <a:p>
-            <a:pPr lvl="1"/>
-            <a:r>
-              <a:rPr lang="hu-HU" sz="2800" dirty="0"/>
-              <a:t>Gyakorlatok vezetése az egyetemen (oktatói tapasztalatok)</a:t>
-            </a:r>
-          </a:p>
-          <a:p>
-            <a:pPr lvl="1"/>
-            <a:r>
-              <a:rPr lang="hu-HU" sz="2800" dirty="0"/>
-              <a:t>Graphisoft gyakornoka (ipari tapasztaltok)</a:t>
-            </a:r>
-          </a:p>
-          <a:p>
-            <a:r>
-              <a:rPr lang="hu-HU" sz="3200" dirty="0"/>
-              <a:t>Honnan indultam?</a:t>
-            </a:r>
-          </a:p>
-          <a:p>
-            <a:pPr lvl="1"/>
-            <a:r>
-              <a:rPr lang="hu-HU" sz="2800" dirty="0"/>
-              <a:t>Gimnázium, humán (magyar-töri) tagozat..</a:t>
-            </a:r>
-          </a:p>
-          <a:p>
-            <a:pPr lvl="1"/>
-            <a:r>
-              <a:rPr lang="hu-HU" sz="2800" dirty="0"/>
-              <a:t>Fél év alatt felkészülés az emelt infóra.. (Lehetséges!)</a:t>
-            </a:r>
-          </a:p>
-          <a:p>
-            <a:pPr lvl="1"/>
-            <a:r>
-              <a:rPr lang="hu-HU" sz="2800" dirty="0"/>
-              <a:t>(Magántanárral a legkönnyebb, én is vállalok diákokat..)</a:t>
-            </a:r>
-            <a:endParaRPr lang="hu-HU" sz="3200" dirty="0"/>
-          </a:p>
-          <a:p>
+              <a:rPr lang="hu-HU" dirty="0" smtClean="0"/>
+              <a:t>Programozói munka</a:t>
+            </a:r>
             <a:endParaRPr lang="hu-HU" dirty="0"/>
-          </a:p>
-        </p:txBody>
-      </p:sp>
-    </p:spTree>
-    <p:extLst>
-      <p:ext uri="{BB962C8B-B14F-4D97-AF65-F5344CB8AC3E}">
-        <p14:creationId xmlns:p14="http://schemas.microsoft.com/office/powerpoint/2010/main" val="2728900650"/>
-      </p:ext>
-    </p:extLst>
-  </p:cSld>
-  <p:clrMapOvr>
-    <a:masterClrMapping/>
-  </p:clrMapOvr>
-</p:sld>
-</file>
-
-<file path=ppt/slides/slide3.xml><?xml version="1.0" encoding="utf-8"?>
-<p:sld xmlns:a="http://schemas.openxmlformats.org/drawingml/2006/main" xmlns:r="http://schemas.openxmlformats.org/officeDocument/2006/relationships" xmlns:p="http://schemas.openxmlformats.org/presentationml/2006/main">
-  <p:cSld>
-    <p:spTree>
-      <p:nvGrpSpPr>
-        <p:cNvPr id="1" name=""/>
-        <p:cNvGrpSpPr/>
-        <p:nvPr/>
-      </p:nvGrpSpPr>
-      <p:grpSpPr>
-        <a:xfrm>
-          <a:off x="0" y="0"/>
-          <a:ext cx="0" cy="0"/>
-          <a:chOff x="0" y="0"/>
-          <a:chExt cx="0" cy="0"/>
-        </a:xfrm>
-      </p:grpSpPr>
-      <p:sp>
-        <p:nvSpPr>
-          <p:cNvPr id="2" name="Title 1"/>
-          <p:cNvSpPr>
-            <a:spLocks noGrp="1"/>
-          </p:cNvSpPr>
-          <p:nvPr>
-            <p:ph type="title"/>
-          </p:nvPr>
-        </p:nvSpPr>
-        <p:spPr/>
-        <p:txBody>
-          <a:bodyPr/>
-          <a:lstStyle/>
-          <a:p>
-            <a:pPr algn="ctr"/>
-            <a:r>
-              <a:rPr lang="hu-HU" dirty="0"/>
-              <a:t>Miért választottam a programozói pályát?</a:t>
-            </a:r>
-          </a:p>
-        </p:txBody>
-      </p:sp>
-      <p:sp>
-        <p:nvSpPr>
-          <p:cNvPr id="3" name="Content Placeholder 2"/>
-          <p:cNvSpPr>
-            <a:spLocks noGrp="1"/>
-          </p:cNvSpPr>
-          <p:nvPr>
-            <p:ph idx="1"/>
-          </p:nvPr>
-        </p:nvSpPr>
-        <p:spPr>
-          <a:xfrm>
-            <a:off x="838200" y="1825625"/>
-            <a:ext cx="10515600" cy="2360009"/>
-          </a:xfrm>
-        </p:spPr>
-        <p:txBody>
-          <a:bodyPr>
-            <a:noAutofit/>
-          </a:bodyPr>
-          <a:lstStyle/>
-          <a:p>
-            <a:r>
-              <a:rPr lang="hu-HU" sz="3600" dirty="0"/>
-              <a:t>Megszerettem a matekot</a:t>
-            </a:r>
-          </a:p>
-          <a:p>
-            <a:r>
-              <a:rPr lang="hu-HU" sz="3600" dirty="0"/>
-              <a:t>Mérnöki pályát szerettem volna</a:t>
-            </a:r>
-          </a:p>
-          <a:p>
-            <a:r>
-              <a:rPr lang="hu-HU" sz="3600" dirty="0"/>
-              <a:t>Érdekelt a programozás, és láttam magamban kompetenciát rá</a:t>
-            </a:r>
-          </a:p>
-          <a:p>
-            <a:r>
-              <a:rPr lang="hu-HU" sz="3600" dirty="0"/>
-              <a:t>A pénz csak az utolsó szempont volt..</a:t>
-            </a:r>
-          </a:p>
-        </p:txBody>
-      </p:sp>
-    </p:spTree>
-    <p:extLst>
-      <p:ext uri="{BB962C8B-B14F-4D97-AF65-F5344CB8AC3E}">
-        <p14:creationId xmlns:p14="http://schemas.microsoft.com/office/powerpoint/2010/main" val="4202065175"/>
-      </p:ext>
-    </p:extLst>
-  </p:cSld>
-  <p:clrMapOvr>
-    <a:masterClrMapping/>
-  </p:clrMapOvr>
-</p:sld>
-</file>
-
-<file path=ppt/slides/slide4.xml><?xml version="1.0" encoding="utf-8"?>
-<p:sld xmlns:a="http://schemas.openxmlformats.org/drawingml/2006/main" xmlns:r="http://schemas.openxmlformats.org/officeDocument/2006/relationships" xmlns:p="http://schemas.openxmlformats.org/presentationml/2006/main">
-  <p:cSld>
-    <p:spTree>
-      <p:nvGrpSpPr>
-        <p:cNvPr id="1" name=""/>
-        <p:cNvGrpSpPr/>
-        <p:nvPr/>
-      </p:nvGrpSpPr>
-      <p:grpSpPr>
-        <a:xfrm>
-          <a:off x="0" y="0"/>
-          <a:ext cx="0" cy="0"/>
-          <a:chOff x="0" y="0"/>
-          <a:chExt cx="0" cy="0"/>
-        </a:xfrm>
-      </p:grpSpPr>
-      <p:sp>
-        <p:nvSpPr>
-          <p:cNvPr id="2" name="Title 1"/>
-          <p:cNvSpPr>
-            <a:spLocks noGrp="1"/>
-          </p:cNvSpPr>
-          <p:nvPr>
-            <p:ph type="title"/>
-          </p:nvPr>
-        </p:nvSpPr>
-        <p:spPr>
-          <a:xfrm>
-            <a:off x="838200" y="-274955"/>
-            <a:ext cx="10515600" cy="1325563"/>
-          </a:xfrm>
-        </p:spPr>
-        <p:txBody>
-          <a:bodyPr/>
-          <a:lstStyle/>
-          <a:p>
-            <a:pPr algn="ctr"/>
-            <a:r>
-              <a:rPr lang="hu-HU" dirty="0"/>
-              <a:t>Menjünk-e egyetemre?</a:t>
-            </a:r>
-          </a:p>
-        </p:txBody>
-      </p:sp>
-      <p:sp>
-        <p:nvSpPr>
-          <p:cNvPr id="3" name="Content Placeholder 2"/>
-          <p:cNvSpPr>
-            <a:spLocks noGrp="1"/>
-          </p:cNvSpPr>
-          <p:nvPr>
-            <p:ph idx="1"/>
-          </p:nvPr>
-        </p:nvSpPr>
-        <p:spPr>
-          <a:xfrm>
-            <a:off x="838200" y="850265"/>
-            <a:ext cx="10515600" cy="4667250"/>
-          </a:xfrm>
-        </p:spPr>
-        <p:txBody>
-          <a:bodyPr>
-            <a:noAutofit/>
-          </a:bodyPr>
-          <a:lstStyle/>
-          <a:p>
-            <a:r>
-              <a:rPr lang="hu-HU" dirty="0"/>
-              <a:t>Pro</a:t>
-            </a:r>
-          </a:p>
-          <a:p>
-            <a:pPr lvl="1"/>
-            <a:r>
-              <a:rPr lang="hu-HU" sz="2800" dirty="0"/>
-              <a:t>A szakmán kívűl általános ismerteket is ad (jog, közgazdaság)</a:t>
-            </a:r>
-          </a:p>
-          <a:p>
-            <a:pPr lvl="1"/>
-            <a:r>
-              <a:rPr lang="hu-HU" sz="2800" dirty="0"/>
-              <a:t>Kialakul egy erős matemtikai szemlélet</a:t>
-            </a:r>
-          </a:p>
-          <a:p>
-            <a:pPr lvl="1"/>
-            <a:r>
-              <a:rPr lang="hu-HU" sz="2800" dirty="0"/>
-              <a:t>Lehetőség a kutatómunkára, oktatásra</a:t>
-            </a:r>
-          </a:p>
-          <a:p>
-            <a:pPr lvl="1"/>
-            <a:r>
-              <a:rPr lang="hu-HU" sz="2800" dirty="0"/>
-              <a:t>Egy mérnöki/természettudományos diplmát értékelnek a cégek (nem csak a programozócégek)</a:t>
-            </a:r>
-          </a:p>
-          <a:p>
-            <a:pPr lvl="1"/>
-            <a:r>
-              <a:rPr lang="hu-HU" sz="2800" dirty="0"/>
-              <a:t>Kilépés a komfortzónából</a:t>
-            </a:r>
-          </a:p>
-          <a:p>
-            <a:pPr lvl="1"/>
-            <a:r>
-              <a:rPr lang="hu-HU" sz="2800" dirty="0"/>
-              <a:t>Nincs haszontalan tudás: Van miről elmélkedni kocsmázás közben</a:t>
-            </a:r>
-          </a:p>
-          <a:p>
-            <a:r>
-              <a:rPr lang="hu-HU" dirty="0"/>
-              <a:t>Kontra</a:t>
-            </a:r>
-          </a:p>
-          <a:p>
-            <a:pPr lvl="1"/>
-            <a:r>
-              <a:rPr lang="hu-HU" sz="2800" dirty="0"/>
-              <a:t>A matekos rész helyeként sok, túl elméleti (de jól meg van alapozva..)</a:t>
-            </a:r>
-          </a:p>
-          <a:p>
-            <a:pPr lvl="1"/>
-            <a:r>
-              <a:rPr lang="hu-HU" sz="2800" dirty="0"/>
-              <a:t>Eleve sokan kibuknak a matekon, mert másra számítanak</a:t>
-            </a:r>
-          </a:p>
-          <a:p>
-            <a:pPr lvl="1"/>
-            <a:r>
-              <a:rPr lang="hu-HU" sz="2800" dirty="0"/>
-              <a:t>Sok önálló munkát igényel a szakma elsajátítása (ami részben jó is)</a:t>
-            </a:r>
-          </a:p>
-          <a:p>
-            <a:pPr lvl="1"/>
-            <a:r>
-              <a:rPr lang="hu-HU" sz="2800" dirty="0"/>
-              <a:t>Néha a kreativitás rovására erőltetnek egy szemléletet</a:t>
-            </a:r>
-          </a:p>
-        </p:txBody>
-      </p:sp>
-    </p:spTree>
-    <p:extLst>
-      <p:ext uri="{BB962C8B-B14F-4D97-AF65-F5344CB8AC3E}">
-        <p14:creationId xmlns:p14="http://schemas.microsoft.com/office/powerpoint/2010/main" val="88410485"/>
-      </p:ext>
-    </p:extLst>
-  </p:cSld>
-  <p:clrMapOvr>
-    <a:masterClrMapping/>
-  </p:clrMapOvr>
-</p:sld>
-</file>
-
-<file path=ppt/slides/slide5.xml><?xml version="1.0" encoding="utf-8"?>
-<p:sld xmlns:a="http://schemas.openxmlformats.org/drawingml/2006/main" xmlns:r="http://schemas.openxmlformats.org/officeDocument/2006/relationships" xmlns:p="http://schemas.openxmlformats.org/presentationml/2006/main">
-  <p:cSld>
-    <p:spTree>
-      <p:nvGrpSpPr>
-        <p:cNvPr id="1" name=""/>
-        <p:cNvGrpSpPr/>
-        <p:nvPr/>
-      </p:nvGrpSpPr>
-      <p:grpSpPr>
-        <a:xfrm>
-          <a:off x="0" y="0"/>
-          <a:ext cx="0" cy="0"/>
-          <a:chOff x="0" y="0"/>
-          <a:chExt cx="0" cy="0"/>
-        </a:xfrm>
-      </p:grpSpPr>
-      <p:sp>
-        <p:nvSpPr>
-          <p:cNvPr id="2" name="Title 1"/>
-          <p:cNvSpPr>
-            <a:spLocks noGrp="1"/>
-          </p:cNvSpPr>
-          <p:nvPr>
-            <p:ph type="title"/>
-          </p:nvPr>
-        </p:nvSpPr>
-        <p:spPr/>
-        <p:txBody>
-          <a:bodyPr/>
-          <a:lstStyle/>
-          <a:p>
-            <a:pPr algn="ctr"/>
-            <a:r>
-              <a:rPr lang="hu-HU" dirty="0"/>
-              <a:t>Milyen lehetőségek vannak még a programozó egyeten kívűl?</a:t>
-            </a:r>
-          </a:p>
-        </p:txBody>
-      </p:sp>
-      <p:sp>
-        <p:nvSpPr>
-          <p:cNvPr id="3" name="Content Placeholder 2"/>
-          <p:cNvSpPr>
-            <a:spLocks noGrp="1"/>
-          </p:cNvSpPr>
-          <p:nvPr>
-            <p:ph idx="1"/>
-          </p:nvPr>
-        </p:nvSpPr>
-        <p:spPr/>
-        <p:txBody>
-          <a:bodyPr>
-            <a:normAutofit lnSpcReduction="10000"/>
-          </a:bodyPr>
-          <a:lstStyle/>
-          <a:p>
-            <a:r>
-              <a:rPr lang="hu-HU" dirty="0"/>
-              <a:t>OKJ (nem javaslom, annak sem, aki nem akar matekot)</a:t>
-            </a:r>
-          </a:p>
-          <a:p>
-            <a:r>
-              <a:rPr lang="hu-HU" dirty="0"/>
-              <a:t>Felősoktatási szakképzés (BGE-n van pl.)</a:t>
-            </a:r>
-          </a:p>
-          <a:p>
-            <a:r>
-              <a:rPr lang="hu-HU" dirty="0"/>
-              <a:t>Cégek által hírdetett képzések, magániskolák.. (nincs releváns tapasztaltom, csak amit olvasok, néha hallok)</a:t>
-            </a:r>
-          </a:p>
-          <a:p>
-            <a:r>
-              <a:rPr lang="hu-HU" dirty="0"/>
-              <a:t>Igazából bármilyen természettudományos vagy mérnöki végzettség megteszi.. (pl. villamosmérnök, gépészmérnök, fizikus, matematikus, matektanár, vegyész, stb..)</a:t>
-            </a:r>
-          </a:p>
-          <a:p>
-            <a:r>
-              <a:rPr lang="hu-HU" dirty="0"/>
-              <a:t>Fontos, hogy ne erőltessük se a szakmát se az egyetemet, ha nem érezzük az affinitást magunkban.. (vannak tapasztalataim, miért ne)</a:t>
-            </a:r>
-          </a:p>
-          <a:p>
-            <a:r>
-              <a:rPr lang="hu-HU" dirty="0"/>
-              <a:t>Fél évig lehet meggondolni magad állami képzésen</a:t>
-            </a:r>
-          </a:p>
-        </p:txBody>
-      </p:sp>
-    </p:spTree>
-    <p:extLst>
-      <p:ext uri="{BB962C8B-B14F-4D97-AF65-F5344CB8AC3E}">
-        <p14:creationId xmlns:p14="http://schemas.microsoft.com/office/powerpoint/2010/main" val="79547156"/>
-      </p:ext>
-    </p:extLst>
-  </p:cSld>
-  <p:clrMapOvr>
-    <a:masterClrMapping/>
-  </p:clrMapOvr>
-</p:sld>
-</file>
-
-<file path=ppt/slides/slide6.xml><?xml version="1.0" encoding="utf-8"?>
-<p:sld xmlns:a="http://schemas.openxmlformats.org/drawingml/2006/main" xmlns:r="http://schemas.openxmlformats.org/officeDocument/2006/relationships" xmlns:p="http://schemas.openxmlformats.org/presentationml/2006/main">
-  <p:cSld>
-    <p:spTree>
-      <p:nvGrpSpPr>
-        <p:cNvPr id="1" name=""/>
-        <p:cNvGrpSpPr/>
-        <p:nvPr/>
-      </p:nvGrpSpPr>
-      <p:grpSpPr>
-        <a:xfrm>
-          <a:off x="0" y="0"/>
-          <a:ext cx="0" cy="0"/>
-          <a:chOff x="0" y="0"/>
-          <a:chExt cx="0" cy="0"/>
-        </a:xfrm>
-      </p:grpSpPr>
-      <p:sp>
-        <p:nvSpPr>
-          <p:cNvPr id="2" name="Title 1"/>
-          <p:cNvSpPr>
-            <a:spLocks noGrp="1"/>
-          </p:cNvSpPr>
-          <p:nvPr>
-            <p:ph type="title"/>
-          </p:nvPr>
-        </p:nvSpPr>
-        <p:spPr>
-          <a:xfrm>
-            <a:off x="838200" y="49300"/>
-            <a:ext cx="10515600" cy="1325563"/>
-          </a:xfrm>
-        </p:spPr>
-        <p:txBody>
-          <a:bodyPr/>
-          <a:lstStyle/>
-          <a:p>
-            <a:pPr algn="ctr"/>
-            <a:r>
-              <a:rPr lang="hu-HU" dirty="0"/>
-              <a:t>Tantervi refom az ELTE-n</a:t>
-            </a:r>
-          </a:p>
-        </p:txBody>
-      </p:sp>
-      <p:sp>
-        <p:nvSpPr>
-          <p:cNvPr id="3" name="Content Placeholder 2"/>
-          <p:cNvSpPr>
-            <a:spLocks noGrp="1"/>
-          </p:cNvSpPr>
-          <p:nvPr>
-            <p:ph idx="1"/>
-          </p:nvPr>
-        </p:nvSpPr>
-        <p:spPr>
-          <a:xfrm>
-            <a:off x="838200" y="1374863"/>
-            <a:ext cx="10515600" cy="4922906"/>
-          </a:xfrm>
-        </p:spPr>
-        <p:txBody>
-          <a:bodyPr>
-            <a:normAutofit fontScale="92500" lnSpcReduction="20000"/>
-          </a:bodyPr>
-          <a:lstStyle/>
-          <a:p>
-            <a:r>
-              <a:rPr lang="hu-HU" dirty="0"/>
-              <a:t>Régi tanrendeben tanultam, de része voltam az egyik programozó tárgy tannyagfejlesztésének és oktatásának</a:t>
-            </a:r>
-          </a:p>
-          <a:p>
-            <a:r>
-              <a:rPr lang="hu-HU" dirty="0"/>
-              <a:t>Fontosabb változások:</a:t>
-            </a:r>
-          </a:p>
-          <a:p>
-            <a:pPr lvl="1"/>
-            <a:r>
-              <a:rPr lang="hu-HU" dirty="0"/>
-              <a:t>Jobban elkülönül a három szakirány (szoftverfejlesztői, alkalmazói, modellezői)</a:t>
-            </a:r>
-          </a:p>
-          <a:p>
-            <a:pPr lvl="1"/>
-            <a:r>
-              <a:rPr lang="hu-HU" dirty="0"/>
-              <a:t>Kevesebb matek a nem-matekos szakirányokon (kevesebb elméleti analízis)</a:t>
-            </a:r>
-          </a:p>
-          <a:p>
-            <a:pPr lvl="1"/>
-            <a:r>
-              <a:rPr lang="hu-HU" dirty="0"/>
-              <a:t>Első félévben inkább szakmai tárgyak vannak (sok nyelv: C, Phyton, funkcionális nyelv, script nyelvek), kevesebb matek</a:t>
-            </a:r>
-          </a:p>
-          <a:p>
-            <a:pPr lvl="1"/>
-            <a:r>
-              <a:rPr lang="hu-HU" dirty="0"/>
-              <a:t>Egy fokkal gyakorlatiasabb képzés felé mozdult el az egyetem</a:t>
-            </a:r>
-          </a:p>
-          <a:p>
-            <a:r>
-              <a:rPr lang="hu-HU" dirty="0"/>
-              <a:t>Mesterképzések:</a:t>
-            </a:r>
-          </a:p>
-          <a:p>
-            <a:pPr lvl="1"/>
-            <a:r>
-              <a:rPr lang="hu-HU" dirty="0"/>
-              <a:t>Megszűnt a modulrendszer, azt tanulsz, amit szeretnél, elég szabad, nincs kötött tanrend</a:t>
-            </a:r>
-          </a:p>
-          <a:p>
-            <a:pPr lvl="1"/>
-            <a:r>
-              <a:rPr lang="hu-HU" dirty="0"/>
-              <a:t>Tárgyak csoportjai</a:t>
-            </a:r>
-          </a:p>
-          <a:p>
-            <a:pPr lvl="2"/>
-            <a:r>
-              <a:rPr lang="hu-HU" dirty="0"/>
-              <a:t>Matmatikai modellezős</a:t>
-            </a:r>
-          </a:p>
-          <a:p>
-            <a:pPr lvl="2"/>
-            <a:r>
-              <a:rPr lang="hu-HU" dirty="0"/>
-              <a:t>Módszertanok, menedzseri ismertek</a:t>
-            </a:r>
-          </a:p>
-          <a:p>
-            <a:pPr lvl="2"/>
-            <a:r>
-              <a:rPr lang="hu-HU" dirty="0"/>
-              <a:t>Új techonológiákat felvonultatók</a:t>
-            </a:r>
-          </a:p>
-          <a:p>
-            <a:pPr lvl="2"/>
-            <a:r>
-              <a:rPr lang="hu-HU" dirty="0"/>
-              <a:t>Egyéb.. (kevésbé hasznosak..)</a:t>
-            </a:r>
-          </a:p>
-          <a:p>
-            <a:pPr lvl="2"/>
-            <a:endParaRPr lang="hu-HU" dirty="0"/>
-          </a:p>
-          <a:p>
-            <a:pPr lvl="2"/>
-            <a:endParaRPr lang="hu-HU" dirty="0"/>
-          </a:p>
-        </p:txBody>
-      </p:sp>
-    </p:spTree>
-    <p:extLst>
-      <p:ext uri="{BB962C8B-B14F-4D97-AF65-F5344CB8AC3E}">
-        <p14:creationId xmlns:p14="http://schemas.microsoft.com/office/powerpoint/2010/main" val="889424634"/>
-      </p:ext>
-    </p:extLst>
-  </p:cSld>
-  <p:clrMapOvr>
-    <a:masterClrMapping/>
-  </p:clrMapOvr>
-</p:sld>
-</file>
-
-<file path=ppt/slides/slide7.xml><?xml version="1.0" encoding="utf-8"?>
-<p:sld xmlns:a="http://schemas.openxmlformats.org/drawingml/2006/main" xmlns:r="http://schemas.openxmlformats.org/officeDocument/2006/relationships" xmlns:p="http://schemas.openxmlformats.org/presentationml/2006/main">
-  <p:cSld>
-    <p:spTree>
-      <p:nvGrpSpPr>
-        <p:cNvPr id="1" name=""/>
-        <p:cNvGrpSpPr/>
-        <p:nvPr/>
-      </p:nvGrpSpPr>
-      <p:grpSpPr>
-        <a:xfrm>
-          <a:off x="0" y="0"/>
-          <a:ext cx="0" cy="0"/>
-          <a:chOff x="0" y="0"/>
-          <a:chExt cx="0" cy="0"/>
-        </a:xfrm>
-      </p:grpSpPr>
-      <p:sp>
-        <p:nvSpPr>
-          <p:cNvPr id="2" name="Title 1"/>
-          <p:cNvSpPr>
-            <a:spLocks noGrp="1"/>
-          </p:cNvSpPr>
-          <p:nvPr>
-            <p:ph type="title"/>
-          </p:nvPr>
-        </p:nvSpPr>
-        <p:spPr/>
-        <p:txBody>
-          <a:bodyPr/>
-          <a:lstStyle/>
-          <a:p>
-            <a:r>
-              <a:rPr lang="hu-HU" dirty="0"/>
-              <a:t>Milyen lehetőségeid vannak az egyetemen?</a:t>
-            </a:r>
-          </a:p>
-        </p:txBody>
-      </p:sp>
-      <p:sp>
-        <p:nvSpPr>
-          <p:cNvPr id="3" name="Content Placeholder 2"/>
-          <p:cNvSpPr>
-            <a:spLocks noGrp="1"/>
-          </p:cNvSpPr>
-          <p:nvPr>
-            <p:ph idx="1"/>
-          </p:nvPr>
-        </p:nvSpPr>
-        <p:spPr>
-          <a:xfrm>
-            <a:off x="838200" y="1825624"/>
-            <a:ext cx="10515600" cy="5032375"/>
-          </a:xfrm>
-        </p:spPr>
-        <p:txBody>
-          <a:bodyPr>
-            <a:normAutofit lnSpcReduction="10000"/>
-          </a:bodyPr>
-          <a:lstStyle/>
-          <a:p>
-            <a:r>
-              <a:rPr lang="hu-HU" dirty="0"/>
-              <a:t>Alapkzés eleje: Minél többet megpróbálasz fejlődni szakmailag a tárgyaidon, valamint önállóan (sok tárgyból beadandót is kell csinálni)</a:t>
-            </a:r>
-          </a:p>
-          <a:p>
-            <a:r>
-              <a:rPr lang="hu-HU" dirty="0"/>
-              <a:t>Alapkézés vége: Több lehetőség</a:t>
-            </a:r>
-          </a:p>
-          <a:p>
-            <a:pPr lvl="1"/>
-            <a:r>
-              <a:rPr lang="hu-HU" dirty="0"/>
-              <a:t>Bekerülhetsz projektmunkákba, akár pénzt is kaphatsz érte, a szakdogozatodat és a szakmai gyakorlatod is letudhatod ennek keretében</a:t>
-            </a:r>
-          </a:p>
-          <a:p>
-            <a:pPr lvl="1"/>
-            <a:r>
-              <a:rPr lang="hu-HU" dirty="0"/>
-              <a:t>Elmozdulsz az ipar felé, szakmai gyakorlat révén, ilyenkor a szakdolgozatod valószínűleg függettlen lesz a munkádtól (cégfüggő..)</a:t>
-            </a:r>
-          </a:p>
-          <a:p>
-            <a:r>
-              <a:rPr lang="hu-HU" dirty="0"/>
-              <a:t>Mesterképzés eleje:</a:t>
-            </a:r>
-          </a:p>
-          <a:p>
-            <a:pPr lvl="1"/>
-            <a:r>
-              <a:rPr lang="hu-HU" dirty="0"/>
-              <a:t>El sem kezded, elmész dolgozni, alapkézéssel már megfelelő szakismerted lesz valószínűleg hozzá</a:t>
-            </a:r>
-          </a:p>
-          <a:p>
-            <a:pPr lvl="1"/>
-            <a:r>
-              <a:rPr lang="hu-HU" dirty="0"/>
-              <a:t>Elkezded, és mellette diákmunkásként dolgozol (én ezt csináltam..)</a:t>
-            </a:r>
-          </a:p>
-          <a:p>
-            <a:pPr lvl="1"/>
-            <a:r>
-              <a:rPr lang="hu-HU" dirty="0"/>
-              <a:t>Továbbá a projektmunkát is folytathatod vagy vállalsz, valamint gyakorlatvezetéseket is vállalhatsz</a:t>
-            </a:r>
-          </a:p>
-        </p:txBody>
-      </p:sp>
-    </p:spTree>
-    <p:extLst>
-      <p:ext uri="{BB962C8B-B14F-4D97-AF65-F5344CB8AC3E}">
-        <p14:creationId xmlns:p14="http://schemas.microsoft.com/office/powerpoint/2010/main" val="1038517793"/>
-      </p:ext>
-    </p:extLst>
-  </p:cSld>
-  <p:clrMapOvr>
-    <a:masterClrMapping/>
-  </p:clrMapOvr>
-</p:sld>
-</file>
-
-<file path=ppt/slides/slide8.xml><?xml version="1.0" encoding="utf-8"?>
-<p:sld xmlns:a="http://schemas.openxmlformats.org/drawingml/2006/main" xmlns:r="http://schemas.openxmlformats.org/officeDocument/2006/relationships" xmlns:p="http://schemas.openxmlformats.org/presentationml/2006/main">
-  <p:cSld>
-    <p:spTree>
-      <p:nvGrpSpPr>
-        <p:cNvPr id="1" name=""/>
-        <p:cNvGrpSpPr/>
-        <p:nvPr/>
-      </p:nvGrpSpPr>
-      <p:grpSpPr>
-        <a:xfrm>
-          <a:off x="0" y="0"/>
-          <a:ext cx="0" cy="0"/>
-          <a:chOff x="0" y="0"/>
-          <a:chExt cx="0" cy="0"/>
-        </a:xfrm>
-      </p:grpSpPr>
-      <p:sp>
-        <p:nvSpPr>
-          <p:cNvPr id="2" name="Title 1"/>
-          <p:cNvSpPr>
-            <a:spLocks noGrp="1"/>
-          </p:cNvSpPr>
-          <p:nvPr>
-            <p:ph type="title"/>
-          </p:nvPr>
-        </p:nvSpPr>
-        <p:spPr>
-          <a:xfrm>
-            <a:off x="838200" y="365125"/>
-            <a:ext cx="10515600" cy="1025793"/>
-          </a:xfrm>
-        </p:spPr>
-        <p:txBody>
-          <a:bodyPr/>
-          <a:lstStyle/>
-          <a:p>
-            <a:pPr algn="ctr"/>
-            <a:r>
-              <a:rPr lang="hu-HU" dirty="0"/>
-              <a:t>Egyetemi karrier hosszabb távon</a:t>
-            </a:r>
-          </a:p>
-        </p:txBody>
-      </p:sp>
-      <p:sp>
-        <p:nvSpPr>
-          <p:cNvPr id="3" name="Content Placeholder 2"/>
-          <p:cNvSpPr>
-            <a:spLocks noGrp="1"/>
-          </p:cNvSpPr>
-          <p:nvPr>
-            <p:ph idx="1"/>
-          </p:nvPr>
-        </p:nvSpPr>
-        <p:spPr>
-          <a:xfrm>
-            <a:off x="838200" y="1390918"/>
-            <a:ext cx="10515600" cy="5215944"/>
-          </a:xfrm>
-        </p:spPr>
-        <p:txBody>
-          <a:bodyPr>
-            <a:normAutofit fontScale="92500" lnSpcReduction="20000"/>
-          </a:bodyPr>
-          <a:lstStyle/>
-          <a:p>
-            <a:r>
-              <a:rPr lang="hu-HU" dirty="0"/>
-              <a:t>Ha elég elkötelezett vagy..</a:t>
-            </a:r>
-          </a:p>
-          <a:p>
-            <a:r>
-              <a:rPr lang="hu-HU" dirty="0"/>
-              <a:t>Dönthetsz úgy, hogy az ipar helyett az egyetemen folytatod a munkád</a:t>
-            </a:r>
-          </a:p>
-          <a:p>
-            <a:r>
-              <a:rPr lang="hu-HU" dirty="0"/>
-              <a:t>Doktori öszöndíj, pályázatok, órák tartása – elfogadható jövedelem</a:t>
-            </a:r>
-          </a:p>
-          <a:p>
-            <a:r>
-              <a:rPr lang="hu-HU" dirty="0"/>
-              <a:t>Publikációk írása, doktori munka megírása, megvédése, tárgyak is vannak..</a:t>
-            </a:r>
-          </a:p>
-          <a:p>
-            <a:r>
-              <a:rPr lang="hu-HU" dirty="0"/>
-              <a:t>Rugalmas időbeosztás (annyit dolgozol, amit vállalsz)</a:t>
-            </a:r>
-          </a:p>
-          <a:p>
-            <a:r>
-              <a:rPr lang="hu-HU" dirty="0"/>
-              <a:t>Bizonytalanabb jövedelemforrás, sok felé szakadsz, könnyen túlvállalod magad</a:t>
-            </a:r>
-          </a:p>
-          <a:p>
-            <a:r>
-              <a:rPr lang="hu-HU" dirty="0"/>
-              <a:t>Egyénibb munka, kisebb csapatokban dolgozol csak</a:t>
-            </a:r>
-          </a:p>
-          <a:p>
-            <a:r>
-              <a:rPr lang="hu-HU" dirty="0"/>
-              <a:t>A szakmát fejeszted, nem egy konkrét alklmazást (pl. egy programozási nyelvet..)</a:t>
-            </a:r>
-          </a:p>
-          <a:p>
-            <a:r>
-              <a:rPr lang="hu-HU" dirty="0"/>
-              <a:t>Az ötleteidet valósíthatod meg, és általában nem egy ügyfél kivánságát (emiatt ritkán vanak jól definiált feladatok)</a:t>
-            </a:r>
-          </a:p>
-          <a:p>
-            <a:r>
-              <a:rPr lang="hu-HU" dirty="0"/>
-              <a:t>Innovatívabb</a:t>
-            </a:r>
-          </a:p>
-        </p:txBody>
-      </p:sp>
-    </p:spTree>
-    <p:extLst>
-      <p:ext uri="{BB962C8B-B14F-4D97-AF65-F5344CB8AC3E}">
-        <p14:creationId xmlns:p14="http://schemas.microsoft.com/office/powerpoint/2010/main" val="3402527424"/>
-      </p:ext>
-    </p:extLst>
-  </p:cSld>
-  <p:clrMapOvr>
-    <a:masterClrMapping/>
-  </p:clrMapOvr>
-</p:sld>
-</file>
-
-<file path=ppt/slides/slide9.xml><?xml version="1.0" encoding="utf-8"?>
-<p:sld xmlns:a="http://schemas.openxmlformats.org/drawingml/2006/main" xmlns:r="http://schemas.openxmlformats.org/officeDocument/2006/relationships" xmlns:p="http://schemas.openxmlformats.org/presentationml/2006/main">
-  <p:cSld>
-    <p:spTree>
-      <p:nvGrpSpPr>
-        <p:cNvPr id="1" name=""/>
-        <p:cNvGrpSpPr/>
-        <p:nvPr/>
-      </p:nvGrpSpPr>
-      <p:grpSpPr>
-        <a:xfrm>
-          <a:off x="0" y="0"/>
-          <a:ext cx="0" cy="0"/>
-          <a:chOff x="0" y="0"/>
-          <a:chExt cx="0" cy="0"/>
-        </a:xfrm>
-      </p:grpSpPr>
-      <p:sp>
-        <p:nvSpPr>
-          <p:cNvPr id="2" name="Title 1"/>
-          <p:cNvSpPr>
-            <a:spLocks noGrp="1"/>
-          </p:cNvSpPr>
-          <p:nvPr>
-            <p:ph type="title"/>
-          </p:nvPr>
-        </p:nvSpPr>
-        <p:spPr/>
-        <p:txBody>
-          <a:bodyPr/>
-          <a:lstStyle/>
-          <a:p>
-            <a:pPr algn="ctr"/>
-            <a:r>
-              <a:rPr lang="hu-HU" dirty="0"/>
-              <a:t>Programozói munka</a:t>
-            </a:r>
           </a:p>
         </p:txBody>
       </p:sp>
@@ -4542,9 +3249,10 @@
           <a:lstStyle/>
           <a:p>
             <a:r>
-              <a:rPr lang="hu-HU" sz="2400" dirty="0"/>
+              <a:rPr lang="hu-HU" sz="2400" dirty="0" smtClean="0"/>
               <a:t>Elképzelés:</a:t>
             </a:r>
+            <a:endParaRPr lang="hu-HU" sz="2400" dirty="0"/>
           </a:p>
         </p:txBody>
       </p:sp>
@@ -4571,9 +3279,10 @@
           <a:lstStyle/>
           <a:p>
             <a:r>
-              <a:rPr lang="hu-HU" sz="2400" dirty="0"/>
+              <a:rPr lang="hu-HU" sz="2400" dirty="0" smtClean="0"/>
               <a:t>Valóság:</a:t>
             </a:r>
+            <a:endParaRPr lang="hu-HU" sz="2400" dirty="0"/>
           </a:p>
         </p:txBody>
       </p:sp>
@@ -4587,6 +3296,5071 @@
   <p:clrMapOvr>
     <a:masterClrMapping/>
   </p:clrMapOvr>
+  <p:timing>
+    <p:tnLst>
+      <p:par>
+        <p:cTn id="1" dur="indefinite" restart="never" nodeType="tmRoot">
+          <p:childTnLst>
+            <p:seq concurrent="1" nextAc="seek">
+              <p:cTn id="2" dur="indefinite" nodeType="mainSeq">
+                <p:childTnLst>
+                  <p:par>
+                    <p:cTn id="3" fill="hold">
+                      <p:stCondLst>
+                        <p:cond delay="indefinite"/>
+                      </p:stCondLst>
+                      <p:childTnLst>
+                        <p:par>
+                          <p:cTn id="4" fill="hold">
+                            <p:stCondLst>
+                              <p:cond delay="0"/>
+                            </p:stCondLst>
+                            <p:childTnLst>
+                              <p:par>
+                                <p:cTn id="5" presetID="1" presetClass="entr" presetSubtype="0" fill="hold" nodeType="clickEffect">
+                                  <p:stCondLst>
+                                    <p:cond delay="0"/>
+                                  </p:stCondLst>
+                                  <p:childTnLst>
+                                    <p:set>
+                                      <p:cBhvr>
+                                        <p:cTn id="6" dur="1" fill="hold">
+                                          <p:stCondLst>
+                                            <p:cond delay="0"/>
+                                          </p:stCondLst>
+                                        </p:cTn>
+                                        <p:tgtEl>
+                                          <p:spTgt spid="6"/>
+                                        </p:tgtEl>
+                                        <p:attrNameLst>
+                                          <p:attrName>style.visibility</p:attrName>
+                                        </p:attrNameLst>
+                                      </p:cBhvr>
+                                      <p:to>
+                                        <p:strVal val="visible"/>
+                                      </p:to>
+                                    </p:set>
+                                  </p:childTnLst>
+                                </p:cTn>
+                              </p:par>
+                            </p:childTnLst>
+                          </p:cTn>
+                        </p:par>
+                      </p:childTnLst>
+                    </p:cTn>
+                  </p:par>
+                  <p:par>
+                    <p:cTn id="7" fill="hold">
+                      <p:stCondLst>
+                        <p:cond delay="indefinite"/>
+                      </p:stCondLst>
+                      <p:childTnLst>
+                        <p:par>
+                          <p:cTn id="8" fill="hold">
+                            <p:stCondLst>
+                              <p:cond delay="0"/>
+                            </p:stCondLst>
+                            <p:childTnLst>
+                              <p:par>
+                                <p:cTn id="9" presetID="1" presetClass="entr" presetSubtype="0" fill="hold" nodeType="clickEffect">
+                                  <p:stCondLst>
+                                    <p:cond delay="0"/>
+                                  </p:stCondLst>
+                                  <p:childTnLst>
+                                    <p:set>
+                                      <p:cBhvr>
+                                        <p:cTn id="10" dur="1" fill="hold">
+                                          <p:stCondLst>
+                                            <p:cond delay="0"/>
+                                          </p:stCondLst>
+                                        </p:cTn>
+                                        <p:tgtEl>
+                                          <p:spTgt spid="7"/>
+                                        </p:tgtEl>
+                                        <p:attrNameLst>
+                                          <p:attrName>style.visibility</p:attrName>
+                                        </p:attrNameLst>
+                                      </p:cBhvr>
+                                      <p:to>
+                                        <p:strVal val="visible"/>
+                                      </p:to>
+                                    </p:set>
+                                  </p:childTnLst>
+                                </p:cTn>
+                              </p:par>
+                            </p:childTnLst>
+                          </p:cTn>
+                        </p:par>
+                      </p:childTnLst>
+                    </p:cTn>
+                  </p:par>
+                </p:childTnLst>
+              </p:cTn>
+              <p:prevCondLst>
+                <p:cond evt="onPrev" delay="0">
+                  <p:tgtEl>
+                    <p:sldTgt/>
+                  </p:tgtEl>
+                </p:cond>
+              </p:prevCondLst>
+              <p:nextCondLst>
+                <p:cond evt="onNext" delay="0">
+                  <p:tgtEl>
+                    <p:sldTgt/>
+                  </p:tgtEl>
+                </p:cond>
+              </p:nextCondLst>
+            </p:seq>
+          </p:childTnLst>
+        </p:cTn>
+      </p:par>
+    </p:tnLst>
+  </p:timing>
+</p:sld>
+</file>
+
+<file path=ppt/slides/slide11.xml><?xml version="1.0" encoding="utf-8"?>
+<p:sld xmlns:a="http://schemas.openxmlformats.org/drawingml/2006/main" xmlns:r="http://schemas.openxmlformats.org/officeDocument/2006/relationships" xmlns:p="http://schemas.openxmlformats.org/presentationml/2006/main">
+  <p:cSld>
+    <p:spTree>
+      <p:nvGrpSpPr>
+        <p:cNvPr id="1" name=""/>
+        <p:cNvGrpSpPr/>
+        <p:nvPr/>
+      </p:nvGrpSpPr>
+      <p:grpSpPr>
+        <a:xfrm>
+          <a:off x="0" y="0"/>
+          <a:ext cx="0" cy="0"/>
+          <a:chOff x="0" y="0"/>
+          <a:chExt cx="0" cy="0"/>
+        </a:xfrm>
+      </p:grpSpPr>
+      <p:sp>
+        <p:nvSpPr>
+          <p:cNvPr id="2" name="Title 1"/>
+          <p:cNvSpPr>
+            <a:spLocks noGrp="1"/>
+          </p:cNvSpPr>
+          <p:nvPr>
+            <p:ph type="title"/>
+          </p:nvPr>
+        </p:nvSpPr>
+        <p:spPr>
+          <a:xfrm>
+            <a:off x="838200" y="365125"/>
+            <a:ext cx="10515600" cy="793974"/>
+          </a:xfrm>
+        </p:spPr>
+        <p:txBody>
+          <a:bodyPr>
+            <a:normAutofit/>
+          </a:bodyPr>
+          <a:lstStyle/>
+          <a:p>
+            <a:pPr algn="ctr"/>
+            <a:r>
+              <a:rPr lang="hu-HU" dirty="0"/>
+              <a:t>Ipari munka</a:t>
+            </a:r>
+          </a:p>
+        </p:txBody>
+      </p:sp>
+      <p:sp>
+        <p:nvSpPr>
+          <p:cNvPr id="3" name="Content Placeholder 2"/>
+          <p:cNvSpPr>
+            <a:spLocks noGrp="1"/>
+          </p:cNvSpPr>
+          <p:nvPr>
+            <p:ph idx="1"/>
+          </p:nvPr>
+        </p:nvSpPr>
+        <p:spPr>
+          <a:xfrm>
+            <a:off x="270456" y="1262130"/>
+            <a:ext cx="11797048" cy="5409126"/>
+          </a:xfrm>
+        </p:spPr>
+        <p:txBody>
+          <a:bodyPr>
+            <a:normAutofit fontScale="85000" lnSpcReduction="20000"/>
+          </a:bodyPr>
+          <a:lstStyle/>
+          <a:p>
+            <a:r>
+              <a:rPr lang="hu-HU" dirty="0"/>
+              <a:t>Magas alapjövedelem</a:t>
+            </a:r>
+          </a:p>
+          <a:p>
+            <a:r>
+              <a:rPr lang="hu-HU" dirty="0"/>
+              <a:t>8 óra munka, 8 óra pihenés.. (de ez is </a:t>
+            </a:r>
+            <a:r>
+              <a:rPr lang="hu-HU" dirty="0" smtClean="0"/>
+              <a:t>cégfüggő, lehet rugalmasabb)</a:t>
+            </a:r>
+            <a:endParaRPr lang="hu-HU" dirty="0"/>
+          </a:p>
+          <a:p>
+            <a:r>
+              <a:rPr lang="hu-HU" dirty="0"/>
+              <a:t>Kódok írása</a:t>
+            </a:r>
+          </a:p>
+          <a:p>
+            <a:r>
+              <a:rPr lang="hu-HU" dirty="0"/>
+              <a:t>Hatalmas kódbázisok értelmezése, felforgatása</a:t>
+            </a:r>
+          </a:p>
+          <a:p>
+            <a:r>
+              <a:rPr lang="hu-HU" dirty="0" smtClean="0"/>
+              <a:t>Szorosabb </a:t>
+            </a:r>
+            <a:r>
+              <a:rPr lang="hu-HU" dirty="0"/>
+              <a:t>határidők</a:t>
+            </a:r>
+          </a:p>
+          <a:p>
+            <a:r>
+              <a:rPr lang="hu-HU" dirty="0"/>
+              <a:t>Figyelni a kód tisztaságára (jól érthetőségére)</a:t>
+            </a:r>
+          </a:p>
+          <a:p>
+            <a:r>
+              <a:rPr lang="hu-HU" dirty="0"/>
+              <a:t>Prcezínek kell lenni, hogy minél kevesebbet hibázzunk</a:t>
+            </a:r>
+          </a:p>
+          <a:p>
+            <a:r>
+              <a:rPr lang="hu-HU" dirty="0"/>
+              <a:t>Úgyis hibázunk, tesztelni kell folyamatosan régi fejlesztéseket is..</a:t>
+            </a:r>
+          </a:p>
+          <a:p>
+            <a:r>
+              <a:rPr lang="hu-HU" dirty="0"/>
+              <a:t>Az akadémia jobban az új dolgok létrehozásáról szól, az iparban nagy hangsúlyt kap a meglévő fejlesztések karbantartása</a:t>
+            </a:r>
+            <a:r>
+              <a:rPr lang="hu-HU" dirty="0" smtClean="0"/>
+              <a:t>..</a:t>
+            </a:r>
+          </a:p>
+          <a:p>
+            <a:r>
+              <a:rPr lang="hu-HU" dirty="0"/>
+              <a:t>Csapatmunka, feladatok szétválasztása, meetingek</a:t>
+            </a:r>
+            <a:r>
+              <a:rPr lang="hu-HU" dirty="0" smtClean="0"/>
+              <a:t>..</a:t>
+            </a:r>
+            <a:endParaRPr lang="hu-HU" dirty="0"/>
+          </a:p>
+          <a:p>
+            <a:r>
+              <a:rPr lang="hu-HU" dirty="0"/>
+              <a:t>Csapatok vezetése, ügyfelekkel való értetlenkedés..</a:t>
+            </a:r>
+          </a:p>
+          <a:p>
+            <a:r>
+              <a:rPr lang="hu-HU" dirty="0"/>
+              <a:t>Kevésbé innovatív, bár nagyobb cégek foglalkoznak kutatás/fejlesztéssel (Ericcson, Google, Microsoft, stb)</a:t>
+            </a:r>
+          </a:p>
+        </p:txBody>
+      </p:sp>
+    </p:spTree>
+    <p:extLst>
+      <p:ext uri="{BB962C8B-B14F-4D97-AF65-F5344CB8AC3E}">
+        <p14:creationId xmlns:p14="http://schemas.microsoft.com/office/powerpoint/2010/main" val="69987778"/>
+      </p:ext>
+    </p:extLst>
+  </p:cSld>
+  <p:clrMapOvr>
+    <a:masterClrMapping/>
+  </p:clrMapOvr>
+  <p:timing>
+    <p:tnLst>
+      <p:par>
+        <p:cTn id="1" dur="indefinite" restart="never" nodeType="tmRoot">
+          <p:childTnLst>
+            <p:seq concurrent="1" nextAc="seek">
+              <p:cTn id="2" dur="indefinite" nodeType="mainSeq">
+                <p:childTnLst>
+                  <p:par>
+                    <p:cTn id="3" fill="hold">
+                      <p:stCondLst>
+                        <p:cond delay="indefinite"/>
+                      </p:stCondLst>
+                      <p:childTnLst>
+                        <p:par>
+                          <p:cTn id="4" fill="hold">
+                            <p:stCondLst>
+                              <p:cond delay="0"/>
+                            </p:stCondLst>
+                            <p:childTnLst>
+                              <p:par>
+                                <p:cTn id="5" presetID="1" presetClass="entr" presetSubtype="0" fill="hold" grpId="0" nodeType="clickEffect">
+                                  <p:stCondLst>
+                                    <p:cond delay="0"/>
+                                  </p:stCondLst>
+                                  <p:childTnLst>
+                                    <p:set>
+                                      <p:cBhvr>
+                                        <p:cTn id="6" dur="1" fill="hold">
+                                          <p:stCondLst>
+                                            <p:cond delay="0"/>
+                                          </p:stCondLst>
+                                        </p:cTn>
+                                        <p:tgtEl>
+                                          <p:spTgt spid="3">
+                                            <p:txEl>
+                                              <p:pRg st="0" end="0"/>
+                                            </p:txEl>
+                                          </p:spTgt>
+                                        </p:tgtEl>
+                                        <p:attrNameLst>
+                                          <p:attrName>style.visibility</p:attrName>
+                                        </p:attrNameLst>
+                                      </p:cBhvr>
+                                      <p:to>
+                                        <p:strVal val="visible"/>
+                                      </p:to>
+                                    </p:set>
+                                  </p:childTnLst>
+                                </p:cTn>
+                              </p:par>
+                            </p:childTnLst>
+                          </p:cTn>
+                        </p:par>
+                      </p:childTnLst>
+                    </p:cTn>
+                  </p:par>
+                  <p:par>
+                    <p:cTn id="7" fill="hold">
+                      <p:stCondLst>
+                        <p:cond delay="indefinite"/>
+                      </p:stCondLst>
+                      <p:childTnLst>
+                        <p:par>
+                          <p:cTn id="8" fill="hold">
+                            <p:stCondLst>
+                              <p:cond delay="0"/>
+                            </p:stCondLst>
+                            <p:childTnLst>
+                              <p:par>
+                                <p:cTn id="9" presetID="1" presetClass="entr" presetSubtype="0" fill="hold" grpId="0" nodeType="clickEffect">
+                                  <p:stCondLst>
+                                    <p:cond delay="0"/>
+                                  </p:stCondLst>
+                                  <p:childTnLst>
+                                    <p:set>
+                                      <p:cBhvr>
+                                        <p:cTn id="10" dur="1" fill="hold">
+                                          <p:stCondLst>
+                                            <p:cond delay="0"/>
+                                          </p:stCondLst>
+                                        </p:cTn>
+                                        <p:tgtEl>
+                                          <p:spTgt spid="3">
+                                            <p:txEl>
+                                              <p:pRg st="1" end="1"/>
+                                            </p:txEl>
+                                          </p:spTgt>
+                                        </p:tgtEl>
+                                        <p:attrNameLst>
+                                          <p:attrName>style.visibility</p:attrName>
+                                        </p:attrNameLst>
+                                      </p:cBhvr>
+                                      <p:to>
+                                        <p:strVal val="visible"/>
+                                      </p:to>
+                                    </p:set>
+                                  </p:childTnLst>
+                                </p:cTn>
+                              </p:par>
+                            </p:childTnLst>
+                          </p:cTn>
+                        </p:par>
+                      </p:childTnLst>
+                    </p:cTn>
+                  </p:par>
+                  <p:par>
+                    <p:cTn id="11" fill="hold">
+                      <p:stCondLst>
+                        <p:cond delay="indefinite"/>
+                      </p:stCondLst>
+                      <p:childTnLst>
+                        <p:par>
+                          <p:cTn id="12" fill="hold">
+                            <p:stCondLst>
+                              <p:cond delay="0"/>
+                            </p:stCondLst>
+                            <p:childTnLst>
+                              <p:par>
+                                <p:cTn id="13" presetID="1" presetClass="entr" presetSubtype="0" fill="hold" grpId="0" nodeType="clickEffect">
+                                  <p:stCondLst>
+                                    <p:cond delay="0"/>
+                                  </p:stCondLst>
+                                  <p:childTnLst>
+                                    <p:set>
+                                      <p:cBhvr>
+                                        <p:cTn id="14" dur="1" fill="hold">
+                                          <p:stCondLst>
+                                            <p:cond delay="0"/>
+                                          </p:stCondLst>
+                                        </p:cTn>
+                                        <p:tgtEl>
+                                          <p:spTgt spid="3">
+                                            <p:txEl>
+                                              <p:pRg st="2" end="2"/>
+                                            </p:txEl>
+                                          </p:spTgt>
+                                        </p:tgtEl>
+                                        <p:attrNameLst>
+                                          <p:attrName>style.visibility</p:attrName>
+                                        </p:attrNameLst>
+                                      </p:cBhvr>
+                                      <p:to>
+                                        <p:strVal val="visible"/>
+                                      </p:to>
+                                    </p:set>
+                                  </p:childTnLst>
+                                </p:cTn>
+                              </p:par>
+                            </p:childTnLst>
+                          </p:cTn>
+                        </p:par>
+                      </p:childTnLst>
+                    </p:cTn>
+                  </p:par>
+                  <p:par>
+                    <p:cTn id="15" fill="hold">
+                      <p:stCondLst>
+                        <p:cond delay="indefinite"/>
+                      </p:stCondLst>
+                      <p:childTnLst>
+                        <p:par>
+                          <p:cTn id="16" fill="hold">
+                            <p:stCondLst>
+                              <p:cond delay="0"/>
+                            </p:stCondLst>
+                            <p:childTnLst>
+                              <p:par>
+                                <p:cTn id="17" presetID="1" presetClass="entr" presetSubtype="0" fill="hold" grpId="0" nodeType="clickEffect">
+                                  <p:stCondLst>
+                                    <p:cond delay="0"/>
+                                  </p:stCondLst>
+                                  <p:childTnLst>
+                                    <p:set>
+                                      <p:cBhvr>
+                                        <p:cTn id="18" dur="1" fill="hold">
+                                          <p:stCondLst>
+                                            <p:cond delay="0"/>
+                                          </p:stCondLst>
+                                        </p:cTn>
+                                        <p:tgtEl>
+                                          <p:spTgt spid="3">
+                                            <p:txEl>
+                                              <p:pRg st="3" end="3"/>
+                                            </p:txEl>
+                                          </p:spTgt>
+                                        </p:tgtEl>
+                                        <p:attrNameLst>
+                                          <p:attrName>style.visibility</p:attrName>
+                                        </p:attrNameLst>
+                                      </p:cBhvr>
+                                      <p:to>
+                                        <p:strVal val="visible"/>
+                                      </p:to>
+                                    </p:set>
+                                  </p:childTnLst>
+                                </p:cTn>
+                              </p:par>
+                            </p:childTnLst>
+                          </p:cTn>
+                        </p:par>
+                      </p:childTnLst>
+                    </p:cTn>
+                  </p:par>
+                  <p:par>
+                    <p:cTn id="19" fill="hold">
+                      <p:stCondLst>
+                        <p:cond delay="indefinite"/>
+                      </p:stCondLst>
+                      <p:childTnLst>
+                        <p:par>
+                          <p:cTn id="20" fill="hold">
+                            <p:stCondLst>
+                              <p:cond delay="0"/>
+                            </p:stCondLst>
+                            <p:childTnLst>
+                              <p:par>
+                                <p:cTn id="21" presetID="1" presetClass="entr" presetSubtype="0" fill="hold" grpId="0" nodeType="clickEffect">
+                                  <p:stCondLst>
+                                    <p:cond delay="0"/>
+                                  </p:stCondLst>
+                                  <p:childTnLst>
+                                    <p:set>
+                                      <p:cBhvr>
+                                        <p:cTn id="22" dur="1" fill="hold">
+                                          <p:stCondLst>
+                                            <p:cond delay="0"/>
+                                          </p:stCondLst>
+                                        </p:cTn>
+                                        <p:tgtEl>
+                                          <p:spTgt spid="3">
+                                            <p:txEl>
+                                              <p:pRg st="4" end="4"/>
+                                            </p:txEl>
+                                          </p:spTgt>
+                                        </p:tgtEl>
+                                        <p:attrNameLst>
+                                          <p:attrName>style.visibility</p:attrName>
+                                        </p:attrNameLst>
+                                      </p:cBhvr>
+                                      <p:to>
+                                        <p:strVal val="visible"/>
+                                      </p:to>
+                                    </p:set>
+                                  </p:childTnLst>
+                                </p:cTn>
+                              </p:par>
+                            </p:childTnLst>
+                          </p:cTn>
+                        </p:par>
+                      </p:childTnLst>
+                    </p:cTn>
+                  </p:par>
+                  <p:par>
+                    <p:cTn id="23" fill="hold">
+                      <p:stCondLst>
+                        <p:cond delay="indefinite"/>
+                      </p:stCondLst>
+                      <p:childTnLst>
+                        <p:par>
+                          <p:cTn id="24" fill="hold">
+                            <p:stCondLst>
+                              <p:cond delay="0"/>
+                            </p:stCondLst>
+                            <p:childTnLst>
+                              <p:par>
+                                <p:cTn id="25" presetID="1" presetClass="entr" presetSubtype="0" fill="hold" grpId="0" nodeType="clickEffect">
+                                  <p:stCondLst>
+                                    <p:cond delay="0"/>
+                                  </p:stCondLst>
+                                  <p:childTnLst>
+                                    <p:set>
+                                      <p:cBhvr>
+                                        <p:cTn id="26" dur="1" fill="hold">
+                                          <p:stCondLst>
+                                            <p:cond delay="0"/>
+                                          </p:stCondLst>
+                                        </p:cTn>
+                                        <p:tgtEl>
+                                          <p:spTgt spid="3">
+                                            <p:txEl>
+                                              <p:pRg st="5" end="5"/>
+                                            </p:txEl>
+                                          </p:spTgt>
+                                        </p:tgtEl>
+                                        <p:attrNameLst>
+                                          <p:attrName>style.visibility</p:attrName>
+                                        </p:attrNameLst>
+                                      </p:cBhvr>
+                                      <p:to>
+                                        <p:strVal val="visible"/>
+                                      </p:to>
+                                    </p:set>
+                                  </p:childTnLst>
+                                </p:cTn>
+                              </p:par>
+                            </p:childTnLst>
+                          </p:cTn>
+                        </p:par>
+                      </p:childTnLst>
+                    </p:cTn>
+                  </p:par>
+                  <p:par>
+                    <p:cTn id="27" fill="hold">
+                      <p:stCondLst>
+                        <p:cond delay="indefinite"/>
+                      </p:stCondLst>
+                      <p:childTnLst>
+                        <p:par>
+                          <p:cTn id="28" fill="hold">
+                            <p:stCondLst>
+                              <p:cond delay="0"/>
+                            </p:stCondLst>
+                            <p:childTnLst>
+                              <p:par>
+                                <p:cTn id="29" presetID="1" presetClass="entr" presetSubtype="0" fill="hold" grpId="0" nodeType="clickEffect">
+                                  <p:stCondLst>
+                                    <p:cond delay="0"/>
+                                  </p:stCondLst>
+                                  <p:childTnLst>
+                                    <p:set>
+                                      <p:cBhvr>
+                                        <p:cTn id="30" dur="1" fill="hold">
+                                          <p:stCondLst>
+                                            <p:cond delay="0"/>
+                                          </p:stCondLst>
+                                        </p:cTn>
+                                        <p:tgtEl>
+                                          <p:spTgt spid="3">
+                                            <p:txEl>
+                                              <p:pRg st="6" end="6"/>
+                                            </p:txEl>
+                                          </p:spTgt>
+                                        </p:tgtEl>
+                                        <p:attrNameLst>
+                                          <p:attrName>style.visibility</p:attrName>
+                                        </p:attrNameLst>
+                                      </p:cBhvr>
+                                      <p:to>
+                                        <p:strVal val="visible"/>
+                                      </p:to>
+                                    </p:set>
+                                  </p:childTnLst>
+                                </p:cTn>
+                              </p:par>
+                            </p:childTnLst>
+                          </p:cTn>
+                        </p:par>
+                      </p:childTnLst>
+                    </p:cTn>
+                  </p:par>
+                  <p:par>
+                    <p:cTn id="31" fill="hold">
+                      <p:stCondLst>
+                        <p:cond delay="indefinite"/>
+                      </p:stCondLst>
+                      <p:childTnLst>
+                        <p:par>
+                          <p:cTn id="32" fill="hold">
+                            <p:stCondLst>
+                              <p:cond delay="0"/>
+                            </p:stCondLst>
+                            <p:childTnLst>
+                              <p:par>
+                                <p:cTn id="33" presetID="1" presetClass="entr" presetSubtype="0" fill="hold" grpId="0" nodeType="clickEffect">
+                                  <p:stCondLst>
+                                    <p:cond delay="0"/>
+                                  </p:stCondLst>
+                                  <p:childTnLst>
+                                    <p:set>
+                                      <p:cBhvr>
+                                        <p:cTn id="34" dur="1" fill="hold">
+                                          <p:stCondLst>
+                                            <p:cond delay="0"/>
+                                          </p:stCondLst>
+                                        </p:cTn>
+                                        <p:tgtEl>
+                                          <p:spTgt spid="3">
+                                            <p:txEl>
+                                              <p:pRg st="7" end="7"/>
+                                            </p:txEl>
+                                          </p:spTgt>
+                                        </p:tgtEl>
+                                        <p:attrNameLst>
+                                          <p:attrName>style.visibility</p:attrName>
+                                        </p:attrNameLst>
+                                      </p:cBhvr>
+                                      <p:to>
+                                        <p:strVal val="visible"/>
+                                      </p:to>
+                                    </p:set>
+                                  </p:childTnLst>
+                                </p:cTn>
+                              </p:par>
+                            </p:childTnLst>
+                          </p:cTn>
+                        </p:par>
+                      </p:childTnLst>
+                    </p:cTn>
+                  </p:par>
+                  <p:par>
+                    <p:cTn id="35" fill="hold">
+                      <p:stCondLst>
+                        <p:cond delay="indefinite"/>
+                      </p:stCondLst>
+                      <p:childTnLst>
+                        <p:par>
+                          <p:cTn id="36" fill="hold">
+                            <p:stCondLst>
+                              <p:cond delay="0"/>
+                            </p:stCondLst>
+                            <p:childTnLst>
+                              <p:par>
+                                <p:cTn id="37" presetID="1" presetClass="entr" presetSubtype="0" fill="hold" grpId="0" nodeType="clickEffect">
+                                  <p:stCondLst>
+                                    <p:cond delay="0"/>
+                                  </p:stCondLst>
+                                  <p:childTnLst>
+                                    <p:set>
+                                      <p:cBhvr>
+                                        <p:cTn id="38" dur="1" fill="hold">
+                                          <p:stCondLst>
+                                            <p:cond delay="0"/>
+                                          </p:stCondLst>
+                                        </p:cTn>
+                                        <p:tgtEl>
+                                          <p:spTgt spid="3">
+                                            <p:txEl>
+                                              <p:pRg st="8" end="8"/>
+                                            </p:txEl>
+                                          </p:spTgt>
+                                        </p:tgtEl>
+                                        <p:attrNameLst>
+                                          <p:attrName>style.visibility</p:attrName>
+                                        </p:attrNameLst>
+                                      </p:cBhvr>
+                                      <p:to>
+                                        <p:strVal val="visible"/>
+                                      </p:to>
+                                    </p:set>
+                                  </p:childTnLst>
+                                </p:cTn>
+                              </p:par>
+                            </p:childTnLst>
+                          </p:cTn>
+                        </p:par>
+                      </p:childTnLst>
+                    </p:cTn>
+                  </p:par>
+                  <p:par>
+                    <p:cTn id="39" fill="hold">
+                      <p:stCondLst>
+                        <p:cond delay="indefinite"/>
+                      </p:stCondLst>
+                      <p:childTnLst>
+                        <p:par>
+                          <p:cTn id="40" fill="hold">
+                            <p:stCondLst>
+                              <p:cond delay="0"/>
+                            </p:stCondLst>
+                            <p:childTnLst>
+                              <p:par>
+                                <p:cTn id="41" presetID="1" presetClass="entr" presetSubtype="0" fill="hold" grpId="0" nodeType="clickEffect">
+                                  <p:stCondLst>
+                                    <p:cond delay="0"/>
+                                  </p:stCondLst>
+                                  <p:childTnLst>
+                                    <p:set>
+                                      <p:cBhvr>
+                                        <p:cTn id="42" dur="1" fill="hold">
+                                          <p:stCondLst>
+                                            <p:cond delay="0"/>
+                                          </p:stCondLst>
+                                        </p:cTn>
+                                        <p:tgtEl>
+                                          <p:spTgt spid="3">
+                                            <p:txEl>
+                                              <p:pRg st="9" end="9"/>
+                                            </p:txEl>
+                                          </p:spTgt>
+                                        </p:tgtEl>
+                                        <p:attrNameLst>
+                                          <p:attrName>style.visibility</p:attrName>
+                                        </p:attrNameLst>
+                                      </p:cBhvr>
+                                      <p:to>
+                                        <p:strVal val="visible"/>
+                                      </p:to>
+                                    </p:set>
+                                  </p:childTnLst>
+                                </p:cTn>
+                              </p:par>
+                            </p:childTnLst>
+                          </p:cTn>
+                        </p:par>
+                      </p:childTnLst>
+                    </p:cTn>
+                  </p:par>
+                  <p:par>
+                    <p:cTn id="43" fill="hold">
+                      <p:stCondLst>
+                        <p:cond delay="indefinite"/>
+                      </p:stCondLst>
+                      <p:childTnLst>
+                        <p:par>
+                          <p:cTn id="44" fill="hold">
+                            <p:stCondLst>
+                              <p:cond delay="0"/>
+                            </p:stCondLst>
+                            <p:childTnLst>
+                              <p:par>
+                                <p:cTn id="45" presetID="1" presetClass="entr" presetSubtype="0" fill="hold" grpId="0" nodeType="clickEffect">
+                                  <p:stCondLst>
+                                    <p:cond delay="0"/>
+                                  </p:stCondLst>
+                                  <p:childTnLst>
+                                    <p:set>
+                                      <p:cBhvr>
+                                        <p:cTn id="46" dur="1" fill="hold">
+                                          <p:stCondLst>
+                                            <p:cond delay="0"/>
+                                          </p:stCondLst>
+                                        </p:cTn>
+                                        <p:tgtEl>
+                                          <p:spTgt spid="3">
+                                            <p:txEl>
+                                              <p:pRg st="10" end="10"/>
+                                            </p:txEl>
+                                          </p:spTgt>
+                                        </p:tgtEl>
+                                        <p:attrNameLst>
+                                          <p:attrName>style.visibility</p:attrName>
+                                        </p:attrNameLst>
+                                      </p:cBhvr>
+                                      <p:to>
+                                        <p:strVal val="visible"/>
+                                      </p:to>
+                                    </p:set>
+                                  </p:childTnLst>
+                                </p:cTn>
+                              </p:par>
+                            </p:childTnLst>
+                          </p:cTn>
+                        </p:par>
+                      </p:childTnLst>
+                    </p:cTn>
+                  </p:par>
+                  <p:par>
+                    <p:cTn id="47" fill="hold">
+                      <p:stCondLst>
+                        <p:cond delay="indefinite"/>
+                      </p:stCondLst>
+                      <p:childTnLst>
+                        <p:par>
+                          <p:cTn id="48" fill="hold">
+                            <p:stCondLst>
+                              <p:cond delay="0"/>
+                            </p:stCondLst>
+                            <p:childTnLst>
+                              <p:par>
+                                <p:cTn id="49" presetID="1" presetClass="entr" presetSubtype="0" fill="hold" grpId="0" nodeType="clickEffect">
+                                  <p:stCondLst>
+                                    <p:cond delay="0"/>
+                                  </p:stCondLst>
+                                  <p:childTnLst>
+                                    <p:set>
+                                      <p:cBhvr>
+                                        <p:cTn id="50" dur="1" fill="hold">
+                                          <p:stCondLst>
+                                            <p:cond delay="0"/>
+                                          </p:stCondLst>
+                                        </p:cTn>
+                                        <p:tgtEl>
+                                          <p:spTgt spid="3">
+                                            <p:txEl>
+                                              <p:pRg st="11" end="11"/>
+                                            </p:txEl>
+                                          </p:spTgt>
+                                        </p:tgtEl>
+                                        <p:attrNameLst>
+                                          <p:attrName>style.visibility</p:attrName>
+                                        </p:attrNameLst>
+                                      </p:cBhvr>
+                                      <p:to>
+                                        <p:strVal val="visible"/>
+                                      </p:to>
+                                    </p:set>
+                                  </p:childTnLst>
+                                </p:cTn>
+                              </p:par>
+                            </p:childTnLst>
+                          </p:cTn>
+                        </p:par>
+                      </p:childTnLst>
+                    </p:cTn>
+                  </p:par>
+                </p:childTnLst>
+              </p:cTn>
+              <p:prevCondLst>
+                <p:cond evt="onPrev" delay="0">
+                  <p:tgtEl>
+                    <p:sldTgt/>
+                  </p:tgtEl>
+                </p:cond>
+              </p:prevCondLst>
+              <p:nextCondLst>
+                <p:cond evt="onNext" delay="0">
+                  <p:tgtEl>
+                    <p:sldTgt/>
+                  </p:tgtEl>
+                </p:cond>
+              </p:nextCondLst>
+            </p:seq>
+          </p:childTnLst>
+        </p:cTn>
+      </p:par>
+    </p:tnLst>
+    <p:bldLst>
+      <p:bldP spid="3" grpId="0" build="p"/>
+    </p:bldLst>
+  </p:timing>
+</p:sld>
+</file>
+
+<file path=ppt/slides/slide12.xml><?xml version="1.0" encoding="utf-8"?>
+<p:sld xmlns:a="http://schemas.openxmlformats.org/drawingml/2006/main" xmlns:r="http://schemas.openxmlformats.org/officeDocument/2006/relationships" xmlns:p="http://schemas.openxmlformats.org/presentationml/2006/main">
+  <p:cSld>
+    <p:spTree>
+      <p:nvGrpSpPr>
+        <p:cNvPr id="1" name=""/>
+        <p:cNvGrpSpPr/>
+        <p:nvPr/>
+      </p:nvGrpSpPr>
+      <p:grpSpPr>
+        <a:xfrm>
+          <a:off x="0" y="0"/>
+          <a:ext cx="0" cy="0"/>
+          <a:chOff x="0" y="0"/>
+          <a:chExt cx="0" cy="0"/>
+        </a:xfrm>
+      </p:grpSpPr>
+      <p:sp>
+        <p:nvSpPr>
+          <p:cNvPr id="2" name="Title 1"/>
+          <p:cNvSpPr>
+            <a:spLocks noGrp="1"/>
+          </p:cNvSpPr>
+          <p:nvPr>
+            <p:ph type="title"/>
+          </p:nvPr>
+        </p:nvSpPr>
+        <p:spPr>
+          <a:xfrm>
+            <a:off x="838200" y="885387"/>
+            <a:ext cx="10515600" cy="1325563"/>
+          </a:xfrm>
+        </p:spPr>
+        <p:txBody>
+          <a:bodyPr>
+            <a:normAutofit/>
+          </a:bodyPr>
+          <a:lstStyle/>
+          <a:p>
+            <a:pPr algn="ctr"/>
+            <a:r>
+              <a:rPr lang="hu-HU" sz="6600" dirty="0" smtClean="0"/>
+              <a:t>Köszönöm a figyelmet!</a:t>
+            </a:r>
+            <a:endParaRPr lang="hu-HU" sz="6600" dirty="0"/>
+          </a:p>
+        </p:txBody>
+      </p:sp>
+      <p:sp>
+        <p:nvSpPr>
+          <p:cNvPr id="3" name="Content Placeholder 2"/>
+          <p:cNvSpPr>
+            <a:spLocks noGrp="1"/>
+          </p:cNvSpPr>
+          <p:nvPr>
+            <p:ph idx="1"/>
+          </p:nvPr>
+        </p:nvSpPr>
+        <p:spPr>
+          <a:xfrm>
+            <a:off x="838200" y="2393184"/>
+            <a:ext cx="10515600" cy="665326"/>
+          </a:xfrm>
+        </p:spPr>
+        <p:txBody>
+          <a:bodyPr>
+            <a:normAutofit/>
+          </a:bodyPr>
+          <a:lstStyle/>
+          <a:p>
+            <a:pPr marL="0" indent="0" algn="ctr">
+              <a:buNone/>
+            </a:pPr>
+            <a:r>
+              <a:rPr lang="hu-HU" sz="4000" dirty="0" smtClean="0"/>
+              <a:t>Kérdések..</a:t>
+            </a:r>
+          </a:p>
+        </p:txBody>
+      </p:sp>
+      <p:sp>
+        <p:nvSpPr>
+          <p:cNvPr id="4" name="TextBox 3"/>
+          <p:cNvSpPr txBox="1"/>
+          <p:nvPr/>
+        </p:nvSpPr>
+        <p:spPr>
+          <a:xfrm>
+            <a:off x="173420" y="5470635"/>
+            <a:ext cx="4351284" cy="1138773"/>
+          </a:xfrm>
+          <a:prstGeom prst="rect">
+            <a:avLst/>
+          </a:prstGeom>
+          <a:noFill/>
+        </p:spPr>
+        <p:txBody>
+          <a:bodyPr wrap="square" rtlCol="0">
+            <a:spAutoFit/>
+          </a:bodyPr>
+          <a:lstStyle/>
+          <a:p>
+            <a:r>
+              <a:rPr lang="hu-HU" sz="2800" dirty="0" smtClean="0"/>
+              <a:t>Elérhetőség: </a:t>
+            </a:r>
+          </a:p>
+          <a:p>
+            <a:r>
+              <a:rPr lang="hu-HU" sz="2000" dirty="0" smtClean="0"/>
+              <a:t>email: </a:t>
+            </a:r>
+            <a:r>
+              <a:rPr lang="hu-HU" sz="2000" i="1" dirty="0" smtClean="0">
+                <a:hlinkClick r:id="rId2"/>
+              </a:rPr>
+              <a:t>nagy.andras95@gmail.com</a:t>
+            </a:r>
+            <a:endParaRPr lang="hu-HU" sz="2000" i="1" dirty="0" smtClean="0"/>
+          </a:p>
+          <a:p>
+            <a:r>
+              <a:rPr lang="hu-HU" sz="2000" dirty="0" smtClean="0"/>
+              <a:t>Finna Imola tanárnőn keresztül..</a:t>
+            </a:r>
+            <a:endParaRPr lang="hu-HU" sz="2000" dirty="0"/>
+          </a:p>
+        </p:txBody>
+      </p:sp>
+      <p:sp>
+        <p:nvSpPr>
+          <p:cNvPr id="5" name="TextBox 4"/>
+          <p:cNvSpPr txBox="1"/>
+          <p:nvPr/>
+        </p:nvSpPr>
+        <p:spPr>
+          <a:xfrm>
+            <a:off x="173420" y="3631408"/>
+            <a:ext cx="4417453" cy="1231106"/>
+          </a:xfrm>
+          <a:prstGeom prst="rect">
+            <a:avLst/>
+          </a:prstGeom>
+          <a:noFill/>
+        </p:spPr>
+        <p:txBody>
+          <a:bodyPr wrap="square" rtlCol="0">
+            <a:spAutoFit/>
+          </a:bodyPr>
+          <a:lstStyle/>
+          <a:p>
+            <a:r>
+              <a:rPr lang="hu-HU" sz="2000" dirty="0" smtClean="0"/>
+              <a:t>Részletes információk:</a:t>
+            </a:r>
+          </a:p>
+          <a:p>
+            <a:r>
+              <a:rPr lang="hu-HU" dirty="0" smtClean="0"/>
+              <a:t>Felvi - </a:t>
+            </a:r>
+            <a:r>
+              <a:rPr lang="hu-HU" dirty="0" smtClean="0">
+                <a:hlinkClick r:id="rId3"/>
+              </a:rPr>
+              <a:t>https</a:t>
+            </a:r>
+            <a:r>
+              <a:rPr lang="hu-HU" dirty="0">
+                <a:hlinkClick r:id="rId3"/>
+              </a:rPr>
+              <a:t>://www.felvi.hu</a:t>
+            </a:r>
+            <a:r>
+              <a:rPr lang="hu-HU" dirty="0" smtClean="0">
+                <a:hlinkClick r:id="rId3"/>
+              </a:rPr>
+              <a:t>/</a:t>
+            </a:r>
+            <a:endParaRPr lang="hu-HU" dirty="0" smtClean="0"/>
+          </a:p>
+          <a:p>
+            <a:r>
+              <a:rPr lang="hu-HU" dirty="0"/>
+              <a:t>ELTE IK Tanrendek </a:t>
+            </a:r>
+            <a:r>
+              <a:rPr lang="hu-HU" dirty="0" smtClean="0"/>
+              <a:t>– </a:t>
+            </a:r>
+          </a:p>
+          <a:p>
+            <a:r>
+              <a:rPr lang="hu-HU" dirty="0" smtClean="0"/>
+              <a:t>https: //</a:t>
+            </a:r>
+            <a:r>
+              <a:rPr lang="hu-HU" dirty="0"/>
+              <a:t>www.inf.elte.hu/tantervihalok</a:t>
+            </a:r>
+          </a:p>
+        </p:txBody>
+      </p:sp>
+    </p:spTree>
+    <p:extLst>
+      <p:ext uri="{BB962C8B-B14F-4D97-AF65-F5344CB8AC3E}">
+        <p14:creationId xmlns:p14="http://schemas.microsoft.com/office/powerpoint/2010/main" val="4212423175"/>
+      </p:ext>
+    </p:extLst>
+  </p:cSld>
+  <p:clrMapOvr>
+    <a:masterClrMapping/>
+  </p:clrMapOvr>
+  <p:timing>
+    <p:tnLst>
+      <p:par>
+        <p:cTn id="1" dur="indefinite" restart="never" nodeType="tmRoot"/>
+      </p:par>
+    </p:tnLst>
+  </p:timing>
+</p:sld>
+</file>
+
+<file path=ppt/slides/slide2.xml><?xml version="1.0" encoding="utf-8"?>
+<p:sld xmlns:a="http://schemas.openxmlformats.org/drawingml/2006/main" xmlns:r="http://schemas.openxmlformats.org/officeDocument/2006/relationships" xmlns:p="http://schemas.openxmlformats.org/presentationml/2006/main">
+  <p:cSld>
+    <p:spTree>
+      <p:nvGrpSpPr>
+        <p:cNvPr id="1" name=""/>
+        <p:cNvGrpSpPr/>
+        <p:nvPr/>
+      </p:nvGrpSpPr>
+      <p:grpSpPr>
+        <a:xfrm>
+          <a:off x="0" y="0"/>
+          <a:ext cx="0" cy="0"/>
+          <a:chOff x="0" y="0"/>
+          <a:chExt cx="0" cy="0"/>
+        </a:xfrm>
+      </p:grpSpPr>
+      <p:sp>
+        <p:nvSpPr>
+          <p:cNvPr id="2" name="Title 1"/>
+          <p:cNvSpPr>
+            <a:spLocks noGrp="1"/>
+          </p:cNvSpPr>
+          <p:nvPr>
+            <p:ph type="title"/>
+          </p:nvPr>
+        </p:nvSpPr>
+        <p:spPr/>
+        <p:txBody>
+          <a:bodyPr/>
+          <a:lstStyle/>
+          <a:p>
+            <a:pPr algn="ctr"/>
+            <a:r>
+              <a:rPr lang="hu-HU" dirty="0"/>
+              <a:t>Magamról</a:t>
+            </a:r>
+          </a:p>
+        </p:txBody>
+      </p:sp>
+      <p:sp>
+        <p:nvSpPr>
+          <p:cNvPr id="3" name="Content Placeholder 2"/>
+          <p:cNvSpPr>
+            <a:spLocks noGrp="1"/>
+          </p:cNvSpPr>
+          <p:nvPr>
+            <p:ph idx="1"/>
+          </p:nvPr>
+        </p:nvSpPr>
+        <p:spPr>
+          <a:xfrm>
+            <a:off x="838200" y="1825624"/>
+            <a:ext cx="10515600" cy="4781237"/>
+          </a:xfrm>
+        </p:spPr>
+        <p:txBody>
+          <a:bodyPr/>
+          <a:lstStyle/>
+          <a:p>
+            <a:r>
+              <a:rPr lang="hu-HU" sz="3200" dirty="0"/>
+              <a:t>Hol tartok jelenleg?</a:t>
+            </a:r>
+          </a:p>
+          <a:p>
+            <a:pPr lvl="1"/>
+            <a:r>
+              <a:rPr lang="hu-HU" sz="2800" dirty="0"/>
+              <a:t>ELTE IK – MSc utolsó félév (diplamunka, záróvizsga)</a:t>
+            </a:r>
+          </a:p>
+          <a:p>
+            <a:pPr lvl="1"/>
+            <a:r>
+              <a:rPr lang="hu-HU" sz="2800" dirty="0"/>
+              <a:t>Projektmunka az egyetemen (akadémiai tapasztalatok)</a:t>
+            </a:r>
+          </a:p>
+          <a:p>
+            <a:pPr lvl="1"/>
+            <a:r>
+              <a:rPr lang="hu-HU" sz="2800" dirty="0"/>
+              <a:t>Gyakorlatok vezetése az egyetemen (oktatói tapasztalatok)</a:t>
+            </a:r>
+          </a:p>
+          <a:p>
+            <a:pPr lvl="1"/>
+            <a:r>
+              <a:rPr lang="hu-HU" sz="2800" dirty="0"/>
+              <a:t>Graphisoft gyakornoka (ipari tapasztaltok)</a:t>
+            </a:r>
+          </a:p>
+          <a:p>
+            <a:r>
+              <a:rPr lang="hu-HU" sz="3200" dirty="0"/>
+              <a:t>Honnan indultam?</a:t>
+            </a:r>
+          </a:p>
+          <a:p>
+            <a:pPr lvl="1"/>
+            <a:r>
+              <a:rPr lang="hu-HU" sz="2800" dirty="0"/>
+              <a:t>Gimnázium, humán (magyar-töri) tagozat..</a:t>
+            </a:r>
+          </a:p>
+          <a:p>
+            <a:pPr lvl="1"/>
+            <a:r>
+              <a:rPr lang="hu-HU" sz="2800" dirty="0"/>
+              <a:t>Fél év alatt felkészülés az emelt infóra.. (Lehetséges!)</a:t>
+            </a:r>
+          </a:p>
+          <a:p>
+            <a:pPr lvl="1"/>
+            <a:r>
+              <a:rPr lang="hu-HU" sz="2800" dirty="0" smtClean="0"/>
+              <a:t>(Magántanárral a legkönnyebb, én is vállalok diákokat..)</a:t>
+            </a:r>
+            <a:endParaRPr lang="hu-HU" sz="3200" dirty="0"/>
+          </a:p>
+          <a:p>
+            <a:endParaRPr lang="hu-HU" dirty="0"/>
+          </a:p>
+        </p:txBody>
+      </p:sp>
+    </p:spTree>
+    <p:extLst>
+      <p:ext uri="{BB962C8B-B14F-4D97-AF65-F5344CB8AC3E}">
+        <p14:creationId xmlns:p14="http://schemas.microsoft.com/office/powerpoint/2010/main" val="2728900650"/>
+      </p:ext>
+    </p:extLst>
+  </p:cSld>
+  <p:clrMapOvr>
+    <a:masterClrMapping/>
+  </p:clrMapOvr>
+  <p:timing>
+    <p:tnLst>
+      <p:par>
+        <p:cTn id="1" dur="indefinite" restart="never" nodeType="tmRoot">
+          <p:childTnLst>
+            <p:seq concurrent="1" nextAc="seek">
+              <p:cTn id="2" dur="indefinite" nodeType="mainSeq">
+                <p:childTnLst>
+                  <p:par>
+                    <p:cTn id="3" fill="hold">
+                      <p:stCondLst>
+                        <p:cond delay="indefinite"/>
+                        <p:cond evt="onBegin" delay="0">
+                          <p:tn val="2"/>
+                        </p:cond>
+                      </p:stCondLst>
+                      <p:childTnLst>
+                        <p:par>
+                          <p:cTn id="4" fill="hold">
+                            <p:stCondLst>
+                              <p:cond delay="0"/>
+                            </p:stCondLst>
+                            <p:childTnLst>
+                              <p:par>
+                                <p:cTn id="5" presetID="1" presetClass="entr" presetSubtype="0" fill="hold" nodeType="afterEffect">
+                                  <p:stCondLst>
+                                    <p:cond delay="0"/>
+                                  </p:stCondLst>
+                                  <p:childTnLst>
+                                    <p:set>
+                                      <p:cBhvr>
+                                        <p:cTn id="6" dur="1" fill="hold">
+                                          <p:stCondLst>
+                                            <p:cond delay="0"/>
+                                          </p:stCondLst>
+                                        </p:cTn>
+                                        <p:tgtEl>
+                                          <p:spTgt spid="3">
+                                            <p:txEl>
+                                              <p:pRg st="0" end="0"/>
+                                            </p:txEl>
+                                          </p:spTgt>
+                                        </p:tgtEl>
+                                        <p:attrNameLst>
+                                          <p:attrName>style.visibility</p:attrName>
+                                        </p:attrNameLst>
+                                      </p:cBhvr>
+                                      <p:to>
+                                        <p:strVal val="visible"/>
+                                      </p:to>
+                                    </p:set>
+                                  </p:childTnLst>
+                                </p:cTn>
+                              </p:par>
+                            </p:childTnLst>
+                          </p:cTn>
+                        </p:par>
+                        <p:par>
+                          <p:cTn id="7" fill="hold">
+                            <p:stCondLst>
+                              <p:cond delay="0"/>
+                            </p:stCondLst>
+                            <p:childTnLst>
+                              <p:par>
+                                <p:cTn id="8" presetID="1" presetClass="entr" presetSubtype="0" fill="hold" nodeType="afterEffect">
+                                  <p:stCondLst>
+                                    <p:cond delay="0"/>
+                                  </p:stCondLst>
+                                  <p:childTnLst>
+                                    <p:set>
+                                      <p:cBhvr>
+                                        <p:cTn id="9" dur="1" fill="hold">
+                                          <p:stCondLst>
+                                            <p:cond delay="0"/>
+                                          </p:stCondLst>
+                                        </p:cTn>
+                                        <p:tgtEl>
+                                          <p:spTgt spid="3">
+                                            <p:txEl>
+                                              <p:pRg st="1" end="1"/>
+                                            </p:txEl>
+                                          </p:spTgt>
+                                        </p:tgtEl>
+                                        <p:attrNameLst>
+                                          <p:attrName>style.visibility</p:attrName>
+                                        </p:attrNameLst>
+                                      </p:cBhvr>
+                                      <p:to>
+                                        <p:strVal val="visible"/>
+                                      </p:to>
+                                    </p:set>
+                                  </p:childTnLst>
+                                </p:cTn>
+                              </p:par>
+                            </p:childTnLst>
+                          </p:cTn>
+                        </p:par>
+                        <p:par>
+                          <p:cTn id="10" fill="hold">
+                            <p:stCondLst>
+                              <p:cond delay="0"/>
+                            </p:stCondLst>
+                            <p:childTnLst>
+                              <p:par>
+                                <p:cTn id="11" presetID="1" presetClass="entr" presetSubtype="0" fill="hold" nodeType="afterEffect">
+                                  <p:stCondLst>
+                                    <p:cond delay="0"/>
+                                  </p:stCondLst>
+                                  <p:childTnLst>
+                                    <p:set>
+                                      <p:cBhvr>
+                                        <p:cTn id="12" dur="1" fill="hold">
+                                          <p:stCondLst>
+                                            <p:cond delay="0"/>
+                                          </p:stCondLst>
+                                        </p:cTn>
+                                        <p:tgtEl>
+                                          <p:spTgt spid="3">
+                                            <p:txEl>
+                                              <p:pRg st="2" end="2"/>
+                                            </p:txEl>
+                                          </p:spTgt>
+                                        </p:tgtEl>
+                                        <p:attrNameLst>
+                                          <p:attrName>style.visibility</p:attrName>
+                                        </p:attrNameLst>
+                                      </p:cBhvr>
+                                      <p:to>
+                                        <p:strVal val="visible"/>
+                                      </p:to>
+                                    </p:set>
+                                  </p:childTnLst>
+                                </p:cTn>
+                              </p:par>
+                            </p:childTnLst>
+                          </p:cTn>
+                        </p:par>
+                        <p:par>
+                          <p:cTn id="13" fill="hold">
+                            <p:stCondLst>
+                              <p:cond delay="0"/>
+                            </p:stCondLst>
+                            <p:childTnLst>
+                              <p:par>
+                                <p:cTn id="14" presetID="1" presetClass="entr" presetSubtype="0" fill="hold" nodeType="afterEffect">
+                                  <p:stCondLst>
+                                    <p:cond delay="0"/>
+                                  </p:stCondLst>
+                                  <p:childTnLst>
+                                    <p:set>
+                                      <p:cBhvr>
+                                        <p:cTn id="15" dur="1" fill="hold">
+                                          <p:stCondLst>
+                                            <p:cond delay="0"/>
+                                          </p:stCondLst>
+                                        </p:cTn>
+                                        <p:tgtEl>
+                                          <p:spTgt spid="3">
+                                            <p:txEl>
+                                              <p:pRg st="3" end="3"/>
+                                            </p:txEl>
+                                          </p:spTgt>
+                                        </p:tgtEl>
+                                        <p:attrNameLst>
+                                          <p:attrName>style.visibility</p:attrName>
+                                        </p:attrNameLst>
+                                      </p:cBhvr>
+                                      <p:to>
+                                        <p:strVal val="visible"/>
+                                      </p:to>
+                                    </p:set>
+                                  </p:childTnLst>
+                                </p:cTn>
+                              </p:par>
+                            </p:childTnLst>
+                          </p:cTn>
+                        </p:par>
+                        <p:par>
+                          <p:cTn id="16" fill="hold">
+                            <p:stCondLst>
+                              <p:cond delay="0"/>
+                            </p:stCondLst>
+                            <p:childTnLst>
+                              <p:par>
+                                <p:cTn id="17" presetID="1" presetClass="entr" presetSubtype="0" fill="hold" nodeType="afterEffect">
+                                  <p:stCondLst>
+                                    <p:cond delay="0"/>
+                                  </p:stCondLst>
+                                  <p:childTnLst>
+                                    <p:set>
+                                      <p:cBhvr>
+                                        <p:cTn id="18" dur="1" fill="hold">
+                                          <p:stCondLst>
+                                            <p:cond delay="0"/>
+                                          </p:stCondLst>
+                                        </p:cTn>
+                                        <p:tgtEl>
+                                          <p:spTgt spid="3">
+                                            <p:txEl>
+                                              <p:pRg st="4" end="4"/>
+                                            </p:txEl>
+                                          </p:spTgt>
+                                        </p:tgtEl>
+                                        <p:attrNameLst>
+                                          <p:attrName>style.visibility</p:attrName>
+                                        </p:attrNameLst>
+                                      </p:cBhvr>
+                                      <p:to>
+                                        <p:strVal val="visible"/>
+                                      </p:to>
+                                    </p:set>
+                                  </p:childTnLst>
+                                </p:cTn>
+                              </p:par>
+                            </p:childTnLst>
+                          </p:cTn>
+                        </p:par>
+                      </p:childTnLst>
+                    </p:cTn>
+                  </p:par>
+                  <p:par>
+                    <p:cTn id="19" fill="hold">
+                      <p:stCondLst>
+                        <p:cond delay="indefinite"/>
+                      </p:stCondLst>
+                      <p:childTnLst>
+                        <p:par>
+                          <p:cTn id="20" fill="hold">
+                            <p:stCondLst>
+                              <p:cond delay="0"/>
+                            </p:stCondLst>
+                            <p:childTnLst>
+                              <p:par>
+                                <p:cTn id="21" presetID="1" presetClass="entr" presetSubtype="0" fill="hold" nodeType="clickEffect">
+                                  <p:stCondLst>
+                                    <p:cond delay="0"/>
+                                  </p:stCondLst>
+                                  <p:childTnLst>
+                                    <p:set>
+                                      <p:cBhvr>
+                                        <p:cTn id="22" dur="1" fill="hold">
+                                          <p:stCondLst>
+                                            <p:cond delay="0"/>
+                                          </p:stCondLst>
+                                        </p:cTn>
+                                        <p:tgtEl>
+                                          <p:spTgt spid="3">
+                                            <p:txEl>
+                                              <p:pRg st="5" end="5"/>
+                                            </p:txEl>
+                                          </p:spTgt>
+                                        </p:tgtEl>
+                                        <p:attrNameLst>
+                                          <p:attrName>style.visibility</p:attrName>
+                                        </p:attrNameLst>
+                                      </p:cBhvr>
+                                      <p:to>
+                                        <p:strVal val="visible"/>
+                                      </p:to>
+                                    </p:set>
+                                  </p:childTnLst>
+                                </p:cTn>
+                              </p:par>
+                              <p:par>
+                                <p:cTn id="23" presetID="1" presetClass="entr" presetSubtype="0" fill="hold" nodeType="withEffect">
+                                  <p:stCondLst>
+                                    <p:cond delay="0"/>
+                                  </p:stCondLst>
+                                  <p:childTnLst>
+                                    <p:set>
+                                      <p:cBhvr>
+                                        <p:cTn id="24" dur="1" fill="hold">
+                                          <p:stCondLst>
+                                            <p:cond delay="0"/>
+                                          </p:stCondLst>
+                                        </p:cTn>
+                                        <p:tgtEl>
+                                          <p:spTgt spid="3">
+                                            <p:txEl>
+                                              <p:pRg st="6" end="6"/>
+                                            </p:txEl>
+                                          </p:spTgt>
+                                        </p:tgtEl>
+                                        <p:attrNameLst>
+                                          <p:attrName>style.visibility</p:attrName>
+                                        </p:attrNameLst>
+                                      </p:cBhvr>
+                                      <p:to>
+                                        <p:strVal val="visible"/>
+                                      </p:to>
+                                    </p:set>
+                                  </p:childTnLst>
+                                </p:cTn>
+                              </p:par>
+                              <p:par>
+                                <p:cTn id="25" presetID="1" presetClass="entr" presetSubtype="0" fill="hold" nodeType="withEffect">
+                                  <p:stCondLst>
+                                    <p:cond delay="0"/>
+                                  </p:stCondLst>
+                                  <p:childTnLst>
+                                    <p:set>
+                                      <p:cBhvr>
+                                        <p:cTn id="26" dur="1" fill="hold">
+                                          <p:stCondLst>
+                                            <p:cond delay="0"/>
+                                          </p:stCondLst>
+                                        </p:cTn>
+                                        <p:tgtEl>
+                                          <p:spTgt spid="3">
+                                            <p:txEl>
+                                              <p:pRg st="7" end="7"/>
+                                            </p:txEl>
+                                          </p:spTgt>
+                                        </p:tgtEl>
+                                        <p:attrNameLst>
+                                          <p:attrName>style.visibility</p:attrName>
+                                        </p:attrNameLst>
+                                      </p:cBhvr>
+                                      <p:to>
+                                        <p:strVal val="visible"/>
+                                      </p:to>
+                                    </p:set>
+                                  </p:childTnLst>
+                                </p:cTn>
+                              </p:par>
+                              <p:par>
+                                <p:cTn id="27" presetID="1" presetClass="entr" presetSubtype="0" fill="hold" nodeType="withEffect">
+                                  <p:stCondLst>
+                                    <p:cond delay="0"/>
+                                  </p:stCondLst>
+                                  <p:childTnLst>
+                                    <p:set>
+                                      <p:cBhvr>
+                                        <p:cTn id="28" dur="1" fill="hold">
+                                          <p:stCondLst>
+                                            <p:cond delay="0"/>
+                                          </p:stCondLst>
+                                        </p:cTn>
+                                        <p:tgtEl>
+                                          <p:spTgt spid="3">
+                                            <p:txEl>
+                                              <p:pRg st="8" end="8"/>
+                                            </p:txEl>
+                                          </p:spTgt>
+                                        </p:tgtEl>
+                                        <p:attrNameLst>
+                                          <p:attrName>style.visibility</p:attrName>
+                                        </p:attrNameLst>
+                                      </p:cBhvr>
+                                      <p:to>
+                                        <p:strVal val="visible"/>
+                                      </p:to>
+                                    </p:set>
+                                  </p:childTnLst>
+                                </p:cTn>
+                              </p:par>
+                            </p:childTnLst>
+                          </p:cTn>
+                        </p:par>
+                      </p:childTnLst>
+                    </p:cTn>
+                  </p:par>
+                </p:childTnLst>
+              </p:cTn>
+              <p:prevCondLst>
+                <p:cond evt="onPrev" delay="0">
+                  <p:tgtEl>
+                    <p:sldTgt/>
+                  </p:tgtEl>
+                </p:cond>
+              </p:prevCondLst>
+              <p:nextCondLst>
+                <p:cond evt="onNext" delay="0">
+                  <p:tgtEl>
+                    <p:sldTgt/>
+                  </p:tgtEl>
+                </p:cond>
+              </p:nextCondLst>
+            </p:seq>
+          </p:childTnLst>
+        </p:cTn>
+      </p:par>
+    </p:tnLst>
+  </p:timing>
+</p:sld>
+</file>
+
+<file path=ppt/slides/slide3.xml><?xml version="1.0" encoding="utf-8"?>
+<p:sld xmlns:a="http://schemas.openxmlformats.org/drawingml/2006/main" xmlns:r="http://schemas.openxmlformats.org/officeDocument/2006/relationships" xmlns:p="http://schemas.openxmlformats.org/presentationml/2006/main">
+  <p:cSld>
+    <p:spTree>
+      <p:nvGrpSpPr>
+        <p:cNvPr id="1" name=""/>
+        <p:cNvGrpSpPr/>
+        <p:nvPr/>
+      </p:nvGrpSpPr>
+      <p:grpSpPr>
+        <a:xfrm>
+          <a:off x="0" y="0"/>
+          <a:ext cx="0" cy="0"/>
+          <a:chOff x="0" y="0"/>
+          <a:chExt cx="0" cy="0"/>
+        </a:xfrm>
+      </p:grpSpPr>
+      <p:sp>
+        <p:nvSpPr>
+          <p:cNvPr id="2" name="Title 1"/>
+          <p:cNvSpPr>
+            <a:spLocks noGrp="1"/>
+          </p:cNvSpPr>
+          <p:nvPr>
+            <p:ph type="title"/>
+          </p:nvPr>
+        </p:nvSpPr>
+        <p:spPr/>
+        <p:txBody>
+          <a:bodyPr/>
+          <a:lstStyle/>
+          <a:p>
+            <a:pPr algn="ctr"/>
+            <a:r>
+              <a:rPr lang="hu-HU" dirty="0"/>
+              <a:t>Miért választottam a programozói pályát?</a:t>
+            </a:r>
+          </a:p>
+        </p:txBody>
+      </p:sp>
+      <p:sp>
+        <p:nvSpPr>
+          <p:cNvPr id="3" name="Content Placeholder 2"/>
+          <p:cNvSpPr>
+            <a:spLocks noGrp="1"/>
+          </p:cNvSpPr>
+          <p:nvPr>
+            <p:ph idx="1"/>
+          </p:nvPr>
+        </p:nvSpPr>
+        <p:spPr>
+          <a:xfrm>
+            <a:off x="838200" y="1825625"/>
+            <a:ext cx="10515600" cy="2360009"/>
+          </a:xfrm>
+        </p:spPr>
+        <p:txBody>
+          <a:bodyPr>
+            <a:noAutofit/>
+          </a:bodyPr>
+          <a:lstStyle/>
+          <a:p>
+            <a:r>
+              <a:rPr lang="hu-HU" sz="3600" dirty="0"/>
+              <a:t>Megszerettem a matekot</a:t>
+            </a:r>
+          </a:p>
+          <a:p>
+            <a:r>
+              <a:rPr lang="hu-HU" sz="3600" dirty="0"/>
+              <a:t>Mérnöki pályát szerettem volna</a:t>
+            </a:r>
+          </a:p>
+          <a:p>
+            <a:r>
+              <a:rPr lang="hu-HU" sz="3600" dirty="0"/>
+              <a:t>Érdekelt a programozás, és láttam magamban kompetenciát rá</a:t>
+            </a:r>
+          </a:p>
+          <a:p>
+            <a:r>
+              <a:rPr lang="hu-HU" sz="3600" dirty="0"/>
+              <a:t>A pénz csak az utolsó szempont volt..</a:t>
+            </a:r>
+          </a:p>
+        </p:txBody>
+      </p:sp>
+    </p:spTree>
+    <p:extLst>
+      <p:ext uri="{BB962C8B-B14F-4D97-AF65-F5344CB8AC3E}">
+        <p14:creationId xmlns:p14="http://schemas.microsoft.com/office/powerpoint/2010/main" val="4202065175"/>
+      </p:ext>
+    </p:extLst>
+  </p:cSld>
+  <p:clrMapOvr>
+    <a:masterClrMapping/>
+  </p:clrMapOvr>
+  <p:timing>
+    <p:tnLst>
+      <p:par>
+        <p:cTn id="1" dur="indefinite" restart="never" nodeType="tmRoot">
+          <p:childTnLst>
+            <p:seq concurrent="1" nextAc="seek">
+              <p:cTn id="2" dur="indefinite" nodeType="mainSeq">
+                <p:childTnLst>
+                  <p:par>
+                    <p:cTn id="3" fill="hold">
+                      <p:stCondLst>
+                        <p:cond delay="indefinite"/>
+                      </p:stCondLst>
+                      <p:childTnLst>
+                        <p:par>
+                          <p:cTn id="4" fill="hold">
+                            <p:stCondLst>
+                              <p:cond delay="0"/>
+                            </p:stCondLst>
+                            <p:childTnLst>
+                              <p:par>
+                                <p:cTn id="5" presetID="1" presetClass="entr" presetSubtype="0" fill="hold" nodeType="clickEffect">
+                                  <p:stCondLst>
+                                    <p:cond delay="0"/>
+                                  </p:stCondLst>
+                                  <p:childTnLst>
+                                    <p:set>
+                                      <p:cBhvr>
+                                        <p:cTn id="6" dur="1" fill="hold">
+                                          <p:stCondLst>
+                                            <p:cond delay="0"/>
+                                          </p:stCondLst>
+                                        </p:cTn>
+                                        <p:tgtEl>
+                                          <p:spTgt spid="3">
+                                            <p:txEl>
+                                              <p:pRg st="0" end="0"/>
+                                            </p:txEl>
+                                          </p:spTgt>
+                                        </p:tgtEl>
+                                        <p:attrNameLst>
+                                          <p:attrName>style.visibility</p:attrName>
+                                        </p:attrNameLst>
+                                      </p:cBhvr>
+                                      <p:to>
+                                        <p:strVal val="visible"/>
+                                      </p:to>
+                                    </p:set>
+                                  </p:childTnLst>
+                                </p:cTn>
+                              </p:par>
+                            </p:childTnLst>
+                          </p:cTn>
+                        </p:par>
+                      </p:childTnLst>
+                    </p:cTn>
+                  </p:par>
+                  <p:par>
+                    <p:cTn id="7" fill="hold">
+                      <p:stCondLst>
+                        <p:cond delay="indefinite"/>
+                      </p:stCondLst>
+                      <p:childTnLst>
+                        <p:par>
+                          <p:cTn id="8" fill="hold">
+                            <p:stCondLst>
+                              <p:cond delay="0"/>
+                            </p:stCondLst>
+                            <p:childTnLst>
+                              <p:par>
+                                <p:cTn id="9" presetID="1" presetClass="entr" presetSubtype="0" fill="hold" nodeType="clickEffect">
+                                  <p:stCondLst>
+                                    <p:cond delay="0"/>
+                                  </p:stCondLst>
+                                  <p:childTnLst>
+                                    <p:set>
+                                      <p:cBhvr>
+                                        <p:cTn id="10" dur="1" fill="hold">
+                                          <p:stCondLst>
+                                            <p:cond delay="0"/>
+                                          </p:stCondLst>
+                                        </p:cTn>
+                                        <p:tgtEl>
+                                          <p:spTgt spid="3">
+                                            <p:txEl>
+                                              <p:pRg st="1" end="1"/>
+                                            </p:txEl>
+                                          </p:spTgt>
+                                        </p:tgtEl>
+                                        <p:attrNameLst>
+                                          <p:attrName>style.visibility</p:attrName>
+                                        </p:attrNameLst>
+                                      </p:cBhvr>
+                                      <p:to>
+                                        <p:strVal val="visible"/>
+                                      </p:to>
+                                    </p:set>
+                                  </p:childTnLst>
+                                </p:cTn>
+                              </p:par>
+                            </p:childTnLst>
+                          </p:cTn>
+                        </p:par>
+                      </p:childTnLst>
+                    </p:cTn>
+                  </p:par>
+                  <p:par>
+                    <p:cTn id="11" fill="hold">
+                      <p:stCondLst>
+                        <p:cond delay="indefinite"/>
+                      </p:stCondLst>
+                      <p:childTnLst>
+                        <p:par>
+                          <p:cTn id="12" fill="hold">
+                            <p:stCondLst>
+                              <p:cond delay="0"/>
+                            </p:stCondLst>
+                            <p:childTnLst>
+                              <p:par>
+                                <p:cTn id="13" presetID="1" presetClass="entr" presetSubtype="0" fill="hold" nodeType="clickEffect">
+                                  <p:stCondLst>
+                                    <p:cond delay="0"/>
+                                  </p:stCondLst>
+                                  <p:childTnLst>
+                                    <p:set>
+                                      <p:cBhvr>
+                                        <p:cTn id="14" dur="1" fill="hold">
+                                          <p:stCondLst>
+                                            <p:cond delay="0"/>
+                                          </p:stCondLst>
+                                        </p:cTn>
+                                        <p:tgtEl>
+                                          <p:spTgt spid="3">
+                                            <p:txEl>
+                                              <p:pRg st="2" end="2"/>
+                                            </p:txEl>
+                                          </p:spTgt>
+                                        </p:tgtEl>
+                                        <p:attrNameLst>
+                                          <p:attrName>style.visibility</p:attrName>
+                                        </p:attrNameLst>
+                                      </p:cBhvr>
+                                      <p:to>
+                                        <p:strVal val="visible"/>
+                                      </p:to>
+                                    </p:set>
+                                  </p:childTnLst>
+                                </p:cTn>
+                              </p:par>
+                            </p:childTnLst>
+                          </p:cTn>
+                        </p:par>
+                      </p:childTnLst>
+                    </p:cTn>
+                  </p:par>
+                  <p:par>
+                    <p:cTn id="15" fill="hold">
+                      <p:stCondLst>
+                        <p:cond delay="indefinite"/>
+                      </p:stCondLst>
+                      <p:childTnLst>
+                        <p:par>
+                          <p:cTn id="16" fill="hold">
+                            <p:stCondLst>
+                              <p:cond delay="0"/>
+                            </p:stCondLst>
+                            <p:childTnLst>
+                              <p:par>
+                                <p:cTn id="17" presetID="1" presetClass="entr" presetSubtype="0" fill="hold" nodeType="clickEffect">
+                                  <p:stCondLst>
+                                    <p:cond delay="0"/>
+                                  </p:stCondLst>
+                                  <p:childTnLst>
+                                    <p:set>
+                                      <p:cBhvr>
+                                        <p:cTn id="18" dur="1" fill="hold">
+                                          <p:stCondLst>
+                                            <p:cond delay="0"/>
+                                          </p:stCondLst>
+                                        </p:cTn>
+                                        <p:tgtEl>
+                                          <p:spTgt spid="3">
+                                            <p:txEl>
+                                              <p:pRg st="3" end="3"/>
+                                            </p:txEl>
+                                          </p:spTgt>
+                                        </p:tgtEl>
+                                        <p:attrNameLst>
+                                          <p:attrName>style.visibility</p:attrName>
+                                        </p:attrNameLst>
+                                      </p:cBhvr>
+                                      <p:to>
+                                        <p:strVal val="visible"/>
+                                      </p:to>
+                                    </p:set>
+                                  </p:childTnLst>
+                                </p:cTn>
+                              </p:par>
+                            </p:childTnLst>
+                          </p:cTn>
+                        </p:par>
+                      </p:childTnLst>
+                    </p:cTn>
+                  </p:par>
+                </p:childTnLst>
+              </p:cTn>
+              <p:prevCondLst>
+                <p:cond evt="onPrev" delay="0">
+                  <p:tgtEl>
+                    <p:sldTgt/>
+                  </p:tgtEl>
+                </p:cond>
+              </p:prevCondLst>
+              <p:nextCondLst>
+                <p:cond evt="onNext" delay="0">
+                  <p:tgtEl>
+                    <p:sldTgt/>
+                  </p:tgtEl>
+                </p:cond>
+              </p:nextCondLst>
+            </p:seq>
+          </p:childTnLst>
+        </p:cTn>
+      </p:par>
+    </p:tnLst>
+  </p:timing>
+</p:sld>
+</file>
+
+<file path=ppt/slides/slide4.xml><?xml version="1.0" encoding="utf-8"?>
+<p:sld xmlns:a="http://schemas.openxmlformats.org/drawingml/2006/main" xmlns:r="http://schemas.openxmlformats.org/officeDocument/2006/relationships" xmlns:p="http://schemas.openxmlformats.org/presentationml/2006/main">
+  <p:cSld>
+    <p:spTree>
+      <p:nvGrpSpPr>
+        <p:cNvPr id="1" name=""/>
+        <p:cNvGrpSpPr/>
+        <p:nvPr/>
+      </p:nvGrpSpPr>
+      <p:grpSpPr>
+        <a:xfrm>
+          <a:off x="0" y="0"/>
+          <a:ext cx="0" cy="0"/>
+          <a:chOff x="0" y="0"/>
+          <a:chExt cx="0" cy="0"/>
+        </a:xfrm>
+      </p:grpSpPr>
+      <p:sp>
+        <p:nvSpPr>
+          <p:cNvPr id="2" name="Title 1"/>
+          <p:cNvSpPr>
+            <a:spLocks noGrp="1"/>
+          </p:cNvSpPr>
+          <p:nvPr>
+            <p:ph type="title"/>
+          </p:nvPr>
+        </p:nvSpPr>
+        <p:spPr>
+          <a:xfrm>
+            <a:off x="838200" y="-274955"/>
+            <a:ext cx="10515600" cy="1325563"/>
+          </a:xfrm>
+        </p:spPr>
+        <p:txBody>
+          <a:bodyPr/>
+          <a:lstStyle/>
+          <a:p>
+            <a:pPr algn="ctr"/>
+            <a:r>
+              <a:rPr lang="hu-HU" dirty="0"/>
+              <a:t>Menjünk-e egyetemre</a:t>
+            </a:r>
+            <a:r>
+              <a:rPr lang="hu-HU" dirty="0" smtClean="0"/>
+              <a:t>? - Pro</a:t>
+            </a:r>
+            <a:endParaRPr lang="hu-HU" dirty="0"/>
+          </a:p>
+        </p:txBody>
+      </p:sp>
+      <p:sp>
+        <p:nvSpPr>
+          <p:cNvPr id="3" name="Content Placeholder 2"/>
+          <p:cNvSpPr>
+            <a:spLocks noGrp="1"/>
+          </p:cNvSpPr>
+          <p:nvPr>
+            <p:ph idx="1"/>
+          </p:nvPr>
+        </p:nvSpPr>
+        <p:spPr>
+          <a:xfrm>
+            <a:off x="726233" y="877078"/>
+            <a:ext cx="10515600" cy="4627985"/>
+          </a:xfrm>
+        </p:spPr>
+        <p:txBody>
+          <a:bodyPr>
+            <a:noAutofit/>
+          </a:bodyPr>
+          <a:lstStyle/>
+          <a:p>
+            <a:pPr marL="0" indent="0">
+              <a:buNone/>
+            </a:pPr>
+            <a:endParaRPr lang="hu-HU" dirty="0" smtClean="0"/>
+          </a:p>
+          <a:p>
+            <a:pPr lvl="1"/>
+            <a:r>
+              <a:rPr lang="hu-HU" sz="2800" dirty="0" smtClean="0"/>
+              <a:t>A </a:t>
+            </a:r>
+            <a:r>
+              <a:rPr lang="hu-HU" sz="2800" dirty="0"/>
+              <a:t>szakmán kívűl általános ismerteket is ad (jog, közgazdaság)</a:t>
+            </a:r>
+          </a:p>
+          <a:p>
+            <a:pPr lvl="1"/>
+            <a:r>
+              <a:rPr lang="hu-HU" sz="2800" dirty="0"/>
+              <a:t>Kialakul egy erős matemtikai szemlélet</a:t>
+            </a:r>
+          </a:p>
+          <a:p>
+            <a:pPr lvl="1"/>
+            <a:r>
+              <a:rPr lang="hu-HU" sz="2800" dirty="0"/>
+              <a:t>Lehetőség a kutatómunkára, oktatásra</a:t>
+            </a:r>
+          </a:p>
+          <a:p>
+            <a:pPr lvl="1"/>
+            <a:r>
+              <a:rPr lang="hu-HU" sz="2800" dirty="0"/>
+              <a:t>Egy mérnöki/természettudományos diplmát értékelnek a cégek (nem csak a programozócégek)</a:t>
+            </a:r>
+          </a:p>
+          <a:p>
+            <a:pPr lvl="1"/>
+            <a:r>
+              <a:rPr lang="hu-HU" sz="2800" dirty="0"/>
+              <a:t>Kilépés a komfortzónából</a:t>
+            </a:r>
+          </a:p>
+          <a:p>
+            <a:pPr lvl="1"/>
+            <a:r>
+              <a:rPr lang="hu-HU" sz="2800" dirty="0"/>
+              <a:t>Nincs haszontalan tudás: Van miről elmélkedni kocsmázás </a:t>
+            </a:r>
+            <a:r>
+              <a:rPr lang="hu-HU" sz="2800" dirty="0" smtClean="0"/>
+              <a:t>közbe</a:t>
+            </a:r>
+          </a:p>
+        </p:txBody>
+      </p:sp>
+    </p:spTree>
+    <p:extLst>
+      <p:ext uri="{BB962C8B-B14F-4D97-AF65-F5344CB8AC3E}">
+        <p14:creationId xmlns:p14="http://schemas.microsoft.com/office/powerpoint/2010/main" val="88410485"/>
+      </p:ext>
+    </p:extLst>
+  </p:cSld>
+  <p:clrMapOvr>
+    <a:masterClrMapping/>
+  </p:clrMapOvr>
+  <p:timing>
+    <p:tnLst>
+      <p:par>
+        <p:cTn id="1" dur="indefinite" restart="never" nodeType="tmRoot">
+          <p:childTnLst>
+            <p:seq concurrent="1" nextAc="seek">
+              <p:cTn id="2" dur="indefinite" nodeType="mainSeq">
+                <p:childTnLst>
+                  <p:par>
+                    <p:cTn id="3" fill="hold">
+                      <p:stCondLst>
+                        <p:cond delay="indefinite"/>
+                      </p:stCondLst>
+                      <p:childTnLst>
+                        <p:par>
+                          <p:cTn id="4" fill="hold">
+                            <p:stCondLst>
+                              <p:cond delay="0"/>
+                            </p:stCondLst>
+                            <p:childTnLst>
+                              <p:par>
+                                <p:cTn id="5" presetID="1" presetClass="entr" presetSubtype="0" fill="hold" nodeType="clickEffect">
+                                  <p:stCondLst>
+                                    <p:cond delay="0"/>
+                                  </p:stCondLst>
+                                  <p:childTnLst>
+                                    <p:set>
+                                      <p:cBhvr>
+                                        <p:cTn id="6" dur="1" fill="hold">
+                                          <p:stCondLst>
+                                            <p:cond delay="0"/>
+                                          </p:stCondLst>
+                                        </p:cTn>
+                                        <p:tgtEl>
+                                          <p:spTgt spid="3">
+                                            <p:txEl>
+                                              <p:pRg st="1" end="1"/>
+                                            </p:txEl>
+                                          </p:spTgt>
+                                        </p:tgtEl>
+                                        <p:attrNameLst>
+                                          <p:attrName>style.visibility</p:attrName>
+                                        </p:attrNameLst>
+                                      </p:cBhvr>
+                                      <p:to>
+                                        <p:strVal val="visible"/>
+                                      </p:to>
+                                    </p:set>
+                                  </p:childTnLst>
+                                </p:cTn>
+                              </p:par>
+                            </p:childTnLst>
+                          </p:cTn>
+                        </p:par>
+                      </p:childTnLst>
+                    </p:cTn>
+                  </p:par>
+                  <p:par>
+                    <p:cTn id="7" fill="hold">
+                      <p:stCondLst>
+                        <p:cond delay="indefinite"/>
+                      </p:stCondLst>
+                      <p:childTnLst>
+                        <p:par>
+                          <p:cTn id="8" fill="hold">
+                            <p:stCondLst>
+                              <p:cond delay="0"/>
+                            </p:stCondLst>
+                            <p:childTnLst>
+                              <p:par>
+                                <p:cTn id="9" presetID="1" presetClass="entr" presetSubtype="0" fill="hold" nodeType="clickEffect">
+                                  <p:stCondLst>
+                                    <p:cond delay="0"/>
+                                  </p:stCondLst>
+                                  <p:childTnLst>
+                                    <p:set>
+                                      <p:cBhvr>
+                                        <p:cTn id="10" dur="1" fill="hold">
+                                          <p:stCondLst>
+                                            <p:cond delay="0"/>
+                                          </p:stCondLst>
+                                        </p:cTn>
+                                        <p:tgtEl>
+                                          <p:spTgt spid="3">
+                                            <p:txEl>
+                                              <p:pRg st="2" end="2"/>
+                                            </p:txEl>
+                                          </p:spTgt>
+                                        </p:tgtEl>
+                                        <p:attrNameLst>
+                                          <p:attrName>style.visibility</p:attrName>
+                                        </p:attrNameLst>
+                                      </p:cBhvr>
+                                      <p:to>
+                                        <p:strVal val="visible"/>
+                                      </p:to>
+                                    </p:set>
+                                  </p:childTnLst>
+                                </p:cTn>
+                              </p:par>
+                            </p:childTnLst>
+                          </p:cTn>
+                        </p:par>
+                      </p:childTnLst>
+                    </p:cTn>
+                  </p:par>
+                  <p:par>
+                    <p:cTn id="11" fill="hold">
+                      <p:stCondLst>
+                        <p:cond delay="indefinite"/>
+                      </p:stCondLst>
+                      <p:childTnLst>
+                        <p:par>
+                          <p:cTn id="12" fill="hold">
+                            <p:stCondLst>
+                              <p:cond delay="0"/>
+                            </p:stCondLst>
+                            <p:childTnLst>
+                              <p:par>
+                                <p:cTn id="13" presetID="1" presetClass="entr" presetSubtype="0" fill="hold" nodeType="clickEffect">
+                                  <p:stCondLst>
+                                    <p:cond delay="0"/>
+                                  </p:stCondLst>
+                                  <p:childTnLst>
+                                    <p:set>
+                                      <p:cBhvr>
+                                        <p:cTn id="14" dur="1" fill="hold">
+                                          <p:stCondLst>
+                                            <p:cond delay="0"/>
+                                          </p:stCondLst>
+                                        </p:cTn>
+                                        <p:tgtEl>
+                                          <p:spTgt spid="3">
+                                            <p:txEl>
+                                              <p:pRg st="3" end="3"/>
+                                            </p:txEl>
+                                          </p:spTgt>
+                                        </p:tgtEl>
+                                        <p:attrNameLst>
+                                          <p:attrName>style.visibility</p:attrName>
+                                        </p:attrNameLst>
+                                      </p:cBhvr>
+                                      <p:to>
+                                        <p:strVal val="visible"/>
+                                      </p:to>
+                                    </p:set>
+                                  </p:childTnLst>
+                                </p:cTn>
+                              </p:par>
+                            </p:childTnLst>
+                          </p:cTn>
+                        </p:par>
+                      </p:childTnLst>
+                    </p:cTn>
+                  </p:par>
+                  <p:par>
+                    <p:cTn id="15" fill="hold">
+                      <p:stCondLst>
+                        <p:cond delay="indefinite"/>
+                      </p:stCondLst>
+                      <p:childTnLst>
+                        <p:par>
+                          <p:cTn id="16" fill="hold">
+                            <p:stCondLst>
+                              <p:cond delay="0"/>
+                            </p:stCondLst>
+                            <p:childTnLst>
+                              <p:par>
+                                <p:cTn id="17" presetID="1" presetClass="entr" presetSubtype="0" fill="hold" nodeType="clickEffect">
+                                  <p:stCondLst>
+                                    <p:cond delay="0"/>
+                                  </p:stCondLst>
+                                  <p:childTnLst>
+                                    <p:set>
+                                      <p:cBhvr>
+                                        <p:cTn id="18" dur="1" fill="hold">
+                                          <p:stCondLst>
+                                            <p:cond delay="0"/>
+                                          </p:stCondLst>
+                                        </p:cTn>
+                                        <p:tgtEl>
+                                          <p:spTgt spid="3">
+                                            <p:txEl>
+                                              <p:pRg st="4" end="4"/>
+                                            </p:txEl>
+                                          </p:spTgt>
+                                        </p:tgtEl>
+                                        <p:attrNameLst>
+                                          <p:attrName>style.visibility</p:attrName>
+                                        </p:attrNameLst>
+                                      </p:cBhvr>
+                                      <p:to>
+                                        <p:strVal val="visible"/>
+                                      </p:to>
+                                    </p:set>
+                                  </p:childTnLst>
+                                </p:cTn>
+                              </p:par>
+                            </p:childTnLst>
+                          </p:cTn>
+                        </p:par>
+                      </p:childTnLst>
+                    </p:cTn>
+                  </p:par>
+                  <p:par>
+                    <p:cTn id="19" fill="hold">
+                      <p:stCondLst>
+                        <p:cond delay="indefinite"/>
+                      </p:stCondLst>
+                      <p:childTnLst>
+                        <p:par>
+                          <p:cTn id="20" fill="hold">
+                            <p:stCondLst>
+                              <p:cond delay="0"/>
+                            </p:stCondLst>
+                            <p:childTnLst>
+                              <p:par>
+                                <p:cTn id="21" presetID="1" presetClass="entr" presetSubtype="0" fill="hold" nodeType="clickEffect">
+                                  <p:stCondLst>
+                                    <p:cond delay="0"/>
+                                  </p:stCondLst>
+                                  <p:childTnLst>
+                                    <p:set>
+                                      <p:cBhvr>
+                                        <p:cTn id="22" dur="1" fill="hold">
+                                          <p:stCondLst>
+                                            <p:cond delay="0"/>
+                                          </p:stCondLst>
+                                        </p:cTn>
+                                        <p:tgtEl>
+                                          <p:spTgt spid="3">
+                                            <p:txEl>
+                                              <p:pRg st="5" end="5"/>
+                                            </p:txEl>
+                                          </p:spTgt>
+                                        </p:tgtEl>
+                                        <p:attrNameLst>
+                                          <p:attrName>style.visibility</p:attrName>
+                                        </p:attrNameLst>
+                                      </p:cBhvr>
+                                      <p:to>
+                                        <p:strVal val="visible"/>
+                                      </p:to>
+                                    </p:set>
+                                  </p:childTnLst>
+                                </p:cTn>
+                              </p:par>
+                            </p:childTnLst>
+                          </p:cTn>
+                        </p:par>
+                      </p:childTnLst>
+                    </p:cTn>
+                  </p:par>
+                  <p:par>
+                    <p:cTn id="23" fill="hold">
+                      <p:stCondLst>
+                        <p:cond delay="indefinite"/>
+                      </p:stCondLst>
+                      <p:childTnLst>
+                        <p:par>
+                          <p:cTn id="24" fill="hold">
+                            <p:stCondLst>
+                              <p:cond delay="0"/>
+                            </p:stCondLst>
+                            <p:childTnLst>
+                              <p:par>
+                                <p:cTn id="25" presetID="1" presetClass="entr" presetSubtype="0" fill="hold" nodeType="clickEffect">
+                                  <p:stCondLst>
+                                    <p:cond delay="0"/>
+                                  </p:stCondLst>
+                                  <p:childTnLst>
+                                    <p:set>
+                                      <p:cBhvr>
+                                        <p:cTn id="26" dur="1" fill="hold">
+                                          <p:stCondLst>
+                                            <p:cond delay="0"/>
+                                          </p:stCondLst>
+                                        </p:cTn>
+                                        <p:tgtEl>
+                                          <p:spTgt spid="3">
+                                            <p:txEl>
+                                              <p:pRg st="6" end="6"/>
+                                            </p:txEl>
+                                          </p:spTgt>
+                                        </p:tgtEl>
+                                        <p:attrNameLst>
+                                          <p:attrName>style.visibility</p:attrName>
+                                        </p:attrNameLst>
+                                      </p:cBhvr>
+                                      <p:to>
+                                        <p:strVal val="visible"/>
+                                      </p:to>
+                                    </p:set>
+                                  </p:childTnLst>
+                                </p:cTn>
+                              </p:par>
+                            </p:childTnLst>
+                          </p:cTn>
+                        </p:par>
+                      </p:childTnLst>
+                    </p:cTn>
+                  </p:par>
+                </p:childTnLst>
+              </p:cTn>
+              <p:prevCondLst>
+                <p:cond evt="onPrev" delay="0">
+                  <p:tgtEl>
+                    <p:sldTgt/>
+                  </p:tgtEl>
+                </p:cond>
+              </p:prevCondLst>
+              <p:nextCondLst>
+                <p:cond evt="onNext" delay="0">
+                  <p:tgtEl>
+                    <p:sldTgt/>
+                  </p:tgtEl>
+                </p:cond>
+              </p:nextCondLst>
+            </p:seq>
+          </p:childTnLst>
+        </p:cTn>
+      </p:par>
+    </p:tnLst>
+  </p:timing>
+</p:sld>
+</file>
+
+<file path=ppt/slides/slide5.xml><?xml version="1.0" encoding="utf-8"?>
+<p:sld xmlns:a="http://schemas.openxmlformats.org/drawingml/2006/main" xmlns:r="http://schemas.openxmlformats.org/officeDocument/2006/relationships" xmlns:p="http://schemas.openxmlformats.org/presentationml/2006/main">
+  <p:cSld>
+    <p:spTree>
+      <p:nvGrpSpPr>
+        <p:cNvPr id="1" name=""/>
+        <p:cNvGrpSpPr/>
+        <p:nvPr/>
+      </p:nvGrpSpPr>
+      <p:grpSpPr>
+        <a:xfrm>
+          <a:off x="0" y="0"/>
+          <a:ext cx="0" cy="0"/>
+          <a:chOff x="0" y="0"/>
+          <a:chExt cx="0" cy="0"/>
+        </a:xfrm>
+      </p:grpSpPr>
+      <p:sp>
+        <p:nvSpPr>
+          <p:cNvPr id="2" name="Title 1"/>
+          <p:cNvSpPr>
+            <a:spLocks noGrp="1"/>
+          </p:cNvSpPr>
+          <p:nvPr>
+            <p:ph type="title"/>
+          </p:nvPr>
+        </p:nvSpPr>
+        <p:spPr/>
+        <p:txBody>
+          <a:bodyPr/>
+          <a:lstStyle/>
+          <a:p>
+            <a:pPr algn="ctr"/>
+            <a:r>
+              <a:rPr lang="hu-HU" dirty="0"/>
+              <a:t>Menjünk-e egyetemre? - </a:t>
+            </a:r>
+            <a:r>
+              <a:rPr lang="hu-HU" dirty="0" smtClean="0"/>
+              <a:t>Kontra</a:t>
+            </a:r>
+            <a:endParaRPr lang="hu-HU" dirty="0"/>
+          </a:p>
+        </p:txBody>
+      </p:sp>
+      <p:sp>
+        <p:nvSpPr>
+          <p:cNvPr id="3" name="Content Placeholder 2"/>
+          <p:cNvSpPr>
+            <a:spLocks noGrp="1"/>
+          </p:cNvSpPr>
+          <p:nvPr>
+            <p:ph idx="1"/>
+          </p:nvPr>
+        </p:nvSpPr>
+        <p:spPr/>
+        <p:txBody>
+          <a:bodyPr/>
+          <a:lstStyle/>
+          <a:p>
+            <a:pPr lvl="1"/>
+            <a:r>
+              <a:rPr lang="hu-HU" sz="2800" dirty="0"/>
+              <a:t>A matekos rész helyeként sok, túl elméleti (de jól meg van alapozva..)</a:t>
+            </a:r>
+          </a:p>
+          <a:p>
+            <a:pPr lvl="1"/>
+            <a:r>
+              <a:rPr lang="hu-HU" sz="2800" dirty="0"/>
+              <a:t>Eleve sokan kibuknak a matekon, mert másra számítanak</a:t>
+            </a:r>
+          </a:p>
+          <a:p>
+            <a:pPr lvl="1"/>
+            <a:r>
+              <a:rPr lang="hu-HU" sz="2800" dirty="0"/>
+              <a:t>Sok önálló munkát igényel a szakma elsajátítása (ami részben jó is)</a:t>
+            </a:r>
+          </a:p>
+          <a:p>
+            <a:pPr lvl="1"/>
+            <a:r>
+              <a:rPr lang="hu-HU" sz="2800" dirty="0"/>
+              <a:t>Néha a kreativitás rovására erőltetnek egy szemléletet</a:t>
+            </a:r>
+          </a:p>
+          <a:p>
+            <a:endParaRPr lang="hu-HU" dirty="0"/>
+          </a:p>
+        </p:txBody>
+      </p:sp>
+    </p:spTree>
+    <p:extLst>
+      <p:ext uri="{BB962C8B-B14F-4D97-AF65-F5344CB8AC3E}">
+        <p14:creationId xmlns:p14="http://schemas.microsoft.com/office/powerpoint/2010/main" val="1485269823"/>
+      </p:ext>
+    </p:extLst>
+  </p:cSld>
+  <p:clrMapOvr>
+    <a:masterClrMapping/>
+  </p:clrMapOvr>
+  <p:timing>
+    <p:tnLst>
+      <p:par>
+        <p:cTn id="1" dur="indefinite" restart="never" nodeType="tmRoot">
+          <p:childTnLst>
+            <p:seq concurrent="1" nextAc="seek">
+              <p:cTn id="2" dur="indefinite" nodeType="mainSeq">
+                <p:childTnLst>
+                  <p:par>
+                    <p:cTn id="3" fill="hold">
+                      <p:stCondLst>
+                        <p:cond delay="indefinite"/>
+                      </p:stCondLst>
+                      <p:childTnLst>
+                        <p:par>
+                          <p:cTn id="4" fill="hold">
+                            <p:stCondLst>
+                              <p:cond delay="0"/>
+                            </p:stCondLst>
+                            <p:childTnLst>
+                              <p:par>
+                                <p:cTn id="5" presetID="1" presetClass="entr" presetSubtype="0" fill="hold" nodeType="clickEffect">
+                                  <p:stCondLst>
+                                    <p:cond delay="0"/>
+                                  </p:stCondLst>
+                                  <p:childTnLst>
+                                    <p:set>
+                                      <p:cBhvr>
+                                        <p:cTn id="6" dur="1" fill="hold">
+                                          <p:stCondLst>
+                                            <p:cond delay="0"/>
+                                          </p:stCondLst>
+                                        </p:cTn>
+                                        <p:tgtEl>
+                                          <p:spTgt spid="3">
+                                            <p:txEl>
+                                              <p:pRg st="0" end="0"/>
+                                            </p:txEl>
+                                          </p:spTgt>
+                                        </p:tgtEl>
+                                        <p:attrNameLst>
+                                          <p:attrName>style.visibility</p:attrName>
+                                        </p:attrNameLst>
+                                      </p:cBhvr>
+                                      <p:to>
+                                        <p:strVal val="visible"/>
+                                      </p:to>
+                                    </p:set>
+                                  </p:childTnLst>
+                                </p:cTn>
+                              </p:par>
+                            </p:childTnLst>
+                          </p:cTn>
+                        </p:par>
+                      </p:childTnLst>
+                    </p:cTn>
+                  </p:par>
+                  <p:par>
+                    <p:cTn id="7" fill="hold">
+                      <p:stCondLst>
+                        <p:cond delay="indefinite"/>
+                      </p:stCondLst>
+                      <p:childTnLst>
+                        <p:par>
+                          <p:cTn id="8" fill="hold">
+                            <p:stCondLst>
+                              <p:cond delay="0"/>
+                            </p:stCondLst>
+                            <p:childTnLst>
+                              <p:par>
+                                <p:cTn id="9" presetID="1" presetClass="entr" presetSubtype="0" fill="hold" nodeType="clickEffect">
+                                  <p:stCondLst>
+                                    <p:cond delay="0"/>
+                                  </p:stCondLst>
+                                  <p:childTnLst>
+                                    <p:set>
+                                      <p:cBhvr>
+                                        <p:cTn id="10" dur="1" fill="hold">
+                                          <p:stCondLst>
+                                            <p:cond delay="0"/>
+                                          </p:stCondLst>
+                                        </p:cTn>
+                                        <p:tgtEl>
+                                          <p:spTgt spid="3">
+                                            <p:txEl>
+                                              <p:pRg st="1" end="1"/>
+                                            </p:txEl>
+                                          </p:spTgt>
+                                        </p:tgtEl>
+                                        <p:attrNameLst>
+                                          <p:attrName>style.visibility</p:attrName>
+                                        </p:attrNameLst>
+                                      </p:cBhvr>
+                                      <p:to>
+                                        <p:strVal val="visible"/>
+                                      </p:to>
+                                    </p:set>
+                                  </p:childTnLst>
+                                </p:cTn>
+                              </p:par>
+                            </p:childTnLst>
+                          </p:cTn>
+                        </p:par>
+                      </p:childTnLst>
+                    </p:cTn>
+                  </p:par>
+                  <p:par>
+                    <p:cTn id="11" fill="hold">
+                      <p:stCondLst>
+                        <p:cond delay="indefinite"/>
+                      </p:stCondLst>
+                      <p:childTnLst>
+                        <p:par>
+                          <p:cTn id="12" fill="hold">
+                            <p:stCondLst>
+                              <p:cond delay="0"/>
+                            </p:stCondLst>
+                            <p:childTnLst>
+                              <p:par>
+                                <p:cTn id="13" presetID="1" presetClass="entr" presetSubtype="0" fill="hold" nodeType="clickEffect">
+                                  <p:stCondLst>
+                                    <p:cond delay="0"/>
+                                  </p:stCondLst>
+                                  <p:childTnLst>
+                                    <p:set>
+                                      <p:cBhvr>
+                                        <p:cTn id="14" dur="1" fill="hold">
+                                          <p:stCondLst>
+                                            <p:cond delay="0"/>
+                                          </p:stCondLst>
+                                        </p:cTn>
+                                        <p:tgtEl>
+                                          <p:spTgt spid="3">
+                                            <p:txEl>
+                                              <p:pRg st="2" end="2"/>
+                                            </p:txEl>
+                                          </p:spTgt>
+                                        </p:tgtEl>
+                                        <p:attrNameLst>
+                                          <p:attrName>style.visibility</p:attrName>
+                                        </p:attrNameLst>
+                                      </p:cBhvr>
+                                      <p:to>
+                                        <p:strVal val="visible"/>
+                                      </p:to>
+                                    </p:set>
+                                  </p:childTnLst>
+                                </p:cTn>
+                              </p:par>
+                            </p:childTnLst>
+                          </p:cTn>
+                        </p:par>
+                      </p:childTnLst>
+                    </p:cTn>
+                  </p:par>
+                  <p:par>
+                    <p:cTn id="15" fill="hold">
+                      <p:stCondLst>
+                        <p:cond delay="indefinite"/>
+                      </p:stCondLst>
+                      <p:childTnLst>
+                        <p:par>
+                          <p:cTn id="16" fill="hold">
+                            <p:stCondLst>
+                              <p:cond delay="0"/>
+                            </p:stCondLst>
+                            <p:childTnLst>
+                              <p:par>
+                                <p:cTn id="17" presetID="1" presetClass="entr" presetSubtype="0" fill="hold" nodeType="clickEffect">
+                                  <p:stCondLst>
+                                    <p:cond delay="0"/>
+                                  </p:stCondLst>
+                                  <p:childTnLst>
+                                    <p:set>
+                                      <p:cBhvr>
+                                        <p:cTn id="18" dur="1" fill="hold">
+                                          <p:stCondLst>
+                                            <p:cond delay="0"/>
+                                          </p:stCondLst>
+                                        </p:cTn>
+                                        <p:tgtEl>
+                                          <p:spTgt spid="3">
+                                            <p:txEl>
+                                              <p:pRg st="3" end="3"/>
+                                            </p:txEl>
+                                          </p:spTgt>
+                                        </p:tgtEl>
+                                        <p:attrNameLst>
+                                          <p:attrName>style.visibility</p:attrName>
+                                        </p:attrNameLst>
+                                      </p:cBhvr>
+                                      <p:to>
+                                        <p:strVal val="visible"/>
+                                      </p:to>
+                                    </p:set>
+                                  </p:childTnLst>
+                                </p:cTn>
+                              </p:par>
+                            </p:childTnLst>
+                          </p:cTn>
+                        </p:par>
+                      </p:childTnLst>
+                    </p:cTn>
+                  </p:par>
+                </p:childTnLst>
+              </p:cTn>
+              <p:prevCondLst>
+                <p:cond evt="onPrev" delay="0">
+                  <p:tgtEl>
+                    <p:sldTgt/>
+                  </p:tgtEl>
+                </p:cond>
+              </p:prevCondLst>
+              <p:nextCondLst>
+                <p:cond evt="onNext" delay="0">
+                  <p:tgtEl>
+                    <p:sldTgt/>
+                  </p:tgtEl>
+                </p:cond>
+              </p:nextCondLst>
+            </p:seq>
+          </p:childTnLst>
+        </p:cTn>
+      </p:par>
+    </p:tnLst>
+  </p:timing>
+</p:sld>
+</file>
+
+<file path=ppt/slides/slide6.xml><?xml version="1.0" encoding="utf-8"?>
+<p:sld xmlns:a="http://schemas.openxmlformats.org/drawingml/2006/main" xmlns:r="http://schemas.openxmlformats.org/officeDocument/2006/relationships" xmlns:p="http://schemas.openxmlformats.org/presentationml/2006/main">
+  <p:cSld>
+    <p:spTree>
+      <p:nvGrpSpPr>
+        <p:cNvPr id="1" name=""/>
+        <p:cNvGrpSpPr/>
+        <p:nvPr/>
+      </p:nvGrpSpPr>
+      <p:grpSpPr>
+        <a:xfrm>
+          <a:off x="0" y="0"/>
+          <a:ext cx="0" cy="0"/>
+          <a:chOff x="0" y="0"/>
+          <a:chExt cx="0" cy="0"/>
+        </a:xfrm>
+      </p:grpSpPr>
+      <p:sp>
+        <p:nvSpPr>
+          <p:cNvPr id="2" name="Title 1"/>
+          <p:cNvSpPr>
+            <a:spLocks noGrp="1"/>
+          </p:cNvSpPr>
+          <p:nvPr>
+            <p:ph type="title"/>
+          </p:nvPr>
+        </p:nvSpPr>
+        <p:spPr/>
+        <p:txBody>
+          <a:bodyPr/>
+          <a:lstStyle/>
+          <a:p>
+            <a:pPr algn="ctr"/>
+            <a:r>
+              <a:rPr lang="hu-HU" dirty="0"/>
+              <a:t>Milyen lehetőségek vannak még a programozó egyeten kívűl?</a:t>
+            </a:r>
+          </a:p>
+        </p:txBody>
+      </p:sp>
+      <p:sp>
+        <p:nvSpPr>
+          <p:cNvPr id="3" name="Content Placeholder 2"/>
+          <p:cNvSpPr>
+            <a:spLocks noGrp="1"/>
+          </p:cNvSpPr>
+          <p:nvPr>
+            <p:ph idx="1"/>
+          </p:nvPr>
+        </p:nvSpPr>
+        <p:spPr/>
+        <p:txBody>
+          <a:bodyPr>
+            <a:normAutofit/>
+          </a:bodyPr>
+          <a:lstStyle/>
+          <a:p>
+            <a:r>
+              <a:rPr lang="hu-HU" dirty="0"/>
+              <a:t>OKJ (nem javaslom, annak sem, aki nem akar matekot)</a:t>
+            </a:r>
+          </a:p>
+          <a:p>
+            <a:r>
+              <a:rPr lang="hu-HU" dirty="0"/>
+              <a:t>Felősoktatási szakképzés (BGE-n van </a:t>
+            </a:r>
+            <a:r>
+              <a:rPr lang="hu-HU" dirty="0" smtClean="0"/>
+              <a:t>pl.)</a:t>
+            </a:r>
+            <a:endParaRPr lang="hu-HU" dirty="0"/>
+          </a:p>
+          <a:p>
+            <a:r>
+              <a:rPr lang="hu-HU" dirty="0"/>
+              <a:t>Cégek által hírdetett képzések, magániskolák.. (nincs releváns </a:t>
+            </a:r>
+            <a:r>
+              <a:rPr lang="hu-HU" dirty="0" smtClean="0"/>
+              <a:t>tapasztaltom)</a:t>
+            </a:r>
+            <a:endParaRPr lang="hu-HU" dirty="0"/>
+          </a:p>
+          <a:p>
+            <a:r>
+              <a:rPr lang="hu-HU" dirty="0"/>
+              <a:t>Igazából bármilyen természettudományos vagy mérnöki végzettség megteszi.. (pl. villamosmérnök, gépészmérnök, fizikus, matematikus, matektanár, vegyész, stb</a:t>
+            </a:r>
+            <a:r>
+              <a:rPr lang="hu-HU" dirty="0" smtClean="0"/>
+              <a:t>..)</a:t>
+            </a:r>
+          </a:p>
+          <a:p>
+            <a:r>
+              <a:rPr lang="hu-HU" dirty="0" smtClean="0"/>
+              <a:t>Ne erőltessünk semmit..</a:t>
+            </a:r>
+          </a:p>
+          <a:p>
+            <a:r>
+              <a:rPr lang="hu-HU" dirty="0" smtClean="0"/>
+              <a:t>Állami finanszírozási keretek..</a:t>
+            </a:r>
+            <a:endParaRPr lang="hu-HU" dirty="0"/>
+          </a:p>
+        </p:txBody>
+      </p:sp>
+    </p:spTree>
+    <p:extLst>
+      <p:ext uri="{BB962C8B-B14F-4D97-AF65-F5344CB8AC3E}">
+        <p14:creationId xmlns:p14="http://schemas.microsoft.com/office/powerpoint/2010/main" val="79547156"/>
+      </p:ext>
+    </p:extLst>
+  </p:cSld>
+  <p:clrMapOvr>
+    <a:masterClrMapping/>
+  </p:clrMapOvr>
+  <p:timing>
+    <p:tnLst>
+      <p:par>
+        <p:cTn id="1" dur="indefinite" restart="never" nodeType="tmRoot">
+          <p:childTnLst>
+            <p:seq concurrent="1" nextAc="seek">
+              <p:cTn id="2" dur="indefinite" nodeType="mainSeq">
+                <p:childTnLst>
+                  <p:par>
+                    <p:cTn id="3" fill="hold">
+                      <p:stCondLst>
+                        <p:cond delay="indefinite"/>
+                      </p:stCondLst>
+                      <p:childTnLst>
+                        <p:par>
+                          <p:cTn id="4" fill="hold">
+                            <p:stCondLst>
+                              <p:cond delay="0"/>
+                            </p:stCondLst>
+                            <p:childTnLst>
+                              <p:par>
+                                <p:cTn id="5" presetID="1" presetClass="entr" presetSubtype="0" fill="hold" grpId="0" nodeType="clickEffect">
+                                  <p:stCondLst>
+                                    <p:cond delay="0"/>
+                                  </p:stCondLst>
+                                  <p:childTnLst>
+                                    <p:set>
+                                      <p:cBhvr>
+                                        <p:cTn id="6" dur="1" fill="hold">
+                                          <p:stCondLst>
+                                            <p:cond delay="0"/>
+                                          </p:stCondLst>
+                                        </p:cTn>
+                                        <p:tgtEl>
+                                          <p:spTgt spid="3">
+                                            <p:txEl>
+                                              <p:pRg st="0" end="0"/>
+                                            </p:txEl>
+                                          </p:spTgt>
+                                        </p:tgtEl>
+                                        <p:attrNameLst>
+                                          <p:attrName>style.visibility</p:attrName>
+                                        </p:attrNameLst>
+                                      </p:cBhvr>
+                                      <p:to>
+                                        <p:strVal val="visible"/>
+                                      </p:to>
+                                    </p:set>
+                                  </p:childTnLst>
+                                </p:cTn>
+                              </p:par>
+                            </p:childTnLst>
+                          </p:cTn>
+                        </p:par>
+                      </p:childTnLst>
+                    </p:cTn>
+                  </p:par>
+                  <p:par>
+                    <p:cTn id="7" fill="hold">
+                      <p:stCondLst>
+                        <p:cond delay="indefinite"/>
+                      </p:stCondLst>
+                      <p:childTnLst>
+                        <p:par>
+                          <p:cTn id="8" fill="hold">
+                            <p:stCondLst>
+                              <p:cond delay="0"/>
+                            </p:stCondLst>
+                            <p:childTnLst>
+                              <p:par>
+                                <p:cTn id="9" presetID="1" presetClass="entr" presetSubtype="0" fill="hold" grpId="0" nodeType="clickEffect">
+                                  <p:stCondLst>
+                                    <p:cond delay="0"/>
+                                  </p:stCondLst>
+                                  <p:childTnLst>
+                                    <p:set>
+                                      <p:cBhvr>
+                                        <p:cTn id="10" dur="1" fill="hold">
+                                          <p:stCondLst>
+                                            <p:cond delay="0"/>
+                                          </p:stCondLst>
+                                        </p:cTn>
+                                        <p:tgtEl>
+                                          <p:spTgt spid="3">
+                                            <p:txEl>
+                                              <p:pRg st="1" end="1"/>
+                                            </p:txEl>
+                                          </p:spTgt>
+                                        </p:tgtEl>
+                                        <p:attrNameLst>
+                                          <p:attrName>style.visibility</p:attrName>
+                                        </p:attrNameLst>
+                                      </p:cBhvr>
+                                      <p:to>
+                                        <p:strVal val="visible"/>
+                                      </p:to>
+                                    </p:set>
+                                  </p:childTnLst>
+                                </p:cTn>
+                              </p:par>
+                            </p:childTnLst>
+                          </p:cTn>
+                        </p:par>
+                      </p:childTnLst>
+                    </p:cTn>
+                  </p:par>
+                  <p:par>
+                    <p:cTn id="11" fill="hold">
+                      <p:stCondLst>
+                        <p:cond delay="indefinite"/>
+                      </p:stCondLst>
+                      <p:childTnLst>
+                        <p:par>
+                          <p:cTn id="12" fill="hold">
+                            <p:stCondLst>
+                              <p:cond delay="0"/>
+                            </p:stCondLst>
+                            <p:childTnLst>
+                              <p:par>
+                                <p:cTn id="13" presetID="1" presetClass="entr" presetSubtype="0" fill="hold" grpId="0" nodeType="clickEffect">
+                                  <p:stCondLst>
+                                    <p:cond delay="0"/>
+                                  </p:stCondLst>
+                                  <p:childTnLst>
+                                    <p:set>
+                                      <p:cBhvr>
+                                        <p:cTn id="14" dur="1" fill="hold">
+                                          <p:stCondLst>
+                                            <p:cond delay="0"/>
+                                          </p:stCondLst>
+                                        </p:cTn>
+                                        <p:tgtEl>
+                                          <p:spTgt spid="3">
+                                            <p:txEl>
+                                              <p:pRg st="2" end="2"/>
+                                            </p:txEl>
+                                          </p:spTgt>
+                                        </p:tgtEl>
+                                        <p:attrNameLst>
+                                          <p:attrName>style.visibility</p:attrName>
+                                        </p:attrNameLst>
+                                      </p:cBhvr>
+                                      <p:to>
+                                        <p:strVal val="visible"/>
+                                      </p:to>
+                                    </p:set>
+                                  </p:childTnLst>
+                                </p:cTn>
+                              </p:par>
+                            </p:childTnLst>
+                          </p:cTn>
+                        </p:par>
+                      </p:childTnLst>
+                    </p:cTn>
+                  </p:par>
+                  <p:par>
+                    <p:cTn id="15" fill="hold">
+                      <p:stCondLst>
+                        <p:cond delay="indefinite"/>
+                      </p:stCondLst>
+                      <p:childTnLst>
+                        <p:par>
+                          <p:cTn id="16" fill="hold">
+                            <p:stCondLst>
+                              <p:cond delay="0"/>
+                            </p:stCondLst>
+                            <p:childTnLst>
+                              <p:par>
+                                <p:cTn id="17" presetID="1" presetClass="entr" presetSubtype="0" fill="hold" grpId="0" nodeType="clickEffect">
+                                  <p:stCondLst>
+                                    <p:cond delay="0"/>
+                                  </p:stCondLst>
+                                  <p:childTnLst>
+                                    <p:set>
+                                      <p:cBhvr>
+                                        <p:cTn id="18" dur="1" fill="hold">
+                                          <p:stCondLst>
+                                            <p:cond delay="0"/>
+                                          </p:stCondLst>
+                                        </p:cTn>
+                                        <p:tgtEl>
+                                          <p:spTgt spid="3">
+                                            <p:txEl>
+                                              <p:pRg st="3" end="3"/>
+                                            </p:txEl>
+                                          </p:spTgt>
+                                        </p:tgtEl>
+                                        <p:attrNameLst>
+                                          <p:attrName>style.visibility</p:attrName>
+                                        </p:attrNameLst>
+                                      </p:cBhvr>
+                                      <p:to>
+                                        <p:strVal val="visible"/>
+                                      </p:to>
+                                    </p:set>
+                                  </p:childTnLst>
+                                </p:cTn>
+                              </p:par>
+                            </p:childTnLst>
+                          </p:cTn>
+                        </p:par>
+                      </p:childTnLst>
+                    </p:cTn>
+                  </p:par>
+                  <p:par>
+                    <p:cTn id="19" fill="hold">
+                      <p:stCondLst>
+                        <p:cond delay="indefinite"/>
+                      </p:stCondLst>
+                      <p:childTnLst>
+                        <p:par>
+                          <p:cTn id="20" fill="hold">
+                            <p:stCondLst>
+                              <p:cond delay="0"/>
+                            </p:stCondLst>
+                            <p:childTnLst>
+                              <p:par>
+                                <p:cTn id="21" presetID="1" presetClass="entr" presetSubtype="0" fill="hold" grpId="0" nodeType="clickEffect">
+                                  <p:stCondLst>
+                                    <p:cond delay="0"/>
+                                  </p:stCondLst>
+                                  <p:childTnLst>
+                                    <p:set>
+                                      <p:cBhvr>
+                                        <p:cTn id="22" dur="1" fill="hold">
+                                          <p:stCondLst>
+                                            <p:cond delay="0"/>
+                                          </p:stCondLst>
+                                        </p:cTn>
+                                        <p:tgtEl>
+                                          <p:spTgt spid="3">
+                                            <p:txEl>
+                                              <p:pRg st="4" end="4"/>
+                                            </p:txEl>
+                                          </p:spTgt>
+                                        </p:tgtEl>
+                                        <p:attrNameLst>
+                                          <p:attrName>style.visibility</p:attrName>
+                                        </p:attrNameLst>
+                                      </p:cBhvr>
+                                      <p:to>
+                                        <p:strVal val="visible"/>
+                                      </p:to>
+                                    </p:set>
+                                  </p:childTnLst>
+                                </p:cTn>
+                              </p:par>
+                            </p:childTnLst>
+                          </p:cTn>
+                        </p:par>
+                      </p:childTnLst>
+                    </p:cTn>
+                  </p:par>
+                  <p:par>
+                    <p:cTn id="23" fill="hold">
+                      <p:stCondLst>
+                        <p:cond delay="indefinite"/>
+                      </p:stCondLst>
+                      <p:childTnLst>
+                        <p:par>
+                          <p:cTn id="24" fill="hold">
+                            <p:stCondLst>
+                              <p:cond delay="0"/>
+                            </p:stCondLst>
+                            <p:childTnLst>
+                              <p:par>
+                                <p:cTn id="25" presetID="1" presetClass="entr" presetSubtype="0" fill="hold" grpId="0" nodeType="clickEffect">
+                                  <p:stCondLst>
+                                    <p:cond delay="0"/>
+                                  </p:stCondLst>
+                                  <p:childTnLst>
+                                    <p:set>
+                                      <p:cBhvr>
+                                        <p:cTn id="26" dur="1" fill="hold">
+                                          <p:stCondLst>
+                                            <p:cond delay="0"/>
+                                          </p:stCondLst>
+                                        </p:cTn>
+                                        <p:tgtEl>
+                                          <p:spTgt spid="3">
+                                            <p:txEl>
+                                              <p:pRg st="5" end="5"/>
+                                            </p:txEl>
+                                          </p:spTgt>
+                                        </p:tgtEl>
+                                        <p:attrNameLst>
+                                          <p:attrName>style.visibility</p:attrName>
+                                        </p:attrNameLst>
+                                      </p:cBhvr>
+                                      <p:to>
+                                        <p:strVal val="visible"/>
+                                      </p:to>
+                                    </p:set>
+                                  </p:childTnLst>
+                                </p:cTn>
+                              </p:par>
+                            </p:childTnLst>
+                          </p:cTn>
+                        </p:par>
+                      </p:childTnLst>
+                    </p:cTn>
+                  </p:par>
+                </p:childTnLst>
+              </p:cTn>
+              <p:prevCondLst>
+                <p:cond evt="onPrev" delay="0">
+                  <p:tgtEl>
+                    <p:sldTgt/>
+                  </p:tgtEl>
+                </p:cond>
+              </p:prevCondLst>
+              <p:nextCondLst>
+                <p:cond evt="onNext" delay="0">
+                  <p:tgtEl>
+                    <p:sldTgt/>
+                  </p:tgtEl>
+                </p:cond>
+              </p:nextCondLst>
+            </p:seq>
+          </p:childTnLst>
+        </p:cTn>
+      </p:par>
+    </p:tnLst>
+    <p:bldLst>
+      <p:bldP spid="3" grpId="0" build="p"/>
+    </p:bldLst>
+  </p:timing>
+</p:sld>
+</file>
+
+<file path=ppt/slides/slide7.xml><?xml version="1.0" encoding="utf-8"?>
+<p:sld xmlns:a="http://schemas.openxmlformats.org/drawingml/2006/main" xmlns:r="http://schemas.openxmlformats.org/officeDocument/2006/relationships" xmlns:p="http://schemas.openxmlformats.org/presentationml/2006/main">
+  <p:cSld>
+    <p:spTree>
+      <p:nvGrpSpPr>
+        <p:cNvPr id="1" name=""/>
+        <p:cNvGrpSpPr/>
+        <p:nvPr/>
+      </p:nvGrpSpPr>
+      <p:grpSpPr>
+        <a:xfrm>
+          <a:off x="0" y="0"/>
+          <a:ext cx="0" cy="0"/>
+          <a:chOff x="0" y="0"/>
+          <a:chExt cx="0" cy="0"/>
+        </a:xfrm>
+      </p:grpSpPr>
+      <p:sp>
+        <p:nvSpPr>
+          <p:cNvPr id="2" name="Title 1"/>
+          <p:cNvSpPr>
+            <a:spLocks noGrp="1"/>
+          </p:cNvSpPr>
+          <p:nvPr>
+            <p:ph type="title"/>
+          </p:nvPr>
+        </p:nvSpPr>
+        <p:spPr>
+          <a:xfrm>
+            <a:off x="838200" y="49300"/>
+            <a:ext cx="10515600" cy="1325563"/>
+          </a:xfrm>
+        </p:spPr>
+        <p:txBody>
+          <a:bodyPr/>
+          <a:lstStyle/>
+          <a:p>
+            <a:pPr algn="ctr"/>
+            <a:r>
+              <a:rPr lang="hu-HU" dirty="0"/>
+              <a:t>Tantervi refom az ELTE-n</a:t>
+            </a:r>
+          </a:p>
+        </p:txBody>
+      </p:sp>
+      <p:sp>
+        <p:nvSpPr>
+          <p:cNvPr id="3" name="Content Placeholder 2"/>
+          <p:cNvSpPr>
+            <a:spLocks noGrp="1"/>
+          </p:cNvSpPr>
+          <p:nvPr>
+            <p:ph idx="1"/>
+          </p:nvPr>
+        </p:nvSpPr>
+        <p:spPr>
+          <a:xfrm>
+            <a:off x="838200" y="1374863"/>
+            <a:ext cx="10515600" cy="4922906"/>
+          </a:xfrm>
+        </p:spPr>
+        <p:txBody>
+          <a:bodyPr>
+            <a:normAutofit fontScale="92500" lnSpcReduction="20000"/>
+          </a:bodyPr>
+          <a:lstStyle/>
+          <a:p>
+            <a:r>
+              <a:rPr lang="hu-HU" dirty="0"/>
+              <a:t>Régi tanrendeben tanultam, de része voltam az egyik programozó tárgy tannyagfejlesztésének és oktatásának</a:t>
+            </a:r>
+          </a:p>
+          <a:p>
+            <a:r>
+              <a:rPr lang="hu-HU" dirty="0"/>
+              <a:t>Fontosabb változások:</a:t>
+            </a:r>
+          </a:p>
+          <a:p>
+            <a:pPr lvl="1"/>
+            <a:r>
+              <a:rPr lang="hu-HU" dirty="0"/>
+              <a:t>Jobban elkülönül a három szakirány (szoftverfejlesztői, alkalmazói, modellezői)</a:t>
+            </a:r>
+          </a:p>
+          <a:p>
+            <a:pPr lvl="1"/>
+            <a:r>
+              <a:rPr lang="hu-HU" dirty="0"/>
+              <a:t>Kevesebb matek a nem-matekos szakirányokon (kevesebb elméleti analízis)</a:t>
+            </a:r>
+          </a:p>
+          <a:p>
+            <a:pPr lvl="1"/>
+            <a:r>
+              <a:rPr lang="hu-HU" dirty="0"/>
+              <a:t>Első félévben inkább szakmai tárgyak vannak (sok nyelv: C, Phyton, funkcionális nyelv, script nyelvek), kevés matek</a:t>
+            </a:r>
+          </a:p>
+          <a:p>
+            <a:pPr lvl="1"/>
+            <a:r>
+              <a:rPr lang="hu-HU" dirty="0"/>
+              <a:t>Egy fokkal gyakorlatiasabb képzés felé mozdult el az </a:t>
+            </a:r>
+            <a:r>
+              <a:rPr lang="hu-HU" dirty="0" smtClean="0"/>
+              <a:t>egyetem</a:t>
+            </a:r>
+            <a:endParaRPr lang="hu-HU" dirty="0"/>
+          </a:p>
+          <a:p>
+            <a:r>
+              <a:rPr lang="hu-HU" dirty="0" smtClean="0"/>
+              <a:t>Mesterképzések:</a:t>
+            </a:r>
+          </a:p>
+          <a:p>
+            <a:pPr lvl="1"/>
+            <a:r>
+              <a:rPr lang="hu-HU" dirty="0" smtClean="0"/>
+              <a:t>Megszűnt a modulrendszer, kb azt tanulsz, amit szeretnél</a:t>
+            </a:r>
+          </a:p>
+          <a:p>
+            <a:pPr lvl="1"/>
+            <a:r>
+              <a:rPr lang="hu-HU" dirty="0" smtClean="0"/>
+              <a:t>Tárgyak csoportjai</a:t>
+            </a:r>
+          </a:p>
+          <a:p>
+            <a:pPr lvl="2"/>
+            <a:r>
+              <a:rPr lang="hu-HU" dirty="0" smtClean="0"/>
+              <a:t>Matmatikai modellezős</a:t>
+            </a:r>
+          </a:p>
+          <a:p>
+            <a:pPr lvl="2"/>
+            <a:r>
+              <a:rPr lang="hu-HU" dirty="0" smtClean="0"/>
+              <a:t>Módszertanok, menedzseri ismertek</a:t>
+            </a:r>
+          </a:p>
+          <a:p>
+            <a:pPr lvl="2"/>
+            <a:r>
+              <a:rPr lang="hu-HU" dirty="0" smtClean="0"/>
+              <a:t>Új techonológiákat felvonultatók</a:t>
+            </a:r>
+          </a:p>
+          <a:p>
+            <a:pPr lvl="2"/>
+            <a:r>
+              <a:rPr lang="hu-HU" dirty="0" smtClean="0"/>
+              <a:t>Egyéb.. (kevésbé hasznosak..)</a:t>
+            </a:r>
+          </a:p>
+          <a:p>
+            <a:pPr lvl="2"/>
+            <a:endParaRPr lang="hu-HU" dirty="0" smtClean="0"/>
+          </a:p>
+          <a:p>
+            <a:pPr lvl="2"/>
+            <a:endParaRPr lang="hu-HU" dirty="0" smtClean="0"/>
+          </a:p>
+        </p:txBody>
+      </p:sp>
+    </p:spTree>
+    <p:extLst>
+      <p:ext uri="{BB962C8B-B14F-4D97-AF65-F5344CB8AC3E}">
+        <p14:creationId xmlns:p14="http://schemas.microsoft.com/office/powerpoint/2010/main" val="889424634"/>
+      </p:ext>
+    </p:extLst>
+  </p:cSld>
+  <p:clrMapOvr>
+    <a:masterClrMapping/>
+  </p:clrMapOvr>
+  <p:timing>
+    <p:tnLst>
+      <p:par>
+        <p:cTn id="1" dur="indefinite" restart="never" nodeType="tmRoot">
+          <p:childTnLst>
+            <p:seq concurrent="1" nextAc="seek">
+              <p:cTn id="2" dur="indefinite" nodeType="mainSeq">
+                <p:childTnLst>
+                  <p:par>
+                    <p:cTn id="3" fill="hold">
+                      <p:stCondLst>
+                        <p:cond delay="indefinite"/>
+                      </p:stCondLst>
+                      <p:childTnLst>
+                        <p:par>
+                          <p:cTn id="4" fill="hold">
+                            <p:stCondLst>
+                              <p:cond delay="0"/>
+                            </p:stCondLst>
+                            <p:childTnLst>
+                              <p:par>
+                                <p:cTn id="5" presetID="1" presetClass="entr" presetSubtype="0" fill="hold" grpId="0" nodeType="clickEffect">
+                                  <p:stCondLst>
+                                    <p:cond delay="0"/>
+                                  </p:stCondLst>
+                                  <p:childTnLst>
+                                    <p:set>
+                                      <p:cBhvr>
+                                        <p:cTn id="6" dur="1" fill="hold">
+                                          <p:stCondLst>
+                                            <p:cond delay="0"/>
+                                          </p:stCondLst>
+                                        </p:cTn>
+                                        <p:tgtEl>
+                                          <p:spTgt spid="3">
+                                            <p:txEl>
+                                              <p:pRg st="0" end="0"/>
+                                            </p:txEl>
+                                          </p:spTgt>
+                                        </p:tgtEl>
+                                        <p:attrNameLst>
+                                          <p:attrName>style.visibility</p:attrName>
+                                        </p:attrNameLst>
+                                      </p:cBhvr>
+                                      <p:to>
+                                        <p:strVal val="visible"/>
+                                      </p:to>
+                                    </p:set>
+                                  </p:childTnLst>
+                                </p:cTn>
+                              </p:par>
+                            </p:childTnLst>
+                          </p:cTn>
+                        </p:par>
+                      </p:childTnLst>
+                    </p:cTn>
+                  </p:par>
+                  <p:par>
+                    <p:cTn id="7" fill="hold">
+                      <p:stCondLst>
+                        <p:cond delay="indefinite"/>
+                      </p:stCondLst>
+                      <p:childTnLst>
+                        <p:par>
+                          <p:cTn id="8" fill="hold">
+                            <p:stCondLst>
+                              <p:cond delay="0"/>
+                            </p:stCondLst>
+                            <p:childTnLst>
+                              <p:par>
+                                <p:cTn id="9" presetID="1" presetClass="entr" presetSubtype="0" fill="hold" grpId="0" nodeType="clickEffect">
+                                  <p:stCondLst>
+                                    <p:cond delay="0"/>
+                                  </p:stCondLst>
+                                  <p:childTnLst>
+                                    <p:set>
+                                      <p:cBhvr>
+                                        <p:cTn id="10" dur="1" fill="hold">
+                                          <p:stCondLst>
+                                            <p:cond delay="0"/>
+                                          </p:stCondLst>
+                                        </p:cTn>
+                                        <p:tgtEl>
+                                          <p:spTgt spid="3">
+                                            <p:txEl>
+                                              <p:pRg st="1" end="1"/>
+                                            </p:txEl>
+                                          </p:spTgt>
+                                        </p:tgtEl>
+                                        <p:attrNameLst>
+                                          <p:attrName>style.visibility</p:attrName>
+                                        </p:attrNameLst>
+                                      </p:cBhvr>
+                                      <p:to>
+                                        <p:strVal val="visible"/>
+                                      </p:to>
+                                    </p:set>
+                                  </p:childTnLst>
+                                </p:cTn>
+                              </p:par>
+                              <p:par>
+                                <p:cTn id="11" presetID="1" presetClass="entr" presetSubtype="0" fill="hold" grpId="0" nodeType="withEffect">
+                                  <p:stCondLst>
+                                    <p:cond delay="0"/>
+                                  </p:stCondLst>
+                                  <p:childTnLst>
+                                    <p:set>
+                                      <p:cBhvr>
+                                        <p:cTn id="12" dur="1" fill="hold">
+                                          <p:stCondLst>
+                                            <p:cond delay="0"/>
+                                          </p:stCondLst>
+                                        </p:cTn>
+                                        <p:tgtEl>
+                                          <p:spTgt spid="3">
+                                            <p:txEl>
+                                              <p:pRg st="2" end="2"/>
+                                            </p:txEl>
+                                          </p:spTgt>
+                                        </p:tgtEl>
+                                        <p:attrNameLst>
+                                          <p:attrName>style.visibility</p:attrName>
+                                        </p:attrNameLst>
+                                      </p:cBhvr>
+                                      <p:to>
+                                        <p:strVal val="visible"/>
+                                      </p:to>
+                                    </p:set>
+                                  </p:childTnLst>
+                                </p:cTn>
+                              </p:par>
+                              <p:par>
+                                <p:cTn id="13" presetID="1" presetClass="entr" presetSubtype="0" fill="hold" grpId="0" nodeType="withEffect">
+                                  <p:stCondLst>
+                                    <p:cond delay="0"/>
+                                  </p:stCondLst>
+                                  <p:childTnLst>
+                                    <p:set>
+                                      <p:cBhvr>
+                                        <p:cTn id="14" dur="1" fill="hold">
+                                          <p:stCondLst>
+                                            <p:cond delay="0"/>
+                                          </p:stCondLst>
+                                        </p:cTn>
+                                        <p:tgtEl>
+                                          <p:spTgt spid="3">
+                                            <p:txEl>
+                                              <p:pRg st="3" end="3"/>
+                                            </p:txEl>
+                                          </p:spTgt>
+                                        </p:tgtEl>
+                                        <p:attrNameLst>
+                                          <p:attrName>style.visibility</p:attrName>
+                                        </p:attrNameLst>
+                                      </p:cBhvr>
+                                      <p:to>
+                                        <p:strVal val="visible"/>
+                                      </p:to>
+                                    </p:set>
+                                  </p:childTnLst>
+                                </p:cTn>
+                              </p:par>
+                              <p:par>
+                                <p:cTn id="15" presetID="1" presetClass="entr" presetSubtype="0" fill="hold" grpId="0" nodeType="withEffect">
+                                  <p:stCondLst>
+                                    <p:cond delay="0"/>
+                                  </p:stCondLst>
+                                  <p:childTnLst>
+                                    <p:set>
+                                      <p:cBhvr>
+                                        <p:cTn id="16" dur="1" fill="hold">
+                                          <p:stCondLst>
+                                            <p:cond delay="0"/>
+                                          </p:stCondLst>
+                                        </p:cTn>
+                                        <p:tgtEl>
+                                          <p:spTgt spid="3">
+                                            <p:txEl>
+                                              <p:pRg st="4" end="4"/>
+                                            </p:txEl>
+                                          </p:spTgt>
+                                        </p:tgtEl>
+                                        <p:attrNameLst>
+                                          <p:attrName>style.visibility</p:attrName>
+                                        </p:attrNameLst>
+                                      </p:cBhvr>
+                                      <p:to>
+                                        <p:strVal val="visible"/>
+                                      </p:to>
+                                    </p:set>
+                                  </p:childTnLst>
+                                </p:cTn>
+                              </p:par>
+                              <p:par>
+                                <p:cTn id="17" presetID="1" presetClass="entr" presetSubtype="0" fill="hold" grpId="0" nodeType="withEffect">
+                                  <p:stCondLst>
+                                    <p:cond delay="0"/>
+                                  </p:stCondLst>
+                                  <p:childTnLst>
+                                    <p:set>
+                                      <p:cBhvr>
+                                        <p:cTn id="18" dur="1" fill="hold">
+                                          <p:stCondLst>
+                                            <p:cond delay="0"/>
+                                          </p:stCondLst>
+                                        </p:cTn>
+                                        <p:tgtEl>
+                                          <p:spTgt spid="3">
+                                            <p:txEl>
+                                              <p:pRg st="5" end="5"/>
+                                            </p:txEl>
+                                          </p:spTgt>
+                                        </p:tgtEl>
+                                        <p:attrNameLst>
+                                          <p:attrName>style.visibility</p:attrName>
+                                        </p:attrNameLst>
+                                      </p:cBhvr>
+                                      <p:to>
+                                        <p:strVal val="visible"/>
+                                      </p:to>
+                                    </p:set>
+                                  </p:childTnLst>
+                                </p:cTn>
+                              </p:par>
+                            </p:childTnLst>
+                          </p:cTn>
+                        </p:par>
+                      </p:childTnLst>
+                    </p:cTn>
+                  </p:par>
+                  <p:par>
+                    <p:cTn id="19" fill="hold">
+                      <p:stCondLst>
+                        <p:cond delay="indefinite"/>
+                      </p:stCondLst>
+                      <p:childTnLst>
+                        <p:par>
+                          <p:cTn id="20" fill="hold">
+                            <p:stCondLst>
+                              <p:cond delay="0"/>
+                            </p:stCondLst>
+                            <p:childTnLst>
+                              <p:par>
+                                <p:cTn id="21" presetID="1" presetClass="entr" presetSubtype="0" fill="hold" grpId="0" nodeType="clickEffect">
+                                  <p:stCondLst>
+                                    <p:cond delay="0"/>
+                                  </p:stCondLst>
+                                  <p:childTnLst>
+                                    <p:set>
+                                      <p:cBhvr>
+                                        <p:cTn id="22" dur="1" fill="hold">
+                                          <p:stCondLst>
+                                            <p:cond delay="0"/>
+                                          </p:stCondLst>
+                                        </p:cTn>
+                                        <p:tgtEl>
+                                          <p:spTgt spid="3">
+                                            <p:txEl>
+                                              <p:pRg st="6" end="6"/>
+                                            </p:txEl>
+                                          </p:spTgt>
+                                        </p:tgtEl>
+                                        <p:attrNameLst>
+                                          <p:attrName>style.visibility</p:attrName>
+                                        </p:attrNameLst>
+                                      </p:cBhvr>
+                                      <p:to>
+                                        <p:strVal val="visible"/>
+                                      </p:to>
+                                    </p:set>
+                                  </p:childTnLst>
+                                </p:cTn>
+                              </p:par>
+                              <p:par>
+                                <p:cTn id="23" presetID="1" presetClass="entr" presetSubtype="0" fill="hold" grpId="0" nodeType="withEffect">
+                                  <p:stCondLst>
+                                    <p:cond delay="0"/>
+                                  </p:stCondLst>
+                                  <p:childTnLst>
+                                    <p:set>
+                                      <p:cBhvr>
+                                        <p:cTn id="24" dur="1" fill="hold">
+                                          <p:stCondLst>
+                                            <p:cond delay="0"/>
+                                          </p:stCondLst>
+                                        </p:cTn>
+                                        <p:tgtEl>
+                                          <p:spTgt spid="3">
+                                            <p:txEl>
+                                              <p:pRg st="7" end="7"/>
+                                            </p:txEl>
+                                          </p:spTgt>
+                                        </p:tgtEl>
+                                        <p:attrNameLst>
+                                          <p:attrName>style.visibility</p:attrName>
+                                        </p:attrNameLst>
+                                      </p:cBhvr>
+                                      <p:to>
+                                        <p:strVal val="visible"/>
+                                      </p:to>
+                                    </p:set>
+                                  </p:childTnLst>
+                                </p:cTn>
+                              </p:par>
+                              <p:par>
+                                <p:cTn id="25" presetID="1" presetClass="entr" presetSubtype="0" fill="hold" grpId="0" nodeType="withEffect">
+                                  <p:stCondLst>
+                                    <p:cond delay="0"/>
+                                  </p:stCondLst>
+                                  <p:childTnLst>
+                                    <p:set>
+                                      <p:cBhvr>
+                                        <p:cTn id="26" dur="1" fill="hold">
+                                          <p:stCondLst>
+                                            <p:cond delay="0"/>
+                                          </p:stCondLst>
+                                        </p:cTn>
+                                        <p:tgtEl>
+                                          <p:spTgt spid="3">
+                                            <p:txEl>
+                                              <p:pRg st="8" end="8"/>
+                                            </p:txEl>
+                                          </p:spTgt>
+                                        </p:tgtEl>
+                                        <p:attrNameLst>
+                                          <p:attrName>style.visibility</p:attrName>
+                                        </p:attrNameLst>
+                                      </p:cBhvr>
+                                      <p:to>
+                                        <p:strVal val="visible"/>
+                                      </p:to>
+                                    </p:set>
+                                  </p:childTnLst>
+                                </p:cTn>
+                              </p:par>
+                              <p:par>
+                                <p:cTn id="27" presetID="1" presetClass="entr" presetSubtype="0" fill="hold" grpId="0" nodeType="withEffect">
+                                  <p:stCondLst>
+                                    <p:cond delay="0"/>
+                                  </p:stCondLst>
+                                  <p:childTnLst>
+                                    <p:set>
+                                      <p:cBhvr>
+                                        <p:cTn id="28" dur="1" fill="hold">
+                                          <p:stCondLst>
+                                            <p:cond delay="0"/>
+                                          </p:stCondLst>
+                                        </p:cTn>
+                                        <p:tgtEl>
+                                          <p:spTgt spid="3">
+                                            <p:txEl>
+                                              <p:pRg st="9" end="9"/>
+                                            </p:txEl>
+                                          </p:spTgt>
+                                        </p:tgtEl>
+                                        <p:attrNameLst>
+                                          <p:attrName>style.visibility</p:attrName>
+                                        </p:attrNameLst>
+                                      </p:cBhvr>
+                                      <p:to>
+                                        <p:strVal val="visible"/>
+                                      </p:to>
+                                    </p:set>
+                                  </p:childTnLst>
+                                </p:cTn>
+                              </p:par>
+                              <p:par>
+                                <p:cTn id="29" presetID="1" presetClass="entr" presetSubtype="0" fill="hold" grpId="0" nodeType="withEffect">
+                                  <p:stCondLst>
+                                    <p:cond delay="0"/>
+                                  </p:stCondLst>
+                                  <p:childTnLst>
+                                    <p:set>
+                                      <p:cBhvr>
+                                        <p:cTn id="30" dur="1" fill="hold">
+                                          <p:stCondLst>
+                                            <p:cond delay="0"/>
+                                          </p:stCondLst>
+                                        </p:cTn>
+                                        <p:tgtEl>
+                                          <p:spTgt spid="3">
+                                            <p:txEl>
+                                              <p:pRg st="10" end="10"/>
+                                            </p:txEl>
+                                          </p:spTgt>
+                                        </p:tgtEl>
+                                        <p:attrNameLst>
+                                          <p:attrName>style.visibility</p:attrName>
+                                        </p:attrNameLst>
+                                      </p:cBhvr>
+                                      <p:to>
+                                        <p:strVal val="visible"/>
+                                      </p:to>
+                                    </p:set>
+                                  </p:childTnLst>
+                                </p:cTn>
+                              </p:par>
+                              <p:par>
+                                <p:cTn id="31" presetID="1" presetClass="entr" presetSubtype="0" fill="hold" grpId="0" nodeType="withEffect">
+                                  <p:stCondLst>
+                                    <p:cond delay="0"/>
+                                  </p:stCondLst>
+                                  <p:childTnLst>
+                                    <p:set>
+                                      <p:cBhvr>
+                                        <p:cTn id="32" dur="1" fill="hold">
+                                          <p:stCondLst>
+                                            <p:cond delay="0"/>
+                                          </p:stCondLst>
+                                        </p:cTn>
+                                        <p:tgtEl>
+                                          <p:spTgt spid="3">
+                                            <p:txEl>
+                                              <p:pRg st="11" end="11"/>
+                                            </p:txEl>
+                                          </p:spTgt>
+                                        </p:tgtEl>
+                                        <p:attrNameLst>
+                                          <p:attrName>style.visibility</p:attrName>
+                                        </p:attrNameLst>
+                                      </p:cBhvr>
+                                      <p:to>
+                                        <p:strVal val="visible"/>
+                                      </p:to>
+                                    </p:set>
+                                  </p:childTnLst>
+                                </p:cTn>
+                              </p:par>
+                              <p:par>
+                                <p:cTn id="33" presetID="1" presetClass="entr" presetSubtype="0" fill="hold" grpId="0" nodeType="withEffect">
+                                  <p:stCondLst>
+                                    <p:cond delay="0"/>
+                                  </p:stCondLst>
+                                  <p:childTnLst>
+                                    <p:set>
+                                      <p:cBhvr>
+                                        <p:cTn id="34" dur="1" fill="hold">
+                                          <p:stCondLst>
+                                            <p:cond delay="0"/>
+                                          </p:stCondLst>
+                                        </p:cTn>
+                                        <p:tgtEl>
+                                          <p:spTgt spid="3">
+                                            <p:txEl>
+                                              <p:pRg st="12" end="12"/>
+                                            </p:txEl>
+                                          </p:spTgt>
+                                        </p:tgtEl>
+                                        <p:attrNameLst>
+                                          <p:attrName>style.visibility</p:attrName>
+                                        </p:attrNameLst>
+                                      </p:cBhvr>
+                                      <p:to>
+                                        <p:strVal val="visible"/>
+                                      </p:to>
+                                    </p:set>
+                                  </p:childTnLst>
+                                </p:cTn>
+                              </p:par>
+                            </p:childTnLst>
+                          </p:cTn>
+                        </p:par>
+                      </p:childTnLst>
+                    </p:cTn>
+                  </p:par>
+                </p:childTnLst>
+              </p:cTn>
+              <p:prevCondLst>
+                <p:cond evt="onPrev" delay="0">
+                  <p:tgtEl>
+                    <p:sldTgt/>
+                  </p:tgtEl>
+                </p:cond>
+              </p:prevCondLst>
+              <p:nextCondLst>
+                <p:cond evt="onNext" delay="0">
+                  <p:tgtEl>
+                    <p:sldTgt/>
+                  </p:tgtEl>
+                </p:cond>
+              </p:nextCondLst>
+            </p:seq>
+          </p:childTnLst>
+        </p:cTn>
+      </p:par>
+    </p:tnLst>
+    <p:bldLst>
+      <p:bldP spid="3" grpId="0" build="p"/>
+    </p:bldLst>
+  </p:timing>
+</p:sld>
+</file>
+
+<file path=ppt/slides/slide8.xml><?xml version="1.0" encoding="utf-8"?>
+<p:sld xmlns:a="http://schemas.openxmlformats.org/drawingml/2006/main" xmlns:r="http://schemas.openxmlformats.org/officeDocument/2006/relationships" xmlns:p="http://schemas.openxmlformats.org/presentationml/2006/main">
+  <p:cSld>
+    <p:spTree>
+      <p:nvGrpSpPr>
+        <p:cNvPr id="1" name=""/>
+        <p:cNvGrpSpPr/>
+        <p:nvPr/>
+      </p:nvGrpSpPr>
+      <p:grpSpPr>
+        <a:xfrm>
+          <a:off x="0" y="0"/>
+          <a:ext cx="0" cy="0"/>
+          <a:chOff x="0" y="0"/>
+          <a:chExt cx="0" cy="0"/>
+        </a:xfrm>
+      </p:grpSpPr>
+      <p:sp>
+        <p:nvSpPr>
+          <p:cNvPr id="2" name="Title 1"/>
+          <p:cNvSpPr>
+            <a:spLocks noGrp="1"/>
+          </p:cNvSpPr>
+          <p:nvPr>
+            <p:ph type="title"/>
+          </p:nvPr>
+        </p:nvSpPr>
+        <p:spPr/>
+        <p:txBody>
+          <a:bodyPr/>
+          <a:lstStyle/>
+          <a:p>
+            <a:r>
+              <a:rPr lang="hu-HU" dirty="0"/>
+              <a:t>Milyen lehetőségeid vannak az egyetemen?</a:t>
+            </a:r>
+          </a:p>
+        </p:txBody>
+      </p:sp>
+      <p:sp>
+        <p:nvSpPr>
+          <p:cNvPr id="3" name="Content Placeholder 2"/>
+          <p:cNvSpPr>
+            <a:spLocks noGrp="1"/>
+          </p:cNvSpPr>
+          <p:nvPr>
+            <p:ph idx="1"/>
+          </p:nvPr>
+        </p:nvSpPr>
+        <p:spPr>
+          <a:xfrm>
+            <a:off x="838200" y="1825624"/>
+            <a:ext cx="10515600" cy="5032375"/>
+          </a:xfrm>
+        </p:spPr>
+        <p:txBody>
+          <a:bodyPr>
+            <a:normAutofit lnSpcReduction="10000"/>
+          </a:bodyPr>
+          <a:lstStyle/>
+          <a:p>
+            <a:r>
+              <a:rPr lang="hu-HU" dirty="0"/>
+              <a:t>Alapkzés eleje: Minél többet megpróbálasz fejlődni szakmailag a </a:t>
+            </a:r>
+            <a:r>
+              <a:rPr lang="hu-HU" dirty="0" smtClean="0"/>
+              <a:t>tárgyaidon, </a:t>
+            </a:r>
+            <a:r>
+              <a:rPr lang="hu-HU" dirty="0"/>
+              <a:t>valamint </a:t>
+            </a:r>
+            <a:r>
+              <a:rPr lang="hu-HU" dirty="0" smtClean="0"/>
+              <a:t>önállóan (sok tárgyból beadandót is kell csinálni)</a:t>
+            </a:r>
+            <a:endParaRPr lang="hu-HU" dirty="0"/>
+          </a:p>
+          <a:p>
+            <a:r>
+              <a:rPr lang="hu-HU" dirty="0"/>
+              <a:t>Alapkézés vége: Több lehetőség</a:t>
+            </a:r>
+          </a:p>
+          <a:p>
+            <a:pPr lvl="1"/>
+            <a:r>
+              <a:rPr lang="hu-HU" dirty="0"/>
+              <a:t>Bekerülhetsz projektmunkákba, akár pénzt is kaphatsz érte, a szakdogozatodat és a szakmai gyakorlatod is </a:t>
+            </a:r>
+            <a:r>
+              <a:rPr lang="hu-HU" dirty="0" smtClean="0"/>
+              <a:t>letudhatod </a:t>
+            </a:r>
+            <a:r>
+              <a:rPr lang="hu-HU" dirty="0"/>
+              <a:t>ennek keretében</a:t>
+            </a:r>
+          </a:p>
+          <a:p>
+            <a:pPr lvl="1"/>
+            <a:r>
+              <a:rPr lang="hu-HU" dirty="0"/>
+              <a:t>Elmozdulsz az ipar felé, szakmai gyakorlat révén, ilyenkor a szakdolgozatod valószínűleg függettlen lesz a munkádtól (cégfüggő..)</a:t>
+            </a:r>
+          </a:p>
+          <a:p>
+            <a:r>
+              <a:rPr lang="hu-HU" dirty="0"/>
+              <a:t>Mesterképzés eleje:</a:t>
+            </a:r>
+          </a:p>
+          <a:p>
+            <a:pPr lvl="1"/>
+            <a:r>
+              <a:rPr lang="hu-HU" dirty="0"/>
+              <a:t>El sem kezded, elmész dolgozni, alapkézéssel már megfelelő szakismerted lesz valószínűleg hozzá</a:t>
+            </a:r>
+          </a:p>
+          <a:p>
+            <a:pPr lvl="1"/>
+            <a:r>
+              <a:rPr lang="hu-HU" dirty="0"/>
+              <a:t>Elkezded, és mellette diákmunkásként dolgozol (én ezt csináltam..)</a:t>
+            </a:r>
+          </a:p>
+          <a:p>
+            <a:pPr lvl="1"/>
+            <a:r>
+              <a:rPr lang="hu-HU" dirty="0"/>
+              <a:t>Továbbá a projektmunkát is </a:t>
+            </a:r>
+            <a:r>
+              <a:rPr lang="hu-HU" dirty="0" smtClean="0"/>
+              <a:t>folytathatod vagy vállalsz, </a:t>
+            </a:r>
+            <a:r>
+              <a:rPr lang="hu-HU" dirty="0"/>
+              <a:t>valamint gyakorlatvezetéseket is vállalhatsz</a:t>
+            </a:r>
+          </a:p>
+        </p:txBody>
+      </p:sp>
+    </p:spTree>
+    <p:extLst>
+      <p:ext uri="{BB962C8B-B14F-4D97-AF65-F5344CB8AC3E}">
+        <p14:creationId xmlns:p14="http://schemas.microsoft.com/office/powerpoint/2010/main" val="1038517793"/>
+      </p:ext>
+    </p:extLst>
+  </p:cSld>
+  <p:clrMapOvr>
+    <a:masterClrMapping/>
+  </p:clrMapOvr>
+  <p:timing>
+    <p:tnLst>
+      <p:par>
+        <p:cTn id="1" dur="indefinite" restart="never" nodeType="tmRoot">
+          <p:childTnLst>
+            <p:seq concurrent="1" nextAc="seek">
+              <p:cTn id="2" dur="indefinite" nodeType="mainSeq">
+                <p:childTnLst>
+                  <p:par>
+                    <p:cTn id="3" fill="hold">
+                      <p:stCondLst>
+                        <p:cond delay="indefinite"/>
+                      </p:stCondLst>
+                      <p:childTnLst>
+                        <p:par>
+                          <p:cTn id="4" fill="hold">
+                            <p:stCondLst>
+                              <p:cond delay="0"/>
+                            </p:stCondLst>
+                            <p:childTnLst>
+                              <p:par>
+                                <p:cTn id="5" presetID="1" presetClass="entr" presetSubtype="0" fill="hold" grpId="0" nodeType="clickEffect">
+                                  <p:stCondLst>
+                                    <p:cond delay="0"/>
+                                  </p:stCondLst>
+                                  <p:childTnLst>
+                                    <p:set>
+                                      <p:cBhvr>
+                                        <p:cTn id="6" dur="1" fill="hold">
+                                          <p:stCondLst>
+                                            <p:cond delay="0"/>
+                                          </p:stCondLst>
+                                        </p:cTn>
+                                        <p:tgtEl>
+                                          <p:spTgt spid="3">
+                                            <p:txEl>
+                                              <p:pRg st="0" end="0"/>
+                                            </p:txEl>
+                                          </p:spTgt>
+                                        </p:tgtEl>
+                                        <p:attrNameLst>
+                                          <p:attrName>style.visibility</p:attrName>
+                                        </p:attrNameLst>
+                                      </p:cBhvr>
+                                      <p:to>
+                                        <p:strVal val="visible"/>
+                                      </p:to>
+                                    </p:set>
+                                  </p:childTnLst>
+                                </p:cTn>
+                              </p:par>
+                            </p:childTnLst>
+                          </p:cTn>
+                        </p:par>
+                      </p:childTnLst>
+                    </p:cTn>
+                  </p:par>
+                  <p:par>
+                    <p:cTn id="7" fill="hold">
+                      <p:stCondLst>
+                        <p:cond delay="indefinite"/>
+                      </p:stCondLst>
+                      <p:childTnLst>
+                        <p:par>
+                          <p:cTn id="8" fill="hold">
+                            <p:stCondLst>
+                              <p:cond delay="0"/>
+                            </p:stCondLst>
+                            <p:childTnLst>
+                              <p:par>
+                                <p:cTn id="9" presetID="1" presetClass="entr" presetSubtype="0" fill="hold" grpId="0" nodeType="clickEffect">
+                                  <p:stCondLst>
+                                    <p:cond delay="0"/>
+                                  </p:stCondLst>
+                                  <p:childTnLst>
+                                    <p:set>
+                                      <p:cBhvr>
+                                        <p:cTn id="10" dur="1" fill="hold">
+                                          <p:stCondLst>
+                                            <p:cond delay="0"/>
+                                          </p:stCondLst>
+                                        </p:cTn>
+                                        <p:tgtEl>
+                                          <p:spTgt spid="3">
+                                            <p:txEl>
+                                              <p:pRg st="1" end="1"/>
+                                            </p:txEl>
+                                          </p:spTgt>
+                                        </p:tgtEl>
+                                        <p:attrNameLst>
+                                          <p:attrName>style.visibility</p:attrName>
+                                        </p:attrNameLst>
+                                      </p:cBhvr>
+                                      <p:to>
+                                        <p:strVal val="visible"/>
+                                      </p:to>
+                                    </p:set>
+                                  </p:childTnLst>
+                                </p:cTn>
+                              </p:par>
+                              <p:par>
+                                <p:cTn id="11" presetID="1" presetClass="entr" presetSubtype="0" fill="hold" grpId="0" nodeType="withEffect">
+                                  <p:stCondLst>
+                                    <p:cond delay="0"/>
+                                  </p:stCondLst>
+                                  <p:childTnLst>
+                                    <p:set>
+                                      <p:cBhvr>
+                                        <p:cTn id="12" dur="1" fill="hold">
+                                          <p:stCondLst>
+                                            <p:cond delay="0"/>
+                                          </p:stCondLst>
+                                        </p:cTn>
+                                        <p:tgtEl>
+                                          <p:spTgt spid="3">
+                                            <p:txEl>
+                                              <p:pRg st="2" end="2"/>
+                                            </p:txEl>
+                                          </p:spTgt>
+                                        </p:tgtEl>
+                                        <p:attrNameLst>
+                                          <p:attrName>style.visibility</p:attrName>
+                                        </p:attrNameLst>
+                                      </p:cBhvr>
+                                      <p:to>
+                                        <p:strVal val="visible"/>
+                                      </p:to>
+                                    </p:set>
+                                  </p:childTnLst>
+                                </p:cTn>
+                              </p:par>
+                              <p:par>
+                                <p:cTn id="13" presetID="1" presetClass="entr" presetSubtype="0" fill="hold" grpId="0" nodeType="withEffect">
+                                  <p:stCondLst>
+                                    <p:cond delay="0"/>
+                                  </p:stCondLst>
+                                  <p:childTnLst>
+                                    <p:set>
+                                      <p:cBhvr>
+                                        <p:cTn id="14" dur="1" fill="hold">
+                                          <p:stCondLst>
+                                            <p:cond delay="0"/>
+                                          </p:stCondLst>
+                                        </p:cTn>
+                                        <p:tgtEl>
+                                          <p:spTgt spid="3">
+                                            <p:txEl>
+                                              <p:pRg st="3" end="3"/>
+                                            </p:txEl>
+                                          </p:spTgt>
+                                        </p:tgtEl>
+                                        <p:attrNameLst>
+                                          <p:attrName>style.visibility</p:attrName>
+                                        </p:attrNameLst>
+                                      </p:cBhvr>
+                                      <p:to>
+                                        <p:strVal val="visible"/>
+                                      </p:to>
+                                    </p:set>
+                                  </p:childTnLst>
+                                </p:cTn>
+                              </p:par>
+                            </p:childTnLst>
+                          </p:cTn>
+                        </p:par>
+                      </p:childTnLst>
+                    </p:cTn>
+                  </p:par>
+                  <p:par>
+                    <p:cTn id="15" fill="hold">
+                      <p:stCondLst>
+                        <p:cond delay="indefinite"/>
+                      </p:stCondLst>
+                      <p:childTnLst>
+                        <p:par>
+                          <p:cTn id="16" fill="hold">
+                            <p:stCondLst>
+                              <p:cond delay="0"/>
+                            </p:stCondLst>
+                            <p:childTnLst>
+                              <p:par>
+                                <p:cTn id="17" presetID="1" presetClass="entr" presetSubtype="0" fill="hold" grpId="0" nodeType="clickEffect">
+                                  <p:stCondLst>
+                                    <p:cond delay="0"/>
+                                  </p:stCondLst>
+                                  <p:childTnLst>
+                                    <p:set>
+                                      <p:cBhvr>
+                                        <p:cTn id="18" dur="1" fill="hold">
+                                          <p:stCondLst>
+                                            <p:cond delay="0"/>
+                                          </p:stCondLst>
+                                        </p:cTn>
+                                        <p:tgtEl>
+                                          <p:spTgt spid="3">
+                                            <p:txEl>
+                                              <p:pRg st="4" end="4"/>
+                                            </p:txEl>
+                                          </p:spTgt>
+                                        </p:tgtEl>
+                                        <p:attrNameLst>
+                                          <p:attrName>style.visibility</p:attrName>
+                                        </p:attrNameLst>
+                                      </p:cBhvr>
+                                      <p:to>
+                                        <p:strVal val="visible"/>
+                                      </p:to>
+                                    </p:set>
+                                  </p:childTnLst>
+                                </p:cTn>
+                              </p:par>
+                              <p:par>
+                                <p:cTn id="19" presetID="1" presetClass="entr" presetSubtype="0" fill="hold" grpId="0" nodeType="withEffect">
+                                  <p:stCondLst>
+                                    <p:cond delay="0"/>
+                                  </p:stCondLst>
+                                  <p:childTnLst>
+                                    <p:set>
+                                      <p:cBhvr>
+                                        <p:cTn id="20" dur="1" fill="hold">
+                                          <p:stCondLst>
+                                            <p:cond delay="0"/>
+                                          </p:stCondLst>
+                                        </p:cTn>
+                                        <p:tgtEl>
+                                          <p:spTgt spid="3">
+                                            <p:txEl>
+                                              <p:pRg st="5" end="5"/>
+                                            </p:txEl>
+                                          </p:spTgt>
+                                        </p:tgtEl>
+                                        <p:attrNameLst>
+                                          <p:attrName>style.visibility</p:attrName>
+                                        </p:attrNameLst>
+                                      </p:cBhvr>
+                                      <p:to>
+                                        <p:strVal val="visible"/>
+                                      </p:to>
+                                    </p:set>
+                                  </p:childTnLst>
+                                </p:cTn>
+                              </p:par>
+                              <p:par>
+                                <p:cTn id="21" presetID="1" presetClass="entr" presetSubtype="0" fill="hold" grpId="0" nodeType="withEffect">
+                                  <p:stCondLst>
+                                    <p:cond delay="0"/>
+                                  </p:stCondLst>
+                                  <p:childTnLst>
+                                    <p:set>
+                                      <p:cBhvr>
+                                        <p:cTn id="22" dur="1" fill="hold">
+                                          <p:stCondLst>
+                                            <p:cond delay="0"/>
+                                          </p:stCondLst>
+                                        </p:cTn>
+                                        <p:tgtEl>
+                                          <p:spTgt spid="3">
+                                            <p:txEl>
+                                              <p:pRg st="6" end="6"/>
+                                            </p:txEl>
+                                          </p:spTgt>
+                                        </p:tgtEl>
+                                        <p:attrNameLst>
+                                          <p:attrName>style.visibility</p:attrName>
+                                        </p:attrNameLst>
+                                      </p:cBhvr>
+                                      <p:to>
+                                        <p:strVal val="visible"/>
+                                      </p:to>
+                                    </p:set>
+                                  </p:childTnLst>
+                                </p:cTn>
+                              </p:par>
+                              <p:par>
+                                <p:cTn id="23" presetID="1" presetClass="entr" presetSubtype="0" fill="hold" grpId="0" nodeType="withEffect">
+                                  <p:stCondLst>
+                                    <p:cond delay="0"/>
+                                  </p:stCondLst>
+                                  <p:childTnLst>
+                                    <p:set>
+                                      <p:cBhvr>
+                                        <p:cTn id="24" dur="1" fill="hold">
+                                          <p:stCondLst>
+                                            <p:cond delay="0"/>
+                                          </p:stCondLst>
+                                        </p:cTn>
+                                        <p:tgtEl>
+                                          <p:spTgt spid="3">
+                                            <p:txEl>
+                                              <p:pRg st="7" end="7"/>
+                                            </p:txEl>
+                                          </p:spTgt>
+                                        </p:tgtEl>
+                                        <p:attrNameLst>
+                                          <p:attrName>style.visibility</p:attrName>
+                                        </p:attrNameLst>
+                                      </p:cBhvr>
+                                      <p:to>
+                                        <p:strVal val="visible"/>
+                                      </p:to>
+                                    </p:set>
+                                  </p:childTnLst>
+                                </p:cTn>
+                              </p:par>
+                            </p:childTnLst>
+                          </p:cTn>
+                        </p:par>
+                      </p:childTnLst>
+                    </p:cTn>
+                  </p:par>
+                </p:childTnLst>
+              </p:cTn>
+              <p:prevCondLst>
+                <p:cond evt="onPrev" delay="0">
+                  <p:tgtEl>
+                    <p:sldTgt/>
+                  </p:tgtEl>
+                </p:cond>
+              </p:prevCondLst>
+              <p:nextCondLst>
+                <p:cond evt="onNext" delay="0">
+                  <p:tgtEl>
+                    <p:sldTgt/>
+                  </p:tgtEl>
+                </p:cond>
+              </p:nextCondLst>
+            </p:seq>
+          </p:childTnLst>
+        </p:cTn>
+      </p:par>
+    </p:tnLst>
+    <p:bldLst>
+      <p:bldP spid="3" grpId="0" build="p"/>
+    </p:bldLst>
+  </p:timing>
+</p:sld>
+</file>
+
+<file path=ppt/slides/slide9.xml><?xml version="1.0" encoding="utf-8"?>
+<p:sld xmlns:a="http://schemas.openxmlformats.org/drawingml/2006/main" xmlns:r="http://schemas.openxmlformats.org/officeDocument/2006/relationships" xmlns:p="http://schemas.openxmlformats.org/presentationml/2006/main">
+  <p:cSld>
+    <p:spTree>
+      <p:nvGrpSpPr>
+        <p:cNvPr id="1" name=""/>
+        <p:cNvGrpSpPr/>
+        <p:nvPr/>
+      </p:nvGrpSpPr>
+      <p:grpSpPr>
+        <a:xfrm>
+          <a:off x="0" y="0"/>
+          <a:ext cx="0" cy="0"/>
+          <a:chOff x="0" y="0"/>
+          <a:chExt cx="0" cy="0"/>
+        </a:xfrm>
+      </p:grpSpPr>
+      <p:sp>
+        <p:nvSpPr>
+          <p:cNvPr id="2" name="Title 1"/>
+          <p:cNvSpPr>
+            <a:spLocks noGrp="1"/>
+          </p:cNvSpPr>
+          <p:nvPr>
+            <p:ph type="title"/>
+          </p:nvPr>
+        </p:nvSpPr>
+        <p:spPr>
+          <a:xfrm>
+            <a:off x="838200" y="365125"/>
+            <a:ext cx="10515600" cy="1025793"/>
+          </a:xfrm>
+        </p:spPr>
+        <p:txBody>
+          <a:bodyPr/>
+          <a:lstStyle/>
+          <a:p>
+            <a:pPr algn="ctr"/>
+            <a:r>
+              <a:rPr lang="hu-HU" dirty="0"/>
+              <a:t>Egyetemi karrier hosszabb távon</a:t>
+            </a:r>
+          </a:p>
+        </p:txBody>
+      </p:sp>
+      <p:sp>
+        <p:nvSpPr>
+          <p:cNvPr id="3" name="Content Placeholder 2"/>
+          <p:cNvSpPr>
+            <a:spLocks noGrp="1"/>
+          </p:cNvSpPr>
+          <p:nvPr>
+            <p:ph idx="1"/>
+          </p:nvPr>
+        </p:nvSpPr>
+        <p:spPr>
+          <a:xfrm>
+            <a:off x="838200" y="1390918"/>
+            <a:ext cx="10515600" cy="5215944"/>
+          </a:xfrm>
+        </p:spPr>
+        <p:txBody>
+          <a:bodyPr>
+            <a:normAutofit fontScale="92500" lnSpcReduction="20000"/>
+          </a:bodyPr>
+          <a:lstStyle/>
+          <a:p>
+            <a:r>
+              <a:rPr lang="hu-HU" dirty="0"/>
+              <a:t>Ha elég elkötelezett vagy..</a:t>
+            </a:r>
+          </a:p>
+          <a:p>
+            <a:r>
+              <a:rPr lang="hu-HU" dirty="0"/>
+              <a:t>Dönthetsz úgy, hogy az ipar helyett az egyetemen folytatod a munkád</a:t>
+            </a:r>
+          </a:p>
+          <a:p>
+            <a:r>
+              <a:rPr lang="hu-HU" dirty="0"/>
+              <a:t>Doktori öszöndíj, pályázatok, órák tartása – elfogadható jövedelem</a:t>
+            </a:r>
+          </a:p>
+          <a:p>
+            <a:r>
+              <a:rPr lang="hu-HU" dirty="0"/>
+              <a:t>Publikációk írása, doktori munka megírása, megvédése, tárgyak is vannak..</a:t>
+            </a:r>
+          </a:p>
+          <a:p>
+            <a:r>
+              <a:rPr lang="hu-HU" dirty="0"/>
+              <a:t>Rugalmas időbeosztás (annyit dolgozol, amit vállalsz)</a:t>
+            </a:r>
+          </a:p>
+          <a:p>
+            <a:r>
+              <a:rPr lang="hu-HU" dirty="0"/>
+              <a:t>Bizonytalanabb jövedelemforrás, sok felé szakadsz, könnyen túlvállalod magad</a:t>
+            </a:r>
+          </a:p>
+          <a:p>
+            <a:r>
+              <a:rPr lang="hu-HU" dirty="0"/>
+              <a:t>Egyénibb munka, kisebb csapatokban dolgozol csak</a:t>
+            </a:r>
+          </a:p>
+          <a:p>
+            <a:r>
+              <a:rPr lang="hu-HU" dirty="0"/>
+              <a:t>A szakmát fejeszted, nem egy konkrét alklmazást (pl. egy programozási nyelvet..)</a:t>
+            </a:r>
+          </a:p>
+          <a:p>
+            <a:r>
+              <a:rPr lang="hu-HU" dirty="0"/>
+              <a:t>Az ötleteidet valósíthatod meg, és általában nem egy ügyfél </a:t>
+            </a:r>
+            <a:r>
+              <a:rPr lang="hu-HU" dirty="0" smtClean="0"/>
+              <a:t>kivánságát (emiatt ritkán vanak jól definiált feladatok)</a:t>
+            </a:r>
+            <a:endParaRPr lang="hu-HU" dirty="0"/>
+          </a:p>
+          <a:p>
+            <a:r>
+              <a:rPr lang="hu-HU" dirty="0"/>
+              <a:t>Innovatívabb</a:t>
+            </a:r>
+          </a:p>
+        </p:txBody>
+      </p:sp>
+    </p:spTree>
+    <p:extLst>
+      <p:ext uri="{BB962C8B-B14F-4D97-AF65-F5344CB8AC3E}">
+        <p14:creationId xmlns:p14="http://schemas.microsoft.com/office/powerpoint/2010/main" val="3402527424"/>
+      </p:ext>
+    </p:extLst>
+  </p:cSld>
+  <p:clrMapOvr>
+    <a:masterClrMapping/>
+  </p:clrMapOvr>
+  <p:timing>
+    <p:tnLst>
+      <p:par>
+        <p:cTn id="1" dur="indefinite" restart="never" nodeType="tmRoot">
+          <p:childTnLst>
+            <p:seq concurrent="1" nextAc="seek">
+              <p:cTn id="2" dur="indefinite" nodeType="mainSeq">
+                <p:childTnLst>
+                  <p:par>
+                    <p:cTn id="3" fill="hold">
+                      <p:stCondLst>
+                        <p:cond delay="indefinite"/>
+                      </p:stCondLst>
+                      <p:childTnLst>
+                        <p:par>
+                          <p:cTn id="4" fill="hold">
+                            <p:stCondLst>
+                              <p:cond delay="0"/>
+                            </p:stCondLst>
+                            <p:childTnLst>
+                              <p:par>
+                                <p:cTn id="5" presetID="1" presetClass="entr" presetSubtype="0" fill="hold" grpId="0" nodeType="clickEffect">
+                                  <p:stCondLst>
+                                    <p:cond delay="0"/>
+                                  </p:stCondLst>
+                                  <p:childTnLst>
+                                    <p:set>
+                                      <p:cBhvr>
+                                        <p:cTn id="6" dur="1" fill="hold">
+                                          <p:stCondLst>
+                                            <p:cond delay="0"/>
+                                          </p:stCondLst>
+                                        </p:cTn>
+                                        <p:tgtEl>
+                                          <p:spTgt spid="3">
+                                            <p:txEl>
+                                              <p:pRg st="0" end="0"/>
+                                            </p:txEl>
+                                          </p:spTgt>
+                                        </p:tgtEl>
+                                        <p:attrNameLst>
+                                          <p:attrName>style.visibility</p:attrName>
+                                        </p:attrNameLst>
+                                      </p:cBhvr>
+                                      <p:to>
+                                        <p:strVal val="visible"/>
+                                      </p:to>
+                                    </p:set>
+                                  </p:childTnLst>
+                                </p:cTn>
+                              </p:par>
+                            </p:childTnLst>
+                          </p:cTn>
+                        </p:par>
+                      </p:childTnLst>
+                    </p:cTn>
+                  </p:par>
+                  <p:par>
+                    <p:cTn id="7" fill="hold">
+                      <p:stCondLst>
+                        <p:cond delay="indefinite"/>
+                      </p:stCondLst>
+                      <p:childTnLst>
+                        <p:par>
+                          <p:cTn id="8" fill="hold">
+                            <p:stCondLst>
+                              <p:cond delay="0"/>
+                            </p:stCondLst>
+                            <p:childTnLst>
+                              <p:par>
+                                <p:cTn id="9" presetID="1" presetClass="entr" presetSubtype="0" fill="hold" grpId="0" nodeType="clickEffect">
+                                  <p:stCondLst>
+                                    <p:cond delay="0"/>
+                                  </p:stCondLst>
+                                  <p:childTnLst>
+                                    <p:set>
+                                      <p:cBhvr>
+                                        <p:cTn id="10" dur="1" fill="hold">
+                                          <p:stCondLst>
+                                            <p:cond delay="0"/>
+                                          </p:stCondLst>
+                                        </p:cTn>
+                                        <p:tgtEl>
+                                          <p:spTgt spid="3">
+                                            <p:txEl>
+                                              <p:pRg st="1" end="1"/>
+                                            </p:txEl>
+                                          </p:spTgt>
+                                        </p:tgtEl>
+                                        <p:attrNameLst>
+                                          <p:attrName>style.visibility</p:attrName>
+                                        </p:attrNameLst>
+                                      </p:cBhvr>
+                                      <p:to>
+                                        <p:strVal val="visible"/>
+                                      </p:to>
+                                    </p:set>
+                                  </p:childTnLst>
+                                </p:cTn>
+                              </p:par>
+                            </p:childTnLst>
+                          </p:cTn>
+                        </p:par>
+                      </p:childTnLst>
+                    </p:cTn>
+                  </p:par>
+                  <p:par>
+                    <p:cTn id="11" fill="hold">
+                      <p:stCondLst>
+                        <p:cond delay="indefinite"/>
+                      </p:stCondLst>
+                      <p:childTnLst>
+                        <p:par>
+                          <p:cTn id="12" fill="hold">
+                            <p:stCondLst>
+                              <p:cond delay="0"/>
+                            </p:stCondLst>
+                            <p:childTnLst>
+                              <p:par>
+                                <p:cTn id="13" presetID="1" presetClass="entr" presetSubtype="0" fill="hold" grpId="0" nodeType="clickEffect">
+                                  <p:stCondLst>
+                                    <p:cond delay="0"/>
+                                  </p:stCondLst>
+                                  <p:childTnLst>
+                                    <p:set>
+                                      <p:cBhvr>
+                                        <p:cTn id="14" dur="1" fill="hold">
+                                          <p:stCondLst>
+                                            <p:cond delay="0"/>
+                                          </p:stCondLst>
+                                        </p:cTn>
+                                        <p:tgtEl>
+                                          <p:spTgt spid="3">
+                                            <p:txEl>
+                                              <p:pRg st="2" end="2"/>
+                                            </p:txEl>
+                                          </p:spTgt>
+                                        </p:tgtEl>
+                                        <p:attrNameLst>
+                                          <p:attrName>style.visibility</p:attrName>
+                                        </p:attrNameLst>
+                                      </p:cBhvr>
+                                      <p:to>
+                                        <p:strVal val="visible"/>
+                                      </p:to>
+                                    </p:set>
+                                  </p:childTnLst>
+                                </p:cTn>
+                              </p:par>
+                            </p:childTnLst>
+                          </p:cTn>
+                        </p:par>
+                      </p:childTnLst>
+                    </p:cTn>
+                  </p:par>
+                  <p:par>
+                    <p:cTn id="15" fill="hold">
+                      <p:stCondLst>
+                        <p:cond delay="indefinite"/>
+                      </p:stCondLst>
+                      <p:childTnLst>
+                        <p:par>
+                          <p:cTn id="16" fill="hold">
+                            <p:stCondLst>
+                              <p:cond delay="0"/>
+                            </p:stCondLst>
+                            <p:childTnLst>
+                              <p:par>
+                                <p:cTn id="17" presetID="1" presetClass="entr" presetSubtype="0" fill="hold" grpId="0" nodeType="clickEffect">
+                                  <p:stCondLst>
+                                    <p:cond delay="0"/>
+                                  </p:stCondLst>
+                                  <p:childTnLst>
+                                    <p:set>
+                                      <p:cBhvr>
+                                        <p:cTn id="18" dur="1" fill="hold">
+                                          <p:stCondLst>
+                                            <p:cond delay="0"/>
+                                          </p:stCondLst>
+                                        </p:cTn>
+                                        <p:tgtEl>
+                                          <p:spTgt spid="3">
+                                            <p:txEl>
+                                              <p:pRg st="3" end="3"/>
+                                            </p:txEl>
+                                          </p:spTgt>
+                                        </p:tgtEl>
+                                        <p:attrNameLst>
+                                          <p:attrName>style.visibility</p:attrName>
+                                        </p:attrNameLst>
+                                      </p:cBhvr>
+                                      <p:to>
+                                        <p:strVal val="visible"/>
+                                      </p:to>
+                                    </p:set>
+                                  </p:childTnLst>
+                                </p:cTn>
+                              </p:par>
+                            </p:childTnLst>
+                          </p:cTn>
+                        </p:par>
+                      </p:childTnLst>
+                    </p:cTn>
+                  </p:par>
+                  <p:par>
+                    <p:cTn id="19" fill="hold">
+                      <p:stCondLst>
+                        <p:cond delay="indefinite"/>
+                      </p:stCondLst>
+                      <p:childTnLst>
+                        <p:par>
+                          <p:cTn id="20" fill="hold">
+                            <p:stCondLst>
+                              <p:cond delay="0"/>
+                            </p:stCondLst>
+                            <p:childTnLst>
+                              <p:par>
+                                <p:cTn id="21" presetID="1" presetClass="entr" presetSubtype="0" fill="hold" grpId="0" nodeType="clickEffect">
+                                  <p:stCondLst>
+                                    <p:cond delay="0"/>
+                                  </p:stCondLst>
+                                  <p:childTnLst>
+                                    <p:set>
+                                      <p:cBhvr>
+                                        <p:cTn id="22" dur="1" fill="hold">
+                                          <p:stCondLst>
+                                            <p:cond delay="0"/>
+                                          </p:stCondLst>
+                                        </p:cTn>
+                                        <p:tgtEl>
+                                          <p:spTgt spid="3">
+                                            <p:txEl>
+                                              <p:pRg st="4" end="4"/>
+                                            </p:txEl>
+                                          </p:spTgt>
+                                        </p:tgtEl>
+                                        <p:attrNameLst>
+                                          <p:attrName>style.visibility</p:attrName>
+                                        </p:attrNameLst>
+                                      </p:cBhvr>
+                                      <p:to>
+                                        <p:strVal val="visible"/>
+                                      </p:to>
+                                    </p:set>
+                                  </p:childTnLst>
+                                </p:cTn>
+                              </p:par>
+                            </p:childTnLst>
+                          </p:cTn>
+                        </p:par>
+                      </p:childTnLst>
+                    </p:cTn>
+                  </p:par>
+                  <p:par>
+                    <p:cTn id="23" fill="hold">
+                      <p:stCondLst>
+                        <p:cond delay="indefinite"/>
+                      </p:stCondLst>
+                      <p:childTnLst>
+                        <p:par>
+                          <p:cTn id="24" fill="hold">
+                            <p:stCondLst>
+                              <p:cond delay="0"/>
+                            </p:stCondLst>
+                            <p:childTnLst>
+                              <p:par>
+                                <p:cTn id="25" presetID="1" presetClass="entr" presetSubtype="0" fill="hold" grpId="0" nodeType="clickEffect">
+                                  <p:stCondLst>
+                                    <p:cond delay="0"/>
+                                  </p:stCondLst>
+                                  <p:childTnLst>
+                                    <p:set>
+                                      <p:cBhvr>
+                                        <p:cTn id="26" dur="1" fill="hold">
+                                          <p:stCondLst>
+                                            <p:cond delay="0"/>
+                                          </p:stCondLst>
+                                        </p:cTn>
+                                        <p:tgtEl>
+                                          <p:spTgt spid="3">
+                                            <p:txEl>
+                                              <p:pRg st="5" end="5"/>
+                                            </p:txEl>
+                                          </p:spTgt>
+                                        </p:tgtEl>
+                                        <p:attrNameLst>
+                                          <p:attrName>style.visibility</p:attrName>
+                                        </p:attrNameLst>
+                                      </p:cBhvr>
+                                      <p:to>
+                                        <p:strVal val="visible"/>
+                                      </p:to>
+                                    </p:set>
+                                  </p:childTnLst>
+                                </p:cTn>
+                              </p:par>
+                            </p:childTnLst>
+                          </p:cTn>
+                        </p:par>
+                      </p:childTnLst>
+                    </p:cTn>
+                  </p:par>
+                  <p:par>
+                    <p:cTn id="27" fill="hold">
+                      <p:stCondLst>
+                        <p:cond delay="indefinite"/>
+                      </p:stCondLst>
+                      <p:childTnLst>
+                        <p:par>
+                          <p:cTn id="28" fill="hold">
+                            <p:stCondLst>
+                              <p:cond delay="0"/>
+                            </p:stCondLst>
+                            <p:childTnLst>
+                              <p:par>
+                                <p:cTn id="29" presetID="1" presetClass="entr" presetSubtype="0" fill="hold" grpId="0" nodeType="clickEffect">
+                                  <p:stCondLst>
+                                    <p:cond delay="0"/>
+                                  </p:stCondLst>
+                                  <p:childTnLst>
+                                    <p:set>
+                                      <p:cBhvr>
+                                        <p:cTn id="30" dur="1" fill="hold">
+                                          <p:stCondLst>
+                                            <p:cond delay="0"/>
+                                          </p:stCondLst>
+                                        </p:cTn>
+                                        <p:tgtEl>
+                                          <p:spTgt spid="3">
+                                            <p:txEl>
+                                              <p:pRg st="6" end="6"/>
+                                            </p:txEl>
+                                          </p:spTgt>
+                                        </p:tgtEl>
+                                        <p:attrNameLst>
+                                          <p:attrName>style.visibility</p:attrName>
+                                        </p:attrNameLst>
+                                      </p:cBhvr>
+                                      <p:to>
+                                        <p:strVal val="visible"/>
+                                      </p:to>
+                                    </p:set>
+                                  </p:childTnLst>
+                                </p:cTn>
+                              </p:par>
+                            </p:childTnLst>
+                          </p:cTn>
+                        </p:par>
+                      </p:childTnLst>
+                    </p:cTn>
+                  </p:par>
+                  <p:par>
+                    <p:cTn id="31" fill="hold">
+                      <p:stCondLst>
+                        <p:cond delay="indefinite"/>
+                      </p:stCondLst>
+                      <p:childTnLst>
+                        <p:par>
+                          <p:cTn id="32" fill="hold">
+                            <p:stCondLst>
+                              <p:cond delay="0"/>
+                            </p:stCondLst>
+                            <p:childTnLst>
+                              <p:par>
+                                <p:cTn id="33" presetID="1" presetClass="entr" presetSubtype="0" fill="hold" grpId="0" nodeType="clickEffect">
+                                  <p:stCondLst>
+                                    <p:cond delay="0"/>
+                                  </p:stCondLst>
+                                  <p:childTnLst>
+                                    <p:set>
+                                      <p:cBhvr>
+                                        <p:cTn id="34" dur="1" fill="hold">
+                                          <p:stCondLst>
+                                            <p:cond delay="0"/>
+                                          </p:stCondLst>
+                                        </p:cTn>
+                                        <p:tgtEl>
+                                          <p:spTgt spid="3">
+                                            <p:txEl>
+                                              <p:pRg st="7" end="7"/>
+                                            </p:txEl>
+                                          </p:spTgt>
+                                        </p:tgtEl>
+                                        <p:attrNameLst>
+                                          <p:attrName>style.visibility</p:attrName>
+                                        </p:attrNameLst>
+                                      </p:cBhvr>
+                                      <p:to>
+                                        <p:strVal val="visible"/>
+                                      </p:to>
+                                    </p:set>
+                                  </p:childTnLst>
+                                </p:cTn>
+                              </p:par>
+                            </p:childTnLst>
+                          </p:cTn>
+                        </p:par>
+                      </p:childTnLst>
+                    </p:cTn>
+                  </p:par>
+                  <p:par>
+                    <p:cTn id="35" fill="hold">
+                      <p:stCondLst>
+                        <p:cond delay="indefinite"/>
+                      </p:stCondLst>
+                      <p:childTnLst>
+                        <p:par>
+                          <p:cTn id="36" fill="hold">
+                            <p:stCondLst>
+                              <p:cond delay="0"/>
+                            </p:stCondLst>
+                            <p:childTnLst>
+                              <p:par>
+                                <p:cTn id="37" presetID="1" presetClass="entr" presetSubtype="0" fill="hold" grpId="0" nodeType="clickEffect">
+                                  <p:stCondLst>
+                                    <p:cond delay="0"/>
+                                  </p:stCondLst>
+                                  <p:childTnLst>
+                                    <p:set>
+                                      <p:cBhvr>
+                                        <p:cTn id="38" dur="1" fill="hold">
+                                          <p:stCondLst>
+                                            <p:cond delay="0"/>
+                                          </p:stCondLst>
+                                        </p:cTn>
+                                        <p:tgtEl>
+                                          <p:spTgt spid="3">
+                                            <p:txEl>
+                                              <p:pRg st="8" end="8"/>
+                                            </p:txEl>
+                                          </p:spTgt>
+                                        </p:tgtEl>
+                                        <p:attrNameLst>
+                                          <p:attrName>style.visibility</p:attrName>
+                                        </p:attrNameLst>
+                                      </p:cBhvr>
+                                      <p:to>
+                                        <p:strVal val="visible"/>
+                                      </p:to>
+                                    </p:set>
+                                  </p:childTnLst>
+                                </p:cTn>
+                              </p:par>
+                            </p:childTnLst>
+                          </p:cTn>
+                        </p:par>
+                      </p:childTnLst>
+                    </p:cTn>
+                  </p:par>
+                  <p:par>
+                    <p:cTn id="39" fill="hold">
+                      <p:stCondLst>
+                        <p:cond delay="indefinite"/>
+                      </p:stCondLst>
+                      <p:childTnLst>
+                        <p:par>
+                          <p:cTn id="40" fill="hold">
+                            <p:stCondLst>
+                              <p:cond delay="0"/>
+                            </p:stCondLst>
+                            <p:childTnLst>
+                              <p:par>
+                                <p:cTn id="41" presetID="1" presetClass="entr" presetSubtype="0" fill="hold" grpId="0" nodeType="clickEffect">
+                                  <p:stCondLst>
+                                    <p:cond delay="0"/>
+                                  </p:stCondLst>
+                                  <p:childTnLst>
+                                    <p:set>
+                                      <p:cBhvr>
+                                        <p:cTn id="42" dur="1" fill="hold">
+                                          <p:stCondLst>
+                                            <p:cond delay="0"/>
+                                          </p:stCondLst>
+                                        </p:cTn>
+                                        <p:tgtEl>
+                                          <p:spTgt spid="3">
+                                            <p:txEl>
+                                              <p:pRg st="9" end="9"/>
+                                            </p:txEl>
+                                          </p:spTgt>
+                                        </p:tgtEl>
+                                        <p:attrNameLst>
+                                          <p:attrName>style.visibility</p:attrName>
+                                        </p:attrNameLst>
+                                      </p:cBhvr>
+                                      <p:to>
+                                        <p:strVal val="visible"/>
+                                      </p:to>
+                                    </p:set>
+                                  </p:childTnLst>
+                                </p:cTn>
+                              </p:par>
+                            </p:childTnLst>
+                          </p:cTn>
+                        </p:par>
+                      </p:childTnLst>
+                    </p:cTn>
+                  </p:par>
+                </p:childTnLst>
+              </p:cTn>
+              <p:prevCondLst>
+                <p:cond evt="onPrev" delay="0">
+                  <p:tgtEl>
+                    <p:sldTgt/>
+                  </p:tgtEl>
+                </p:cond>
+              </p:prevCondLst>
+              <p:nextCondLst>
+                <p:cond evt="onNext" delay="0">
+                  <p:tgtEl>
+                    <p:sldTgt/>
+                  </p:tgtEl>
+                </p:cond>
+              </p:nextCondLst>
+            </p:seq>
+          </p:childTnLst>
+        </p:cTn>
+      </p:par>
+    </p:tnLst>
+    <p:bldLst>
+      <p:bldP spid="3" grpId="0" build="p"/>
+    </p:bldLst>
+  </p:timing>
 </p:sld>
 </file>
 

--- a/efop/03/Programozók világa.pptx
+++ b/efop/03/Programozók világa.pptx
@@ -254,7 +254,7 @@
           <a:p>
             <a:fld id="{20357631-FF36-4D82-B011-A26686633743}" type="datetimeFigureOut">
               <a:rPr lang="hu-HU" smtClean="0"/>
-              <a:t>2018.10.09.</a:t>
+              <a:t>2018. 10. 09.</a:t>
             </a:fld>
             <a:endParaRPr lang="hu-HU"/>
           </a:p>
@@ -424,7 +424,7 @@
           <a:p>
             <a:fld id="{20357631-FF36-4D82-B011-A26686633743}" type="datetimeFigureOut">
               <a:rPr lang="hu-HU" smtClean="0"/>
-              <a:t>2018.10.09.</a:t>
+              <a:t>2018. 10. 09.</a:t>
             </a:fld>
             <a:endParaRPr lang="hu-HU"/>
           </a:p>
@@ -604,7 +604,7 @@
           <a:p>
             <a:fld id="{20357631-FF36-4D82-B011-A26686633743}" type="datetimeFigureOut">
               <a:rPr lang="hu-HU" smtClean="0"/>
-              <a:t>2018.10.09.</a:t>
+              <a:t>2018. 10. 09.</a:t>
             </a:fld>
             <a:endParaRPr lang="hu-HU"/>
           </a:p>
@@ -774,7 +774,7 @@
           <a:p>
             <a:fld id="{20357631-FF36-4D82-B011-A26686633743}" type="datetimeFigureOut">
               <a:rPr lang="hu-HU" smtClean="0"/>
-              <a:t>2018.10.09.</a:t>
+              <a:t>2018. 10. 09.</a:t>
             </a:fld>
             <a:endParaRPr lang="hu-HU"/>
           </a:p>
@@ -1020,7 +1020,7 @@
           <a:p>
             <a:fld id="{20357631-FF36-4D82-B011-A26686633743}" type="datetimeFigureOut">
               <a:rPr lang="hu-HU" smtClean="0"/>
-              <a:t>2018.10.09.</a:t>
+              <a:t>2018. 10. 09.</a:t>
             </a:fld>
             <a:endParaRPr lang="hu-HU"/>
           </a:p>
@@ -1252,7 +1252,7 @@
           <a:p>
             <a:fld id="{20357631-FF36-4D82-B011-A26686633743}" type="datetimeFigureOut">
               <a:rPr lang="hu-HU" smtClean="0"/>
-              <a:t>2018.10.09.</a:t>
+              <a:t>2018. 10. 09.</a:t>
             </a:fld>
             <a:endParaRPr lang="hu-HU"/>
           </a:p>
@@ -1619,7 +1619,7 @@
           <a:p>
             <a:fld id="{20357631-FF36-4D82-B011-A26686633743}" type="datetimeFigureOut">
               <a:rPr lang="hu-HU" smtClean="0"/>
-              <a:t>2018.10.09.</a:t>
+              <a:t>2018. 10. 09.</a:t>
             </a:fld>
             <a:endParaRPr lang="hu-HU"/>
           </a:p>
@@ -1737,7 +1737,7 @@
           <a:p>
             <a:fld id="{20357631-FF36-4D82-B011-A26686633743}" type="datetimeFigureOut">
               <a:rPr lang="hu-HU" smtClean="0"/>
-              <a:t>2018.10.09.</a:t>
+              <a:t>2018. 10. 09.</a:t>
             </a:fld>
             <a:endParaRPr lang="hu-HU"/>
           </a:p>
@@ -1832,7 +1832,7 @@
           <a:p>
             <a:fld id="{20357631-FF36-4D82-B011-A26686633743}" type="datetimeFigureOut">
               <a:rPr lang="hu-HU" smtClean="0"/>
-              <a:t>2018.10.09.</a:t>
+              <a:t>2018. 10. 09.</a:t>
             </a:fld>
             <a:endParaRPr lang="hu-HU"/>
           </a:p>
@@ -2109,7 +2109,7 @@
           <a:p>
             <a:fld id="{20357631-FF36-4D82-B011-A26686633743}" type="datetimeFigureOut">
               <a:rPr lang="hu-HU" smtClean="0"/>
-              <a:t>2018.10.09.</a:t>
+              <a:t>2018. 10. 09.</a:t>
             </a:fld>
             <a:endParaRPr lang="hu-HU"/>
           </a:p>
@@ -2362,7 +2362,7 @@
           <a:p>
             <a:fld id="{20357631-FF36-4D82-B011-A26686633743}" type="datetimeFigureOut">
               <a:rPr lang="hu-HU" smtClean="0"/>
-              <a:t>2018.10.09.</a:t>
+              <a:t>2018. 10. 09.</a:t>
             </a:fld>
             <a:endParaRPr lang="hu-HU"/>
           </a:p>
@@ -2580,7 +2580,7 @@
           <a:p>
             <a:fld id="{20357631-FF36-4D82-B011-A26686633743}" type="datetimeFigureOut">
               <a:rPr lang="hu-HU" smtClean="0"/>
-              <a:t>2018.10.09.</a:t>
+              <a:t>2018. 10. 09.</a:t>
             </a:fld>
             <a:endParaRPr lang="hu-HU"/>
           </a:p>
@@ -3039,7 +3039,7 @@
               <a:buChar char="•"/>
             </a:pPr>
             <a:r>
-              <a:rPr lang="hu-HU" sz="3200" dirty="0" smtClean="0"/>
+              <a:rPr lang="hu-HU" sz="3200" dirty="0"/>
               <a:t>Érdemes-e a programozói pályát választani?</a:t>
             </a:r>
           </a:p>
@@ -3049,7 +3049,7 @@
               <a:buChar char="•"/>
             </a:pPr>
             <a:r>
-              <a:rPr lang="hu-HU" sz="3200" dirty="0" smtClean="0"/>
+              <a:rPr lang="hu-HU" sz="3200" dirty="0"/>
               <a:t>Érdemes-e egyetemre járni a szakma megtanulásához?</a:t>
             </a:r>
           </a:p>
@@ -3059,7 +3059,7 @@
               <a:buChar char="•"/>
             </a:pPr>
             <a:r>
-              <a:rPr lang="hu-HU" sz="3200" dirty="0" smtClean="0"/>
+              <a:rPr lang="hu-HU" sz="3200" dirty="0"/>
               <a:t>Milyen lehetőségekkel, döntésekkel szembesültem az egyetem alatt?</a:t>
             </a:r>
           </a:p>
@@ -3069,10 +3069,9 @@
               <a:buChar char="•"/>
             </a:pPr>
             <a:r>
-              <a:rPr lang="hu-HU" sz="3200" dirty="0" smtClean="0"/>
+              <a:rPr lang="hu-HU" sz="3200" dirty="0"/>
               <a:t>Milyen az ipari, milyen az akadémiai élet?</a:t>
             </a:r>
-            <a:endParaRPr lang="hu-HU" sz="3200" dirty="0"/>
           </a:p>
         </p:txBody>
       </p:sp>
@@ -3099,10 +3098,9 @@
           <a:lstStyle/>
           <a:p>
             <a:r>
-              <a:rPr lang="hu-HU" dirty="0" smtClean="0"/>
+              <a:rPr lang="hu-HU" dirty="0"/>
               <a:t>Készítette: Nagy András</a:t>
             </a:r>
-            <a:endParaRPr lang="hu-HU" dirty="0"/>
           </a:p>
         </p:txBody>
       </p:sp>
@@ -3119,9 +3117,213 @@
   <p:timing>
     <p:tnLst>
       <p:par>
-        <p:cTn id="1" dur="indefinite" restart="never" nodeType="tmRoot"/>
+        <p:cTn id="1" dur="indefinite" restart="never" nodeType="tmRoot">
+          <p:childTnLst>
+            <p:seq concurrent="1" nextAc="seek">
+              <p:cTn id="2" dur="indefinite" nodeType="mainSeq">
+                <p:childTnLst>
+                  <p:par>
+                    <p:cTn id="3" fill="hold">
+                      <p:stCondLst>
+                        <p:cond delay="indefinite"/>
+                      </p:stCondLst>
+                      <p:childTnLst>
+                        <p:par>
+                          <p:cTn id="4" fill="hold">
+                            <p:stCondLst>
+                              <p:cond delay="0"/>
+                            </p:stCondLst>
+                            <p:childTnLst>
+                              <p:par>
+                                <p:cTn id="5" presetID="1" presetClass="entr" presetSubtype="0" fill="hold" grpId="0" nodeType="clickEffect">
+                                  <p:stCondLst>
+                                    <p:cond delay="0"/>
+                                  </p:stCondLst>
+                                  <p:childTnLst>
+                                    <p:set>
+                                      <p:cBhvr>
+                                        <p:cTn id="6" dur="1" fill="hold">
+                                          <p:stCondLst>
+                                            <p:cond delay="0"/>
+                                          </p:stCondLst>
+                                        </p:cTn>
+                                        <p:tgtEl>
+                                          <p:spTgt spid="3">
+                                            <p:txEl>
+                                              <p:pRg st="0" end="0"/>
+                                            </p:txEl>
+                                          </p:spTgt>
+                                        </p:tgtEl>
+                                        <p:attrNameLst>
+                                          <p:attrName>style.visibility</p:attrName>
+                                        </p:attrNameLst>
+                                      </p:cBhvr>
+                                      <p:to>
+                                        <p:strVal val="visible"/>
+                                      </p:to>
+                                    </p:set>
+                                  </p:childTnLst>
+                                </p:cTn>
+                              </p:par>
+                              <p:par>
+                                <p:cTn id="7" presetID="1" presetClass="entr" presetSubtype="0" fill="hold" grpId="0" nodeType="withEffect">
+                                  <p:stCondLst>
+                                    <p:cond delay="0"/>
+                                  </p:stCondLst>
+                                  <p:childTnLst>
+                                    <p:set>
+                                      <p:cBhvr>
+                                        <p:cTn id="8" dur="1" fill="hold">
+                                          <p:stCondLst>
+                                            <p:cond delay="0"/>
+                                          </p:stCondLst>
+                                        </p:cTn>
+                                        <p:tgtEl>
+                                          <p:spTgt spid="3">
+                                            <p:txEl>
+                                              <p:pRg st="1" end="1"/>
+                                            </p:txEl>
+                                          </p:spTgt>
+                                        </p:tgtEl>
+                                        <p:attrNameLst>
+                                          <p:attrName>style.visibility</p:attrName>
+                                        </p:attrNameLst>
+                                      </p:cBhvr>
+                                      <p:to>
+                                        <p:strVal val="visible"/>
+                                      </p:to>
+                                    </p:set>
+                                  </p:childTnLst>
+                                </p:cTn>
+                              </p:par>
+                            </p:childTnLst>
+                          </p:cTn>
+                        </p:par>
+                      </p:childTnLst>
+                    </p:cTn>
+                  </p:par>
+                  <p:par>
+                    <p:cTn id="9" fill="hold">
+                      <p:stCondLst>
+                        <p:cond delay="indefinite"/>
+                      </p:stCondLst>
+                      <p:childTnLst>
+                        <p:par>
+                          <p:cTn id="10" fill="hold">
+                            <p:stCondLst>
+                              <p:cond delay="0"/>
+                            </p:stCondLst>
+                            <p:childTnLst>
+                              <p:par>
+                                <p:cTn id="11" presetID="1" presetClass="entr" presetSubtype="0" fill="hold" grpId="0" nodeType="clickEffect">
+                                  <p:stCondLst>
+                                    <p:cond delay="0"/>
+                                  </p:stCondLst>
+                                  <p:childTnLst>
+                                    <p:set>
+                                      <p:cBhvr>
+                                        <p:cTn id="12" dur="1" fill="hold">
+                                          <p:stCondLst>
+                                            <p:cond delay="0"/>
+                                          </p:stCondLst>
+                                        </p:cTn>
+                                        <p:tgtEl>
+                                          <p:spTgt spid="3">
+                                            <p:txEl>
+                                              <p:pRg st="2" end="2"/>
+                                            </p:txEl>
+                                          </p:spTgt>
+                                        </p:tgtEl>
+                                        <p:attrNameLst>
+                                          <p:attrName>style.visibility</p:attrName>
+                                        </p:attrNameLst>
+                                      </p:cBhvr>
+                                      <p:to>
+                                        <p:strVal val="visible"/>
+                                      </p:to>
+                                    </p:set>
+                                  </p:childTnLst>
+                                </p:cTn>
+                              </p:par>
+                            </p:childTnLst>
+                          </p:cTn>
+                        </p:par>
+                      </p:childTnLst>
+                    </p:cTn>
+                  </p:par>
+                  <p:par>
+                    <p:cTn id="13" fill="hold">
+                      <p:stCondLst>
+                        <p:cond delay="indefinite"/>
+                      </p:stCondLst>
+                      <p:childTnLst>
+                        <p:par>
+                          <p:cTn id="14" fill="hold">
+                            <p:stCondLst>
+                              <p:cond delay="0"/>
+                            </p:stCondLst>
+                            <p:childTnLst>
+                              <p:par>
+                                <p:cTn id="15" presetID="1" presetClass="entr" presetSubtype="0" fill="hold" grpId="0" nodeType="clickEffect">
+                                  <p:stCondLst>
+                                    <p:cond delay="0"/>
+                                  </p:stCondLst>
+                                  <p:childTnLst>
+                                    <p:set>
+                                      <p:cBhvr>
+                                        <p:cTn id="16" dur="1" fill="hold">
+                                          <p:stCondLst>
+                                            <p:cond delay="0"/>
+                                          </p:stCondLst>
+                                        </p:cTn>
+                                        <p:tgtEl>
+                                          <p:spTgt spid="3">
+                                            <p:txEl>
+                                              <p:pRg st="3" end="3"/>
+                                            </p:txEl>
+                                          </p:spTgt>
+                                        </p:tgtEl>
+                                        <p:attrNameLst>
+                                          <p:attrName>style.visibility</p:attrName>
+                                        </p:attrNameLst>
+                                      </p:cBhvr>
+                                      <p:to>
+                                        <p:strVal val="visible"/>
+                                      </p:to>
+                                    </p:set>
+                                  </p:childTnLst>
+                                </p:cTn>
+                              </p:par>
+                            </p:childTnLst>
+                          </p:cTn>
+                        </p:par>
+                      </p:childTnLst>
+                    </p:cTn>
+                  </p:par>
+                </p:childTnLst>
+              </p:cTn>
+              <p:prevCondLst>
+                <p:cond evt="onPrev" delay="0">
+                  <p:tgtEl>
+                    <p:sldTgt/>
+                  </p:tgtEl>
+                </p:cond>
+              </p:prevCondLst>
+              <p:nextCondLst>
+                <p:cond evt="onNext" delay="0">
+                  <p:tgtEl>
+                    <p:sldTgt/>
+                  </p:tgtEl>
+                </p:cond>
+              </p:nextCondLst>
+            </p:seq>
+          </p:childTnLst>
+        </p:cTn>
       </p:par>
     </p:tnLst>
+    <p:bldLst>
+      <p:bldP spid="3" grpId="0" build="p"/>
+    </p:bldLst>
   </p:timing>
 </p:sld>
 </file>
@@ -3160,10 +3362,9 @@
           <a:p>
             <a:pPr algn="ctr"/>
             <a:r>
-              <a:rPr lang="hu-HU" dirty="0" smtClean="0"/>
+              <a:rPr lang="hu-HU" dirty="0"/>
               <a:t>Programozói munka</a:t>
             </a:r>
-            <a:endParaRPr lang="hu-HU" dirty="0"/>
           </a:p>
         </p:txBody>
       </p:sp>
@@ -3249,10 +3450,9 @@
           <a:lstStyle/>
           <a:p>
             <a:r>
-              <a:rPr lang="hu-HU" sz="2400" dirty="0" smtClean="0"/>
+              <a:rPr lang="hu-HU" sz="2400" dirty="0"/>
               <a:t>Elképzelés:</a:t>
             </a:r>
-            <a:endParaRPr lang="hu-HU" sz="2400" dirty="0"/>
           </a:p>
         </p:txBody>
       </p:sp>
@@ -3279,10 +3479,9 @@
           <a:lstStyle/>
           <a:p>
             <a:r>
-              <a:rPr lang="hu-HU" sz="2400" dirty="0" smtClean="0"/>
+              <a:rPr lang="hu-HU" sz="2400" dirty="0"/>
               <a:t>Valóság:</a:t>
             </a:r>
-            <a:endParaRPr lang="hu-HU" sz="2400" dirty="0"/>
           </a:p>
         </p:txBody>
       </p:sp>
@@ -3496,13 +3695,8 @@
           <a:p>
             <a:r>
               <a:rPr lang="hu-HU" dirty="0"/>
-              <a:t>8 óra munka, 8 óra pihenés.. (de ez is </a:t>
-            </a:r>
-            <a:r>
-              <a:rPr lang="hu-HU" dirty="0" smtClean="0"/>
-              <a:t>cégfüggő, lehet rugalmasabb)</a:t>
-            </a:r>
-            <a:endParaRPr lang="hu-HU" dirty="0"/>
+              <a:t>8 óra munka, 8 óra pihenés.. (de ez is cégfüggő, lehet rugalmasabb)</a:t>
+            </a:r>
           </a:p>
           <a:p>
             <a:r>
@@ -3518,12 +3712,8 @@
           </a:p>
           <a:p>
             <a:r>
-              <a:rPr lang="hu-HU" dirty="0" smtClean="0"/>
-              <a:t>Szorosabb </a:t>
-            </a:r>
-            <a:r>
               <a:rPr lang="hu-HU" dirty="0"/>
-              <a:t>határidők</a:t>
+              <a:t>Szorosabb határidők</a:t>
             </a:r>
           </a:p>
           <a:p>
@@ -3547,23 +3737,14 @@
           <a:p>
             <a:r>
               <a:rPr lang="hu-HU" dirty="0"/>
-              <a:t>Az akadémia jobban az új dolgok létrehozásáról szól, az iparban nagy hangsúlyt kap a meglévő fejlesztések karbantartása</a:t>
-            </a:r>
-            <a:r>
-              <a:rPr lang="hu-HU" dirty="0" smtClean="0"/>
-              <a:t>..</a:t>
+              <a:t>Az akadémia jobban az új dolgok létrehozásáról szól, az iparban nagy hangsúlyt kap a meglévő fejlesztések karbantartása..</a:t>
             </a:r>
           </a:p>
           <a:p>
             <a:r>
               <a:rPr lang="hu-HU" dirty="0"/>
-              <a:t>Csapatmunka, feladatok szétválasztása, meetingek</a:t>
-            </a:r>
-            <a:r>
-              <a:rPr lang="hu-HU" dirty="0" smtClean="0"/>
-              <a:t>..</a:t>
-            </a:r>
-            <a:endParaRPr lang="hu-HU" dirty="0"/>
+              <a:t>Csapatmunka, feladatok szétválasztása, meetingek..</a:t>
+            </a:r>
           </a:p>
           <a:p>
             <a:r>
@@ -3574,7 +3755,7 @@
           <a:p>
             <a:r>
               <a:rPr lang="hu-HU" dirty="0"/>
-              <a:t>Kevésbé innovatív, bár nagyobb cégek foglalkoznak kutatás/fejlesztéssel (Ericcson, Google, Microsoft, stb)</a:t>
+              <a:t>Kevésbé innovatív, bár nagyobb cégek foglalkoznak kutatás/fejlesztéssel (Ericsson, Google, Microsoft, stb)</a:t>
             </a:r>
           </a:p>
         </p:txBody>
@@ -4254,10 +4435,9 @@
           <a:p>
             <a:pPr algn="ctr"/>
             <a:r>
-              <a:rPr lang="hu-HU" sz="6600" dirty="0" smtClean="0"/>
+              <a:rPr lang="hu-HU" sz="6600" dirty="0"/>
               <a:t>Köszönöm a figyelmet!</a:t>
             </a:r>
-            <a:endParaRPr lang="hu-HU" sz="6600" dirty="0"/>
           </a:p>
         </p:txBody>
       </p:sp>
@@ -4287,7 +4467,7 @@
               <a:buNone/>
             </a:pPr>
             <a:r>
-              <a:rPr lang="hu-HU" sz="4000" dirty="0" smtClean="0"/>
+              <a:rPr lang="hu-HU" sz="4000" dirty="0"/>
               <a:t>Kérdések..</a:t>
             </a:r>
           </a:p>
@@ -4316,29 +4496,28 @@
           <a:lstStyle/>
           <a:p>
             <a:r>
-              <a:rPr lang="hu-HU" sz="2800" dirty="0" smtClean="0"/>
+              <a:rPr lang="hu-HU" sz="2800" dirty="0"/>
               <a:t>Elérhetőség: </a:t>
             </a:r>
           </a:p>
           <a:p>
             <a:r>
-              <a:rPr lang="hu-HU" sz="2000" dirty="0" smtClean="0"/>
+              <a:rPr lang="hu-HU" sz="2000" dirty="0"/>
               <a:t>email: </a:t>
             </a:r>
             <a:r>
-              <a:rPr lang="hu-HU" sz="2000" i="1" dirty="0" smtClean="0">
+              <a:rPr lang="hu-HU" sz="2000" i="1" dirty="0">
                 <a:hlinkClick r:id="rId2"/>
               </a:rPr>
               <a:t>nagy.andras95@gmail.com</a:t>
             </a:r>
-            <a:endParaRPr lang="hu-HU" sz="2000" i="1" dirty="0" smtClean="0"/>
-          </a:p>
-          <a:p>
-            <a:r>
-              <a:rPr lang="hu-HU" sz="2000" dirty="0" smtClean="0"/>
+            <a:endParaRPr lang="hu-HU" sz="2000" i="1" dirty="0"/>
+          </a:p>
+          <a:p>
+            <a:r>
+              <a:rPr lang="hu-HU" sz="2000" dirty="0"/>
               <a:t>Finna Imola tanárnőn keresztül..</a:t>
             </a:r>
-            <a:endParaRPr lang="hu-HU" sz="2000" dirty="0"/>
           </a:p>
         </p:txBody>
       </p:sp>
@@ -4365,53 +4544,33 @@
           <a:lstStyle/>
           <a:p>
             <a:r>
-              <a:rPr lang="hu-HU" sz="2000" dirty="0" smtClean="0"/>
+              <a:rPr lang="hu-HU" sz="2000" dirty="0"/>
               <a:t>Részletes információk:</a:t>
             </a:r>
           </a:p>
           <a:p>
             <a:r>
-              <a:rPr lang="hu-HU" dirty="0" smtClean="0"/>
+              <a:rPr lang="hu-HU" dirty="0"/>
               <a:t>Felvi - </a:t>
-            </a:r>
-            <a:r>
-              <a:rPr lang="hu-HU" dirty="0" smtClean="0">
-                <a:hlinkClick r:id="rId3"/>
-              </a:rPr>
-              <a:t>https</a:t>
             </a:r>
             <a:r>
               <a:rPr lang="hu-HU" dirty="0">
                 <a:hlinkClick r:id="rId3"/>
               </a:rPr>
-              <a:t>://www.felvi.hu</a:t>
-            </a:r>
-            <a:r>
-              <a:rPr lang="hu-HU" dirty="0" smtClean="0">
-                <a:hlinkClick r:id="rId3"/>
-              </a:rPr>
-              <a:t>/</a:t>
-            </a:r>
-            <a:endParaRPr lang="hu-HU" dirty="0" smtClean="0"/>
+              <a:t>https://www.felvi.hu/</a:t>
+            </a:r>
+            <a:endParaRPr lang="hu-HU" dirty="0"/>
           </a:p>
           <a:p>
             <a:r>
               <a:rPr lang="hu-HU" dirty="0"/>
-              <a:t>ELTE IK Tanrendek </a:t>
-            </a:r>
-            <a:r>
-              <a:rPr lang="hu-HU" dirty="0" smtClean="0"/>
-              <a:t>– </a:t>
-            </a:r>
-          </a:p>
-          <a:p>
-            <a:r>
-              <a:rPr lang="hu-HU" dirty="0" smtClean="0"/>
-              <a:t>https: //</a:t>
-            </a:r>
+              <a:t>ELTE IK Tanrendek – </a:t>
+            </a:r>
+          </a:p>
+          <a:p>
             <a:r>
               <a:rPr lang="hu-HU" dirty="0"/>
-              <a:t>www.inf.elte.hu/tantervihalok</a:t>
+              <a:t>https: //www.inf.elte.hu/tantervihalok</a:t>
             </a:r>
           </a:p>
         </p:txBody>
@@ -4426,13 +4585,6 @@
   <p:clrMapOvr>
     <a:masterClrMapping/>
   </p:clrMapOvr>
-  <p:timing>
-    <p:tnLst>
-      <p:par>
-        <p:cTn id="1" dur="indefinite" restart="never" nodeType="tmRoot"/>
-      </p:par>
-    </p:tnLst>
-  </p:timing>
 </p:sld>
 </file>
 
@@ -4505,7 +4657,7 @@
             <a:pPr lvl="1"/>
             <a:r>
               <a:rPr lang="hu-HU" sz="2800" dirty="0"/>
-              <a:t>ELTE IK – MSc utolsó félév (diplamunka, záróvizsga)</a:t>
+              <a:t>ELTE IK – MSc utolsó félév (diplomamunka, záróvizsga)</a:t>
             </a:r>
           </a:p>
           <a:p>
@@ -4552,7 +4704,7 @@
           <a:p>
             <a:pPr lvl="1"/>
             <a:r>
-              <a:rPr lang="hu-HU" sz="2800" dirty="0" smtClean="0"/>
+              <a:rPr lang="hu-HU" sz="2800" dirty="0"/>
               <a:t>(Magántanárral a legkönnyebb, én is vállalok diákokat..)</a:t>
             </a:r>
             <a:endParaRPr lang="hu-HU" sz="3200" dirty="0"/>
@@ -5325,13 +5477,8 @@
             <a:pPr algn="ctr"/>
             <a:r>
               <a:rPr lang="hu-HU" dirty="0"/>
-              <a:t>Menjünk-e egyetemre</a:t>
-            </a:r>
-            <a:r>
-              <a:rPr lang="hu-HU" dirty="0" smtClean="0"/>
-              <a:t>? - Pro</a:t>
-            </a:r>
-            <a:endParaRPr lang="hu-HU" dirty="0"/>
+              <a:t>Menjünk-e egyetemre? - Pro</a:t>
+            </a:r>
           </a:p>
         </p:txBody>
       </p:sp>
@@ -5360,17 +5507,13 @@
             <a:pPr marL="0" indent="0">
               <a:buNone/>
             </a:pPr>
-            <a:endParaRPr lang="hu-HU" dirty="0" smtClean="0"/>
+            <a:endParaRPr lang="hu-HU" dirty="0"/>
           </a:p>
           <a:p>
             <a:pPr lvl="1"/>
             <a:r>
-              <a:rPr lang="hu-HU" sz="2800" dirty="0" smtClean="0"/>
-              <a:t>A </a:t>
-            </a:r>
-            <a:r>
               <a:rPr lang="hu-HU" sz="2800" dirty="0"/>
-              <a:t>szakmán kívűl általános ismerteket is ad (jog, közgazdaság)</a:t>
+              <a:t>A szakmán kívűl általános ismerteket is ad (jog, közgazdaság)</a:t>
             </a:r>
           </a:p>
           <a:p>
@@ -5391,7 +5534,7 @@
             <a:pPr lvl="1"/>
             <a:r>
               <a:rPr lang="hu-HU" sz="2800" dirty="0"/>
-              <a:t>Egy mérnöki/természettudományos diplmát értékelnek a cégek (nem csak a programozócégek)</a:t>
+              <a:t>Egy mérnöki/természettudományos diplomát értékelnek a cégek (nem csak a programozócégek)</a:t>
             </a:r>
           </a:p>
           <a:p>
@@ -5405,11 +5548,7 @@
             <a:pPr lvl="1"/>
             <a:r>
               <a:rPr lang="hu-HU" sz="2800" dirty="0"/>
-              <a:t>Nincs haszontalan tudás: Van miről elmélkedni kocsmázás </a:t>
-            </a:r>
-            <a:r>
-              <a:rPr lang="hu-HU" sz="2800" dirty="0" smtClean="0"/>
-              <a:t>közbe</a:t>
+              <a:t>Nincs haszontalan tudás: Van miről elmélkedni kocsmázás közben</a:t>
             </a:r>
           </a:p>
         </p:txBody>
@@ -5786,13 +5925,8 @@
             <a:pPr algn="ctr"/>
             <a:r>
               <a:rPr lang="hu-HU" dirty="0"/>
-              <a:t>Menjünk-e egyetemre? - </a:t>
-            </a:r>
-            <a:r>
-              <a:rPr lang="hu-HU" dirty="0" smtClean="0"/>
-              <a:t>Kontra</a:t>
-            </a:r>
-            <a:endParaRPr lang="hu-HU" dirty="0"/>
+              <a:t>Menjünk-e egyetemre? - Kontra</a:t>
+            </a:r>
           </a:p>
         </p:txBody>
       </p:sp>
@@ -6117,7 +6251,7 @@
             <a:pPr algn="ctr"/>
             <a:r>
               <a:rPr lang="hu-HU" dirty="0"/>
-              <a:t>Milyen lehetőségek vannak még a programozó egyeten kívűl?</a:t>
+              <a:t>Milyen lehetőségek vannak még a programozó egyetemen kívül?</a:t>
             </a:r>
           </a:p>
         </p:txBody>
@@ -6147,47 +6281,32 @@
           <a:p>
             <a:r>
               <a:rPr lang="hu-HU" dirty="0"/>
-              <a:t>Felősoktatási szakképzés (BGE-n van </a:t>
-            </a:r>
-            <a:r>
-              <a:rPr lang="hu-HU" dirty="0" smtClean="0"/>
-              <a:t>pl.)</a:t>
-            </a:r>
-            <a:endParaRPr lang="hu-HU" dirty="0"/>
+              <a:t>Felősoktatási szakképzés (BGE-n van pl.)</a:t>
+            </a:r>
           </a:p>
           <a:p>
             <a:r>
               <a:rPr lang="hu-HU" dirty="0"/>
-              <a:t>Cégek által hírdetett képzések, magániskolák.. (nincs releváns </a:t>
-            </a:r>
-            <a:r>
-              <a:rPr lang="hu-HU" dirty="0" smtClean="0"/>
-              <a:t>tapasztaltom)</a:t>
-            </a:r>
-            <a:endParaRPr lang="hu-HU" dirty="0"/>
+              <a:t>Cégek által hírdetett képzések, magániskolák.. (nincs releváns tapasztaltom)</a:t>
+            </a:r>
           </a:p>
           <a:p>
             <a:r>
               <a:rPr lang="hu-HU" dirty="0"/>
-              <a:t>Igazából bármilyen természettudományos vagy mérnöki végzettség megteszi.. (pl. villamosmérnök, gépészmérnök, fizikus, matematikus, matektanár, vegyész, stb</a:t>
-            </a:r>
-            <a:r>
-              <a:rPr lang="hu-HU" dirty="0" smtClean="0"/>
-              <a:t>..)</a:t>
-            </a:r>
-          </a:p>
-          <a:p>
-            <a:r>
-              <a:rPr lang="hu-HU" dirty="0" smtClean="0"/>
+              <a:t>Igazából bármilyen természettudományos vagy mérnöki végzettség megteszi.. (pl. villamosmérnök, gépészmérnök, fizikus, matematikus, matektanár, vegyész, stb..)</a:t>
+            </a:r>
+          </a:p>
+          <a:p>
+            <a:r>
+              <a:rPr lang="hu-HU" dirty="0"/>
               <a:t>Ne erőltessünk semmit..</a:t>
             </a:r>
           </a:p>
           <a:p>
             <a:r>
-              <a:rPr lang="hu-HU" dirty="0" smtClean="0"/>
+              <a:rPr lang="hu-HU" dirty="0"/>
               <a:t>Állami finanszírozási keretek..</a:t>
             </a:r>
-            <a:endParaRPr lang="hu-HU" dirty="0"/>
           </a:p>
         </p:txBody>
       </p:sp>
@@ -6600,7 +6719,7 @@
           <a:p>
             <a:r>
               <a:rPr lang="hu-HU" dirty="0"/>
-              <a:t>Régi tanrendeben tanultam, de része voltam az egyik programozó tárgy tannyagfejlesztésének és oktatásának</a:t>
+              <a:t>Régi tanrendben tanultam, de része voltam az egyik programozó tárgy tananyagfejlesztésének és oktatásának</a:t>
             </a:r>
           </a:p>
           <a:p>
@@ -6634,69 +6753,64 @@
             <a:pPr lvl="1"/>
             <a:r>
               <a:rPr lang="hu-HU" dirty="0"/>
-              <a:t>Egy fokkal gyakorlatiasabb képzés felé mozdult el az </a:t>
-            </a:r>
-            <a:r>
-              <a:rPr lang="hu-HU" dirty="0" smtClean="0"/>
-              <a:t>egyetem</a:t>
-            </a:r>
+              <a:t>Egy fokkal gyakorlatiasabb képzés felé mozdult el az egyetem</a:t>
+            </a:r>
+          </a:p>
+          <a:p>
+            <a:r>
+              <a:rPr lang="hu-HU" dirty="0"/>
+              <a:t>Mesterképzések:</a:t>
+            </a:r>
+          </a:p>
+          <a:p>
+            <a:pPr lvl="1"/>
+            <a:r>
+              <a:rPr lang="hu-HU" dirty="0"/>
+              <a:t>Megszűnt a modulrendszer, kb azt tanulsz, amit szeretnél</a:t>
+            </a:r>
+          </a:p>
+          <a:p>
+            <a:pPr lvl="1"/>
+            <a:r>
+              <a:rPr lang="hu-HU" dirty="0"/>
+              <a:t>Tárgyak csoportjai</a:t>
+            </a:r>
+          </a:p>
+          <a:p>
+            <a:pPr lvl="2"/>
+            <a:r>
+              <a:rPr lang="hu-HU" dirty="0"/>
+              <a:t>Matmatikai modellezős</a:t>
+            </a:r>
+          </a:p>
+          <a:p>
+            <a:pPr lvl="2"/>
+            <a:r>
+              <a:rPr lang="hu-HU" dirty="0"/>
+              <a:t>Módszertanok, menedzseri ismertek</a:t>
+            </a:r>
+          </a:p>
+          <a:p>
+            <a:pPr lvl="2"/>
+            <a:r>
+              <a:rPr lang="hu-HU" dirty="0"/>
+              <a:t>Új techonológiákat felvonultatók</a:t>
+            </a:r>
+          </a:p>
+          <a:p>
+            <a:pPr lvl="2"/>
+            <a:r>
+              <a:rPr lang="hu-HU" dirty="0"/>
+              <a:t>Egyéb.. (kevésbé hasznosak..)</a:t>
+            </a:r>
+          </a:p>
+          <a:p>
+            <a:pPr lvl="2"/>
             <a:endParaRPr lang="hu-HU" dirty="0"/>
           </a:p>
           <a:p>
-            <a:r>
-              <a:rPr lang="hu-HU" dirty="0" smtClean="0"/>
-              <a:t>Mesterképzések:</a:t>
-            </a:r>
-          </a:p>
-          <a:p>
-            <a:pPr lvl="1"/>
-            <a:r>
-              <a:rPr lang="hu-HU" dirty="0" smtClean="0"/>
-              <a:t>Megszűnt a modulrendszer, kb azt tanulsz, amit szeretnél</a:t>
-            </a:r>
-          </a:p>
-          <a:p>
-            <a:pPr lvl="1"/>
-            <a:r>
-              <a:rPr lang="hu-HU" dirty="0" smtClean="0"/>
-              <a:t>Tárgyak csoportjai</a:t>
-            </a:r>
-          </a:p>
-          <a:p>
             <a:pPr lvl="2"/>
-            <a:r>
-              <a:rPr lang="hu-HU" dirty="0" smtClean="0"/>
-              <a:t>Matmatikai modellezős</a:t>
-            </a:r>
-          </a:p>
-          <a:p>
-            <a:pPr lvl="2"/>
-            <a:r>
-              <a:rPr lang="hu-HU" dirty="0" smtClean="0"/>
-              <a:t>Módszertanok, menedzseri ismertek</a:t>
-            </a:r>
-          </a:p>
-          <a:p>
-            <a:pPr lvl="2"/>
-            <a:r>
-              <a:rPr lang="hu-HU" dirty="0" smtClean="0"/>
-              <a:t>Új techonológiákat felvonultatók</a:t>
-            </a:r>
-          </a:p>
-          <a:p>
-            <a:pPr lvl="2"/>
-            <a:r>
-              <a:rPr lang="hu-HU" dirty="0" smtClean="0"/>
-              <a:t>Egyéb.. (kevésbé hasznosak..)</a:t>
-            </a:r>
-          </a:p>
-          <a:p>
-            <a:pPr lvl="2"/>
-            <a:endParaRPr lang="hu-HU" dirty="0" smtClean="0"/>
-          </a:p>
-          <a:p>
-            <a:pPr lvl="2"/>
-            <a:endParaRPr lang="hu-HU" dirty="0" smtClean="0"/>
+            <a:endParaRPr lang="hu-HU" dirty="0"/>
           </a:p>
         </p:txBody>
       </p:sp>
@@ -7266,21 +7380,8 @@
           <a:p>
             <a:r>
               <a:rPr lang="hu-HU" dirty="0"/>
-              <a:t>Alapkzés eleje: Minél többet megpróbálasz fejlődni szakmailag a </a:t>
-            </a:r>
-            <a:r>
-              <a:rPr lang="hu-HU" dirty="0" smtClean="0"/>
-              <a:t>tárgyaidon, </a:t>
-            </a:r>
-            <a:r>
-              <a:rPr lang="hu-HU" dirty="0"/>
-              <a:t>valamint </a:t>
-            </a:r>
-            <a:r>
-              <a:rPr lang="hu-HU" dirty="0" smtClean="0"/>
-              <a:t>önállóan (sok tárgyból beadandót is kell csinálni)</a:t>
-            </a:r>
-            <a:endParaRPr lang="hu-HU" dirty="0"/>
+              <a:t>Alapkzés eleje: Minél többet megpróbálasz fejlődni szakmailag a tárgyaidon, valamint önállóan (sok tárgyból beadandót is kell csinálni)</a:t>
+            </a:r>
           </a:p>
           <a:p>
             <a:r>
@@ -7292,15 +7393,7 @@
             <a:pPr lvl="1"/>
             <a:r>
               <a:rPr lang="hu-HU" dirty="0"/>
-              <a:t>Bekerülhetsz projektmunkákba, akár pénzt is kaphatsz érte, a szakdogozatodat és a szakmai gyakorlatod is </a:t>
-            </a:r>
-            <a:r>
-              <a:rPr lang="hu-HU" dirty="0" smtClean="0"/>
-              <a:t>letudhatod </a:t>
-            </a:r>
-            <a:r>
-              <a:rPr lang="hu-HU" dirty="0"/>
-              <a:t>ennek keretében</a:t>
+              <a:t>Bekerülhetsz projektmunkákba, akár pénzt is kaphatsz érte, a szakdogozatodat és a szakmai gyakorlatod is letudhatod ennek keretében</a:t>
             </a:r>
           </a:p>
           <a:p>
@@ -7334,15 +7427,7 @@
             <a:pPr lvl="1"/>
             <a:r>
               <a:rPr lang="hu-HU" dirty="0"/>
-              <a:t>Továbbá a projektmunkát is </a:t>
-            </a:r>
-            <a:r>
-              <a:rPr lang="hu-HU" dirty="0" smtClean="0"/>
-              <a:t>folytathatod vagy vállalsz, </a:t>
-            </a:r>
-            <a:r>
-              <a:rPr lang="hu-HU" dirty="0"/>
-              <a:t>valamint gyakorlatvezetéseket is vállalhatsz</a:t>
+              <a:t>Továbbá a projektmunkát is folytathatod vagy vállalsz, valamint gyakorlatvezetéseket is vállalhatsz</a:t>
             </a:r>
           </a:p>
         </p:txBody>
@@ -7812,13 +7897,8 @@
           <a:p>
             <a:r>
               <a:rPr lang="hu-HU" dirty="0"/>
-              <a:t>Az ötleteidet valósíthatod meg, és általában nem egy ügyfél </a:t>
-            </a:r>
-            <a:r>
-              <a:rPr lang="hu-HU" dirty="0" smtClean="0"/>
-              <a:t>kivánságát (emiatt ritkán vanak jól definiált feladatok)</a:t>
-            </a:r>
-            <a:endParaRPr lang="hu-HU" dirty="0"/>
+              <a:t>Az ötleteidet valósíthatod meg, és általában nem egy ügyfél kivánságát (emiatt ritkán vannak jól definiált feladatok)</a:t>
+            </a:r>
           </a:p>
           <a:p>
             <a:r>
